--- a/doc/Presentación.pptx
+++ b/doc/Presentación.pptx
@@ -5,7 +5,7 @@
     <p:sldMasterId id="2147483659" r:id="rId1"/>
   </p:sldMasterIdLst>
   <p:notesMasterIdLst>
-    <p:notesMasterId r:id="rId23"/>
+    <p:notesMasterId r:id="rId25"/>
   </p:notesMasterIdLst>
   <p:sldIdLst>
     <p:sldId id="256" r:id="rId2"/>
@@ -14,48 +14,48 @@
     <p:sldId id="299" r:id="rId5"/>
     <p:sldId id="302" r:id="rId6"/>
     <p:sldId id="301" r:id="rId7"/>
-    <p:sldId id="300" r:id="rId8"/>
-    <p:sldId id="285" r:id="rId9"/>
-    <p:sldId id="286" r:id="rId10"/>
-    <p:sldId id="287" r:id="rId11"/>
-    <p:sldId id="288" r:id="rId12"/>
-    <p:sldId id="289" r:id="rId13"/>
-    <p:sldId id="290" r:id="rId14"/>
-    <p:sldId id="291" r:id="rId15"/>
-    <p:sldId id="292" r:id="rId16"/>
-    <p:sldId id="293" r:id="rId17"/>
-    <p:sldId id="294" r:id="rId18"/>
-    <p:sldId id="295" r:id="rId19"/>
-    <p:sldId id="296" r:id="rId20"/>
-    <p:sldId id="297" r:id="rId21"/>
-    <p:sldId id="278" r:id="rId22"/>
+    <p:sldId id="303" r:id="rId8"/>
+    <p:sldId id="304" r:id="rId9"/>
+    <p:sldId id="300" r:id="rId10"/>
+    <p:sldId id="285" r:id="rId11"/>
+    <p:sldId id="286" r:id="rId12"/>
+    <p:sldId id="287" r:id="rId13"/>
+    <p:sldId id="288" r:id="rId14"/>
+    <p:sldId id="289" r:id="rId15"/>
+    <p:sldId id="290" r:id="rId16"/>
+    <p:sldId id="291" r:id="rId17"/>
+    <p:sldId id="292" r:id="rId18"/>
+    <p:sldId id="293" r:id="rId19"/>
+    <p:sldId id="294" r:id="rId20"/>
+    <p:sldId id="295" r:id="rId21"/>
+    <p:sldId id="296" r:id="rId22"/>
+    <p:sldId id="297" r:id="rId23"/>
+    <p:sldId id="278" r:id="rId24"/>
   </p:sldIdLst>
   <p:sldSz cx="9144000" cy="5143500" type="screen16x9"/>
   <p:notesSz cx="6858000" cy="9144000"/>
   <p:embeddedFontLst>
     <p:embeddedFont>
-      <p:font typeface="Source Sans Pro" panose="020B0604020202020204" charset="0"/>
-      <p:regular r:id="rId24"/>
-      <p:bold r:id="rId25"/>
-      <p:italic r:id="rId26"/>
-      <p:boldItalic r:id="rId27"/>
+      <p:font typeface="Calibri" panose="020F0502020204030204" pitchFamily="34" charset="0"/>
+      <p:regular r:id="rId26"/>
+      <p:bold r:id="rId27"/>
+      <p:italic r:id="rId28"/>
+      <p:boldItalic r:id="rId29"/>
     </p:embeddedFont>
     <p:embeddedFont>
-      <p:font typeface="Calibri" panose="020F0502020204030204" pitchFamily="34" charset="0"/>
-      <p:regular r:id="rId28"/>
-      <p:bold r:id="rId29"/>
-      <p:italic r:id="rId30"/>
-      <p:boldItalic r:id="rId31"/>
+      <p:font typeface="Source Sans Pro" panose="020B0503030403020204" pitchFamily="34" charset="0"/>
+      <p:regular r:id="rId30"/>
+      <p:bold r:id="rId31"/>
+      <p:italic r:id="rId32"/>
+      <p:boldItalic r:id="rId33"/>
+    </p:embeddedFont>
+    <p:embeddedFont>
+      <p:font typeface="Montserrat" panose="00000500000000000000" pitchFamily="50" charset="0"/>
+      <p:regular r:id="rId34"/>
+      <p:bold r:id="rId35"/>
     </p:embeddedFont>
     <p:embeddedFont>
       <p:font typeface="Helvetica" panose="020B0604020202020204" pitchFamily="34" charset="0"/>
-      <p:regular r:id="rId32"/>
-      <p:bold r:id="rId33"/>
-      <p:italic r:id="rId34"/>
-      <p:boldItalic r:id="rId35"/>
-    </p:embeddedFont>
-    <p:embeddedFont>
-      <p:font typeface="Montserrat" panose="020B0604020202020204" charset="0"/>
       <p:regular r:id="rId36"/>
       <p:bold r:id="rId37"/>
       <p:italic r:id="rId38"/>
@@ -951,7 +951,7 @@
     </p:spTree>
     <p:extLst>
       <p:ext uri="{BB962C8B-B14F-4D97-AF65-F5344CB8AC3E}">
-        <p14:creationId xmlns:p14="http://schemas.microsoft.com/office/powerpoint/2010/main" val="2898142600"/>
+        <p14:creationId xmlns:p14="http://schemas.microsoft.com/office/powerpoint/2010/main" val="4249531466"/>
       </p:ext>
     </p:extLst>
   </p:cSld>
@@ -1060,7 +1060,7 @@
     </p:spTree>
     <p:extLst>
       <p:ext uri="{BB962C8B-B14F-4D97-AF65-F5344CB8AC3E}">
-        <p14:creationId xmlns:p14="http://schemas.microsoft.com/office/powerpoint/2010/main" val="559141819"/>
+        <p14:creationId xmlns:p14="http://schemas.microsoft.com/office/powerpoint/2010/main" val="697133303"/>
       </p:ext>
     </p:extLst>
   </p:cSld>
@@ -1169,7 +1169,7 @@
     </p:spTree>
     <p:extLst>
       <p:ext uri="{BB962C8B-B14F-4D97-AF65-F5344CB8AC3E}">
-        <p14:creationId xmlns:p14="http://schemas.microsoft.com/office/powerpoint/2010/main" val="188229846"/>
+        <p14:creationId xmlns:p14="http://schemas.microsoft.com/office/powerpoint/2010/main" val="2898142600"/>
       </p:ext>
     </p:extLst>
   </p:cSld>
@@ -1278,7 +1278,7 @@
     </p:spTree>
     <p:extLst>
       <p:ext uri="{BB962C8B-B14F-4D97-AF65-F5344CB8AC3E}">
-        <p14:creationId xmlns:p14="http://schemas.microsoft.com/office/powerpoint/2010/main" val="3131337918"/>
+        <p14:creationId xmlns:p14="http://schemas.microsoft.com/office/powerpoint/2010/main" val="559141819"/>
       </p:ext>
     </p:extLst>
   </p:cSld>
@@ -1387,7 +1387,7 @@
     </p:spTree>
     <p:extLst>
       <p:ext uri="{BB962C8B-B14F-4D97-AF65-F5344CB8AC3E}">
-        <p14:creationId xmlns:p14="http://schemas.microsoft.com/office/powerpoint/2010/main" val="3425497950"/>
+        <p14:creationId xmlns:p14="http://schemas.microsoft.com/office/powerpoint/2010/main" val="188229846"/>
       </p:ext>
     </p:extLst>
   </p:cSld>
@@ -1496,7 +1496,7 @@
     </p:spTree>
     <p:extLst>
       <p:ext uri="{BB962C8B-B14F-4D97-AF65-F5344CB8AC3E}">
-        <p14:creationId xmlns:p14="http://schemas.microsoft.com/office/powerpoint/2010/main" val="2961035047"/>
+        <p14:creationId xmlns:p14="http://schemas.microsoft.com/office/powerpoint/2010/main" val="3131337918"/>
       </p:ext>
     </p:extLst>
   </p:cSld>
@@ -1605,7 +1605,7 @@
     </p:spTree>
     <p:extLst>
       <p:ext uri="{BB962C8B-B14F-4D97-AF65-F5344CB8AC3E}">
-        <p14:creationId xmlns:p14="http://schemas.microsoft.com/office/powerpoint/2010/main" val="3005543699"/>
+        <p14:creationId xmlns:p14="http://schemas.microsoft.com/office/powerpoint/2010/main" val="3425497950"/>
       </p:ext>
     </p:extLst>
   </p:cSld>
@@ -1620,7 +1620,7 @@
   <p:cSld>
     <p:spTree>
       <p:nvGrpSpPr>
-        <p:cNvPr id="1" name="Shape 257"/>
+        <p:cNvPr id="1" name="Shape 108"/>
         <p:cNvGrpSpPr/>
         <p:nvPr/>
       </p:nvGrpSpPr>
@@ -1634,7 +1634,7 @@
       </p:grpSpPr>
       <p:sp>
         <p:nvSpPr>
-          <p:cNvPr id="258" name="Shape 258"/>
+          <p:cNvPr id="109" name="Shape 109"/>
           <p:cNvSpPr>
             <a:spLocks noGrp="1" noRot="1" noChangeAspect="1"/>
           </p:cNvSpPr>
@@ -1675,7 +1675,7 @@
       </p:sp>
       <p:sp>
         <p:nvSpPr>
-          <p:cNvPr id="259" name="Shape 259"/>
+          <p:cNvPr id="110" name="Shape 110"/>
           <p:cNvSpPr txBox="1">
             <a:spLocks noGrp="1"/>
           </p:cNvSpPr>
@@ -1714,7 +1714,7 @@
     </p:spTree>
     <p:extLst>
       <p:ext uri="{BB962C8B-B14F-4D97-AF65-F5344CB8AC3E}">
-        <p14:creationId xmlns:p14="http://schemas.microsoft.com/office/powerpoint/2010/main" val="2622808866"/>
+        <p14:creationId xmlns:p14="http://schemas.microsoft.com/office/powerpoint/2010/main" val="2961035047"/>
       </p:ext>
     </p:extLst>
   </p:cSld>
@@ -1823,7 +1823,7 @@
     </p:spTree>
     <p:extLst>
       <p:ext uri="{BB962C8B-B14F-4D97-AF65-F5344CB8AC3E}">
-        <p14:creationId xmlns:p14="http://schemas.microsoft.com/office/powerpoint/2010/main" val="1006350509"/>
+        <p14:creationId xmlns:p14="http://schemas.microsoft.com/office/powerpoint/2010/main" val="3005543699"/>
       </p:ext>
     </p:extLst>
   </p:cSld>
@@ -1838,7 +1838,7 @@
   <p:cSld>
     <p:spTree>
       <p:nvGrpSpPr>
-        <p:cNvPr id="1" name="Shape 108"/>
+        <p:cNvPr id="1" name="Shape 257"/>
         <p:cNvGrpSpPr/>
         <p:nvPr/>
       </p:nvGrpSpPr>
@@ -1852,7 +1852,7 @@
       </p:grpSpPr>
       <p:sp>
         <p:nvSpPr>
-          <p:cNvPr id="109" name="Shape 109"/>
+          <p:cNvPr id="258" name="Shape 258"/>
           <p:cNvSpPr>
             <a:spLocks noGrp="1" noRot="1" noChangeAspect="1"/>
           </p:cNvSpPr>
@@ -1893,7 +1893,7 @@
       </p:sp>
       <p:sp>
         <p:nvSpPr>
-          <p:cNvPr id="110" name="Shape 110"/>
+          <p:cNvPr id="259" name="Shape 259"/>
           <p:cNvSpPr txBox="1">
             <a:spLocks noGrp="1"/>
           </p:cNvSpPr>
@@ -1932,7 +1932,7 @@
     </p:spTree>
     <p:extLst>
       <p:ext uri="{BB962C8B-B14F-4D97-AF65-F5344CB8AC3E}">
-        <p14:creationId xmlns:p14="http://schemas.microsoft.com/office/powerpoint/2010/main" val="4092244445"/>
+        <p14:creationId xmlns:p14="http://schemas.microsoft.com/office/powerpoint/2010/main" val="2622808866"/>
       </p:ext>
     </p:extLst>
   </p:cSld>
@@ -2150,6 +2150,224 @@
     </p:spTree>
     <p:extLst>
       <p:ext uri="{BB962C8B-B14F-4D97-AF65-F5344CB8AC3E}">
+        <p14:creationId xmlns:p14="http://schemas.microsoft.com/office/powerpoint/2010/main" val="1006350509"/>
+      </p:ext>
+    </p:extLst>
+  </p:cSld>
+  <p:clrMapOvr>
+    <a:masterClrMapping/>
+  </p:clrMapOvr>
+</p:notes>
+</file>
+
+<file path=ppt/notesSlides/notesSlide21.xml><?xml version="1.0" encoding="utf-8"?>
+<p:notes xmlns:a="http://schemas.openxmlformats.org/drawingml/2006/main" xmlns:r="http://schemas.openxmlformats.org/officeDocument/2006/relationships" xmlns:p="http://schemas.openxmlformats.org/presentationml/2006/main" showMasterSp="0" showMasterPhAnim="0">
+  <p:cSld>
+    <p:spTree>
+      <p:nvGrpSpPr>
+        <p:cNvPr id="1" name="Shape 108"/>
+        <p:cNvGrpSpPr/>
+        <p:nvPr/>
+      </p:nvGrpSpPr>
+      <p:grpSpPr>
+        <a:xfrm>
+          <a:off x="0" y="0"/>
+          <a:ext cx="0" cy="0"/>
+          <a:chOff x="0" y="0"/>
+          <a:chExt cx="0" cy="0"/>
+        </a:xfrm>
+      </p:grpSpPr>
+      <p:sp>
+        <p:nvSpPr>
+          <p:cNvPr id="109" name="Shape 109"/>
+          <p:cNvSpPr>
+            <a:spLocks noGrp="1" noRot="1" noChangeAspect="1"/>
+          </p:cNvSpPr>
+          <p:nvPr>
+            <p:ph type="sldImg" idx="2"/>
+          </p:nvPr>
+        </p:nvSpPr>
+        <p:spPr>
+          <a:xfrm>
+            <a:off x="381000" y="685800"/>
+            <a:ext cx="6096000" cy="3429000"/>
+          </a:xfrm>
+          <a:custGeom>
+            <a:avLst/>
+            <a:gdLst/>
+            <a:ahLst/>
+            <a:cxnLst/>
+            <a:rect l="0" t="0" r="0" b="0"/>
+            <a:pathLst>
+              <a:path w="120000" h="120000" extrusionOk="0">
+                <a:moveTo>
+                  <a:pt x="0" y="0"/>
+                </a:moveTo>
+                <a:lnTo>
+                  <a:pt x="120000" y="0"/>
+                </a:lnTo>
+                <a:lnTo>
+                  <a:pt x="120000" y="120000"/>
+                </a:lnTo>
+                <a:lnTo>
+                  <a:pt x="0" y="120000"/>
+                </a:lnTo>
+                <a:close/>
+              </a:path>
+            </a:pathLst>
+          </a:custGeom>
+        </p:spPr>
+      </p:sp>
+      <p:sp>
+        <p:nvSpPr>
+          <p:cNvPr id="110" name="Shape 110"/>
+          <p:cNvSpPr txBox="1">
+            <a:spLocks noGrp="1"/>
+          </p:cNvSpPr>
+          <p:nvPr>
+            <p:ph type="body" idx="1"/>
+          </p:nvPr>
+        </p:nvSpPr>
+        <p:spPr>
+          <a:xfrm>
+            <a:off x="685800" y="4343400"/>
+            <a:ext cx="5486400" cy="4114800"/>
+          </a:xfrm>
+          <a:prstGeom prst="rect">
+            <a:avLst/>
+          </a:prstGeom>
+        </p:spPr>
+        <p:txBody>
+          <a:bodyPr spcFirstLastPara="1" wrap="square" lIns="91425" tIns="91425" rIns="91425" bIns="91425" anchor="t" anchorCtr="0">
+            <a:noAutofit/>
+          </a:bodyPr>
+          <a:lstStyle/>
+          <a:p>
+            <a:pPr marL="0" lvl="0" indent="0">
+              <a:spcBef>
+                <a:spcPts val="0"/>
+              </a:spcBef>
+              <a:spcAft>
+                <a:spcPts val="0"/>
+              </a:spcAft>
+              <a:buNone/>
+            </a:pPr>
+            <a:endParaRPr/>
+          </a:p>
+        </p:txBody>
+      </p:sp>
+    </p:spTree>
+    <p:extLst>
+      <p:ext uri="{BB962C8B-B14F-4D97-AF65-F5344CB8AC3E}">
+        <p14:creationId xmlns:p14="http://schemas.microsoft.com/office/powerpoint/2010/main" val="4092244445"/>
+      </p:ext>
+    </p:extLst>
+  </p:cSld>
+  <p:clrMapOvr>
+    <a:masterClrMapping/>
+  </p:clrMapOvr>
+</p:notes>
+</file>
+
+<file path=ppt/notesSlides/notesSlide22.xml><?xml version="1.0" encoding="utf-8"?>
+<p:notes xmlns:a="http://schemas.openxmlformats.org/drawingml/2006/main" xmlns:r="http://schemas.openxmlformats.org/officeDocument/2006/relationships" xmlns:p="http://schemas.openxmlformats.org/presentationml/2006/main" showMasterSp="0" showMasterPhAnim="0">
+  <p:cSld>
+    <p:spTree>
+      <p:nvGrpSpPr>
+        <p:cNvPr id="1" name="Shape 108"/>
+        <p:cNvGrpSpPr/>
+        <p:nvPr/>
+      </p:nvGrpSpPr>
+      <p:grpSpPr>
+        <a:xfrm>
+          <a:off x="0" y="0"/>
+          <a:ext cx="0" cy="0"/>
+          <a:chOff x="0" y="0"/>
+          <a:chExt cx="0" cy="0"/>
+        </a:xfrm>
+      </p:grpSpPr>
+      <p:sp>
+        <p:nvSpPr>
+          <p:cNvPr id="109" name="Shape 109"/>
+          <p:cNvSpPr>
+            <a:spLocks noGrp="1" noRot="1" noChangeAspect="1"/>
+          </p:cNvSpPr>
+          <p:nvPr>
+            <p:ph type="sldImg" idx="2"/>
+          </p:nvPr>
+        </p:nvSpPr>
+        <p:spPr>
+          <a:xfrm>
+            <a:off x="381000" y="685800"/>
+            <a:ext cx="6096000" cy="3429000"/>
+          </a:xfrm>
+          <a:custGeom>
+            <a:avLst/>
+            <a:gdLst/>
+            <a:ahLst/>
+            <a:cxnLst/>
+            <a:rect l="0" t="0" r="0" b="0"/>
+            <a:pathLst>
+              <a:path w="120000" h="120000" extrusionOk="0">
+                <a:moveTo>
+                  <a:pt x="0" y="0"/>
+                </a:moveTo>
+                <a:lnTo>
+                  <a:pt x="120000" y="0"/>
+                </a:lnTo>
+                <a:lnTo>
+                  <a:pt x="120000" y="120000"/>
+                </a:lnTo>
+                <a:lnTo>
+                  <a:pt x="0" y="120000"/>
+                </a:lnTo>
+                <a:close/>
+              </a:path>
+            </a:pathLst>
+          </a:custGeom>
+        </p:spPr>
+      </p:sp>
+      <p:sp>
+        <p:nvSpPr>
+          <p:cNvPr id="110" name="Shape 110"/>
+          <p:cNvSpPr txBox="1">
+            <a:spLocks noGrp="1"/>
+          </p:cNvSpPr>
+          <p:nvPr>
+            <p:ph type="body" idx="1"/>
+          </p:nvPr>
+        </p:nvSpPr>
+        <p:spPr>
+          <a:xfrm>
+            <a:off x="685800" y="4343400"/>
+            <a:ext cx="5486400" cy="4114800"/>
+          </a:xfrm>
+          <a:prstGeom prst="rect">
+            <a:avLst/>
+          </a:prstGeom>
+        </p:spPr>
+        <p:txBody>
+          <a:bodyPr spcFirstLastPara="1" wrap="square" lIns="91425" tIns="91425" rIns="91425" bIns="91425" anchor="t" anchorCtr="0">
+            <a:noAutofit/>
+          </a:bodyPr>
+          <a:lstStyle/>
+          <a:p>
+            <a:pPr marL="0" lvl="0" indent="0">
+              <a:spcBef>
+                <a:spcPts val="0"/>
+              </a:spcBef>
+              <a:spcAft>
+                <a:spcPts val="0"/>
+              </a:spcAft>
+              <a:buNone/>
+            </a:pPr>
+            <a:endParaRPr/>
+          </a:p>
+        </p:txBody>
+      </p:sp>
+    </p:spTree>
+    <p:extLst>
+      <p:ext uri="{BB962C8B-B14F-4D97-AF65-F5344CB8AC3E}">
         <p14:creationId xmlns:p14="http://schemas.microsoft.com/office/powerpoint/2010/main" val="3238044775"/>
       </p:ext>
     </p:extLst>
@@ -2160,7 +2378,7 @@
 </p:notes>
 </file>
 
-<file path=ppt/notesSlides/notesSlide21.xml><?xml version="1.0" encoding="utf-8"?>
+<file path=ppt/notesSlides/notesSlide23.xml><?xml version="1.0" encoding="utf-8"?>
 <p:notes xmlns:a="http://schemas.openxmlformats.org/drawingml/2006/main" xmlns:r="http://schemas.openxmlformats.org/officeDocument/2006/relationships" xmlns:p="http://schemas.openxmlformats.org/presentationml/2006/main" showMasterSp="0" showMasterPhAnim="0">
   <p:cSld>
     <p:spTree>
@@ -2804,7 +3022,7 @@
     </p:spTree>
     <p:extLst>
       <p:ext uri="{BB962C8B-B14F-4D97-AF65-F5344CB8AC3E}">
-        <p14:creationId xmlns:p14="http://schemas.microsoft.com/office/powerpoint/2010/main" val="1312481110"/>
+        <p14:creationId xmlns:p14="http://schemas.microsoft.com/office/powerpoint/2010/main" val="4017282505"/>
       </p:ext>
     </p:extLst>
   </p:cSld>
@@ -2819,7 +3037,7 @@
   <p:cSld>
     <p:spTree>
       <p:nvGrpSpPr>
-        <p:cNvPr id="1" name="Shape 108"/>
+        <p:cNvPr id="1" name="Shape 136"/>
         <p:cNvGrpSpPr/>
         <p:nvPr/>
       </p:nvGrpSpPr>
@@ -2833,7 +3051,7 @@
       </p:grpSpPr>
       <p:sp>
         <p:nvSpPr>
-          <p:cNvPr id="109" name="Shape 109"/>
+          <p:cNvPr id="137" name="Shape 137"/>
           <p:cNvSpPr>
             <a:spLocks noGrp="1" noRot="1" noChangeAspect="1"/>
           </p:cNvSpPr>
@@ -2874,7 +3092,7 @@
       </p:sp>
       <p:sp>
         <p:nvSpPr>
-          <p:cNvPr id="110" name="Shape 110"/>
+          <p:cNvPr id="138" name="Shape 138"/>
           <p:cNvSpPr txBox="1">
             <a:spLocks noGrp="1"/>
           </p:cNvSpPr>
@@ -2913,7 +3131,7 @@
     </p:spTree>
     <p:extLst>
       <p:ext uri="{BB962C8B-B14F-4D97-AF65-F5344CB8AC3E}">
-        <p14:creationId xmlns:p14="http://schemas.microsoft.com/office/powerpoint/2010/main" val="4249531466"/>
+        <p14:creationId xmlns:p14="http://schemas.microsoft.com/office/powerpoint/2010/main" val="3330697747"/>
       </p:ext>
     </p:extLst>
   </p:cSld>
@@ -2928,7 +3146,7 @@
   <p:cSld>
     <p:spTree>
       <p:nvGrpSpPr>
-        <p:cNvPr id="1" name="Shape 108"/>
+        <p:cNvPr id="1" name="Shape 136"/>
         <p:cNvGrpSpPr/>
         <p:nvPr/>
       </p:nvGrpSpPr>
@@ -2942,7 +3160,7 @@
       </p:grpSpPr>
       <p:sp>
         <p:nvSpPr>
-          <p:cNvPr id="109" name="Shape 109"/>
+          <p:cNvPr id="137" name="Shape 137"/>
           <p:cNvSpPr>
             <a:spLocks noGrp="1" noRot="1" noChangeAspect="1"/>
           </p:cNvSpPr>
@@ -2983,7 +3201,7 @@
       </p:sp>
       <p:sp>
         <p:nvSpPr>
-          <p:cNvPr id="110" name="Shape 110"/>
+          <p:cNvPr id="138" name="Shape 138"/>
           <p:cNvSpPr txBox="1">
             <a:spLocks noGrp="1"/>
           </p:cNvSpPr>
@@ -3022,7 +3240,7 @@
     </p:spTree>
     <p:extLst>
       <p:ext uri="{BB962C8B-B14F-4D97-AF65-F5344CB8AC3E}">
-        <p14:creationId xmlns:p14="http://schemas.microsoft.com/office/powerpoint/2010/main" val="697133303"/>
+        <p14:creationId xmlns:p14="http://schemas.microsoft.com/office/powerpoint/2010/main" val="1312481110"/>
       </p:ext>
     </p:extLst>
   </p:cSld>
@@ -6612,6 +6830,2077 @@
       </p:grpSpPr>
       <p:sp>
         <p:nvSpPr>
+          <p:cNvPr id="7" name="TextBox 6"/>
+          <p:cNvSpPr txBox="1"/>
+          <p:nvPr/>
+        </p:nvSpPr>
+        <p:spPr>
+          <a:xfrm>
+            <a:off x="1085439" y="1870290"/>
+            <a:ext cx="4170719" cy="1582674"/>
+          </a:xfrm>
+          <a:prstGeom prst="rect">
+            <a:avLst/>
+          </a:prstGeom>
+          <a:solidFill>
+            <a:schemeClr val="accent1">
+              <a:lumMod val="20000"/>
+              <a:lumOff val="80000"/>
+            </a:schemeClr>
+          </a:solidFill>
+        </p:spPr>
+        <p:txBody>
+          <a:bodyPr wrap="square" rtlCol="0">
+            <a:spAutoFit/>
+          </a:bodyPr>
+          <a:lstStyle/>
+          <a:p>
+            <a:endParaRPr lang="es-ES" dirty="0"/>
+          </a:p>
+        </p:txBody>
+      </p:sp>
+      <p:sp>
+        <p:nvSpPr>
+          <p:cNvPr id="112" name="Shape 112"/>
+          <p:cNvSpPr txBox="1">
+            <a:spLocks noGrp="1"/>
+          </p:cNvSpPr>
+          <p:nvPr>
+            <p:ph type="title"/>
+          </p:nvPr>
+        </p:nvSpPr>
+        <p:spPr>
+          <a:xfrm>
+            <a:off x="1010200" y="648725"/>
+            <a:ext cx="7131300" cy="671400"/>
+          </a:xfrm>
+          <a:prstGeom prst="rect">
+            <a:avLst/>
+          </a:prstGeom>
+        </p:spPr>
+        <p:txBody>
+          <a:bodyPr spcFirstLastPara="1" wrap="square" lIns="91425" tIns="91425" rIns="91425" bIns="91425" anchor="b" anchorCtr="0">
+            <a:noAutofit/>
+          </a:bodyPr>
+          <a:lstStyle/>
+          <a:p>
+            <a:pPr marL="0" lvl="0" indent="0">
+              <a:spcBef>
+                <a:spcPts val="0"/>
+              </a:spcBef>
+              <a:spcAft>
+                <a:spcPts val="0"/>
+              </a:spcAft>
+              <a:buNone/>
+            </a:pPr>
+            <a:r>
+              <a:rPr lang="es-ES" sz="1400" dirty="0" smtClean="0">
+                <a:latin typeface="SF Display" panose="00000500000000000000" pitchFamily="50" charset="0"/>
+                <a:ea typeface="SF Display" panose="00000500000000000000" pitchFamily="50" charset="0"/>
+              </a:rPr>
+              <a:t>Implementación de la búsqueda</a:t>
+            </a:r>
+            <a:endParaRPr sz="1400" dirty="0">
+              <a:latin typeface="SF Display" panose="00000500000000000000" pitchFamily="50" charset="0"/>
+              <a:ea typeface="SF Display" panose="00000500000000000000" pitchFamily="50" charset="0"/>
+            </a:endParaRPr>
+          </a:p>
+        </p:txBody>
+      </p:sp>
+      <p:sp>
+        <p:nvSpPr>
+          <p:cNvPr id="113" name="Shape 113"/>
+          <p:cNvSpPr txBox="1">
+            <a:spLocks noGrp="1"/>
+          </p:cNvSpPr>
+          <p:nvPr>
+            <p:ph type="body" idx="1"/>
+          </p:nvPr>
+        </p:nvSpPr>
+        <p:spPr>
+          <a:xfrm>
+            <a:off x="826007" y="1870290"/>
+            <a:ext cx="4430151" cy="1076136"/>
+          </a:xfrm>
+          <a:prstGeom prst="rect">
+            <a:avLst/>
+          </a:prstGeom>
+          <a:ln>
+            <a:noFill/>
+          </a:ln>
+        </p:spPr>
+        <p:txBody>
+          <a:bodyPr spcFirstLastPara="1" wrap="square" lIns="91425" tIns="91425" rIns="91425" bIns="91425" anchor="t" anchorCtr="0">
+            <a:noAutofit/>
+          </a:bodyPr>
+          <a:lstStyle/>
+          <a:p>
+            <a:pPr marL="449580" indent="0">
+              <a:lnSpc>
+                <a:spcPct val="107000"/>
+              </a:lnSpc>
+              <a:spcBef>
+                <a:spcPts val="300"/>
+              </a:spcBef>
+              <a:buNone/>
+            </a:pPr>
+            <a:r>
+              <a:rPr lang="en-US" sz="800" dirty="0" smtClean="0">
+                <a:solidFill>
+                  <a:srgbClr val="AA0D91"/>
+                </a:solidFill>
+                <a:latin typeface="SF Display" panose="00000500000000000000" pitchFamily="50" charset="0"/>
+                <a:ea typeface="Times New Roman" panose="02020603050405020304" pitchFamily="18" charset="0"/>
+                <a:cs typeface="Calibri" panose="020F0502020204030204" pitchFamily="34" charset="0"/>
+              </a:rPr>
+              <a:t>class</a:t>
+            </a:r>
+            <a:r>
+              <a:rPr lang="en-US" sz="800" dirty="0" smtClean="0">
+                <a:solidFill>
+                  <a:srgbClr val="000000"/>
+                </a:solidFill>
+                <a:latin typeface="SF Display" panose="00000500000000000000" pitchFamily="50" charset="0"/>
+                <a:ea typeface="Times New Roman" panose="02020603050405020304" pitchFamily="18" charset="0"/>
+                <a:cs typeface="Calibri" panose="020F0502020204030204" pitchFamily="34" charset="0"/>
+              </a:rPr>
+              <a:t> </a:t>
+            </a:r>
+            <a:r>
+              <a:rPr lang="en-US" sz="800" dirty="0" err="1">
+                <a:solidFill>
+                  <a:srgbClr val="000000"/>
+                </a:solidFill>
+                <a:latin typeface="SF Display" panose="00000500000000000000" pitchFamily="50" charset="0"/>
+                <a:ea typeface="Times New Roman" panose="02020603050405020304" pitchFamily="18" charset="0"/>
+                <a:cs typeface="Calibri" panose="020F0502020204030204" pitchFamily="34" charset="0"/>
+              </a:rPr>
+              <a:t>MealTableViewController</a:t>
+            </a:r>
+            <a:r>
+              <a:rPr lang="en-US" sz="800" dirty="0">
+                <a:solidFill>
+                  <a:srgbClr val="000000"/>
+                </a:solidFill>
+                <a:latin typeface="SF Display" panose="00000500000000000000" pitchFamily="50" charset="0"/>
+                <a:ea typeface="Times New Roman" panose="02020603050405020304" pitchFamily="18" charset="0"/>
+                <a:cs typeface="Calibri" panose="020F0502020204030204" pitchFamily="34" charset="0"/>
+              </a:rPr>
+              <a:t>: </a:t>
+            </a:r>
+            <a:r>
+              <a:rPr lang="en-US" sz="800" dirty="0" err="1">
+                <a:solidFill>
+                  <a:srgbClr val="5C2699"/>
+                </a:solidFill>
+                <a:latin typeface="SF Display" panose="00000500000000000000" pitchFamily="50" charset="0"/>
+                <a:ea typeface="Times New Roman" panose="02020603050405020304" pitchFamily="18" charset="0"/>
+                <a:cs typeface="Calibri" panose="020F0502020204030204" pitchFamily="34" charset="0"/>
+              </a:rPr>
+              <a:t>UITableViewController</a:t>
+            </a:r>
+            <a:r>
+              <a:rPr lang="en-US" sz="800" dirty="0">
+                <a:solidFill>
+                  <a:srgbClr val="000000"/>
+                </a:solidFill>
+                <a:latin typeface="SF Display" panose="00000500000000000000" pitchFamily="50" charset="0"/>
+                <a:ea typeface="Times New Roman" panose="02020603050405020304" pitchFamily="18" charset="0"/>
+                <a:cs typeface="Calibri" panose="020F0502020204030204" pitchFamily="34" charset="0"/>
+              </a:rPr>
+              <a:t>,</a:t>
+            </a:r>
+            <a:r>
+              <a:rPr lang="en-US" sz="800" b="1" dirty="0">
+                <a:solidFill>
+                  <a:srgbClr val="000000"/>
+                </a:solidFill>
+                <a:latin typeface="SF Display" panose="00000500000000000000" pitchFamily="50" charset="0"/>
+                <a:ea typeface="Times New Roman" panose="02020603050405020304" pitchFamily="18" charset="0"/>
+                <a:cs typeface="Calibri" panose="020F0502020204030204" pitchFamily="34" charset="0"/>
+              </a:rPr>
+              <a:t> </a:t>
+            </a:r>
+            <a:r>
+              <a:rPr lang="en-US" sz="800" b="1" dirty="0" err="1" smtClean="0">
+                <a:solidFill>
+                  <a:srgbClr val="5C2699"/>
+                </a:solidFill>
+                <a:latin typeface="SF Display" panose="00000500000000000000" pitchFamily="50" charset="0"/>
+                <a:ea typeface="Times New Roman" panose="02020603050405020304" pitchFamily="18" charset="0"/>
+                <a:cs typeface="Calibri" panose="020F0502020204030204" pitchFamily="34" charset="0"/>
+              </a:rPr>
+              <a:t>UISearchResultsUpdating</a:t>
+            </a:r>
+            <a:r>
+              <a:rPr lang="en-US" sz="800" dirty="0" smtClean="0">
+                <a:solidFill>
+                  <a:srgbClr val="000000"/>
+                </a:solidFill>
+                <a:latin typeface="SF Display" panose="00000500000000000000" pitchFamily="50" charset="0"/>
+                <a:ea typeface="Times New Roman" panose="02020603050405020304" pitchFamily="18" charset="0"/>
+                <a:cs typeface="Calibri" panose="020F0502020204030204" pitchFamily="34" charset="0"/>
+              </a:rPr>
+              <a:t> {</a:t>
+            </a:r>
+          </a:p>
+          <a:p>
+            <a:pPr marL="449580" indent="0">
+              <a:lnSpc>
+                <a:spcPct val="107000"/>
+              </a:lnSpc>
+              <a:spcBef>
+                <a:spcPts val="300"/>
+              </a:spcBef>
+              <a:buNone/>
+            </a:pPr>
+            <a:r>
+              <a:rPr lang="en-US" sz="800" dirty="0">
+                <a:solidFill>
+                  <a:srgbClr val="000000"/>
+                </a:solidFill>
+                <a:latin typeface="SF Display" panose="00000500000000000000" pitchFamily="50" charset="0"/>
+                <a:ea typeface="Times New Roman" panose="02020603050405020304" pitchFamily="18" charset="0"/>
+                <a:cs typeface="Calibri" panose="020F0502020204030204" pitchFamily="34" charset="0"/>
+              </a:rPr>
+              <a:t>	</a:t>
+            </a:r>
+            <a:r>
+              <a:rPr lang="en-US" sz="800" dirty="0" smtClean="0">
+                <a:solidFill>
+                  <a:srgbClr val="000000"/>
+                </a:solidFill>
+                <a:latin typeface="SF Display" panose="00000500000000000000" pitchFamily="50" charset="0"/>
+                <a:ea typeface="Times New Roman" panose="02020603050405020304" pitchFamily="18" charset="0"/>
+                <a:cs typeface="Calibri" panose="020F0502020204030204" pitchFamily="34" charset="0"/>
+              </a:rPr>
+              <a:t>	        …</a:t>
+            </a:r>
+          </a:p>
+          <a:p>
+            <a:pPr marL="449580" indent="0">
+              <a:lnSpc>
+                <a:spcPct val="107000"/>
+              </a:lnSpc>
+              <a:spcBef>
+                <a:spcPts val="300"/>
+              </a:spcBef>
+              <a:buNone/>
+            </a:pPr>
+            <a:r>
+              <a:rPr lang="en-US" sz="800" dirty="0" smtClean="0">
+                <a:solidFill>
+                  <a:srgbClr val="000000"/>
+                </a:solidFill>
+                <a:latin typeface="SF Display" panose="00000500000000000000" pitchFamily="50" charset="0"/>
+                <a:ea typeface="SF Display" panose="00000500000000000000" pitchFamily="50" charset="0"/>
+                <a:cs typeface="Calibri" panose="020F0502020204030204" pitchFamily="34" charset="0"/>
+              </a:rPr>
+              <a:t>	</a:t>
+            </a:r>
+            <a:r>
+              <a:rPr lang="en-US" sz="800" b="1" dirty="0" err="1" smtClean="0">
+                <a:solidFill>
+                  <a:srgbClr val="000000"/>
+                </a:solidFill>
+                <a:latin typeface="SF Display" panose="00000500000000000000" pitchFamily="50" charset="0"/>
+                <a:ea typeface="SF Display" panose="00000500000000000000" pitchFamily="50" charset="0"/>
+                <a:cs typeface="Calibri" panose="020F0502020204030204" pitchFamily="34" charset="0"/>
+              </a:rPr>
+              <a:t>var</a:t>
+            </a:r>
+            <a:r>
+              <a:rPr lang="en-US" sz="800" b="1" dirty="0" smtClean="0">
+                <a:solidFill>
+                  <a:srgbClr val="000000"/>
+                </a:solidFill>
+                <a:latin typeface="SF Display" panose="00000500000000000000" pitchFamily="50" charset="0"/>
+                <a:ea typeface="SF Display" panose="00000500000000000000" pitchFamily="50" charset="0"/>
+                <a:cs typeface="Calibri" panose="020F0502020204030204" pitchFamily="34" charset="0"/>
+              </a:rPr>
+              <a:t> </a:t>
+            </a:r>
+            <a:r>
+              <a:rPr lang="en-US" sz="800" b="1" dirty="0" err="1">
+                <a:solidFill>
+                  <a:srgbClr val="000000"/>
+                </a:solidFill>
+                <a:latin typeface="SF Display" panose="00000500000000000000" pitchFamily="50" charset="0"/>
+                <a:ea typeface="SF Display" panose="00000500000000000000" pitchFamily="50" charset="0"/>
+                <a:cs typeface="Calibri" panose="020F0502020204030204" pitchFamily="34" charset="0"/>
+              </a:rPr>
+              <a:t>filteredMeals</a:t>
+            </a:r>
+            <a:r>
+              <a:rPr lang="en-US" sz="800" b="1" dirty="0">
+                <a:solidFill>
+                  <a:srgbClr val="000000"/>
+                </a:solidFill>
+                <a:latin typeface="SF Display" panose="00000500000000000000" pitchFamily="50" charset="0"/>
+                <a:ea typeface="SF Display" panose="00000500000000000000" pitchFamily="50" charset="0"/>
+                <a:cs typeface="Calibri" panose="020F0502020204030204" pitchFamily="34" charset="0"/>
+              </a:rPr>
+              <a:t> = [</a:t>
+            </a:r>
+            <a:r>
+              <a:rPr lang="en-US" sz="800" b="1" dirty="0">
+                <a:solidFill>
+                  <a:schemeClr val="bg2">
+                    <a:lumMod val="75000"/>
+                  </a:schemeClr>
+                </a:solidFill>
+                <a:latin typeface="SF Display" panose="00000500000000000000" pitchFamily="50" charset="0"/>
+                <a:ea typeface="SF Display" panose="00000500000000000000" pitchFamily="50" charset="0"/>
+                <a:cs typeface="Calibri" panose="020F0502020204030204" pitchFamily="34" charset="0"/>
+              </a:rPr>
+              <a:t>Meal</a:t>
+            </a:r>
+            <a:r>
+              <a:rPr lang="en-US" sz="800" b="1" dirty="0">
+                <a:solidFill>
+                  <a:srgbClr val="000000"/>
+                </a:solidFill>
+                <a:latin typeface="SF Display" panose="00000500000000000000" pitchFamily="50" charset="0"/>
+                <a:ea typeface="SF Display" panose="00000500000000000000" pitchFamily="50" charset="0"/>
+                <a:cs typeface="Calibri" panose="020F0502020204030204" pitchFamily="34" charset="0"/>
+              </a:rPr>
+              <a:t>]()</a:t>
+            </a:r>
+            <a:endParaRPr lang="en-US" sz="800" b="1" dirty="0" smtClean="0">
+              <a:solidFill>
+                <a:srgbClr val="000000"/>
+              </a:solidFill>
+              <a:latin typeface="SF Display" panose="00000500000000000000" pitchFamily="50" charset="0"/>
+              <a:ea typeface="SF Display" panose="00000500000000000000" pitchFamily="50" charset="0"/>
+              <a:cs typeface="Calibri" panose="020F0502020204030204" pitchFamily="34" charset="0"/>
+            </a:endParaRPr>
+          </a:p>
+          <a:p>
+            <a:pPr marL="449580" indent="0">
+              <a:lnSpc>
+                <a:spcPct val="107000"/>
+              </a:lnSpc>
+              <a:spcBef>
+                <a:spcPts val="300"/>
+              </a:spcBef>
+              <a:buNone/>
+            </a:pPr>
+            <a:r>
+              <a:rPr lang="en-US" sz="800" dirty="0" smtClean="0">
+                <a:solidFill>
+                  <a:srgbClr val="AA0D91"/>
+                </a:solidFill>
+                <a:latin typeface="SF Display" panose="00000500000000000000" pitchFamily="50" charset="0"/>
+                <a:ea typeface="SF Display" panose="00000500000000000000" pitchFamily="50" charset="0"/>
+                <a:cs typeface="Menlo-Regular"/>
+              </a:rPr>
+              <a:t>	</a:t>
+            </a:r>
+            <a:r>
+              <a:rPr lang="en-US" sz="800" b="1" dirty="0" smtClean="0">
+                <a:solidFill>
+                  <a:srgbClr val="AA0D91"/>
+                </a:solidFill>
+                <a:latin typeface="SF Display" panose="00000500000000000000" pitchFamily="50" charset="0"/>
+                <a:ea typeface="SF Display" panose="00000500000000000000" pitchFamily="50" charset="0"/>
+                <a:cs typeface="Menlo-Regular"/>
+              </a:rPr>
+              <a:t>let</a:t>
+            </a:r>
+            <a:r>
+              <a:rPr lang="en-US" sz="800" b="1" dirty="0" smtClean="0">
+                <a:solidFill>
+                  <a:srgbClr val="000000"/>
+                </a:solidFill>
+                <a:latin typeface="SF Display" panose="00000500000000000000" pitchFamily="50" charset="0"/>
+                <a:ea typeface="SF Display" panose="00000500000000000000" pitchFamily="50" charset="0"/>
+                <a:cs typeface="Menlo-Regular"/>
+              </a:rPr>
+              <a:t> </a:t>
+            </a:r>
+            <a:r>
+              <a:rPr lang="en-US" sz="800" b="1" dirty="0" err="1">
+                <a:solidFill>
+                  <a:srgbClr val="000000"/>
+                </a:solidFill>
+                <a:latin typeface="SF Display" panose="00000500000000000000" pitchFamily="50" charset="0"/>
+                <a:ea typeface="SF Display" panose="00000500000000000000" pitchFamily="50" charset="0"/>
+                <a:cs typeface="Menlo-Regular"/>
+              </a:rPr>
+              <a:t>searchController</a:t>
+            </a:r>
+            <a:r>
+              <a:rPr lang="en-US" sz="800" b="1" dirty="0">
+                <a:solidFill>
+                  <a:srgbClr val="000000"/>
+                </a:solidFill>
+                <a:latin typeface="SF Display" panose="00000500000000000000" pitchFamily="50" charset="0"/>
+                <a:ea typeface="SF Display" panose="00000500000000000000" pitchFamily="50" charset="0"/>
+                <a:cs typeface="Menlo-Regular"/>
+              </a:rPr>
+              <a:t> = </a:t>
+            </a:r>
+            <a:r>
+              <a:rPr lang="en-US" sz="800" b="1" dirty="0" err="1">
+                <a:solidFill>
+                  <a:srgbClr val="5C2699"/>
+                </a:solidFill>
+                <a:latin typeface="SF Display" panose="00000500000000000000" pitchFamily="50" charset="0"/>
+                <a:ea typeface="SF Display" panose="00000500000000000000" pitchFamily="50" charset="0"/>
+                <a:cs typeface="Menlo-Regular"/>
+              </a:rPr>
+              <a:t>UISearchController</a:t>
+            </a:r>
+            <a:r>
+              <a:rPr lang="en-US" sz="800" b="1" dirty="0">
+                <a:solidFill>
+                  <a:srgbClr val="000000"/>
+                </a:solidFill>
+                <a:latin typeface="SF Display" panose="00000500000000000000" pitchFamily="50" charset="0"/>
+                <a:ea typeface="SF Display" panose="00000500000000000000" pitchFamily="50" charset="0"/>
+                <a:cs typeface="Menlo-Regular"/>
+              </a:rPr>
+              <a:t>(</a:t>
+            </a:r>
+            <a:r>
+              <a:rPr lang="en-US" sz="800" b="1" dirty="0" err="1">
+                <a:solidFill>
+                  <a:srgbClr val="000000"/>
+                </a:solidFill>
+                <a:latin typeface="SF Display" panose="00000500000000000000" pitchFamily="50" charset="0"/>
+                <a:ea typeface="SF Display" panose="00000500000000000000" pitchFamily="50" charset="0"/>
+                <a:cs typeface="Menlo-Regular"/>
+              </a:rPr>
+              <a:t>searchResultsController</a:t>
+            </a:r>
+            <a:r>
+              <a:rPr lang="en-US" sz="800" b="1" dirty="0">
+                <a:solidFill>
+                  <a:srgbClr val="000000"/>
+                </a:solidFill>
+                <a:latin typeface="SF Display" panose="00000500000000000000" pitchFamily="50" charset="0"/>
+                <a:ea typeface="SF Display" panose="00000500000000000000" pitchFamily="50" charset="0"/>
+                <a:cs typeface="Menlo-Regular"/>
+              </a:rPr>
+              <a:t>: </a:t>
+            </a:r>
+            <a:r>
+              <a:rPr lang="en-US" sz="800" b="1" dirty="0">
+                <a:solidFill>
+                  <a:srgbClr val="AA0D91"/>
+                </a:solidFill>
+                <a:latin typeface="SF Display" panose="00000500000000000000" pitchFamily="50" charset="0"/>
+                <a:ea typeface="SF Display" panose="00000500000000000000" pitchFamily="50" charset="0"/>
+                <a:cs typeface="Menlo-Regular"/>
+              </a:rPr>
+              <a:t>nil</a:t>
+            </a:r>
+            <a:r>
+              <a:rPr lang="en-US" sz="800" b="1" dirty="0" smtClean="0">
+                <a:solidFill>
+                  <a:srgbClr val="000000"/>
+                </a:solidFill>
+                <a:latin typeface="SF Display" panose="00000500000000000000" pitchFamily="50" charset="0"/>
+                <a:ea typeface="SF Display" panose="00000500000000000000" pitchFamily="50" charset="0"/>
+                <a:cs typeface="Menlo-Regular"/>
+              </a:rPr>
+              <a:t>)</a:t>
+            </a:r>
+          </a:p>
+          <a:p>
+            <a:pPr marL="449580" indent="0">
+              <a:lnSpc>
+                <a:spcPct val="107000"/>
+              </a:lnSpc>
+              <a:spcBef>
+                <a:spcPts val="300"/>
+              </a:spcBef>
+              <a:buNone/>
+            </a:pPr>
+            <a:r>
+              <a:rPr lang="en-US" sz="800" b="1" dirty="0">
+                <a:solidFill>
+                  <a:srgbClr val="000000"/>
+                </a:solidFill>
+                <a:latin typeface="SF Display" panose="00000500000000000000" pitchFamily="50" charset="0"/>
+                <a:ea typeface="SF Display" panose="00000500000000000000" pitchFamily="50" charset="0"/>
+                <a:cs typeface="Times New Roman" panose="02020603050405020304" pitchFamily="18" charset="0"/>
+              </a:rPr>
+              <a:t>	</a:t>
+            </a:r>
+            <a:r>
+              <a:rPr lang="en-US" sz="800" b="1" dirty="0" smtClean="0">
+                <a:solidFill>
+                  <a:srgbClr val="000000"/>
+                </a:solidFill>
+                <a:latin typeface="SF Display" panose="00000500000000000000" pitchFamily="50" charset="0"/>
+                <a:ea typeface="SF Display" panose="00000500000000000000" pitchFamily="50" charset="0"/>
+                <a:cs typeface="Times New Roman" panose="02020603050405020304" pitchFamily="18" charset="0"/>
+              </a:rPr>
+              <a:t>	        …</a:t>
+            </a:r>
+            <a:endParaRPr lang="es-ES" sz="800" b="1" dirty="0">
+              <a:latin typeface="Calibri" panose="020F0502020204030204" pitchFamily="34" charset="0"/>
+              <a:ea typeface="Times New Roman" panose="02020603050405020304" pitchFamily="18" charset="0"/>
+              <a:cs typeface="Times New Roman" panose="02020603050405020304" pitchFamily="18" charset="0"/>
+            </a:endParaRPr>
+          </a:p>
+          <a:p>
+            <a:pPr marL="758190" indent="0">
+              <a:lnSpc>
+                <a:spcPct val="107000"/>
+              </a:lnSpc>
+              <a:spcBef>
+                <a:spcPts val="300"/>
+              </a:spcBef>
+              <a:buNone/>
+              <a:tabLst>
+                <a:tab pos="344805" algn="l"/>
+              </a:tabLst>
+            </a:pPr>
+            <a:r>
+              <a:rPr lang="en-US" sz="800" b="1" dirty="0" smtClean="0">
+                <a:solidFill>
+                  <a:srgbClr val="AA0D91"/>
+                </a:solidFill>
+                <a:latin typeface="SF Display" panose="00000500000000000000" pitchFamily="50" charset="0"/>
+                <a:ea typeface="Times New Roman" panose="02020603050405020304" pitchFamily="18" charset="0"/>
+                <a:cs typeface="Calibri" panose="020F0502020204030204" pitchFamily="34" charset="0"/>
+              </a:rPr>
+              <a:t>	</a:t>
+            </a:r>
+            <a:r>
+              <a:rPr lang="en-US" sz="800" b="1" dirty="0" err="1" smtClean="0">
+                <a:solidFill>
+                  <a:srgbClr val="AA0D91"/>
+                </a:solidFill>
+                <a:latin typeface="SF Display" panose="00000500000000000000" pitchFamily="50" charset="0"/>
+                <a:ea typeface="Times New Roman" panose="02020603050405020304" pitchFamily="18" charset="0"/>
+                <a:cs typeface="Calibri" panose="020F0502020204030204" pitchFamily="34" charset="0"/>
+              </a:rPr>
+              <a:t>func</a:t>
+            </a:r>
+            <a:r>
+              <a:rPr lang="en-US" sz="800" b="1" dirty="0" smtClean="0">
+                <a:solidFill>
+                  <a:srgbClr val="000000"/>
+                </a:solidFill>
+                <a:latin typeface="SF Display" panose="00000500000000000000" pitchFamily="50" charset="0"/>
+                <a:ea typeface="Times New Roman" panose="02020603050405020304" pitchFamily="18" charset="0"/>
+                <a:cs typeface="Calibri" panose="020F0502020204030204" pitchFamily="34" charset="0"/>
+              </a:rPr>
+              <a:t> </a:t>
+            </a:r>
+            <a:r>
+              <a:rPr lang="en-US" sz="800" b="1" dirty="0" err="1">
+                <a:solidFill>
+                  <a:srgbClr val="000000"/>
+                </a:solidFill>
+                <a:latin typeface="SF Display" panose="00000500000000000000" pitchFamily="50" charset="0"/>
+                <a:ea typeface="Times New Roman" panose="02020603050405020304" pitchFamily="18" charset="0"/>
+                <a:cs typeface="Calibri" panose="020F0502020204030204" pitchFamily="34" charset="0"/>
+              </a:rPr>
+              <a:t>updateSearchResults</a:t>
+            </a:r>
+            <a:r>
+              <a:rPr lang="en-US" sz="800" b="1" dirty="0">
+                <a:solidFill>
+                  <a:srgbClr val="000000"/>
+                </a:solidFill>
+                <a:latin typeface="SF Display" panose="00000500000000000000" pitchFamily="50" charset="0"/>
+                <a:ea typeface="Times New Roman" panose="02020603050405020304" pitchFamily="18" charset="0"/>
+                <a:cs typeface="Calibri" panose="020F0502020204030204" pitchFamily="34" charset="0"/>
+              </a:rPr>
+              <a:t>(for </a:t>
+            </a:r>
+            <a:r>
+              <a:rPr lang="en-US" sz="800" b="1" dirty="0" err="1">
+                <a:solidFill>
+                  <a:srgbClr val="000000"/>
+                </a:solidFill>
+                <a:latin typeface="SF Display" panose="00000500000000000000" pitchFamily="50" charset="0"/>
+                <a:ea typeface="Times New Roman" panose="02020603050405020304" pitchFamily="18" charset="0"/>
+                <a:cs typeface="Calibri" panose="020F0502020204030204" pitchFamily="34" charset="0"/>
+              </a:rPr>
+              <a:t>searchController</a:t>
+            </a:r>
+            <a:r>
+              <a:rPr lang="en-US" sz="800" b="1" dirty="0">
+                <a:solidFill>
+                  <a:srgbClr val="000000"/>
+                </a:solidFill>
+                <a:latin typeface="SF Display" panose="00000500000000000000" pitchFamily="50" charset="0"/>
+                <a:ea typeface="Times New Roman" panose="02020603050405020304" pitchFamily="18" charset="0"/>
+                <a:cs typeface="Calibri" panose="020F0502020204030204" pitchFamily="34" charset="0"/>
+              </a:rPr>
+              <a:t>: </a:t>
+            </a:r>
+            <a:r>
+              <a:rPr lang="en-US" sz="800" b="1" dirty="0" err="1">
+                <a:solidFill>
+                  <a:srgbClr val="5C2699"/>
+                </a:solidFill>
+                <a:latin typeface="SF Display" panose="00000500000000000000" pitchFamily="50" charset="0"/>
+                <a:ea typeface="Times New Roman" panose="02020603050405020304" pitchFamily="18" charset="0"/>
+                <a:cs typeface="Calibri" panose="020F0502020204030204" pitchFamily="34" charset="0"/>
+              </a:rPr>
+              <a:t>UISearchController</a:t>
+            </a:r>
+            <a:r>
+              <a:rPr lang="en-US" sz="800" b="1" dirty="0">
+                <a:solidFill>
+                  <a:srgbClr val="000000"/>
+                </a:solidFill>
+                <a:latin typeface="SF Display" panose="00000500000000000000" pitchFamily="50" charset="0"/>
+                <a:ea typeface="Times New Roman" panose="02020603050405020304" pitchFamily="18" charset="0"/>
+                <a:cs typeface="Calibri" panose="020F0502020204030204" pitchFamily="34" charset="0"/>
+              </a:rPr>
+              <a:t>) {</a:t>
+            </a:r>
+            <a:endParaRPr lang="es-ES" sz="800" dirty="0">
+              <a:latin typeface="Calibri" panose="020F0502020204030204" pitchFamily="34" charset="0"/>
+              <a:ea typeface="Times New Roman" panose="02020603050405020304" pitchFamily="18" charset="0"/>
+              <a:cs typeface="Times New Roman" panose="02020603050405020304" pitchFamily="18" charset="0"/>
+            </a:endParaRPr>
+          </a:p>
+          <a:p>
+            <a:pPr marL="758190" indent="0">
+              <a:lnSpc>
+                <a:spcPct val="107000"/>
+              </a:lnSpc>
+              <a:spcBef>
+                <a:spcPts val="300"/>
+              </a:spcBef>
+              <a:buNone/>
+              <a:tabLst>
+                <a:tab pos="344805" algn="l"/>
+              </a:tabLst>
+            </a:pPr>
+            <a:r>
+              <a:rPr lang="es-ES" sz="800" b="1" dirty="0" smtClean="0">
+                <a:solidFill>
+                  <a:srgbClr val="000000"/>
+                </a:solidFill>
+                <a:latin typeface="SF Display" panose="00000500000000000000" pitchFamily="50" charset="0"/>
+                <a:ea typeface="Times New Roman" panose="02020603050405020304" pitchFamily="18" charset="0"/>
+                <a:cs typeface="Calibri" panose="020F0502020204030204" pitchFamily="34" charset="0"/>
+              </a:rPr>
+              <a:t>	}</a:t>
+            </a:r>
+            <a:endParaRPr lang="es-ES" sz="800" dirty="0">
+              <a:latin typeface="Calibri" panose="020F0502020204030204" pitchFamily="34" charset="0"/>
+              <a:ea typeface="Times New Roman" panose="02020603050405020304" pitchFamily="18" charset="0"/>
+              <a:cs typeface="Times New Roman" panose="02020603050405020304" pitchFamily="18" charset="0"/>
+            </a:endParaRPr>
+          </a:p>
+          <a:p>
+            <a:pPr marL="413385" indent="0">
+              <a:lnSpc>
+                <a:spcPct val="107000"/>
+              </a:lnSpc>
+              <a:spcBef>
+                <a:spcPts val="300"/>
+              </a:spcBef>
+              <a:buNone/>
+            </a:pPr>
+            <a:r>
+              <a:rPr lang="es-ES" sz="800" dirty="0">
+                <a:solidFill>
+                  <a:srgbClr val="000000"/>
+                </a:solidFill>
+                <a:latin typeface="SF Display" panose="00000500000000000000" pitchFamily="50" charset="0"/>
+                <a:ea typeface="Times New Roman" panose="02020603050405020304" pitchFamily="18" charset="0"/>
+                <a:cs typeface="Calibri" panose="020F0502020204030204" pitchFamily="34" charset="0"/>
+              </a:rPr>
+              <a:t>}</a:t>
+            </a:r>
+            <a:endParaRPr lang="es-ES" sz="1050" dirty="0">
+              <a:latin typeface="Calibri" panose="020F0502020204030204" pitchFamily="34" charset="0"/>
+              <a:ea typeface="Times New Roman" panose="02020603050405020304" pitchFamily="18" charset="0"/>
+              <a:cs typeface="Times New Roman" panose="02020603050405020304" pitchFamily="18" charset="0"/>
+            </a:endParaRPr>
+          </a:p>
+          <a:p>
+            <a:pPr marL="449580" indent="0">
+              <a:lnSpc>
+                <a:spcPct val="107000"/>
+              </a:lnSpc>
+              <a:spcAft>
+                <a:spcPts val="800"/>
+              </a:spcAft>
+              <a:buNone/>
+            </a:pPr>
+            <a:endParaRPr lang="es-ES" sz="800" dirty="0">
+              <a:latin typeface="SF Display" panose="00000500000000000000" pitchFamily="50" charset="0"/>
+              <a:ea typeface="SF Display" panose="00000500000000000000" pitchFamily="50" charset="0"/>
+              <a:cs typeface="Times New Roman" panose="02020603050405020304" pitchFamily="18" charset="0"/>
+            </a:endParaRPr>
+          </a:p>
+          <a:p>
+            <a:pPr marL="76200" indent="0">
+              <a:buNone/>
+            </a:pPr>
+            <a:endParaRPr lang="es-ES" sz="900" dirty="0"/>
+          </a:p>
+        </p:txBody>
+      </p:sp>
+      <p:sp>
+        <p:nvSpPr>
+          <p:cNvPr id="114" name="Shape 114"/>
+          <p:cNvSpPr txBox="1">
+            <a:spLocks noGrp="1"/>
+          </p:cNvSpPr>
+          <p:nvPr>
+            <p:ph type="sldNum" idx="12"/>
+          </p:nvPr>
+        </p:nvSpPr>
+        <p:spPr>
+          <a:xfrm>
+            <a:off x="7766425" y="648725"/>
+            <a:ext cx="548700" cy="671400"/>
+          </a:xfrm>
+          <a:prstGeom prst="rect">
+            <a:avLst/>
+          </a:prstGeom>
+        </p:spPr>
+        <p:txBody>
+          <a:bodyPr spcFirstLastPara="1" wrap="square" lIns="91425" tIns="91425" rIns="91425" bIns="91425" anchor="b" anchorCtr="0">
+            <a:noAutofit/>
+          </a:bodyPr>
+          <a:lstStyle/>
+          <a:p>
+            <a:pPr marL="0" lvl="0" indent="0">
+              <a:spcBef>
+                <a:spcPts val="0"/>
+              </a:spcBef>
+              <a:spcAft>
+                <a:spcPts val="0"/>
+              </a:spcAft>
+              <a:buNone/>
+            </a:pPr>
+            <a:fld id="{00000000-1234-1234-1234-123412341234}" type="slidenum">
+              <a:rPr lang="en"/>
+              <a:t>10</a:t>
+            </a:fld>
+            <a:endParaRPr/>
+          </a:p>
+        </p:txBody>
+      </p:sp>
+      <p:sp>
+        <p:nvSpPr>
+          <p:cNvPr id="4" name="TextBox 3"/>
+          <p:cNvSpPr txBox="1"/>
+          <p:nvPr/>
+        </p:nvSpPr>
+        <p:spPr>
+          <a:xfrm>
+            <a:off x="1010200" y="1501462"/>
+            <a:ext cx="7003434" cy="230832"/>
+          </a:xfrm>
+          <a:prstGeom prst="rect">
+            <a:avLst/>
+          </a:prstGeom>
+          <a:noFill/>
+        </p:spPr>
+        <p:txBody>
+          <a:bodyPr wrap="square" rtlCol="0">
+            <a:spAutoFit/>
+          </a:bodyPr>
+          <a:lstStyle/>
+          <a:p>
+            <a:r>
+              <a:rPr lang="es-ES" sz="900" dirty="0" smtClean="0">
+                <a:latin typeface="SF Display" panose="00000500000000000000" pitchFamily="50" charset="0"/>
+                <a:ea typeface="SF Display" panose="00000500000000000000" pitchFamily="50" charset="0"/>
+              </a:rPr>
+              <a:t>Dado que la barra de búsqueda aparecerá en la tabla de comidas, sólo utilizaremos la clase </a:t>
+            </a:r>
+            <a:r>
+              <a:rPr lang="es-ES" sz="900" b="1" dirty="0" err="1" smtClean="0">
+                <a:latin typeface="SF Display" panose="00000500000000000000" pitchFamily="50" charset="0"/>
+                <a:ea typeface="SF Display" panose="00000500000000000000" pitchFamily="50" charset="0"/>
+              </a:rPr>
+              <a:t>MealTableViewController</a:t>
+            </a:r>
+            <a:r>
+              <a:rPr lang="es-ES" sz="900" dirty="0" smtClean="0">
+                <a:latin typeface="SF Display" panose="00000500000000000000" pitchFamily="50" charset="0"/>
+                <a:ea typeface="SF Display" panose="00000500000000000000" pitchFamily="50" charset="0"/>
+              </a:rPr>
+              <a:t>.</a:t>
+            </a:r>
+            <a:endParaRPr lang="es-ES" sz="900" dirty="0">
+              <a:latin typeface="SF Display" panose="00000500000000000000" pitchFamily="50" charset="0"/>
+              <a:ea typeface="SF Display" panose="00000500000000000000" pitchFamily="50" charset="0"/>
+            </a:endParaRPr>
+          </a:p>
+        </p:txBody>
+      </p:sp>
+      <p:sp>
+        <p:nvSpPr>
+          <p:cNvPr id="10" name="TextBox 9"/>
+          <p:cNvSpPr txBox="1"/>
+          <p:nvPr/>
+        </p:nvSpPr>
+        <p:spPr>
+          <a:xfrm>
+            <a:off x="5371881" y="1870290"/>
+            <a:ext cx="2394544" cy="1200329"/>
+          </a:xfrm>
+          <a:prstGeom prst="rect">
+            <a:avLst/>
+          </a:prstGeom>
+          <a:noFill/>
+        </p:spPr>
+        <p:txBody>
+          <a:bodyPr wrap="square" rtlCol="0">
+            <a:spAutoFit/>
+          </a:bodyPr>
+          <a:lstStyle/>
+          <a:p>
+            <a:r>
+              <a:rPr lang="es-ES" sz="900" dirty="0" smtClean="0">
+                <a:latin typeface="SF Display" panose="00000500000000000000" pitchFamily="50" charset="0"/>
+                <a:ea typeface="SF Display" panose="00000500000000000000" pitchFamily="50" charset="0"/>
+              </a:rPr>
+              <a:t>Heredamos del protocolo </a:t>
+            </a:r>
+            <a:r>
+              <a:rPr lang="es-ES" sz="900" b="1" dirty="0" err="1" smtClean="0">
+                <a:latin typeface="SF Display" panose="00000500000000000000" pitchFamily="50" charset="0"/>
+                <a:ea typeface="SF Display" panose="00000500000000000000" pitchFamily="50" charset="0"/>
+              </a:rPr>
+              <a:t>UISearchResultsUpdating</a:t>
+            </a:r>
+            <a:r>
+              <a:rPr lang="es-ES" sz="900" b="1" dirty="0" smtClean="0">
+                <a:latin typeface="SF Display" panose="00000500000000000000" pitchFamily="50" charset="0"/>
+                <a:ea typeface="SF Display" panose="00000500000000000000" pitchFamily="50" charset="0"/>
+              </a:rPr>
+              <a:t> </a:t>
+            </a:r>
+            <a:r>
+              <a:rPr lang="es-ES" sz="900" dirty="0" smtClean="0">
+                <a:latin typeface="SF Display" panose="00000500000000000000" pitchFamily="50" charset="0"/>
+                <a:ea typeface="SF Display" panose="00000500000000000000" pitchFamily="50" charset="0"/>
+              </a:rPr>
+              <a:t>para poder responder a los eventos de actualización de la barra de búsqueda.</a:t>
+            </a:r>
+          </a:p>
+          <a:p>
+            <a:r>
+              <a:rPr lang="es-ES" sz="900" dirty="0" smtClean="0">
+                <a:latin typeface="SF Display" panose="00000500000000000000" pitchFamily="50" charset="0"/>
+                <a:ea typeface="SF Display" panose="00000500000000000000" pitchFamily="50" charset="0"/>
+              </a:rPr>
+              <a:t>El único método que nos pide implementar es </a:t>
+            </a:r>
+            <a:r>
+              <a:rPr lang="es-ES" sz="900" b="1" dirty="0" err="1" smtClean="0">
+                <a:latin typeface="SF Display" panose="00000500000000000000" pitchFamily="50" charset="0"/>
+                <a:ea typeface="SF Display" panose="00000500000000000000" pitchFamily="50" charset="0"/>
+              </a:rPr>
+              <a:t>updateSearchResults</a:t>
+            </a:r>
+            <a:r>
+              <a:rPr lang="es-ES" sz="900" dirty="0" smtClean="0">
+                <a:latin typeface="SF Display" panose="00000500000000000000" pitchFamily="50" charset="0"/>
+                <a:ea typeface="SF Display" panose="00000500000000000000" pitchFamily="50" charset="0"/>
+              </a:rPr>
+              <a:t>, al cual se llamará cuando la barra de búsqueda pase a estar activa o haya cambios en ella.</a:t>
+            </a:r>
+            <a:endParaRPr lang="es-ES" sz="900" dirty="0">
+              <a:latin typeface="SF Display" panose="00000500000000000000" pitchFamily="50" charset="0"/>
+              <a:ea typeface="SF Display" panose="00000500000000000000" pitchFamily="50" charset="0"/>
+            </a:endParaRPr>
+          </a:p>
+        </p:txBody>
+      </p:sp>
+      <p:sp>
+        <p:nvSpPr>
+          <p:cNvPr id="13" name="TextBox 12"/>
+          <p:cNvSpPr txBox="1"/>
+          <p:nvPr/>
+        </p:nvSpPr>
+        <p:spPr>
+          <a:xfrm>
+            <a:off x="1010200" y="3590960"/>
+            <a:ext cx="7003434" cy="369332"/>
+          </a:xfrm>
+          <a:prstGeom prst="rect">
+            <a:avLst/>
+          </a:prstGeom>
+          <a:noFill/>
+        </p:spPr>
+        <p:txBody>
+          <a:bodyPr wrap="square" rtlCol="0">
+            <a:spAutoFit/>
+          </a:bodyPr>
+          <a:lstStyle/>
+          <a:p>
+            <a:r>
+              <a:rPr lang="es-ES" sz="900" dirty="0" smtClean="0">
+                <a:latin typeface="SF Display" panose="00000500000000000000" pitchFamily="50" charset="0"/>
+                <a:ea typeface="SF Display" panose="00000500000000000000" pitchFamily="50" charset="0"/>
+              </a:rPr>
+              <a:t>También tendremos que declarar un controlador de la búsqueda (</a:t>
+            </a:r>
+            <a:r>
+              <a:rPr lang="es-ES" sz="900" b="1" dirty="0" err="1" smtClean="0">
+                <a:latin typeface="SF Display" panose="00000500000000000000" pitchFamily="50" charset="0"/>
+                <a:ea typeface="SF Display" panose="00000500000000000000" pitchFamily="50" charset="0"/>
+              </a:rPr>
+              <a:t>UISearchController</a:t>
+            </a:r>
+            <a:r>
+              <a:rPr lang="es-ES" sz="900" dirty="0" smtClean="0">
+                <a:latin typeface="SF Display" panose="00000500000000000000" pitchFamily="50" charset="0"/>
+                <a:ea typeface="SF Display" panose="00000500000000000000" pitchFamily="50" charset="0"/>
+              </a:rPr>
+              <a:t>), el cual contendrá, entre otras cosas, la barra de búsqueda, así como un nuevo vector, </a:t>
+            </a:r>
+            <a:r>
+              <a:rPr lang="es-ES" sz="900" b="1" dirty="0" err="1" smtClean="0">
+                <a:latin typeface="SF Display" panose="00000500000000000000" pitchFamily="50" charset="0"/>
+                <a:ea typeface="SF Display" panose="00000500000000000000" pitchFamily="50" charset="0"/>
+              </a:rPr>
+              <a:t>filteredMeals</a:t>
+            </a:r>
+            <a:r>
+              <a:rPr lang="es-ES" sz="900" dirty="0" smtClean="0">
+                <a:latin typeface="SF Display" panose="00000500000000000000" pitchFamily="50" charset="0"/>
+                <a:ea typeface="SF Display" panose="00000500000000000000" pitchFamily="50" charset="0"/>
+              </a:rPr>
+              <a:t>, que representa el resultado de la búsqueda actual.</a:t>
+            </a:r>
+            <a:endParaRPr lang="es-ES" sz="900" dirty="0">
+              <a:latin typeface="SF Display" panose="00000500000000000000" pitchFamily="50" charset="0"/>
+              <a:ea typeface="SF Display" panose="00000500000000000000" pitchFamily="50" charset="0"/>
+            </a:endParaRPr>
+          </a:p>
+        </p:txBody>
+      </p:sp>
+    </p:spTree>
+    <p:extLst>
+      <p:ext uri="{BB962C8B-B14F-4D97-AF65-F5344CB8AC3E}">
+        <p14:creationId xmlns:p14="http://schemas.microsoft.com/office/powerpoint/2010/main" val="712587577"/>
+      </p:ext>
+    </p:extLst>
+  </p:cSld>
+  <p:clrMapOvr>
+    <a:masterClrMapping/>
+  </p:clrMapOvr>
+  <p:timing>
+    <p:tnLst>
+      <p:par>
+        <p:cTn id="1" dur="indefinite" restart="never" nodeType="tmRoot"/>
+      </p:par>
+    </p:tnLst>
+  </p:timing>
+</p:sld>
+</file>
+
+<file path=ppt/slides/slide11.xml><?xml version="1.0" encoding="utf-8"?>
+<p:sld xmlns:a="http://schemas.openxmlformats.org/drawingml/2006/main" xmlns:r="http://schemas.openxmlformats.org/officeDocument/2006/relationships" xmlns:p="http://schemas.openxmlformats.org/presentationml/2006/main">
+  <p:cSld>
+    <p:spTree>
+      <p:nvGrpSpPr>
+        <p:cNvPr id="1" name="Shape 111"/>
+        <p:cNvGrpSpPr/>
+        <p:nvPr/>
+      </p:nvGrpSpPr>
+      <p:grpSpPr>
+        <a:xfrm>
+          <a:off x="0" y="0"/>
+          <a:ext cx="0" cy="0"/>
+          <a:chOff x="0" y="0"/>
+          <a:chExt cx="0" cy="0"/>
+        </a:xfrm>
+      </p:grpSpPr>
+      <p:sp>
+        <p:nvSpPr>
+          <p:cNvPr id="7" name="TextBox 6"/>
+          <p:cNvSpPr txBox="1"/>
+          <p:nvPr/>
+        </p:nvSpPr>
+        <p:spPr>
+          <a:xfrm>
+            <a:off x="1085440" y="1870289"/>
+            <a:ext cx="3252612" cy="2095049"/>
+          </a:xfrm>
+          <a:prstGeom prst="rect">
+            <a:avLst/>
+          </a:prstGeom>
+          <a:solidFill>
+            <a:schemeClr val="accent1">
+              <a:lumMod val="20000"/>
+              <a:lumOff val="80000"/>
+            </a:schemeClr>
+          </a:solidFill>
+        </p:spPr>
+        <p:txBody>
+          <a:bodyPr wrap="square" rtlCol="0">
+            <a:spAutoFit/>
+          </a:bodyPr>
+          <a:lstStyle/>
+          <a:p>
+            <a:endParaRPr lang="es-ES" dirty="0"/>
+          </a:p>
+        </p:txBody>
+      </p:sp>
+      <p:sp>
+        <p:nvSpPr>
+          <p:cNvPr id="112" name="Shape 112"/>
+          <p:cNvSpPr txBox="1">
+            <a:spLocks noGrp="1"/>
+          </p:cNvSpPr>
+          <p:nvPr>
+            <p:ph type="title"/>
+          </p:nvPr>
+        </p:nvSpPr>
+        <p:spPr>
+          <a:xfrm>
+            <a:off x="1010200" y="648725"/>
+            <a:ext cx="7131300" cy="671400"/>
+          </a:xfrm>
+          <a:prstGeom prst="rect">
+            <a:avLst/>
+          </a:prstGeom>
+        </p:spPr>
+        <p:txBody>
+          <a:bodyPr spcFirstLastPara="1" wrap="square" lIns="91425" tIns="91425" rIns="91425" bIns="91425" anchor="b" anchorCtr="0">
+            <a:noAutofit/>
+          </a:bodyPr>
+          <a:lstStyle/>
+          <a:p>
+            <a:pPr marL="0" lvl="0" indent="0">
+              <a:spcBef>
+                <a:spcPts val="0"/>
+              </a:spcBef>
+              <a:spcAft>
+                <a:spcPts val="0"/>
+              </a:spcAft>
+              <a:buNone/>
+            </a:pPr>
+            <a:r>
+              <a:rPr lang="es-ES" sz="1400" dirty="0" smtClean="0">
+                <a:latin typeface="SF Display" panose="00000500000000000000" pitchFamily="50" charset="0"/>
+                <a:ea typeface="SF Display" panose="00000500000000000000" pitchFamily="50" charset="0"/>
+              </a:rPr>
+              <a:t>Implementación de la búsqueda</a:t>
+            </a:r>
+            <a:endParaRPr sz="1400" dirty="0">
+              <a:latin typeface="SF Display" panose="00000500000000000000" pitchFamily="50" charset="0"/>
+              <a:ea typeface="SF Display" panose="00000500000000000000" pitchFamily="50" charset="0"/>
+            </a:endParaRPr>
+          </a:p>
+        </p:txBody>
+      </p:sp>
+      <p:sp>
+        <p:nvSpPr>
+          <p:cNvPr id="113" name="Shape 113"/>
+          <p:cNvSpPr txBox="1">
+            <a:spLocks noGrp="1"/>
+          </p:cNvSpPr>
+          <p:nvPr>
+            <p:ph type="body" idx="1"/>
+          </p:nvPr>
+        </p:nvSpPr>
+        <p:spPr>
+          <a:xfrm>
+            <a:off x="1085439" y="1870289"/>
+            <a:ext cx="3252612" cy="2095049"/>
+          </a:xfrm>
+          <a:prstGeom prst="rect">
+            <a:avLst/>
+          </a:prstGeom>
+          <a:ln>
+            <a:noFill/>
+          </a:ln>
+        </p:spPr>
+        <p:txBody>
+          <a:bodyPr spcFirstLastPara="1" wrap="square" lIns="91425" tIns="91425" rIns="91425" bIns="91425" anchor="t" anchorCtr="0">
+            <a:noAutofit/>
+          </a:bodyPr>
+          <a:lstStyle/>
+          <a:p>
+            <a:pPr marL="76200" indent="0">
+              <a:lnSpc>
+                <a:spcPct val="107000"/>
+              </a:lnSpc>
+              <a:spcBef>
+                <a:spcPts val="0"/>
+              </a:spcBef>
+              <a:spcAft>
+                <a:spcPts val="1200"/>
+              </a:spcAft>
+              <a:buNone/>
+              <a:tabLst>
+                <a:tab pos="344805" algn="l"/>
+              </a:tabLst>
+            </a:pPr>
+            <a:r>
+              <a:rPr lang="en-US" sz="800" b="1" dirty="0" err="1">
+                <a:solidFill>
+                  <a:srgbClr val="3F6E74"/>
+                </a:solidFill>
+                <a:latin typeface="SF Display" panose="00000500000000000000" pitchFamily="50" charset="0"/>
+                <a:ea typeface="Times New Roman" panose="02020603050405020304" pitchFamily="18" charset="0"/>
+                <a:cs typeface="Menlo-Regular"/>
+              </a:rPr>
+              <a:t>searchController</a:t>
+            </a:r>
+            <a:r>
+              <a:rPr lang="en-US" sz="800" b="1" dirty="0" err="1">
+                <a:solidFill>
+                  <a:srgbClr val="000000"/>
+                </a:solidFill>
+                <a:latin typeface="SF Display" panose="00000500000000000000" pitchFamily="50" charset="0"/>
+                <a:ea typeface="Times New Roman" panose="02020603050405020304" pitchFamily="18" charset="0"/>
+                <a:cs typeface="Menlo-Regular"/>
+              </a:rPr>
+              <a:t>.</a:t>
+            </a:r>
+            <a:r>
+              <a:rPr lang="en-US" sz="800" b="1" dirty="0" err="1">
+                <a:solidFill>
+                  <a:srgbClr val="5C2699"/>
+                </a:solidFill>
+                <a:latin typeface="SF Display" panose="00000500000000000000" pitchFamily="50" charset="0"/>
+                <a:ea typeface="Times New Roman" panose="02020603050405020304" pitchFamily="18" charset="0"/>
+                <a:cs typeface="Menlo-Regular"/>
+              </a:rPr>
+              <a:t>searchResultsUpdater</a:t>
+            </a:r>
+            <a:r>
+              <a:rPr lang="en-US" sz="800" b="1" dirty="0">
+                <a:solidFill>
+                  <a:srgbClr val="000000"/>
+                </a:solidFill>
+                <a:latin typeface="SF Display" panose="00000500000000000000" pitchFamily="50" charset="0"/>
+                <a:ea typeface="Times New Roman" panose="02020603050405020304" pitchFamily="18" charset="0"/>
+                <a:cs typeface="Menlo-Regular"/>
+              </a:rPr>
+              <a:t> = </a:t>
+            </a:r>
+            <a:r>
+              <a:rPr lang="en-US" sz="800" b="1" dirty="0" smtClean="0">
+                <a:solidFill>
+                  <a:srgbClr val="AA0D91"/>
+                </a:solidFill>
+                <a:latin typeface="SF Display" panose="00000500000000000000" pitchFamily="50" charset="0"/>
+                <a:ea typeface="Times New Roman" panose="02020603050405020304" pitchFamily="18" charset="0"/>
+                <a:cs typeface="Menlo-Regular"/>
+              </a:rPr>
+              <a:t>self</a:t>
+            </a:r>
+            <a:endParaRPr lang="es-ES" sz="1050" dirty="0">
+              <a:latin typeface="Calibri" panose="020F0502020204030204" pitchFamily="34" charset="0"/>
+              <a:ea typeface="Times New Roman" panose="02020603050405020304" pitchFamily="18" charset="0"/>
+              <a:cs typeface="Times New Roman" panose="02020603050405020304" pitchFamily="18" charset="0"/>
+            </a:endParaRPr>
+          </a:p>
+          <a:p>
+            <a:pPr marL="76200" indent="0">
+              <a:lnSpc>
+                <a:spcPct val="107000"/>
+              </a:lnSpc>
+              <a:spcBef>
+                <a:spcPts val="0"/>
+              </a:spcBef>
+              <a:spcAft>
+                <a:spcPts val="1200"/>
+              </a:spcAft>
+              <a:buNone/>
+              <a:tabLst>
+                <a:tab pos="344805" algn="l"/>
+              </a:tabLst>
+            </a:pPr>
+            <a:r>
+              <a:rPr lang="en-US" sz="800" b="1" dirty="0" err="1" smtClean="0">
+                <a:solidFill>
+                  <a:srgbClr val="3F6E74"/>
+                </a:solidFill>
+                <a:latin typeface="SF Display" panose="00000500000000000000" pitchFamily="50" charset="0"/>
+                <a:ea typeface="Times New Roman" panose="02020603050405020304" pitchFamily="18" charset="0"/>
+                <a:cs typeface="Menlo-Regular"/>
+              </a:rPr>
+              <a:t>searchController</a:t>
+            </a:r>
+            <a:r>
+              <a:rPr lang="en-US" sz="800" b="1" dirty="0" err="1" smtClean="0">
+                <a:solidFill>
+                  <a:srgbClr val="000000"/>
+                </a:solidFill>
+                <a:latin typeface="SF Display" panose="00000500000000000000" pitchFamily="50" charset="0"/>
+                <a:ea typeface="Times New Roman" panose="02020603050405020304" pitchFamily="18" charset="0"/>
+                <a:cs typeface="Menlo-Regular"/>
+              </a:rPr>
+              <a:t>.</a:t>
+            </a:r>
+            <a:r>
+              <a:rPr lang="en-US" sz="800" b="1" dirty="0" err="1" smtClean="0">
+                <a:solidFill>
+                  <a:srgbClr val="5C2699"/>
+                </a:solidFill>
+                <a:latin typeface="SF Display" panose="00000500000000000000" pitchFamily="50" charset="0"/>
+                <a:ea typeface="Times New Roman" panose="02020603050405020304" pitchFamily="18" charset="0"/>
+                <a:cs typeface="Menlo-Regular"/>
+              </a:rPr>
+              <a:t>obscuresBackgroundDuringPresentation</a:t>
+            </a:r>
+            <a:r>
+              <a:rPr lang="en-US" sz="800" b="1" dirty="0" smtClean="0">
+                <a:solidFill>
+                  <a:srgbClr val="000000"/>
+                </a:solidFill>
+                <a:latin typeface="SF Display" panose="00000500000000000000" pitchFamily="50" charset="0"/>
+                <a:ea typeface="Times New Roman" panose="02020603050405020304" pitchFamily="18" charset="0"/>
+                <a:cs typeface="Menlo-Regular"/>
+              </a:rPr>
+              <a:t> </a:t>
+            </a:r>
+            <a:r>
+              <a:rPr lang="en-US" sz="800" b="1" dirty="0">
+                <a:solidFill>
+                  <a:srgbClr val="000000"/>
+                </a:solidFill>
+                <a:latin typeface="SF Display" panose="00000500000000000000" pitchFamily="50" charset="0"/>
+                <a:ea typeface="Times New Roman" panose="02020603050405020304" pitchFamily="18" charset="0"/>
+                <a:cs typeface="Menlo-Regular"/>
+              </a:rPr>
+              <a:t>= </a:t>
+            </a:r>
+            <a:r>
+              <a:rPr lang="en-US" sz="800" b="1" dirty="0" smtClean="0">
+                <a:solidFill>
+                  <a:srgbClr val="AA0D91"/>
+                </a:solidFill>
+                <a:latin typeface="SF Display" panose="00000500000000000000" pitchFamily="50" charset="0"/>
+                <a:ea typeface="Times New Roman" panose="02020603050405020304" pitchFamily="18" charset="0"/>
+                <a:cs typeface="Menlo-Regular"/>
+              </a:rPr>
+              <a:t>false</a:t>
+            </a:r>
+            <a:endParaRPr lang="es-ES" sz="1050" dirty="0">
+              <a:latin typeface="Calibri" panose="020F0502020204030204" pitchFamily="34" charset="0"/>
+              <a:ea typeface="Times New Roman" panose="02020603050405020304" pitchFamily="18" charset="0"/>
+              <a:cs typeface="Times New Roman" panose="02020603050405020304" pitchFamily="18" charset="0"/>
+            </a:endParaRPr>
+          </a:p>
+          <a:p>
+            <a:pPr marL="76200" indent="0">
+              <a:lnSpc>
+                <a:spcPct val="107000"/>
+              </a:lnSpc>
+              <a:spcBef>
+                <a:spcPts val="0"/>
+              </a:spcBef>
+              <a:spcAft>
+                <a:spcPts val="1200"/>
+              </a:spcAft>
+              <a:buNone/>
+              <a:tabLst>
+                <a:tab pos="344805" algn="l"/>
+              </a:tabLst>
+            </a:pPr>
+            <a:r>
+              <a:rPr lang="en-US" sz="800" b="1" dirty="0" err="1" smtClean="0">
+                <a:solidFill>
+                  <a:srgbClr val="3F6E74"/>
+                </a:solidFill>
+                <a:latin typeface="SF Display" panose="00000500000000000000" pitchFamily="50" charset="0"/>
+                <a:ea typeface="Times New Roman" panose="02020603050405020304" pitchFamily="18" charset="0"/>
+                <a:cs typeface="Menlo-Regular"/>
+              </a:rPr>
+              <a:t>searchController</a:t>
+            </a:r>
+            <a:r>
+              <a:rPr lang="en-US" sz="800" b="1" dirty="0" err="1" smtClean="0">
+                <a:solidFill>
+                  <a:srgbClr val="000000"/>
+                </a:solidFill>
+                <a:latin typeface="SF Display" panose="00000500000000000000" pitchFamily="50" charset="0"/>
+                <a:ea typeface="Times New Roman" panose="02020603050405020304" pitchFamily="18" charset="0"/>
+                <a:cs typeface="Menlo-Regular"/>
+              </a:rPr>
+              <a:t>.</a:t>
+            </a:r>
+            <a:r>
+              <a:rPr lang="en-US" sz="800" b="1" dirty="0" err="1" smtClean="0">
+                <a:solidFill>
+                  <a:srgbClr val="5C2699"/>
+                </a:solidFill>
+                <a:latin typeface="SF Display" panose="00000500000000000000" pitchFamily="50" charset="0"/>
+                <a:ea typeface="Times New Roman" panose="02020603050405020304" pitchFamily="18" charset="0"/>
+                <a:cs typeface="Menlo-Regular"/>
+              </a:rPr>
+              <a:t>hidesNavigationBarDuringPresentation</a:t>
+            </a:r>
+            <a:r>
+              <a:rPr lang="en-US" sz="800" b="1" dirty="0" smtClean="0">
+                <a:solidFill>
+                  <a:srgbClr val="000000"/>
+                </a:solidFill>
+                <a:latin typeface="SF Display" panose="00000500000000000000" pitchFamily="50" charset="0"/>
+                <a:ea typeface="Times New Roman" panose="02020603050405020304" pitchFamily="18" charset="0"/>
+                <a:cs typeface="Menlo-Regular"/>
+              </a:rPr>
+              <a:t> </a:t>
+            </a:r>
+            <a:r>
+              <a:rPr lang="en-US" sz="800" b="1" dirty="0">
+                <a:solidFill>
+                  <a:srgbClr val="000000"/>
+                </a:solidFill>
+                <a:latin typeface="SF Display" panose="00000500000000000000" pitchFamily="50" charset="0"/>
+                <a:ea typeface="Times New Roman" panose="02020603050405020304" pitchFamily="18" charset="0"/>
+                <a:cs typeface="Menlo-Regular"/>
+              </a:rPr>
+              <a:t>= </a:t>
+            </a:r>
+            <a:r>
+              <a:rPr lang="en-US" sz="800" b="1" dirty="0">
+                <a:solidFill>
+                  <a:srgbClr val="AA0D91"/>
+                </a:solidFill>
+                <a:latin typeface="SF Display" panose="00000500000000000000" pitchFamily="50" charset="0"/>
+                <a:ea typeface="Times New Roman" panose="02020603050405020304" pitchFamily="18" charset="0"/>
+                <a:cs typeface="Menlo-Regular"/>
+              </a:rPr>
+              <a:t>false</a:t>
+            </a:r>
+            <a:r>
+              <a:rPr lang="en-US" sz="800" b="1" dirty="0">
+                <a:solidFill>
+                  <a:srgbClr val="000000"/>
+                </a:solidFill>
+                <a:latin typeface="SF Display" panose="00000500000000000000" pitchFamily="50" charset="0"/>
+                <a:ea typeface="Times New Roman" panose="02020603050405020304" pitchFamily="18" charset="0"/>
+                <a:cs typeface="Menlo-Regular"/>
+              </a:rPr>
+              <a:t> </a:t>
+            </a:r>
+            <a:endParaRPr lang="es-ES" sz="1050" dirty="0">
+              <a:latin typeface="Calibri" panose="020F0502020204030204" pitchFamily="34" charset="0"/>
+              <a:ea typeface="Times New Roman" panose="02020603050405020304" pitchFamily="18" charset="0"/>
+              <a:cs typeface="Times New Roman" panose="02020603050405020304" pitchFamily="18" charset="0"/>
+            </a:endParaRPr>
+          </a:p>
+          <a:p>
+            <a:pPr marL="76200" indent="0">
+              <a:lnSpc>
+                <a:spcPct val="107000"/>
+              </a:lnSpc>
+              <a:spcBef>
+                <a:spcPts val="0"/>
+              </a:spcBef>
+              <a:spcAft>
+                <a:spcPts val="1200"/>
+              </a:spcAft>
+              <a:buNone/>
+              <a:tabLst>
+                <a:tab pos="344805" algn="l"/>
+              </a:tabLst>
+            </a:pPr>
+            <a:r>
+              <a:rPr lang="en-US" sz="800" b="1" dirty="0" err="1" smtClean="0">
+                <a:solidFill>
+                  <a:srgbClr val="3F6E74"/>
+                </a:solidFill>
+                <a:latin typeface="SF Display" panose="00000500000000000000" pitchFamily="50" charset="0"/>
+                <a:ea typeface="Times New Roman" panose="02020603050405020304" pitchFamily="18" charset="0"/>
+                <a:cs typeface="Menlo-Regular"/>
+              </a:rPr>
+              <a:t>searchController</a:t>
+            </a:r>
+            <a:r>
+              <a:rPr lang="en-US" sz="800" b="1" dirty="0" err="1" smtClean="0">
+                <a:solidFill>
+                  <a:srgbClr val="000000"/>
+                </a:solidFill>
+                <a:latin typeface="SF Display" panose="00000500000000000000" pitchFamily="50" charset="0"/>
+                <a:ea typeface="Times New Roman" panose="02020603050405020304" pitchFamily="18" charset="0"/>
+                <a:cs typeface="Menlo-Regular"/>
+              </a:rPr>
+              <a:t>.</a:t>
+            </a:r>
+            <a:r>
+              <a:rPr lang="en-US" sz="800" b="1" dirty="0" err="1" smtClean="0">
+                <a:solidFill>
+                  <a:srgbClr val="5C2699"/>
+                </a:solidFill>
+                <a:latin typeface="SF Display" panose="00000500000000000000" pitchFamily="50" charset="0"/>
+                <a:ea typeface="Times New Roman" panose="02020603050405020304" pitchFamily="18" charset="0"/>
+                <a:cs typeface="Menlo-Regular"/>
+              </a:rPr>
+              <a:t>searchBar</a:t>
+            </a:r>
+            <a:r>
+              <a:rPr lang="en-US" sz="800" b="1" dirty="0" err="1" smtClean="0">
+                <a:solidFill>
+                  <a:srgbClr val="000000"/>
+                </a:solidFill>
+                <a:latin typeface="SF Display" panose="00000500000000000000" pitchFamily="50" charset="0"/>
+                <a:ea typeface="Times New Roman" panose="02020603050405020304" pitchFamily="18" charset="0"/>
+                <a:cs typeface="Menlo-Regular"/>
+              </a:rPr>
+              <a:t>.</a:t>
+            </a:r>
+            <a:r>
+              <a:rPr lang="en-US" sz="800" b="1" dirty="0" err="1" smtClean="0">
+                <a:solidFill>
+                  <a:srgbClr val="5C2699"/>
+                </a:solidFill>
+                <a:latin typeface="SF Display" panose="00000500000000000000" pitchFamily="50" charset="0"/>
+                <a:ea typeface="Times New Roman" panose="02020603050405020304" pitchFamily="18" charset="0"/>
+                <a:cs typeface="Menlo-Regular"/>
+              </a:rPr>
+              <a:t>placeholder</a:t>
+            </a:r>
+            <a:r>
+              <a:rPr lang="en-US" sz="800" b="1" dirty="0" smtClean="0">
+                <a:solidFill>
+                  <a:srgbClr val="000000"/>
+                </a:solidFill>
+                <a:latin typeface="SF Display" panose="00000500000000000000" pitchFamily="50" charset="0"/>
+                <a:ea typeface="Times New Roman" panose="02020603050405020304" pitchFamily="18" charset="0"/>
+                <a:cs typeface="Menlo-Regular"/>
+              </a:rPr>
+              <a:t> </a:t>
+            </a:r>
+            <a:r>
+              <a:rPr lang="en-US" sz="800" b="1" dirty="0">
+                <a:solidFill>
+                  <a:srgbClr val="000000"/>
+                </a:solidFill>
+                <a:latin typeface="SF Display" panose="00000500000000000000" pitchFamily="50" charset="0"/>
+                <a:ea typeface="Times New Roman" panose="02020603050405020304" pitchFamily="18" charset="0"/>
+                <a:cs typeface="Menlo-Regular"/>
+              </a:rPr>
+              <a:t>= </a:t>
+            </a:r>
+            <a:r>
+              <a:rPr lang="en-US" sz="800" b="1" dirty="0">
+                <a:solidFill>
+                  <a:srgbClr val="C41A16"/>
+                </a:solidFill>
+                <a:latin typeface="SF Display" panose="00000500000000000000" pitchFamily="50" charset="0"/>
+                <a:ea typeface="Times New Roman" panose="02020603050405020304" pitchFamily="18" charset="0"/>
+                <a:cs typeface="Menlo-Regular"/>
+              </a:rPr>
+              <a:t>"Search </a:t>
+            </a:r>
+            <a:r>
+              <a:rPr lang="en-US" sz="800" b="1" dirty="0" smtClean="0">
+                <a:solidFill>
+                  <a:srgbClr val="C41A16"/>
+                </a:solidFill>
+                <a:latin typeface="SF Display" panose="00000500000000000000" pitchFamily="50" charset="0"/>
+                <a:ea typeface="Times New Roman" panose="02020603050405020304" pitchFamily="18" charset="0"/>
+                <a:cs typeface="Menlo-Regular"/>
+              </a:rPr>
+              <a:t>meal"</a:t>
+            </a:r>
+            <a:endParaRPr lang="es-ES" sz="1050" dirty="0">
+              <a:latin typeface="Calibri" panose="020F0502020204030204" pitchFamily="34" charset="0"/>
+              <a:ea typeface="Times New Roman" panose="02020603050405020304" pitchFamily="18" charset="0"/>
+              <a:cs typeface="Times New Roman" panose="02020603050405020304" pitchFamily="18" charset="0"/>
+            </a:endParaRPr>
+          </a:p>
+          <a:p>
+            <a:pPr marL="76200" indent="0">
+              <a:lnSpc>
+                <a:spcPct val="107000"/>
+              </a:lnSpc>
+              <a:spcBef>
+                <a:spcPts val="0"/>
+              </a:spcBef>
+              <a:spcAft>
+                <a:spcPts val="1200"/>
+              </a:spcAft>
+              <a:buNone/>
+              <a:tabLst>
+                <a:tab pos="344805" algn="l"/>
+              </a:tabLst>
+            </a:pPr>
+            <a:r>
+              <a:rPr lang="en-US" sz="800" b="1" dirty="0" err="1" smtClean="0">
+                <a:solidFill>
+                  <a:srgbClr val="5C2699"/>
+                </a:solidFill>
+                <a:latin typeface="SF Display" panose="00000500000000000000" pitchFamily="50" charset="0"/>
+                <a:ea typeface="Times New Roman" panose="02020603050405020304" pitchFamily="18" charset="0"/>
+                <a:cs typeface="Menlo-Regular"/>
+              </a:rPr>
+              <a:t>navigationItem</a:t>
+            </a:r>
+            <a:r>
+              <a:rPr lang="en-US" sz="800" b="1" dirty="0" err="1" smtClean="0">
+                <a:solidFill>
+                  <a:srgbClr val="000000"/>
+                </a:solidFill>
+                <a:latin typeface="SF Display" panose="00000500000000000000" pitchFamily="50" charset="0"/>
+                <a:ea typeface="Times New Roman" panose="02020603050405020304" pitchFamily="18" charset="0"/>
+                <a:cs typeface="Menlo-Regular"/>
+              </a:rPr>
+              <a:t>.</a:t>
+            </a:r>
+            <a:r>
+              <a:rPr lang="en-US" sz="800" b="1" dirty="0" err="1" smtClean="0">
+                <a:solidFill>
+                  <a:srgbClr val="5C2699"/>
+                </a:solidFill>
+                <a:latin typeface="SF Display" panose="00000500000000000000" pitchFamily="50" charset="0"/>
+                <a:ea typeface="Times New Roman" panose="02020603050405020304" pitchFamily="18" charset="0"/>
+                <a:cs typeface="Menlo-Regular"/>
+              </a:rPr>
+              <a:t>searchController</a:t>
+            </a:r>
+            <a:r>
+              <a:rPr lang="en-US" sz="800" b="1" dirty="0" smtClean="0">
+                <a:solidFill>
+                  <a:srgbClr val="000000"/>
+                </a:solidFill>
+                <a:latin typeface="SF Display" panose="00000500000000000000" pitchFamily="50" charset="0"/>
+                <a:ea typeface="Times New Roman" panose="02020603050405020304" pitchFamily="18" charset="0"/>
+                <a:cs typeface="Menlo-Regular"/>
+              </a:rPr>
+              <a:t> </a:t>
+            </a:r>
+            <a:r>
+              <a:rPr lang="en-US" sz="800" b="1" dirty="0">
+                <a:solidFill>
+                  <a:srgbClr val="000000"/>
+                </a:solidFill>
+                <a:latin typeface="SF Display" panose="00000500000000000000" pitchFamily="50" charset="0"/>
+                <a:ea typeface="Times New Roman" panose="02020603050405020304" pitchFamily="18" charset="0"/>
+                <a:cs typeface="Menlo-Regular"/>
+              </a:rPr>
+              <a:t>= </a:t>
+            </a:r>
+            <a:r>
+              <a:rPr lang="en-US" sz="800" b="1" dirty="0" err="1">
+                <a:solidFill>
+                  <a:srgbClr val="3F6E74"/>
+                </a:solidFill>
+                <a:latin typeface="SF Display" panose="00000500000000000000" pitchFamily="50" charset="0"/>
+                <a:ea typeface="Times New Roman" panose="02020603050405020304" pitchFamily="18" charset="0"/>
+                <a:cs typeface="Menlo-Regular"/>
+              </a:rPr>
+              <a:t>searchController</a:t>
+            </a:r>
+            <a:endParaRPr lang="es-ES" sz="1050" dirty="0">
+              <a:latin typeface="Calibri" panose="020F0502020204030204" pitchFamily="34" charset="0"/>
+              <a:ea typeface="Times New Roman" panose="02020603050405020304" pitchFamily="18" charset="0"/>
+              <a:cs typeface="Times New Roman" panose="02020603050405020304" pitchFamily="18" charset="0"/>
+            </a:endParaRPr>
+          </a:p>
+          <a:p>
+            <a:pPr marL="76200" indent="0">
+              <a:lnSpc>
+                <a:spcPct val="107000"/>
+              </a:lnSpc>
+              <a:spcBef>
+                <a:spcPts val="0"/>
+              </a:spcBef>
+              <a:spcAft>
+                <a:spcPts val="1200"/>
+              </a:spcAft>
+              <a:buNone/>
+              <a:tabLst>
+                <a:tab pos="344805" algn="l"/>
+              </a:tabLst>
+            </a:pPr>
+            <a:r>
+              <a:rPr lang="en-US" sz="800" b="1" dirty="0" err="1" smtClean="0">
+                <a:solidFill>
+                  <a:srgbClr val="5C2699"/>
+                </a:solidFill>
+                <a:latin typeface="SF Display" panose="00000500000000000000" pitchFamily="50" charset="0"/>
+                <a:ea typeface="Times New Roman" panose="02020603050405020304" pitchFamily="18" charset="0"/>
+                <a:cs typeface="Menlo-Regular"/>
+              </a:rPr>
+              <a:t>navigationItem</a:t>
+            </a:r>
+            <a:r>
+              <a:rPr lang="en-US" sz="800" b="1" dirty="0" err="1" smtClean="0">
+                <a:solidFill>
+                  <a:srgbClr val="000000"/>
+                </a:solidFill>
+                <a:latin typeface="SF Display" panose="00000500000000000000" pitchFamily="50" charset="0"/>
+                <a:ea typeface="Times New Roman" panose="02020603050405020304" pitchFamily="18" charset="0"/>
+                <a:cs typeface="Menlo-Regular"/>
+              </a:rPr>
+              <a:t>.</a:t>
+            </a:r>
+            <a:r>
+              <a:rPr lang="en-US" sz="800" b="1" dirty="0" err="1" smtClean="0">
+                <a:solidFill>
+                  <a:srgbClr val="5C2699"/>
+                </a:solidFill>
+                <a:latin typeface="SF Display" panose="00000500000000000000" pitchFamily="50" charset="0"/>
+                <a:ea typeface="Times New Roman" panose="02020603050405020304" pitchFamily="18" charset="0"/>
+                <a:cs typeface="Menlo-Regular"/>
+              </a:rPr>
+              <a:t>hidesSearchBarWhenScrolling</a:t>
+            </a:r>
+            <a:r>
+              <a:rPr lang="en-US" sz="800" b="1" dirty="0" smtClean="0">
+                <a:solidFill>
+                  <a:srgbClr val="000000"/>
+                </a:solidFill>
+                <a:latin typeface="SF Display" panose="00000500000000000000" pitchFamily="50" charset="0"/>
+                <a:ea typeface="Times New Roman" panose="02020603050405020304" pitchFamily="18" charset="0"/>
+                <a:cs typeface="Menlo-Regular"/>
+              </a:rPr>
+              <a:t> </a:t>
+            </a:r>
+            <a:r>
+              <a:rPr lang="en-US" sz="800" b="1" dirty="0">
+                <a:solidFill>
+                  <a:srgbClr val="000000"/>
+                </a:solidFill>
+                <a:latin typeface="SF Display" panose="00000500000000000000" pitchFamily="50" charset="0"/>
+                <a:ea typeface="Times New Roman" panose="02020603050405020304" pitchFamily="18" charset="0"/>
+                <a:cs typeface="Menlo-Regular"/>
+              </a:rPr>
+              <a:t>= </a:t>
+            </a:r>
+            <a:r>
+              <a:rPr lang="en-US" sz="800" b="1" dirty="0" smtClean="0">
+                <a:solidFill>
+                  <a:srgbClr val="AA0D91"/>
+                </a:solidFill>
+                <a:latin typeface="SF Display" panose="00000500000000000000" pitchFamily="50" charset="0"/>
+                <a:ea typeface="Times New Roman" panose="02020603050405020304" pitchFamily="18" charset="0"/>
+                <a:cs typeface="Menlo-Regular"/>
+              </a:rPr>
+              <a:t>false</a:t>
+            </a:r>
+            <a:endParaRPr lang="es-ES" sz="1050" dirty="0">
+              <a:latin typeface="Calibri" panose="020F0502020204030204" pitchFamily="34" charset="0"/>
+              <a:ea typeface="Times New Roman" panose="02020603050405020304" pitchFamily="18" charset="0"/>
+              <a:cs typeface="Times New Roman" panose="02020603050405020304" pitchFamily="18" charset="0"/>
+            </a:endParaRPr>
+          </a:p>
+          <a:p>
+            <a:pPr marL="76200" indent="0">
+              <a:lnSpc>
+                <a:spcPct val="107000"/>
+              </a:lnSpc>
+              <a:spcBef>
+                <a:spcPts val="0"/>
+              </a:spcBef>
+              <a:spcAft>
+                <a:spcPts val="1200"/>
+              </a:spcAft>
+              <a:buNone/>
+              <a:tabLst>
+                <a:tab pos="344805" algn="l"/>
+              </a:tabLst>
+            </a:pPr>
+            <a:r>
+              <a:rPr lang="en-US" sz="800" b="1" dirty="0" err="1" smtClean="0">
+                <a:solidFill>
+                  <a:srgbClr val="5C2699"/>
+                </a:solidFill>
+                <a:latin typeface="SF Display" panose="00000500000000000000" pitchFamily="50" charset="0"/>
+                <a:ea typeface="Times New Roman" panose="02020603050405020304" pitchFamily="18" charset="0"/>
+                <a:cs typeface="Menlo-Regular"/>
+              </a:rPr>
+              <a:t>definesPresentationContext</a:t>
+            </a:r>
+            <a:r>
+              <a:rPr lang="en-US" sz="800" b="1" dirty="0" smtClean="0">
+                <a:solidFill>
+                  <a:srgbClr val="000000"/>
+                </a:solidFill>
+                <a:latin typeface="SF Display" panose="00000500000000000000" pitchFamily="50" charset="0"/>
+                <a:ea typeface="Times New Roman" panose="02020603050405020304" pitchFamily="18" charset="0"/>
+                <a:cs typeface="Menlo-Regular"/>
+              </a:rPr>
+              <a:t> = </a:t>
+            </a:r>
+            <a:r>
+              <a:rPr lang="en-US" sz="800" b="1" dirty="0" smtClean="0">
+                <a:solidFill>
+                  <a:srgbClr val="AA0D91"/>
+                </a:solidFill>
+                <a:latin typeface="SF Display" panose="00000500000000000000" pitchFamily="50" charset="0"/>
+                <a:ea typeface="Times New Roman" panose="02020603050405020304" pitchFamily="18" charset="0"/>
+                <a:cs typeface="Menlo-Regular"/>
+              </a:rPr>
+              <a:t>true</a:t>
+            </a:r>
+            <a:r>
+              <a:rPr lang="en-US" sz="800" b="1" dirty="0" smtClean="0">
+                <a:solidFill>
+                  <a:srgbClr val="000000"/>
+                </a:solidFill>
+                <a:latin typeface="SF Display" panose="00000500000000000000" pitchFamily="50" charset="0"/>
+                <a:ea typeface="Times New Roman" panose="02020603050405020304" pitchFamily="18" charset="0"/>
+                <a:cs typeface="Menlo-Regular"/>
+              </a:rPr>
+              <a:t> </a:t>
+            </a:r>
+            <a:endParaRPr lang="es-ES" sz="1050" dirty="0" smtClean="0">
+              <a:latin typeface="Calibri" panose="020F0502020204030204" pitchFamily="34" charset="0"/>
+              <a:ea typeface="Times New Roman" panose="02020603050405020304" pitchFamily="18" charset="0"/>
+              <a:cs typeface="Times New Roman" panose="02020603050405020304" pitchFamily="18" charset="0"/>
+            </a:endParaRPr>
+          </a:p>
+          <a:p>
+            <a:pPr marL="449580" indent="0">
+              <a:lnSpc>
+                <a:spcPct val="107000"/>
+              </a:lnSpc>
+              <a:spcAft>
+                <a:spcPts val="800"/>
+              </a:spcAft>
+              <a:buNone/>
+            </a:pPr>
+            <a:endParaRPr lang="es-ES" sz="800" dirty="0">
+              <a:latin typeface="SF Display" panose="00000500000000000000" pitchFamily="50" charset="0"/>
+              <a:ea typeface="SF Display" panose="00000500000000000000" pitchFamily="50" charset="0"/>
+              <a:cs typeface="Times New Roman" panose="02020603050405020304" pitchFamily="18" charset="0"/>
+            </a:endParaRPr>
+          </a:p>
+          <a:p>
+            <a:pPr marL="76200" indent="0">
+              <a:buNone/>
+            </a:pPr>
+            <a:endParaRPr lang="es-ES" sz="900" dirty="0"/>
+          </a:p>
+        </p:txBody>
+      </p:sp>
+      <p:sp>
+        <p:nvSpPr>
+          <p:cNvPr id="114" name="Shape 114"/>
+          <p:cNvSpPr txBox="1">
+            <a:spLocks noGrp="1"/>
+          </p:cNvSpPr>
+          <p:nvPr>
+            <p:ph type="sldNum" idx="12"/>
+          </p:nvPr>
+        </p:nvSpPr>
+        <p:spPr>
+          <a:xfrm>
+            <a:off x="7766425" y="648725"/>
+            <a:ext cx="548700" cy="671400"/>
+          </a:xfrm>
+          <a:prstGeom prst="rect">
+            <a:avLst/>
+          </a:prstGeom>
+        </p:spPr>
+        <p:txBody>
+          <a:bodyPr spcFirstLastPara="1" wrap="square" lIns="91425" tIns="91425" rIns="91425" bIns="91425" anchor="b" anchorCtr="0">
+            <a:noAutofit/>
+          </a:bodyPr>
+          <a:lstStyle/>
+          <a:p>
+            <a:pPr marL="0" lvl="0" indent="0">
+              <a:spcBef>
+                <a:spcPts val="0"/>
+              </a:spcBef>
+              <a:spcAft>
+                <a:spcPts val="0"/>
+              </a:spcAft>
+              <a:buNone/>
+            </a:pPr>
+            <a:fld id="{00000000-1234-1234-1234-123412341234}" type="slidenum">
+              <a:rPr lang="en"/>
+              <a:t>11</a:t>
+            </a:fld>
+            <a:endParaRPr/>
+          </a:p>
+        </p:txBody>
+      </p:sp>
+      <p:sp>
+        <p:nvSpPr>
+          <p:cNvPr id="4" name="TextBox 3"/>
+          <p:cNvSpPr txBox="1"/>
+          <p:nvPr/>
+        </p:nvSpPr>
+        <p:spPr>
+          <a:xfrm>
+            <a:off x="1010200" y="1501462"/>
+            <a:ext cx="7003434" cy="230832"/>
+          </a:xfrm>
+          <a:prstGeom prst="rect">
+            <a:avLst/>
+          </a:prstGeom>
+          <a:noFill/>
+        </p:spPr>
+        <p:txBody>
+          <a:bodyPr wrap="square" rtlCol="0">
+            <a:spAutoFit/>
+          </a:bodyPr>
+          <a:lstStyle/>
+          <a:p>
+            <a:r>
+              <a:rPr lang="es-ES" sz="900" dirty="0" smtClean="0">
+                <a:latin typeface="SF Display" panose="00000500000000000000" pitchFamily="50" charset="0"/>
+                <a:ea typeface="SF Display" panose="00000500000000000000" pitchFamily="50" charset="0"/>
+              </a:rPr>
+              <a:t>En el método </a:t>
+            </a:r>
+            <a:r>
+              <a:rPr lang="es-ES" sz="900" b="1" dirty="0" err="1" smtClean="0">
+                <a:latin typeface="SF Display" panose="00000500000000000000" pitchFamily="50" charset="0"/>
+                <a:ea typeface="SF Display" panose="00000500000000000000" pitchFamily="50" charset="0"/>
+              </a:rPr>
+              <a:t>viewDidLoad</a:t>
+            </a:r>
+            <a:r>
+              <a:rPr lang="es-ES" sz="900" dirty="0" smtClean="0">
+                <a:latin typeface="SF Display" panose="00000500000000000000" pitchFamily="50" charset="0"/>
+                <a:ea typeface="SF Display" panose="00000500000000000000" pitchFamily="50" charset="0"/>
+              </a:rPr>
+              <a:t> habrá que declaras las propiedades que tendrá el espacio de búsqueda.</a:t>
+            </a:r>
+            <a:endParaRPr lang="es-ES" sz="900" dirty="0">
+              <a:latin typeface="SF Display" panose="00000500000000000000" pitchFamily="50" charset="0"/>
+              <a:ea typeface="SF Display" panose="00000500000000000000" pitchFamily="50" charset="0"/>
+            </a:endParaRPr>
+          </a:p>
+        </p:txBody>
+      </p:sp>
+      <p:sp>
+        <p:nvSpPr>
+          <p:cNvPr id="10" name="TextBox 9"/>
+          <p:cNvSpPr txBox="1"/>
+          <p:nvPr/>
+        </p:nvSpPr>
+        <p:spPr>
+          <a:xfrm>
+            <a:off x="4437745" y="1870289"/>
+            <a:ext cx="3575889" cy="2331407"/>
+          </a:xfrm>
+          <a:prstGeom prst="rect">
+            <a:avLst/>
+          </a:prstGeom>
+          <a:noFill/>
+        </p:spPr>
+        <p:txBody>
+          <a:bodyPr wrap="square" rtlCol="0">
+            <a:spAutoFit/>
+          </a:bodyPr>
+          <a:lstStyle/>
+          <a:p>
+            <a:pPr>
+              <a:spcAft>
+                <a:spcPts val="600"/>
+              </a:spcAft>
+            </a:pPr>
+            <a:r>
+              <a:rPr lang="es-ES" sz="700" dirty="0" smtClean="0">
+                <a:latin typeface="SF Display" panose="00000500000000000000" pitchFamily="50" charset="0"/>
+                <a:ea typeface="SF Display" panose="00000500000000000000" pitchFamily="50" charset="0"/>
+              </a:rPr>
+              <a:t>Clase que reciba información al actualiza barra de búsqueda. También se deriva del protocolo </a:t>
+            </a:r>
+            <a:r>
+              <a:rPr lang="es-ES" sz="700" b="1" dirty="0" err="1" smtClean="0">
+                <a:latin typeface="SF Display" panose="00000500000000000000" pitchFamily="50" charset="0"/>
+                <a:ea typeface="SF Display" panose="00000500000000000000" pitchFamily="50" charset="0"/>
+              </a:rPr>
+              <a:t>UISearchResultsUpdating</a:t>
+            </a:r>
+            <a:r>
+              <a:rPr lang="es-ES" sz="700" dirty="0" smtClean="0">
+                <a:latin typeface="SF Display" panose="00000500000000000000" pitchFamily="50" charset="0"/>
+                <a:ea typeface="SF Display" panose="00000500000000000000" pitchFamily="50" charset="0"/>
+              </a:rPr>
+              <a:t>.</a:t>
+            </a:r>
+            <a:endParaRPr lang="es-ES" sz="700" dirty="0">
+              <a:latin typeface="SF Display" panose="00000500000000000000" pitchFamily="50" charset="0"/>
+              <a:ea typeface="SF Display" panose="00000500000000000000" pitchFamily="50" charset="0"/>
+            </a:endParaRPr>
+          </a:p>
+          <a:p>
+            <a:pPr>
+              <a:spcBef>
+                <a:spcPts val="200"/>
+              </a:spcBef>
+              <a:spcAft>
+                <a:spcPts val="600"/>
+              </a:spcAft>
+            </a:pPr>
+            <a:r>
+              <a:rPr lang="es-ES" sz="700" dirty="0" smtClean="0">
+                <a:latin typeface="SF Display" panose="00000500000000000000" pitchFamily="50" charset="0"/>
+                <a:ea typeface="SF Display" panose="00000500000000000000" pitchFamily="50" charset="0"/>
+              </a:rPr>
+              <a:t>Útil cuando las vistas donde se muestra la barra de búsqueda y los resultados son diferentes. No es nuestro caso.</a:t>
+            </a:r>
+          </a:p>
+          <a:p>
+            <a:pPr>
+              <a:spcAft>
+                <a:spcPts val="600"/>
+              </a:spcAft>
+            </a:pPr>
+            <a:r>
+              <a:rPr lang="es-ES" sz="700" dirty="0" smtClean="0">
+                <a:latin typeface="SF Display" panose="00000500000000000000" pitchFamily="50" charset="0"/>
+                <a:ea typeface="SF Display" panose="00000500000000000000" pitchFamily="50" charset="0"/>
+              </a:rPr>
+              <a:t>Esconde la barra de navegación (Editar, título y añadir para nosotros). Dado que haremos uso de estas opciones lo deshabilitaremos.</a:t>
+            </a:r>
+            <a:endParaRPr lang="es-ES" sz="700" dirty="0">
+              <a:latin typeface="SF Display" panose="00000500000000000000" pitchFamily="50" charset="0"/>
+              <a:ea typeface="SF Display" panose="00000500000000000000" pitchFamily="50" charset="0"/>
+            </a:endParaRPr>
+          </a:p>
+          <a:p>
+            <a:pPr>
+              <a:spcBef>
+                <a:spcPts val="200"/>
+              </a:spcBef>
+              <a:spcAft>
+                <a:spcPts val="600"/>
+              </a:spcAft>
+            </a:pPr>
+            <a:r>
+              <a:rPr lang="es-ES" sz="700" dirty="0" smtClean="0">
+                <a:latin typeface="SF Display" panose="00000500000000000000" pitchFamily="50" charset="0"/>
+                <a:ea typeface="SF Display" panose="00000500000000000000" pitchFamily="50" charset="0"/>
+              </a:rPr>
+              <a:t>Texto por defecto en la barra de búsqueda.</a:t>
+            </a:r>
+            <a:endParaRPr lang="es-ES" sz="700" dirty="0">
+              <a:latin typeface="SF Display" panose="00000500000000000000" pitchFamily="50" charset="0"/>
+              <a:ea typeface="SF Display" panose="00000500000000000000" pitchFamily="50" charset="0"/>
+            </a:endParaRPr>
+          </a:p>
+          <a:p>
+            <a:pPr>
+              <a:spcBef>
+                <a:spcPts val="700"/>
+              </a:spcBef>
+              <a:spcAft>
+                <a:spcPts val="600"/>
+              </a:spcAft>
+            </a:pPr>
+            <a:r>
+              <a:rPr lang="es-ES" sz="700" dirty="0" smtClean="0">
+                <a:latin typeface="SF Display" panose="00000500000000000000" pitchFamily="50" charset="0"/>
+                <a:ea typeface="SF Display" panose="00000500000000000000" pitchFamily="50" charset="0"/>
+              </a:rPr>
+              <a:t>Especificamos en la navegación nuestro controlador de búsqueda.</a:t>
+            </a:r>
+            <a:endParaRPr lang="es-ES" sz="700" dirty="0">
+              <a:latin typeface="SF Display" panose="00000500000000000000" pitchFamily="50" charset="0"/>
+              <a:ea typeface="SF Display" panose="00000500000000000000" pitchFamily="50" charset="0"/>
+            </a:endParaRPr>
+          </a:p>
+          <a:p>
+            <a:pPr>
+              <a:spcBef>
+                <a:spcPts val="800"/>
+              </a:spcBef>
+              <a:spcAft>
+                <a:spcPts val="600"/>
+              </a:spcAft>
+            </a:pPr>
+            <a:r>
+              <a:rPr lang="es-ES" sz="700" dirty="0" smtClean="0">
+                <a:latin typeface="SF Display" panose="00000500000000000000" pitchFamily="50" charset="0"/>
+                <a:ea typeface="SF Display" panose="00000500000000000000" pitchFamily="50" charset="0"/>
+              </a:rPr>
+              <a:t>La barra de búsqueda </a:t>
+            </a:r>
+            <a:r>
+              <a:rPr lang="es-ES" sz="700" dirty="0" err="1" smtClean="0">
+                <a:latin typeface="SF Display" panose="00000500000000000000" pitchFamily="50" charset="0"/>
+                <a:ea typeface="SF Display" panose="00000500000000000000" pitchFamily="50" charset="0"/>
+              </a:rPr>
+              <a:t>apece</a:t>
+            </a:r>
+            <a:r>
+              <a:rPr lang="es-ES" sz="700" dirty="0" smtClean="0">
+                <a:latin typeface="SF Display" panose="00000500000000000000" pitchFamily="50" charset="0"/>
+                <a:ea typeface="SF Display" panose="00000500000000000000" pitchFamily="50" charset="0"/>
+              </a:rPr>
+              <a:t> permanentemente al marcarlo como false.</a:t>
+            </a:r>
+            <a:endParaRPr lang="es-ES" sz="700" dirty="0">
+              <a:latin typeface="SF Display" panose="00000500000000000000" pitchFamily="50" charset="0"/>
+              <a:ea typeface="SF Display" panose="00000500000000000000" pitchFamily="50" charset="0"/>
+            </a:endParaRPr>
+          </a:p>
+          <a:p>
+            <a:pPr>
+              <a:spcBef>
+                <a:spcPts val="800"/>
+              </a:spcBef>
+              <a:spcAft>
+                <a:spcPts val="600"/>
+              </a:spcAft>
+            </a:pPr>
+            <a:r>
+              <a:rPr lang="es-ES" sz="700" dirty="0" smtClean="0">
+                <a:latin typeface="SF Display" panose="00000500000000000000" pitchFamily="50" charset="0"/>
+                <a:ea typeface="SF Display" panose="00000500000000000000" pitchFamily="50" charset="0"/>
+              </a:rPr>
+              <a:t>Evita que la barra de búsqueda aparezca incluso al cambiar a otras vistas.</a:t>
+            </a:r>
+          </a:p>
+          <a:p>
+            <a:endParaRPr lang="es-ES" sz="900" dirty="0">
+              <a:latin typeface="SF Display" panose="00000500000000000000" pitchFamily="50" charset="0"/>
+              <a:ea typeface="SF Display" panose="00000500000000000000" pitchFamily="50" charset="0"/>
+            </a:endParaRPr>
+          </a:p>
+          <a:p>
+            <a:endParaRPr lang="es-ES" sz="900" dirty="0">
+              <a:latin typeface="SF Display" panose="00000500000000000000" pitchFamily="50" charset="0"/>
+              <a:ea typeface="SF Display" panose="00000500000000000000" pitchFamily="50" charset="0"/>
+            </a:endParaRPr>
+          </a:p>
+        </p:txBody>
+      </p:sp>
+    </p:spTree>
+    <p:extLst>
+      <p:ext uri="{BB962C8B-B14F-4D97-AF65-F5344CB8AC3E}">
+        <p14:creationId xmlns:p14="http://schemas.microsoft.com/office/powerpoint/2010/main" val="755893029"/>
+      </p:ext>
+    </p:extLst>
+  </p:cSld>
+  <p:clrMapOvr>
+    <a:masterClrMapping/>
+  </p:clrMapOvr>
+  <p:timing>
+    <p:tnLst>
+      <p:par>
+        <p:cTn id="1" dur="indefinite" restart="never" nodeType="tmRoot"/>
+      </p:par>
+    </p:tnLst>
+  </p:timing>
+</p:sld>
+</file>
+
+<file path=ppt/slides/slide12.xml><?xml version="1.0" encoding="utf-8"?>
+<p:sld xmlns:a="http://schemas.openxmlformats.org/drawingml/2006/main" xmlns:r="http://schemas.openxmlformats.org/officeDocument/2006/relationships" xmlns:p="http://schemas.openxmlformats.org/presentationml/2006/main">
+  <p:cSld>
+    <p:spTree>
+      <p:nvGrpSpPr>
+        <p:cNvPr id="1" name="Shape 111"/>
+        <p:cNvGrpSpPr/>
+        <p:nvPr/>
+      </p:nvGrpSpPr>
+      <p:grpSpPr>
+        <a:xfrm>
+          <a:off x="0" y="0"/>
+          <a:ext cx="0" cy="0"/>
+          <a:chOff x="0" y="0"/>
+          <a:chExt cx="0" cy="0"/>
+        </a:xfrm>
+      </p:grpSpPr>
+      <p:sp>
+        <p:nvSpPr>
           <p:cNvPr id="11" name="TextBox 10"/>
           <p:cNvSpPr txBox="1"/>
           <p:nvPr/>
@@ -7095,7 +9384,7 @@
             </a:pPr>
             <a:fld id="{00000000-1234-1234-1234-123412341234}" type="slidenum">
               <a:rPr lang="en"/>
-              <a:t>10</a:t>
+              <a:t>12</a:t>
             </a:fld>
             <a:endParaRPr/>
           </a:p>
@@ -8738,7 +11027,7 @@
 </p:sld>
 </file>
 
-<file path=ppt/slides/slide11.xml><?xml version="1.0" encoding="utf-8"?>
+<file path=ppt/slides/slide13.xml><?xml version="1.0" encoding="utf-8"?>
 <p:sld xmlns:a="http://schemas.openxmlformats.org/drawingml/2006/main" xmlns:r="http://schemas.openxmlformats.org/officeDocument/2006/relationships" xmlns:p="http://schemas.openxmlformats.org/presentationml/2006/main">
   <p:cSld>
     <p:spTree>
@@ -9120,7 +11409,7 @@
             </a:pPr>
             <a:fld id="{00000000-1234-1234-1234-123412341234}" type="slidenum">
               <a:rPr lang="en"/>
-              <a:t>11</a:t>
+              <a:t>13</a:t>
             </a:fld>
             <a:endParaRPr/>
           </a:p>
@@ -9452,7 +11741,7 @@
 </p:sld>
 </file>
 
-<file path=ppt/slides/slide12.xml><?xml version="1.0" encoding="utf-8"?>
+<file path=ppt/slides/slide14.xml><?xml version="1.0" encoding="utf-8"?>
 <p:sld xmlns:a="http://schemas.openxmlformats.org/drawingml/2006/main" xmlns:r="http://schemas.openxmlformats.org/officeDocument/2006/relationships" xmlns:p="http://schemas.openxmlformats.org/presentationml/2006/main">
   <p:cSld>
     <p:spTree>
@@ -10176,7 +12465,7 @@
             </a:pPr>
             <a:fld id="{00000000-1234-1234-1234-123412341234}" type="slidenum">
               <a:rPr lang="en"/>
-              <a:t>12</a:t>
+              <a:t>14</a:t>
             </a:fld>
             <a:endParaRPr/>
           </a:p>
@@ -11595,7 +13884,7 @@
 </p:sld>
 </file>
 
-<file path=ppt/slides/slide13.xml><?xml version="1.0" encoding="utf-8"?>
+<file path=ppt/slides/slide15.xml><?xml version="1.0" encoding="utf-8"?>
 <p:sld xmlns:a="http://schemas.openxmlformats.org/drawingml/2006/main" xmlns:r="http://schemas.openxmlformats.org/officeDocument/2006/relationships" xmlns:p="http://schemas.openxmlformats.org/presentationml/2006/main">
   <p:cSld>
     <p:spTree>
@@ -13181,7 +15470,7 @@
             </a:pPr>
             <a:fld id="{00000000-1234-1234-1234-123412341234}" type="slidenum">
               <a:rPr lang="en"/>
-              <a:t>13</a:t>
+              <a:t>15</a:t>
             </a:fld>
             <a:endParaRPr/>
           </a:p>
@@ -13389,7 +15678,7 @@
 </p:sld>
 </file>
 
-<file path=ppt/slides/slide14.xml><?xml version="1.0" encoding="utf-8"?>
+<file path=ppt/slides/slide16.xml><?xml version="1.0" encoding="utf-8"?>
 <p:sld xmlns:a="http://schemas.openxmlformats.org/drawingml/2006/main" xmlns:r="http://schemas.openxmlformats.org/officeDocument/2006/relationships" xmlns:p="http://schemas.openxmlformats.org/presentationml/2006/main">
   <p:cSld>
     <p:spTree>
@@ -13490,7 +15779,7 @@
             </a:pPr>
             <a:fld id="{00000000-1234-1234-1234-123412341234}" type="slidenum">
               <a:rPr lang="en"/>
-              <a:t>14</a:t>
+              <a:t>16</a:t>
             </a:fld>
             <a:endParaRPr/>
           </a:p>
@@ -13523,7 +15812,14 @@
                 <a:latin typeface="SF Display" panose="00000500000000000000" pitchFamily="50" charset="0"/>
                 <a:ea typeface="SF Display" panose="00000500000000000000" pitchFamily="50" charset="0"/>
               </a:rPr>
-              <a:t>Nuestra búsqueda ya es funcional </a:t>
+              <a:t>Nuestra búsqueda ya </a:t>
+            </a:r>
+            <a:r>
+              <a:rPr lang="es-ES" sz="900" b="1" dirty="0" smtClean="0">
+                <a:latin typeface="SF Display" panose="00000500000000000000" pitchFamily="50" charset="0"/>
+                <a:ea typeface="SF Display" panose="00000500000000000000" pitchFamily="50" charset="0"/>
+              </a:rPr>
+              <a:t>funciona</a:t>
             </a:r>
             <a:endParaRPr lang="es-ES" sz="900" b="1" dirty="0">
               <a:latin typeface="SF Display" panose="00000500000000000000" pitchFamily="50" charset="0"/>
@@ -13541,7 +15837,7 @@
         <p:spPr>
           <a:xfrm>
             <a:off x="1010200" y="1796215"/>
-            <a:ext cx="5462963" cy="2605842"/>
+            <a:ext cx="5462963" cy="1338828"/>
           </a:xfrm>
           <a:prstGeom prst="rect">
             <a:avLst/>
@@ -13617,85 +15913,22 @@
                 <a:latin typeface="SF Display" panose="00000500000000000000" pitchFamily="50" charset="0"/>
                 <a:ea typeface="SF Display" panose="00000500000000000000" pitchFamily="50" charset="0"/>
               </a:rPr>
-              <a:t>Nosotros consideraremos que se puede añadir y actualizar con una búsqueda en curso, pero si se considera la estrategia de no dejar insertar en estos casos, algunas consideraciones son las siguientes:</a:t>
-            </a:r>
-          </a:p>
-          <a:p>
-            <a:endParaRPr lang="es-ES" sz="900" dirty="0">
-              <a:latin typeface="SF Display" panose="00000500000000000000" pitchFamily="50" charset="0"/>
-              <a:ea typeface="SF Display" panose="00000500000000000000" pitchFamily="50" charset="0"/>
-            </a:endParaRPr>
-          </a:p>
-          <a:p>
-            <a:pPr marL="228600" indent="-228600">
-              <a:buFont typeface="+mj-lt"/>
-              <a:buAutoNum type="arabicPeriod"/>
-            </a:pPr>
-            <a:r>
-              <a:rPr lang="es-ES" sz="900" b="1" dirty="0" smtClean="0">
-                <a:latin typeface="SF Display" panose="00000500000000000000" pitchFamily="50" charset="0"/>
-                <a:ea typeface="SF Display" panose="00000500000000000000" pitchFamily="50" charset="0"/>
-              </a:rPr>
-              <a:t>El botón de añadir se puede habilitar/deshabilitar</a:t>
+              <a:t>Nosotros consideraremos que se puede añadir y actualizar con una búsqueda en </a:t>
             </a:r>
             <a:r>
               <a:rPr lang="es-ES" sz="900" dirty="0" smtClean="0">
                 <a:latin typeface="SF Display" panose="00000500000000000000" pitchFamily="50" charset="0"/>
                 <a:ea typeface="SF Display" panose="00000500000000000000" pitchFamily="50" charset="0"/>
               </a:rPr>
-              <a:t>: </a:t>
-            </a:r>
-          </a:p>
-          <a:p>
-            <a:pPr lvl="3" algn="ctr"/>
-            <a:r>
-              <a:rPr lang="es-ES" sz="800" dirty="0" err="1" smtClean="0">
-                <a:latin typeface="SF Display" panose="00000500000000000000" pitchFamily="50" charset="0"/>
-                <a:ea typeface="SF Display" panose="00000500000000000000" pitchFamily="50" charset="0"/>
-              </a:rPr>
-              <a:t>navigationItem.rightBarButtonItem.isEnabled</a:t>
-            </a:r>
-            <a:r>
-              <a:rPr lang="es-ES" sz="800" dirty="0" smtClean="0">
-                <a:latin typeface="SF Display" panose="00000500000000000000" pitchFamily="50" charset="0"/>
-                <a:ea typeface="SF Display" panose="00000500000000000000" pitchFamily="50" charset="0"/>
-              </a:rPr>
-              <a:t> = true / false</a:t>
-            </a:r>
-          </a:p>
-          <a:p>
-            <a:pPr lvl="3">
-              <a:spcBef>
-                <a:spcPts val="400"/>
-              </a:spcBef>
-            </a:pPr>
-            <a:r>
-              <a:rPr lang="es-ES" sz="900" b="1" dirty="0" smtClean="0">
-                <a:latin typeface="SF Display" panose="00000500000000000000" pitchFamily="50" charset="0"/>
-                <a:ea typeface="SF Display" panose="00000500000000000000" pitchFamily="50" charset="0"/>
-              </a:rPr>
-              <a:t>2.       El método </a:t>
-            </a:r>
-            <a:r>
-              <a:rPr lang="es-ES" sz="900" b="1" dirty="0" err="1" smtClean="0">
-                <a:latin typeface="SF Display" panose="00000500000000000000" pitchFamily="50" charset="0"/>
-                <a:ea typeface="SF Display" panose="00000500000000000000" pitchFamily="50" charset="0"/>
-              </a:rPr>
-              <a:t>updateSearchResults</a:t>
-            </a:r>
-            <a:r>
-              <a:rPr lang="es-ES" sz="900" b="1" dirty="0" smtClean="0">
-                <a:latin typeface="SF Display" panose="00000500000000000000" pitchFamily="50" charset="0"/>
-                <a:ea typeface="SF Display" panose="00000500000000000000" pitchFamily="50" charset="0"/>
-              </a:rPr>
-              <a:t> se llama cuando hay algún cambio en la barra de búsqueda, incluyendo los eventos de limpiar y cancelar, luego podemos deshabilitar el botón de añadir en cada llamada, y podemos comprobar si la barra de búsqueda está vacía, de tal forma que si así es podemos volver a habilitarla.</a:t>
-            </a:r>
-          </a:p>
-          <a:p>
-            <a:pPr marL="228600" lvl="3" indent="-228600">
-              <a:buFont typeface="+mj-lt"/>
-              <a:buAutoNum type="arabicPeriod"/>
-            </a:pPr>
+              <a:t>curso</a:t>
+            </a:r>
+            <a:r>
+              <a:rPr lang="es-ES" sz="900" dirty="0" smtClean="0">
+                <a:latin typeface="SF Display" panose="00000500000000000000" pitchFamily="50" charset="0"/>
+                <a:ea typeface="SF Display" panose="00000500000000000000" pitchFamily="50" charset="0"/>
+              </a:rPr>
+              <a:t>.</a:t>
+            </a:r>
             <a:endParaRPr lang="es-ES" sz="800" dirty="0" smtClean="0">
               <a:latin typeface="SF Display" panose="00000500000000000000" pitchFamily="50" charset="0"/>
               <a:ea typeface="SF Display" panose="00000500000000000000" pitchFamily="50" charset="0"/>
@@ -13741,7 +15974,7 @@
         </p:blipFill>
         <p:spPr>
           <a:xfrm>
-            <a:off x="2917370" y="1360834"/>
+            <a:off x="2722161" y="1360834"/>
             <a:ext cx="360599" cy="380092"/>
           </a:xfrm>
           <a:prstGeom prst="rect">
@@ -13769,7 +16002,7 @@
 </p:sld>
 </file>
 
-<file path=ppt/slides/slide15.xml><?xml version="1.0" encoding="utf-8"?>
+<file path=ppt/slides/slide17.xml><?xml version="1.0" encoding="utf-8"?>
 <p:sld xmlns:a="http://schemas.openxmlformats.org/drawingml/2006/main" xmlns:r="http://schemas.openxmlformats.org/officeDocument/2006/relationships" xmlns:p="http://schemas.openxmlformats.org/presentationml/2006/main">
   <p:cSld>
     <p:spTree>
@@ -14737,7 +16970,29 @@
                 <a:ea typeface="SF Display" panose="00000500000000000000" pitchFamily="50" charset="0"/>
                 <a:cs typeface="Menlo-Regular"/>
               </a:rPr>
-              <a:t>                   	                                  </a:t>
+              <a:t>                  </a:t>
+            </a:r>
+            <a:r>
+              <a:rPr lang="en-US" sz="800" b="1" dirty="0">
+                <a:solidFill>
+                  <a:srgbClr val="000000"/>
+                </a:solidFill>
+                <a:latin typeface="SF Display" panose="00000500000000000000" pitchFamily="50" charset="0"/>
+                <a:ea typeface="SF Display" panose="00000500000000000000" pitchFamily="50" charset="0"/>
+                <a:cs typeface="Menlo-Regular"/>
+              </a:rPr>
+              <a:t> </a:t>
+            </a:r>
+            <a:r>
+              <a:rPr lang="en-US" sz="800" b="1" dirty="0" smtClean="0">
+                <a:solidFill>
+                  <a:srgbClr val="000000"/>
+                </a:solidFill>
+                <a:latin typeface="SF Display" panose="00000500000000000000" pitchFamily="50" charset="0"/>
+                <a:ea typeface="SF Display" panose="00000500000000000000" pitchFamily="50" charset="0"/>
+                <a:cs typeface="Menlo-Regular"/>
+              </a:rPr>
+              <a:t>                                  </a:t>
             </a:r>
             <a:r>
               <a:rPr lang="en-US" sz="800" b="1" dirty="0" err="1" smtClean="0">
@@ -14759,7 +17014,18 @@
                 <a:ea typeface="SF Display" panose="00000500000000000000" pitchFamily="50" charset="0"/>
                 <a:cs typeface="Menlo-Regular"/>
               </a:rPr>
-              <a:t> = </a:t>
+              <a:t> </a:t>
+            </a:r>
+            <a:r>
+              <a:rPr lang="en-US" sz="800" b="1" dirty="0" smtClean="0">
+                <a:solidFill>
+                  <a:srgbClr val="000000"/>
+                </a:solidFill>
+                <a:latin typeface="SF Display" panose="00000500000000000000" pitchFamily="50" charset="0"/>
+                <a:ea typeface="SF Display" panose="00000500000000000000" pitchFamily="50" charset="0"/>
+                <a:cs typeface="Menlo-Regular"/>
+              </a:rPr>
+              <a:t>= </a:t>
             </a:r>
             <a:r>
               <a:rPr lang="en-US" sz="800" b="1" dirty="0" err="1" smtClean="0">
@@ -15417,7 +17683,7 @@
             </a:pPr>
             <a:fld id="{00000000-1234-1234-1234-123412341234}" type="slidenum">
               <a:rPr lang="en"/>
-              <a:t>15</a:t>
+              <a:t>17</a:t>
             </a:fld>
             <a:endParaRPr/>
           </a:p>
@@ -15543,7 +17809,7 @@
 </p:sld>
 </file>
 
-<file path=ppt/slides/slide16.xml><?xml version="1.0" encoding="utf-8"?>
+<file path=ppt/slides/slide18.xml><?xml version="1.0" encoding="utf-8"?>
 <p:sld xmlns:a="http://schemas.openxmlformats.org/drawingml/2006/main" xmlns:r="http://schemas.openxmlformats.org/officeDocument/2006/relationships" xmlns:p="http://schemas.openxmlformats.org/presentationml/2006/main">
   <p:cSld>
     <p:spTree>
@@ -16981,7 +19247,7 @@
             </a:pPr>
             <a:fld id="{00000000-1234-1234-1234-123412341234}" type="slidenum">
               <a:rPr lang="en"/>
-              <a:t>16</a:t>
+              <a:t>18</a:t>
             </a:fld>
             <a:endParaRPr/>
           </a:p>
@@ -18708,7 +20974,7 @@
 </p:sld>
 </file>
 
-<file path=ppt/slides/slide17.xml><?xml version="1.0" encoding="utf-8"?>
+<file path=ppt/slides/slide19.xml><?xml version="1.0" encoding="utf-8"?>
 <p:sld xmlns:a="http://schemas.openxmlformats.org/drawingml/2006/main" xmlns:r="http://schemas.openxmlformats.org/officeDocument/2006/relationships" xmlns:p="http://schemas.openxmlformats.org/presentationml/2006/main">
   <p:cSld>
     <p:spTree>
@@ -18809,7 +21075,7 @@
             </a:pPr>
             <a:fld id="{00000000-1234-1234-1234-123412341234}" type="slidenum">
               <a:rPr lang="en"/>
-              <a:t>17</a:t>
+              <a:t>19</a:t>
             </a:fld>
             <a:endParaRPr/>
           </a:p>
@@ -19396,7 +21662,320 @@
 </p:sld>
 </file>
 
-<file path=ppt/slides/slide18.xml><?xml version="1.0" encoding="utf-8"?>
+<file path=ppt/slides/slide2.xml><?xml version="1.0" encoding="utf-8"?>
+<p:sld xmlns:a="http://schemas.openxmlformats.org/drawingml/2006/main" xmlns:r="http://schemas.openxmlformats.org/officeDocument/2006/relationships" xmlns:p="http://schemas.openxmlformats.org/presentationml/2006/main">
+  <p:cSld>
+    <p:spTree>
+      <p:nvGrpSpPr>
+        <p:cNvPr id="1" name="Shape 218"/>
+        <p:cNvGrpSpPr/>
+        <p:nvPr/>
+      </p:nvGrpSpPr>
+      <p:grpSpPr>
+        <a:xfrm>
+          <a:off x="0" y="0"/>
+          <a:ext cx="0" cy="0"/>
+          <a:chOff x="0" y="0"/>
+          <a:chExt cx="0" cy="0"/>
+        </a:xfrm>
+      </p:grpSpPr>
+      <p:sp>
+        <p:nvSpPr>
+          <p:cNvPr id="219" name="Shape 219"/>
+          <p:cNvSpPr txBox="1">
+            <a:spLocks noGrp="1"/>
+          </p:cNvSpPr>
+          <p:nvPr>
+            <p:ph type="title"/>
+          </p:nvPr>
+        </p:nvSpPr>
+        <p:spPr>
+          <a:xfrm>
+            <a:off x="1010200" y="648725"/>
+            <a:ext cx="7131300" cy="671400"/>
+          </a:xfrm>
+          <a:prstGeom prst="rect">
+            <a:avLst/>
+          </a:prstGeom>
+        </p:spPr>
+        <p:txBody>
+          <a:bodyPr spcFirstLastPara="1" wrap="square" lIns="91425" tIns="91425" rIns="91425" bIns="91425" anchor="b" anchorCtr="0">
+            <a:noAutofit/>
+          </a:bodyPr>
+          <a:lstStyle/>
+          <a:p>
+            <a:pPr marL="0" lvl="0" indent="0" rtl="0">
+              <a:spcBef>
+                <a:spcPts val="0"/>
+              </a:spcBef>
+              <a:spcAft>
+                <a:spcPts val="0"/>
+              </a:spcAft>
+              <a:buNone/>
+            </a:pPr>
+            <a:r>
+              <a:rPr lang="en" dirty="0" smtClean="0">
+                <a:latin typeface="SF Display" panose="00000500000000000000" pitchFamily="50" charset="0"/>
+                <a:ea typeface="SF Display" panose="00000500000000000000" pitchFamily="50" charset="0"/>
+              </a:rPr>
+              <a:t>ÍNDICE</a:t>
+            </a:r>
+            <a:endParaRPr dirty="0">
+              <a:latin typeface="SF Display" panose="00000500000000000000" pitchFamily="50" charset="0"/>
+              <a:ea typeface="SF Display" panose="00000500000000000000" pitchFamily="50" charset="0"/>
+            </a:endParaRPr>
+          </a:p>
+        </p:txBody>
+      </p:sp>
+      <p:sp>
+        <p:nvSpPr>
+          <p:cNvPr id="220" name="Shape 220"/>
+          <p:cNvSpPr/>
+          <p:nvPr/>
+        </p:nvSpPr>
+        <p:spPr>
+          <a:xfrm>
+            <a:off x="1010200" y="2137850"/>
+            <a:ext cx="2551500" cy="1325100"/>
+          </a:xfrm>
+          <a:prstGeom prst="homePlate">
+            <a:avLst>
+              <a:gd name="adj" fmla="val 30129"/>
+            </a:avLst>
+          </a:prstGeom>
+          <a:solidFill>
+            <a:srgbClr val="00BEF2"/>
+          </a:solidFill>
+          <a:ln>
+            <a:noFill/>
+          </a:ln>
+        </p:spPr>
+        <p:txBody>
+          <a:bodyPr spcFirstLastPara="1" wrap="square" lIns="91425" tIns="91425" rIns="91425" bIns="91425" anchor="ctr" anchorCtr="0">
+            <a:noAutofit/>
+          </a:bodyPr>
+          <a:lstStyle/>
+          <a:p>
+            <a:pPr marL="0" lvl="0" indent="0" algn="ctr">
+              <a:spcBef>
+                <a:spcPts val="0"/>
+              </a:spcBef>
+              <a:spcAft>
+                <a:spcPts val="0"/>
+              </a:spcAft>
+              <a:buNone/>
+            </a:pPr>
+            <a:r>
+              <a:rPr lang="es-ES" dirty="0" smtClean="0">
+                <a:solidFill>
+                  <a:srgbClr val="FFFFFF"/>
+                </a:solidFill>
+                <a:latin typeface="SF Display" panose="00000500000000000000" pitchFamily="50" charset="0"/>
+                <a:ea typeface="SF Display" panose="00000500000000000000" pitchFamily="50" charset="0"/>
+                <a:cs typeface="Source Sans Pro"/>
+                <a:sym typeface="Source Sans Pro"/>
+              </a:rPr>
+              <a:t>Fundamentos teóricos</a:t>
+            </a:r>
+            <a:endParaRPr dirty="0">
+              <a:solidFill>
+                <a:srgbClr val="FFFFFF"/>
+              </a:solidFill>
+              <a:latin typeface="SF Display" panose="00000500000000000000" pitchFamily="50" charset="0"/>
+              <a:ea typeface="SF Display" panose="00000500000000000000" pitchFamily="50" charset="0"/>
+              <a:cs typeface="Source Sans Pro"/>
+              <a:sym typeface="Source Sans Pro"/>
+            </a:endParaRPr>
+          </a:p>
+        </p:txBody>
+      </p:sp>
+      <p:sp>
+        <p:nvSpPr>
+          <p:cNvPr id="221" name="Shape 221"/>
+          <p:cNvSpPr/>
+          <p:nvPr/>
+        </p:nvSpPr>
+        <p:spPr>
+          <a:xfrm>
+            <a:off x="3223033" y="2137850"/>
+            <a:ext cx="2600700" cy="1325100"/>
+          </a:xfrm>
+          <a:prstGeom prst="chevron">
+            <a:avLst>
+              <a:gd name="adj" fmla="val 29853"/>
+            </a:avLst>
+          </a:prstGeom>
+          <a:solidFill>
+            <a:srgbClr val="2D82B0"/>
+          </a:solidFill>
+          <a:ln>
+            <a:noFill/>
+          </a:ln>
+        </p:spPr>
+        <p:txBody>
+          <a:bodyPr spcFirstLastPara="1" wrap="square" lIns="91425" tIns="91425" rIns="91425" bIns="91425" anchor="ctr" anchorCtr="0">
+            <a:noAutofit/>
+          </a:bodyPr>
+          <a:lstStyle/>
+          <a:p>
+            <a:pPr marL="0" lvl="0" indent="0" algn="ctr">
+              <a:spcBef>
+                <a:spcPts val="0"/>
+              </a:spcBef>
+              <a:spcAft>
+                <a:spcPts val="0"/>
+              </a:spcAft>
+              <a:buNone/>
+            </a:pPr>
+            <a:r>
+              <a:rPr lang="es-ES" dirty="0" smtClean="0">
+                <a:solidFill>
+                  <a:srgbClr val="FFFFFF"/>
+                </a:solidFill>
+                <a:latin typeface="SF Display" panose="00000500000000000000" pitchFamily="50" charset="0"/>
+                <a:ea typeface="SF Display" panose="00000500000000000000" pitchFamily="50" charset="0"/>
+                <a:cs typeface="Source Sans Pro"/>
+                <a:sym typeface="Source Sans Pro"/>
+              </a:rPr>
+              <a:t>Implementación de la búsqueda</a:t>
+            </a:r>
+            <a:endParaRPr dirty="0">
+              <a:solidFill>
+                <a:srgbClr val="FFFFFF"/>
+              </a:solidFill>
+              <a:latin typeface="SF Display" panose="00000500000000000000" pitchFamily="50" charset="0"/>
+              <a:ea typeface="SF Display" panose="00000500000000000000" pitchFamily="50" charset="0"/>
+              <a:cs typeface="Source Sans Pro"/>
+              <a:sym typeface="Source Sans Pro"/>
+            </a:endParaRPr>
+          </a:p>
+        </p:txBody>
+      </p:sp>
+      <p:sp>
+        <p:nvSpPr>
+          <p:cNvPr id="222" name="Shape 222"/>
+          <p:cNvSpPr/>
+          <p:nvPr/>
+        </p:nvSpPr>
+        <p:spPr>
+          <a:xfrm>
+            <a:off x="5484936" y="2137850"/>
+            <a:ext cx="2600700" cy="1325100"/>
+          </a:xfrm>
+          <a:prstGeom prst="chevron">
+            <a:avLst>
+              <a:gd name="adj" fmla="val 29853"/>
+            </a:avLst>
+          </a:prstGeom>
+          <a:solidFill>
+            <a:srgbClr val="25516C"/>
+          </a:solidFill>
+          <a:ln>
+            <a:noFill/>
+          </a:ln>
+        </p:spPr>
+        <p:txBody>
+          <a:bodyPr spcFirstLastPara="1" wrap="square" lIns="91425" tIns="91425" rIns="91425" bIns="91425" anchor="ctr" anchorCtr="0">
+            <a:noAutofit/>
+          </a:bodyPr>
+          <a:lstStyle/>
+          <a:p>
+            <a:pPr marL="0" lvl="0" indent="0" algn="ctr">
+              <a:spcBef>
+                <a:spcPts val="0"/>
+              </a:spcBef>
+              <a:spcAft>
+                <a:spcPts val="0"/>
+              </a:spcAft>
+              <a:buNone/>
+            </a:pPr>
+            <a:r>
+              <a:rPr lang="es-ES" dirty="0" smtClean="0">
+                <a:solidFill>
+                  <a:srgbClr val="FFFFFF"/>
+                </a:solidFill>
+                <a:latin typeface="SF Display" panose="00000500000000000000" pitchFamily="50" charset="0"/>
+                <a:ea typeface="SF Display" panose="00000500000000000000" pitchFamily="50" charset="0"/>
+                <a:cs typeface="Source Sans Pro"/>
+                <a:sym typeface="Source Sans Pro"/>
+              </a:rPr>
+              <a:t>Búsqueda por campos</a:t>
+            </a:r>
+            <a:endParaRPr dirty="0">
+              <a:solidFill>
+                <a:srgbClr val="FFFFFF"/>
+              </a:solidFill>
+              <a:latin typeface="SF Display" panose="00000500000000000000" pitchFamily="50" charset="0"/>
+              <a:ea typeface="SF Display" panose="00000500000000000000" pitchFamily="50" charset="0"/>
+              <a:cs typeface="Source Sans Pro"/>
+              <a:sym typeface="Source Sans Pro"/>
+            </a:endParaRPr>
+          </a:p>
+        </p:txBody>
+      </p:sp>
+      <p:sp>
+        <p:nvSpPr>
+          <p:cNvPr id="223" name="Shape 223"/>
+          <p:cNvSpPr txBox="1">
+            <a:spLocks noGrp="1"/>
+          </p:cNvSpPr>
+          <p:nvPr>
+            <p:ph type="sldNum" idx="12"/>
+          </p:nvPr>
+        </p:nvSpPr>
+        <p:spPr>
+          <a:xfrm>
+            <a:off x="7766425" y="648725"/>
+            <a:ext cx="548700" cy="671400"/>
+          </a:xfrm>
+          <a:prstGeom prst="rect">
+            <a:avLst/>
+          </a:prstGeom>
+        </p:spPr>
+        <p:txBody>
+          <a:bodyPr spcFirstLastPara="1" wrap="square" lIns="91425" tIns="91425" rIns="91425" bIns="91425" anchor="b" anchorCtr="0">
+            <a:noAutofit/>
+          </a:bodyPr>
+          <a:lstStyle/>
+          <a:p>
+            <a:pPr marL="0" lvl="0" indent="0">
+              <a:spcBef>
+                <a:spcPts val="0"/>
+              </a:spcBef>
+              <a:spcAft>
+                <a:spcPts val="0"/>
+              </a:spcAft>
+              <a:buNone/>
+            </a:pPr>
+            <a:fld id="{00000000-1234-1234-1234-123412341234}" type="slidenum">
+              <a:rPr lang="en"/>
+              <a:t>2</a:t>
+            </a:fld>
+            <a:endParaRPr dirty="0"/>
+          </a:p>
+        </p:txBody>
+      </p:sp>
+    </p:spTree>
+    <p:extLst>
+      <p:ext uri="{BB962C8B-B14F-4D97-AF65-F5344CB8AC3E}">
+        <p14:creationId xmlns:p14="http://schemas.microsoft.com/office/powerpoint/2010/main" val="1998641991"/>
+      </p:ext>
+    </p:extLst>
+  </p:cSld>
+  <p:clrMapOvr>
+    <a:masterClrMapping/>
+  </p:clrMapOvr>
+  <p:timing>
+    <p:tnLst>
+      <p:par>
+        <p:cTn id="1" dur="indefinite" restart="never" nodeType="tmRoot"/>
+      </p:par>
+    </p:tnLst>
+  </p:timing>
+</p:sld>
+</file>
+
+<file path=ppt/slides/slide20.xml><?xml version="1.0" encoding="utf-8"?>
 <p:sld xmlns:a="http://schemas.openxmlformats.org/drawingml/2006/main" xmlns:r="http://schemas.openxmlformats.org/officeDocument/2006/relationships" xmlns:p="http://schemas.openxmlformats.org/presentationml/2006/main">
   <p:cSld>
     <p:spTree>
@@ -19497,7 +22076,7 @@
             </a:pPr>
             <a:fld id="{00000000-1234-1234-1234-123412341234}" type="slidenum">
               <a:rPr lang="en"/>
-              <a:t>18</a:t>
+              <a:t>20</a:t>
             </a:fld>
             <a:endParaRPr/>
           </a:p>
@@ -19710,7 +22289,7 @@
 </p:sld>
 </file>
 
-<file path=ppt/slides/slide19.xml><?xml version="1.0" encoding="utf-8"?>
+<file path=ppt/slides/slide21.xml><?xml version="1.0" encoding="utf-8"?>
 <p:sld xmlns:a="http://schemas.openxmlformats.org/drawingml/2006/main" xmlns:r="http://schemas.openxmlformats.org/officeDocument/2006/relationships" xmlns:p="http://schemas.openxmlformats.org/presentationml/2006/main">
   <p:cSld>
     <p:spTree>
@@ -20191,7 +22770,7 @@
             </a:pPr>
             <a:fld id="{00000000-1234-1234-1234-123412341234}" type="slidenum">
               <a:rPr lang="en"/>
-              <a:t>19</a:t>
+              <a:t>21</a:t>
             </a:fld>
             <a:endParaRPr/>
           </a:p>
@@ -22466,320 +25045,7 @@
 </p:sld>
 </file>
 
-<file path=ppt/slides/slide2.xml><?xml version="1.0" encoding="utf-8"?>
-<p:sld xmlns:a="http://schemas.openxmlformats.org/drawingml/2006/main" xmlns:r="http://schemas.openxmlformats.org/officeDocument/2006/relationships" xmlns:p="http://schemas.openxmlformats.org/presentationml/2006/main">
-  <p:cSld>
-    <p:spTree>
-      <p:nvGrpSpPr>
-        <p:cNvPr id="1" name="Shape 218"/>
-        <p:cNvGrpSpPr/>
-        <p:nvPr/>
-      </p:nvGrpSpPr>
-      <p:grpSpPr>
-        <a:xfrm>
-          <a:off x="0" y="0"/>
-          <a:ext cx="0" cy="0"/>
-          <a:chOff x="0" y="0"/>
-          <a:chExt cx="0" cy="0"/>
-        </a:xfrm>
-      </p:grpSpPr>
-      <p:sp>
-        <p:nvSpPr>
-          <p:cNvPr id="219" name="Shape 219"/>
-          <p:cNvSpPr txBox="1">
-            <a:spLocks noGrp="1"/>
-          </p:cNvSpPr>
-          <p:nvPr>
-            <p:ph type="title"/>
-          </p:nvPr>
-        </p:nvSpPr>
-        <p:spPr>
-          <a:xfrm>
-            <a:off x="1010200" y="648725"/>
-            <a:ext cx="7131300" cy="671400"/>
-          </a:xfrm>
-          <a:prstGeom prst="rect">
-            <a:avLst/>
-          </a:prstGeom>
-        </p:spPr>
-        <p:txBody>
-          <a:bodyPr spcFirstLastPara="1" wrap="square" lIns="91425" tIns="91425" rIns="91425" bIns="91425" anchor="b" anchorCtr="0">
-            <a:noAutofit/>
-          </a:bodyPr>
-          <a:lstStyle/>
-          <a:p>
-            <a:pPr marL="0" lvl="0" indent="0" rtl="0">
-              <a:spcBef>
-                <a:spcPts val="0"/>
-              </a:spcBef>
-              <a:spcAft>
-                <a:spcPts val="0"/>
-              </a:spcAft>
-              <a:buNone/>
-            </a:pPr>
-            <a:r>
-              <a:rPr lang="en" dirty="0" smtClean="0">
-                <a:latin typeface="SF Display" panose="00000500000000000000" pitchFamily="50" charset="0"/>
-                <a:ea typeface="SF Display" panose="00000500000000000000" pitchFamily="50" charset="0"/>
-              </a:rPr>
-              <a:t>ÍNDICE</a:t>
-            </a:r>
-            <a:endParaRPr dirty="0">
-              <a:latin typeface="SF Display" panose="00000500000000000000" pitchFamily="50" charset="0"/>
-              <a:ea typeface="SF Display" panose="00000500000000000000" pitchFamily="50" charset="0"/>
-            </a:endParaRPr>
-          </a:p>
-        </p:txBody>
-      </p:sp>
-      <p:sp>
-        <p:nvSpPr>
-          <p:cNvPr id="220" name="Shape 220"/>
-          <p:cNvSpPr/>
-          <p:nvPr/>
-        </p:nvSpPr>
-        <p:spPr>
-          <a:xfrm>
-            <a:off x="1010200" y="2137850"/>
-            <a:ext cx="2551500" cy="1325100"/>
-          </a:xfrm>
-          <a:prstGeom prst="homePlate">
-            <a:avLst>
-              <a:gd name="adj" fmla="val 30129"/>
-            </a:avLst>
-          </a:prstGeom>
-          <a:solidFill>
-            <a:srgbClr val="00BEF2"/>
-          </a:solidFill>
-          <a:ln>
-            <a:noFill/>
-          </a:ln>
-        </p:spPr>
-        <p:txBody>
-          <a:bodyPr spcFirstLastPara="1" wrap="square" lIns="91425" tIns="91425" rIns="91425" bIns="91425" anchor="ctr" anchorCtr="0">
-            <a:noAutofit/>
-          </a:bodyPr>
-          <a:lstStyle/>
-          <a:p>
-            <a:pPr marL="0" lvl="0" indent="0" algn="ctr">
-              <a:spcBef>
-                <a:spcPts val="0"/>
-              </a:spcBef>
-              <a:spcAft>
-                <a:spcPts val="0"/>
-              </a:spcAft>
-              <a:buNone/>
-            </a:pPr>
-            <a:r>
-              <a:rPr lang="es-ES" dirty="0" smtClean="0">
-                <a:solidFill>
-                  <a:srgbClr val="FFFFFF"/>
-                </a:solidFill>
-                <a:latin typeface="SF Display" panose="00000500000000000000" pitchFamily="50" charset="0"/>
-                <a:ea typeface="SF Display" panose="00000500000000000000" pitchFamily="50" charset="0"/>
-                <a:cs typeface="Source Sans Pro"/>
-                <a:sym typeface="Source Sans Pro"/>
-              </a:rPr>
-              <a:t>Fundamentos teóricos</a:t>
-            </a:r>
-            <a:endParaRPr dirty="0">
-              <a:solidFill>
-                <a:srgbClr val="FFFFFF"/>
-              </a:solidFill>
-              <a:latin typeface="SF Display" panose="00000500000000000000" pitchFamily="50" charset="0"/>
-              <a:ea typeface="SF Display" panose="00000500000000000000" pitchFamily="50" charset="0"/>
-              <a:cs typeface="Source Sans Pro"/>
-              <a:sym typeface="Source Sans Pro"/>
-            </a:endParaRPr>
-          </a:p>
-        </p:txBody>
-      </p:sp>
-      <p:sp>
-        <p:nvSpPr>
-          <p:cNvPr id="221" name="Shape 221"/>
-          <p:cNvSpPr/>
-          <p:nvPr/>
-        </p:nvSpPr>
-        <p:spPr>
-          <a:xfrm>
-            <a:off x="3223033" y="2137850"/>
-            <a:ext cx="2600700" cy="1325100"/>
-          </a:xfrm>
-          <a:prstGeom prst="chevron">
-            <a:avLst>
-              <a:gd name="adj" fmla="val 29853"/>
-            </a:avLst>
-          </a:prstGeom>
-          <a:solidFill>
-            <a:srgbClr val="2D82B0"/>
-          </a:solidFill>
-          <a:ln>
-            <a:noFill/>
-          </a:ln>
-        </p:spPr>
-        <p:txBody>
-          <a:bodyPr spcFirstLastPara="1" wrap="square" lIns="91425" tIns="91425" rIns="91425" bIns="91425" anchor="ctr" anchorCtr="0">
-            <a:noAutofit/>
-          </a:bodyPr>
-          <a:lstStyle/>
-          <a:p>
-            <a:pPr marL="0" lvl="0" indent="0" algn="ctr">
-              <a:spcBef>
-                <a:spcPts val="0"/>
-              </a:spcBef>
-              <a:spcAft>
-                <a:spcPts val="0"/>
-              </a:spcAft>
-              <a:buNone/>
-            </a:pPr>
-            <a:r>
-              <a:rPr lang="es-ES" dirty="0" smtClean="0">
-                <a:solidFill>
-                  <a:srgbClr val="FFFFFF"/>
-                </a:solidFill>
-                <a:latin typeface="SF Display" panose="00000500000000000000" pitchFamily="50" charset="0"/>
-                <a:ea typeface="SF Display" panose="00000500000000000000" pitchFamily="50" charset="0"/>
-                <a:cs typeface="Source Sans Pro"/>
-                <a:sym typeface="Source Sans Pro"/>
-              </a:rPr>
-              <a:t>Implementación de la búsqueda</a:t>
-            </a:r>
-            <a:endParaRPr dirty="0">
-              <a:solidFill>
-                <a:srgbClr val="FFFFFF"/>
-              </a:solidFill>
-              <a:latin typeface="SF Display" panose="00000500000000000000" pitchFamily="50" charset="0"/>
-              <a:ea typeface="SF Display" panose="00000500000000000000" pitchFamily="50" charset="0"/>
-              <a:cs typeface="Source Sans Pro"/>
-              <a:sym typeface="Source Sans Pro"/>
-            </a:endParaRPr>
-          </a:p>
-        </p:txBody>
-      </p:sp>
-      <p:sp>
-        <p:nvSpPr>
-          <p:cNvPr id="222" name="Shape 222"/>
-          <p:cNvSpPr/>
-          <p:nvPr/>
-        </p:nvSpPr>
-        <p:spPr>
-          <a:xfrm>
-            <a:off x="5484936" y="2137850"/>
-            <a:ext cx="2600700" cy="1325100"/>
-          </a:xfrm>
-          <a:prstGeom prst="chevron">
-            <a:avLst>
-              <a:gd name="adj" fmla="val 29853"/>
-            </a:avLst>
-          </a:prstGeom>
-          <a:solidFill>
-            <a:srgbClr val="25516C"/>
-          </a:solidFill>
-          <a:ln>
-            <a:noFill/>
-          </a:ln>
-        </p:spPr>
-        <p:txBody>
-          <a:bodyPr spcFirstLastPara="1" wrap="square" lIns="91425" tIns="91425" rIns="91425" bIns="91425" anchor="ctr" anchorCtr="0">
-            <a:noAutofit/>
-          </a:bodyPr>
-          <a:lstStyle/>
-          <a:p>
-            <a:pPr marL="0" lvl="0" indent="0" algn="ctr">
-              <a:spcBef>
-                <a:spcPts val="0"/>
-              </a:spcBef>
-              <a:spcAft>
-                <a:spcPts val="0"/>
-              </a:spcAft>
-              <a:buNone/>
-            </a:pPr>
-            <a:r>
-              <a:rPr lang="es-ES" dirty="0" smtClean="0">
-                <a:solidFill>
-                  <a:srgbClr val="FFFFFF"/>
-                </a:solidFill>
-                <a:latin typeface="SF Display" panose="00000500000000000000" pitchFamily="50" charset="0"/>
-                <a:ea typeface="SF Display" panose="00000500000000000000" pitchFamily="50" charset="0"/>
-                <a:cs typeface="Source Sans Pro"/>
-                <a:sym typeface="Source Sans Pro"/>
-              </a:rPr>
-              <a:t>Búsqueda por campos</a:t>
-            </a:r>
-            <a:endParaRPr dirty="0">
-              <a:solidFill>
-                <a:srgbClr val="FFFFFF"/>
-              </a:solidFill>
-              <a:latin typeface="SF Display" panose="00000500000000000000" pitchFamily="50" charset="0"/>
-              <a:ea typeface="SF Display" panose="00000500000000000000" pitchFamily="50" charset="0"/>
-              <a:cs typeface="Source Sans Pro"/>
-              <a:sym typeface="Source Sans Pro"/>
-            </a:endParaRPr>
-          </a:p>
-        </p:txBody>
-      </p:sp>
-      <p:sp>
-        <p:nvSpPr>
-          <p:cNvPr id="223" name="Shape 223"/>
-          <p:cNvSpPr txBox="1">
-            <a:spLocks noGrp="1"/>
-          </p:cNvSpPr>
-          <p:nvPr>
-            <p:ph type="sldNum" idx="12"/>
-          </p:nvPr>
-        </p:nvSpPr>
-        <p:spPr>
-          <a:xfrm>
-            <a:off x="7766425" y="648725"/>
-            <a:ext cx="548700" cy="671400"/>
-          </a:xfrm>
-          <a:prstGeom prst="rect">
-            <a:avLst/>
-          </a:prstGeom>
-        </p:spPr>
-        <p:txBody>
-          <a:bodyPr spcFirstLastPara="1" wrap="square" lIns="91425" tIns="91425" rIns="91425" bIns="91425" anchor="b" anchorCtr="0">
-            <a:noAutofit/>
-          </a:bodyPr>
-          <a:lstStyle/>
-          <a:p>
-            <a:pPr marL="0" lvl="0" indent="0">
-              <a:spcBef>
-                <a:spcPts val="0"/>
-              </a:spcBef>
-              <a:spcAft>
-                <a:spcPts val="0"/>
-              </a:spcAft>
-              <a:buNone/>
-            </a:pPr>
-            <a:fld id="{00000000-1234-1234-1234-123412341234}" type="slidenum">
-              <a:rPr lang="en"/>
-              <a:t>2</a:t>
-            </a:fld>
-            <a:endParaRPr dirty="0"/>
-          </a:p>
-        </p:txBody>
-      </p:sp>
-    </p:spTree>
-    <p:extLst>
-      <p:ext uri="{BB962C8B-B14F-4D97-AF65-F5344CB8AC3E}">
-        <p14:creationId xmlns:p14="http://schemas.microsoft.com/office/powerpoint/2010/main" val="1998641991"/>
-      </p:ext>
-    </p:extLst>
-  </p:cSld>
-  <p:clrMapOvr>
-    <a:masterClrMapping/>
-  </p:clrMapOvr>
-  <p:timing>
-    <p:tnLst>
-      <p:par>
-        <p:cTn id="1" dur="indefinite" restart="never" nodeType="tmRoot"/>
-      </p:par>
-    </p:tnLst>
-  </p:timing>
-</p:sld>
-</file>
-
-<file path=ppt/slides/slide20.xml><?xml version="1.0" encoding="utf-8"?>
+<file path=ppt/slides/slide22.xml><?xml version="1.0" encoding="utf-8"?>
 <p:sld xmlns:a="http://schemas.openxmlformats.org/drawingml/2006/main" xmlns:r="http://schemas.openxmlformats.org/officeDocument/2006/relationships" xmlns:p="http://schemas.openxmlformats.org/presentationml/2006/main">
   <p:cSld>
     <p:spTree>
@@ -22911,7 +25177,7 @@
             </a:pPr>
             <a:fld id="{00000000-1234-1234-1234-123412341234}" type="slidenum">
               <a:rPr lang="en"/>
-              <a:t>20</a:t>
+              <a:t>22</a:t>
             </a:fld>
             <a:endParaRPr/>
           </a:p>
@@ -24364,7 +26630,7 @@
 </p:sld>
 </file>
 
-<file path=ppt/slides/slide21.xml><?xml version="1.0" encoding="utf-8"?>
+<file path=ppt/slides/slide23.xml><?xml version="1.0" encoding="utf-8"?>
 <p:sld xmlns:a="http://schemas.openxmlformats.org/drawingml/2006/main" xmlns:r="http://schemas.openxmlformats.org/officeDocument/2006/relationships" xmlns:p="http://schemas.openxmlformats.org/presentationml/2006/main">
   <p:cSld>
     <p:spTree>
@@ -24912,7 +27178,7 @@
                   <a:srgbClr val="00BEF2"/>
                 </a:solidFill>
               </a:rPr>
-              <a:t>21</a:t>
+              <a:t>23</a:t>
             </a:fld>
             <a:endParaRPr>
               <a:solidFill>
@@ -25801,13 +28067,6 @@
               </a:rPr>
               <a:t>(Optionals)</a:t>
             </a:r>
-            <a:endParaRPr lang="en" sz="1100" b="1" dirty="0" smtClean="0">
-              <a:solidFill>
-                <a:srgbClr val="00BEF2"/>
-              </a:solidFill>
-              <a:latin typeface="SF Display" panose="00000500000000000000" pitchFamily="50" charset="0"/>
-              <a:ea typeface="SF Display" panose="00000500000000000000" pitchFamily="50" charset="0"/>
-            </a:endParaRPr>
           </a:p>
           <a:p>
             <a:pPr marL="0" lvl="0" indent="0">
@@ -25958,65 +28217,54 @@
                 <a:latin typeface="SF Display" panose="00000500000000000000" pitchFamily="50" charset="0"/>
                 <a:ea typeface="SF Display" panose="00000500000000000000" pitchFamily="50" charset="0"/>
               </a:rPr>
-              <a:t>Bloques de código con un propósito muy concreto</a:t>
-            </a:r>
+              <a:t>Bloques de código con un propósito muy concreto.</a:t>
+            </a:r>
+          </a:p>
+          <a:p>
+            <a:pPr marL="0" lvl="0" indent="0" rtl="0">
+              <a:spcBef>
+                <a:spcPts val="600"/>
+              </a:spcBef>
+              <a:spcAft>
+                <a:spcPts val="0"/>
+              </a:spcAft>
+              <a:buNone/>
+            </a:pPr>
             <a:r>
               <a:rPr lang="en" sz="1100" dirty="0" smtClean="0">
                 <a:latin typeface="SF Display" panose="00000500000000000000" pitchFamily="50" charset="0"/>
                 <a:ea typeface="SF Display" panose="00000500000000000000" pitchFamily="50" charset="0"/>
               </a:rPr>
-              <a:t>.</a:t>
-            </a:r>
-          </a:p>
-          <a:p>
-            <a:pPr marL="0" lvl="0" indent="0" rtl="0">
-              <a:spcBef>
-                <a:spcPts val="600"/>
-              </a:spcBef>
-              <a:spcAft>
-                <a:spcPts val="0"/>
-              </a:spcAft>
-              <a:buNone/>
-            </a:pPr>
+              <a:t>Nos interesa especialmente el uso de la palabra reservada </a:t>
+            </a:r>
+            <a:r>
+              <a:rPr lang="en" sz="1100" b="1" dirty="0" smtClean="0">
+                <a:latin typeface="SF Display" panose="00000500000000000000" pitchFamily="50" charset="0"/>
+                <a:ea typeface="SF Display" panose="00000500000000000000" pitchFamily="50" charset="0"/>
+              </a:rPr>
+              <a:t>private</a:t>
+            </a:r>
             <a:r>
               <a:rPr lang="en" sz="1100" dirty="0" smtClean="0">
                 <a:latin typeface="SF Display" panose="00000500000000000000" pitchFamily="50" charset="0"/>
                 <a:ea typeface="SF Display" panose="00000500000000000000" pitchFamily="50" charset="0"/>
               </a:rPr>
-              <a:t>Nos interesa especialmente el uso de la palabra reservada </a:t>
+              <a:t> para definir funciones privadas, así como los </a:t>
             </a:r>
             <a:r>
               <a:rPr lang="en" sz="1100" b="1" dirty="0" smtClean="0">
                 <a:latin typeface="SF Display" panose="00000500000000000000" pitchFamily="50" charset="0"/>
                 <a:ea typeface="SF Display" panose="00000500000000000000" pitchFamily="50" charset="0"/>
               </a:rPr>
-              <a:t>private</a:t>
+              <a:t>valores por defecto de los argumentos </a:t>
             </a:r>
             <a:r>
               <a:rPr lang="en" sz="1100" dirty="0" smtClean="0">
                 <a:latin typeface="SF Display" panose="00000500000000000000" pitchFamily="50" charset="0"/>
                 <a:ea typeface="SF Display" panose="00000500000000000000" pitchFamily="50" charset="0"/>
               </a:rPr>
-              <a:t> para definir funciones privadas, así como los </a:t>
-            </a:r>
-            <a:r>
-              <a:rPr lang="en" sz="1100" b="1" dirty="0" smtClean="0">
-                <a:latin typeface="SF Display" panose="00000500000000000000" pitchFamily="50" charset="0"/>
-                <a:ea typeface="SF Display" panose="00000500000000000000" pitchFamily="50" charset="0"/>
-              </a:rPr>
-              <a:t>valores por defecto de los argumentos </a:t>
-            </a:r>
-            <a:r>
-              <a:rPr lang="en" sz="1100" dirty="0" smtClean="0">
-                <a:latin typeface="SF Display" panose="00000500000000000000" pitchFamily="50" charset="0"/>
-                <a:ea typeface="SF Display" panose="00000500000000000000" pitchFamily="50" charset="0"/>
-              </a:rPr>
               <a:t>de una función.</a:t>
             </a:r>
-            <a:endParaRPr lang="en" sz="1100" dirty="0" smtClean="0">
-              <a:latin typeface="SF Display" panose="00000500000000000000" pitchFamily="50" charset="0"/>
-              <a:ea typeface="SF Display" panose="00000500000000000000" pitchFamily="50" charset="0"/>
-            </a:endParaRPr>
           </a:p>
           <a:p>
             <a:pPr marL="0" lvl="0" indent="0">
@@ -27790,7 +30038,7 @@
         </p:nvSpPr>
         <p:spPr>
           <a:xfrm>
-            <a:off x="997044" y="648725"/>
+            <a:off x="1010200" y="648725"/>
             <a:ext cx="7131300" cy="671400"/>
           </a:xfrm>
           <a:prstGeom prst="rect">
@@ -27817,14 +30065,7 @@
                 <a:latin typeface="SF Display" panose="00000500000000000000" pitchFamily="50" charset="0"/>
                 <a:ea typeface="SF Display" panose="00000500000000000000" pitchFamily="50" charset="0"/>
               </a:rPr>
-              <a:t>Fundamentos teóricos - </a:t>
-            </a:r>
-            <a:r>
-              <a:rPr lang="es-ES" dirty="0" err="1" smtClean="0">
-                <a:latin typeface="SF Display" panose="00000500000000000000" pitchFamily="50" charset="0"/>
-                <a:ea typeface="SF Display" panose="00000500000000000000" pitchFamily="50" charset="0"/>
-              </a:rPr>
-              <a:t>Bars</a:t>
+              <a:t>Fundamentos teóricos - Swift</a:t>
             </a:r>
             <a:endParaRPr dirty="0">
               <a:latin typeface="SF Display" panose="00000500000000000000" pitchFamily="50" charset="0"/>
@@ -27877,6 +30118,1025 @@
       </p:sp>
       <p:sp>
         <p:nvSpPr>
+          <p:cNvPr id="10" name="Shape 140"/>
+          <p:cNvSpPr txBox="1">
+            <a:spLocks noGrp="1"/>
+          </p:cNvSpPr>
+          <p:nvPr>
+            <p:ph type="body" idx="1"/>
+          </p:nvPr>
+        </p:nvSpPr>
+        <p:spPr>
+          <a:xfrm>
+            <a:off x="1010199" y="1443000"/>
+            <a:ext cx="3694535" cy="2764500"/>
+          </a:xfrm>
+          <a:prstGeom prst="rect">
+            <a:avLst/>
+          </a:prstGeom>
+        </p:spPr>
+        <p:txBody>
+          <a:bodyPr spcFirstLastPara="1" wrap="square" lIns="91425" tIns="91425" rIns="91425" bIns="91425" anchor="t" anchorCtr="0">
+            <a:noAutofit/>
+          </a:bodyPr>
+          <a:lstStyle/>
+          <a:p>
+            <a:pPr marL="0" lvl="0" indent="0" rtl="0">
+              <a:spcBef>
+                <a:spcPts val="600"/>
+              </a:spcBef>
+              <a:spcAft>
+                <a:spcPts val="0"/>
+              </a:spcAft>
+              <a:buNone/>
+            </a:pPr>
+            <a:r>
+              <a:rPr lang="en" b="1" dirty="0" smtClean="0">
+                <a:solidFill>
+                  <a:srgbClr val="00BEF2"/>
+                </a:solidFill>
+                <a:latin typeface="SF Display" panose="00000500000000000000" pitchFamily="50" charset="0"/>
+                <a:ea typeface="SF Display" panose="00000500000000000000" pitchFamily="50" charset="0"/>
+              </a:rPr>
+              <a:t>Protocolos</a:t>
+            </a:r>
+          </a:p>
+          <a:p>
+            <a:pPr marL="0" lvl="0" indent="0" rtl="0">
+              <a:spcBef>
+                <a:spcPts val="600"/>
+              </a:spcBef>
+              <a:spcAft>
+                <a:spcPts val="0"/>
+              </a:spcAft>
+              <a:buNone/>
+            </a:pPr>
+            <a:r>
+              <a:rPr lang="en" sz="1100" dirty="0" smtClean="0">
+                <a:latin typeface="SF Display" panose="00000500000000000000" pitchFamily="50" charset="0"/>
+                <a:ea typeface="SF Display" panose="00000500000000000000" pitchFamily="50" charset="0"/>
+              </a:rPr>
+              <a:t>Define un modelo mediante propiedades y métodos necesarios para realizar una tarea concreta. Es similar al concepto de interfaz.</a:t>
+            </a:r>
+            <a:r>
+              <a:rPr lang="es-ES" sz="900" dirty="0" smtClean="0">
+                <a:solidFill>
+                  <a:srgbClr val="000000"/>
+                </a:solidFill>
+                <a:latin typeface="SF Display" panose="00000500000000000000" pitchFamily="50" charset="0"/>
+                <a:ea typeface="SF Display" panose="00000500000000000000" pitchFamily="50" charset="0"/>
+              </a:rPr>
+              <a:t>	</a:t>
+            </a:r>
+            <a:endParaRPr lang="en" sz="900" dirty="0">
+              <a:latin typeface="SF Display" panose="00000500000000000000" pitchFamily="50" charset="0"/>
+              <a:ea typeface="SF Display" panose="00000500000000000000" pitchFamily="50" charset="0"/>
+            </a:endParaRPr>
+          </a:p>
+        </p:txBody>
+      </p:sp>
+      <p:sp>
+        <p:nvSpPr>
+          <p:cNvPr id="8" name="Shape 113"/>
+          <p:cNvSpPr txBox="1">
+            <a:spLocks noGrp="1"/>
+          </p:cNvSpPr>
+          <p:nvPr>
+            <p:ph type="body" idx="1"/>
+          </p:nvPr>
+        </p:nvSpPr>
+        <p:spPr>
+          <a:xfrm>
+            <a:off x="545625" y="3006326"/>
+            <a:ext cx="4336091" cy="1076136"/>
+          </a:xfrm>
+          <a:prstGeom prst="rect">
+            <a:avLst/>
+          </a:prstGeom>
+          <a:ln>
+            <a:noFill/>
+          </a:ln>
+        </p:spPr>
+        <p:txBody>
+          <a:bodyPr spcFirstLastPara="1" wrap="square" lIns="91425" tIns="91425" rIns="91425" bIns="91425" anchor="t" anchorCtr="0">
+            <a:noAutofit/>
+          </a:bodyPr>
+          <a:lstStyle/>
+          <a:p>
+            <a:pPr marL="449580" indent="0">
+              <a:lnSpc>
+                <a:spcPct val="107000"/>
+              </a:lnSpc>
+              <a:spcBef>
+                <a:spcPts val="300"/>
+              </a:spcBef>
+              <a:buNone/>
+            </a:pPr>
+            <a:r>
+              <a:rPr lang="en-US" sz="800" dirty="0" smtClean="0">
+                <a:solidFill>
+                  <a:srgbClr val="AA0D91"/>
+                </a:solidFill>
+                <a:latin typeface="SF Display" panose="00000500000000000000" pitchFamily="50" charset="0"/>
+                <a:ea typeface="Times New Roman" panose="02020603050405020304" pitchFamily="18" charset="0"/>
+                <a:cs typeface="Calibri" panose="020F0502020204030204" pitchFamily="34" charset="0"/>
+              </a:rPr>
+              <a:t>protocol </a:t>
+            </a:r>
+            <a:r>
+              <a:rPr lang="en-US" sz="800" b="1" dirty="0" err="1" smtClean="0">
+                <a:solidFill>
+                  <a:srgbClr val="5C2699"/>
+                </a:solidFill>
+                <a:latin typeface="SF Display" panose="00000500000000000000" pitchFamily="50" charset="0"/>
+                <a:ea typeface="Times New Roman" panose="02020603050405020304" pitchFamily="18" charset="0"/>
+                <a:cs typeface="Calibri" panose="020F0502020204030204" pitchFamily="34" charset="0"/>
+              </a:rPr>
+              <a:t>UISearchResultsUpdating</a:t>
+            </a:r>
+            <a:r>
+              <a:rPr lang="en-US" sz="800" dirty="0" smtClean="0">
+                <a:solidFill>
+                  <a:srgbClr val="000000"/>
+                </a:solidFill>
+                <a:latin typeface="SF Display" panose="00000500000000000000" pitchFamily="50" charset="0"/>
+                <a:ea typeface="Times New Roman" panose="02020603050405020304" pitchFamily="18" charset="0"/>
+                <a:cs typeface="Calibri" panose="020F0502020204030204" pitchFamily="34" charset="0"/>
+              </a:rPr>
+              <a:t> </a:t>
+            </a:r>
+            <a:r>
+              <a:rPr lang="en-US" sz="800" dirty="0" smtClean="0">
+                <a:solidFill>
+                  <a:srgbClr val="000000"/>
+                </a:solidFill>
+                <a:latin typeface="SF Display" panose="00000500000000000000" pitchFamily="50" charset="0"/>
+                <a:ea typeface="Times New Roman" panose="02020603050405020304" pitchFamily="18" charset="0"/>
+                <a:cs typeface="Calibri" panose="020F0502020204030204" pitchFamily="34" charset="0"/>
+              </a:rPr>
+              <a:t>{</a:t>
+            </a:r>
+          </a:p>
+          <a:p>
+            <a:pPr marL="449580" indent="0">
+              <a:lnSpc>
+                <a:spcPct val="107000"/>
+              </a:lnSpc>
+              <a:spcBef>
+                <a:spcPts val="300"/>
+              </a:spcBef>
+              <a:buNone/>
+            </a:pPr>
+            <a:r>
+              <a:rPr lang="en-US" sz="800" dirty="0">
+                <a:solidFill>
+                  <a:srgbClr val="000000"/>
+                </a:solidFill>
+                <a:latin typeface="SF Display" panose="00000500000000000000" pitchFamily="50" charset="0"/>
+                <a:ea typeface="Times New Roman" panose="02020603050405020304" pitchFamily="18" charset="0"/>
+                <a:cs typeface="Calibri" panose="020F0502020204030204" pitchFamily="34" charset="0"/>
+              </a:rPr>
+              <a:t>	</a:t>
+            </a:r>
+            <a:r>
+              <a:rPr lang="en-US" sz="800" dirty="0" smtClean="0">
+                <a:solidFill>
+                  <a:srgbClr val="000000"/>
+                </a:solidFill>
+                <a:latin typeface="SF Display" panose="00000500000000000000" pitchFamily="50" charset="0"/>
+                <a:ea typeface="Times New Roman" panose="02020603050405020304" pitchFamily="18" charset="0"/>
+                <a:cs typeface="Calibri" panose="020F0502020204030204" pitchFamily="34" charset="0"/>
+              </a:rPr>
+              <a:t>	        …</a:t>
+            </a:r>
+          </a:p>
+          <a:p>
+            <a:pPr marL="758190" indent="0">
+              <a:lnSpc>
+                <a:spcPct val="107000"/>
+              </a:lnSpc>
+              <a:spcBef>
+                <a:spcPts val="300"/>
+              </a:spcBef>
+              <a:buNone/>
+              <a:tabLst>
+                <a:tab pos="344805" algn="l"/>
+              </a:tabLst>
+            </a:pPr>
+            <a:r>
+              <a:rPr lang="en-US" sz="800" b="1" dirty="0" smtClean="0">
+                <a:solidFill>
+                  <a:srgbClr val="AA0D91"/>
+                </a:solidFill>
+                <a:latin typeface="SF Display" panose="00000500000000000000" pitchFamily="50" charset="0"/>
+                <a:ea typeface="Times New Roman" panose="02020603050405020304" pitchFamily="18" charset="0"/>
+                <a:cs typeface="Calibri" panose="020F0502020204030204" pitchFamily="34" charset="0"/>
+              </a:rPr>
+              <a:t>	</a:t>
+            </a:r>
+            <a:r>
+              <a:rPr lang="en-US" sz="800" b="1" dirty="0" err="1" smtClean="0">
+                <a:solidFill>
+                  <a:srgbClr val="AA0D91"/>
+                </a:solidFill>
+                <a:latin typeface="SF Display" panose="00000500000000000000" pitchFamily="50" charset="0"/>
+                <a:ea typeface="Times New Roman" panose="02020603050405020304" pitchFamily="18" charset="0"/>
+                <a:cs typeface="Calibri" panose="020F0502020204030204" pitchFamily="34" charset="0"/>
+              </a:rPr>
+              <a:t>func</a:t>
+            </a:r>
+            <a:r>
+              <a:rPr lang="en-US" sz="800" b="1" dirty="0" smtClean="0">
+                <a:solidFill>
+                  <a:srgbClr val="000000"/>
+                </a:solidFill>
+                <a:latin typeface="SF Display" panose="00000500000000000000" pitchFamily="50" charset="0"/>
+                <a:ea typeface="Times New Roman" panose="02020603050405020304" pitchFamily="18" charset="0"/>
+                <a:cs typeface="Calibri" panose="020F0502020204030204" pitchFamily="34" charset="0"/>
+              </a:rPr>
+              <a:t> </a:t>
+            </a:r>
+            <a:r>
+              <a:rPr lang="en-US" sz="800" b="1" dirty="0" err="1">
+                <a:solidFill>
+                  <a:srgbClr val="000000"/>
+                </a:solidFill>
+                <a:latin typeface="SF Display" panose="00000500000000000000" pitchFamily="50" charset="0"/>
+                <a:ea typeface="Times New Roman" panose="02020603050405020304" pitchFamily="18" charset="0"/>
+                <a:cs typeface="Calibri" panose="020F0502020204030204" pitchFamily="34" charset="0"/>
+              </a:rPr>
+              <a:t>updateSearchResults</a:t>
+            </a:r>
+            <a:r>
+              <a:rPr lang="en-US" sz="800" b="1" dirty="0">
+                <a:solidFill>
+                  <a:srgbClr val="000000"/>
+                </a:solidFill>
+                <a:latin typeface="SF Display" panose="00000500000000000000" pitchFamily="50" charset="0"/>
+                <a:ea typeface="Times New Roman" panose="02020603050405020304" pitchFamily="18" charset="0"/>
+                <a:cs typeface="Calibri" panose="020F0502020204030204" pitchFamily="34" charset="0"/>
+              </a:rPr>
+              <a:t>(for </a:t>
+            </a:r>
+            <a:r>
+              <a:rPr lang="en-US" sz="800" b="1" dirty="0" err="1">
+                <a:solidFill>
+                  <a:srgbClr val="000000"/>
+                </a:solidFill>
+                <a:latin typeface="SF Display" panose="00000500000000000000" pitchFamily="50" charset="0"/>
+                <a:ea typeface="Times New Roman" panose="02020603050405020304" pitchFamily="18" charset="0"/>
+                <a:cs typeface="Calibri" panose="020F0502020204030204" pitchFamily="34" charset="0"/>
+              </a:rPr>
+              <a:t>searchController</a:t>
+            </a:r>
+            <a:r>
+              <a:rPr lang="en-US" sz="800" b="1" dirty="0">
+                <a:solidFill>
+                  <a:srgbClr val="000000"/>
+                </a:solidFill>
+                <a:latin typeface="SF Display" panose="00000500000000000000" pitchFamily="50" charset="0"/>
+                <a:ea typeface="Times New Roman" panose="02020603050405020304" pitchFamily="18" charset="0"/>
+                <a:cs typeface="Calibri" panose="020F0502020204030204" pitchFamily="34" charset="0"/>
+              </a:rPr>
+              <a:t>: </a:t>
+            </a:r>
+            <a:r>
+              <a:rPr lang="en-US" sz="800" b="1" dirty="0" err="1">
+                <a:solidFill>
+                  <a:srgbClr val="5C2699"/>
+                </a:solidFill>
+                <a:latin typeface="SF Display" panose="00000500000000000000" pitchFamily="50" charset="0"/>
+                <a:ea typeface="Times New Roman" panose="02020603050405020304" pitchFamily="18" charset="0"/>
+                <a:cs typeface="Calibri" panose="020F0502020204030204" pitchFamily="34" charset="0"/>
+              </a:rPr>
+              <a:t>UISearchController</a:t>
+            </a:r>
+            <a:r>
+              <a:rPr lang="en-US" sz="800" b="1" dirty="0">
+                <a:solidFill>
+                  <a:srgbClr val="000000"/>
+                </a:solidFill>
+                <a:latin typeface="SF Display" panose="00000500000000000000" pitchFamily="50" charset="0"/>
+                <a:ea typeface="Times New Roman" panose="02020603050405020304" pitchFamily="18" charset="0"/>
+                <a:cs typeface="Calibri" panose="020F0502020204030204" pitchFamily="34" charset="0"/>
+              </a:rPr>
+              <a:t>) {</a:t>
+            </a:r>
+            <a:endParaRPr lang="es-ES" sz="800" dirty="0">
+              <a:latin typeface="Calibri" panose="020F0502020204030204" pitchFamily="34" charset="0"/>
+              <a:ea typeface="Times New Roman" panose="02020603050405020304" pitchFamily="18" charset="0"/>
+              <a:cs typeface="Times New Roman" panose="02020603050405020304" pitchFamily="18" charset="0"/>
+            </a:endParaRPr>
+          </a:p>
+          <a:p>
+            <a:pPr marL="758190" indent="0">
+              <a:lnSpc>
+                <a:spcPct val="107000"/>
+              </a:lnSpc>
+              <a:spcBef>
+                <a:spcPts val="300"/>
+              </a:spcBef>
+              <a:buNone/>
+              <a:tabLst>
+                <a:tab pos="344805" algn="l"/>
+              </a:tabLst>
+            </a:pPr>
+            <a:r>
+              <a:rPr lang="es-ES" sz="800" b="1" dirty="0" smtClean="0">
+                <a:solidFill>
+                  <a:srgbClr val="000000"/>
+                </a:solidFill>
+                <a:latin typeface="SF Display" panose="00000500000000000000" pitchFamily="50" charset="0"/>
+                <a:ea typeface="Times New Roman" panose="02020603050405020304" pitchFamily="18" charset="0"/>
+                <a:cs typeface="Calibri" panose="020F0502020204030204" pitchFamily="34" charset="0"/>
+              </a:rPr>
+              <a:t>	</a:t>
+            </a:r>
+            <a:r>
+              <a:rPr lang="es-ES" sz="800" b="1" dirty="0" smtClean="0">
+                <a:solidFill>
+                  <a:srgbClr val="000000"/>
+                </a:solidFill>
+                <a:latin typeface="SF Display" panose="00000500000000000000" pitchFamily="50" charset="0"/>
+                <a:ea typeface="Times New Roman" panose="02020603050405020304" pitchFamily="18" charset="0"/>
+                <a:cs typeface="Calibri" panose="020F0502020204030204" pitchFamily="34" charset="0"/>
+              </a:rPr>
+              <a:t>}</a:t>
+            </a:r>
+          </a:p>
+          <a:p>
+            <a:pPr marL="758190" indent="0">
+              <a:lnSpc>
+                <a:spcPct val="107000"/>
+              </a:lnSpc>
+              <a:spcBef>
+                <a:spcPts val="300"/>
+              </a:spcBef>
+              <a:buNone/>
+              <a:tabLst>
+                <a:tab pos="344805" algn="l"/>
+              </a:tabLst>
+            </a:pPr>
+            <a:r>
+              <a:rPr lang="es-ES" sz="800" b="1" dirty="0">
+                <a:solidFill>
+                  <a:srgbClr val="000000"/>
+                </a:solidFill>
+                <a:latin typeface="SF Display" panose="00000500000000000000" pitchFamily="50" charset="0"/>
+                <a:ea typeface="Times New Roman" panose="02020603050405020304" pitchFamily="18" charset="0"/>
+                <a:cs typeface="Calibri" panose="020F0502020204030204" pitchFamily="34" charset="0"/>
+              </a:rPr>
+              <a:t>	</a:t>
+            </a:r>
+            <a:r>
+              <a:rPr lang="es-ES" sz="800" b="1" dirty="0" smtClean="0">
+                <a:solidFill>
+                  <a:srgbClr val="000000"/>
+                </a:solidFill>
+                <a:latin typeface="SF Display" panose="00000500000000000000" pitchFamily="50" charset="0"/>
+                <a:ea typeface="Times New Roman" panose="02020603050405020304" pitchFamily="18" charset="0"/>
+                <a:cs typeface="Calibri" panose="020F0502020204030204" pitchFamily="34" charset="0"/>
+              </a:rPr>
+              <a:t>	       …</a:t>
+            </a:r>
+            <a:endParaRPr lang="es-ES" sz="800" dirty="0">
+              <a:latin typeface="Calibri" panose="020F0502020204030204" pitchFamily="34" charset="0"/>
+              <a:ea typeface="Times New Roman" panose="02020603050405020304" pitchFamily="18" charset="0"/>
+              <a:cs typeface="Times New Roman" panose="02020603050405020304" pitchFamily="18" charset="0"/>
+            </a:endParaRPr>
+          </a:p>
+          <a:p>
+            <a:pPr marL="413385" indent="0">
+              <a:lnSpc>
+                <a:spcPct val="107000"/>
+              </a:lnSpc>
+              <a:spcBef>
+                <a:spcPts val="300"/>
+              </a:spcBef>
+              <a:buNone/>
+            </a:pPr>
+            <a:r>
+              <a:rPr lang="es-ES" sz="800" dirty="0" smtClean="0">
+                <a:solidFill>
+                  <a:srgbClr val="000000"/>
+                </a:solidFill>
+                <a:latin typeface="SF Display" panose="00000500000000000000" pitchFamily="50" charset="0"/>
+                <a:ea typeface="Times New Roman" panose="02020603050405020304" pitchFamily="18" charset="0"/>
+                <a:cs typeface="Calibri" panose="020F0502020204030204" pitchFamily="34" charset="0"/>
+              </a:rPr>
+              <a:t>   }</a:t>
+            </a:r>
+            <a:endParaRPr lang="es-ES" sz="1050" dirty="0">
+              <a:latin typeface="Calibri" panose="020F0502020204030204" pitchFamily="34" charset="0"/>
+              <a:ea typeface="Times New Roman" panose="02020603050405020304" pitchFamily="18" charset="0"/>
+              <a:cs typeface="Times New Roman" panose="02020603050405020304" pitchFamily="18" charset="0"/>
+            </a:endParaRPr>
+          </a:p>
+          <a:p>
+            <a:pPr marL="449580" indent="0">
+              <a:lnSpc>
+                <a:spcPct val="107000"/>
+              </a:lnSpc>
+              <a:spcAft>
+                <a:spcPts val="800"/>
+              </a:spcAft>
+              <a:buNone/>
+            </a:pPr>
+            <a:endParaRPr lang="es-ES" sz="800" dirty="0">
+              <a:latin typeface="SF Display" panose="00000500000000000000" pitchFamily="50" charset="0"/>
+              <a:ea typeface="SF Display" panose="00000500000000000000" pitchFamily="50" charset="0"/>
+              <a:cs typeface="Times New Roman" panose="02020603050405020304" pitchFamily="18" charset="0"/>
+            </a:endParaRPr>
+          </a:p>
+          <a:p>
+            <a:pPr marL="76200" indent="0">
+              <a:buNone/>
+            </a:pPr>
+            <a:endParaRPr lang="es-ES" sz="900" dirty="0"/>
+          </a:p>
+        </p:txBody>
+      </p:sp>
+      <p:sp>
+        <p:nvSpPr>
+          <p:cNvPr id="9" name="Shape 140"/>
+          <p:cNvSpPr txBox="1">
+            <a:spLocks noGrp="1"/>
+          </p:cNvSpPr>
+          <p:nvPr>
+            <p:ph type="body" idx="1"/>
+          </p:nvPr>
+        </p:nvSpPr>
+        <p:spPr>
+          <a:xfrm>
+            <a:off x="4704734" y="1443000"/>
+            <a:ext cx="3694535" cy="2764500"/>
+          </a:xfrm>
+          <a:prstGeom prst="rect">
+            <a:avLst/>
+          </a:prstGeom>
+        </p:spPr>
+        <p:txBody>
+          <a:bodyPr spcFirstLastPara="1" wrap="square" lIns="91425" tIns="91425" rIns="91425" bIns="91425" anchor="t" anchorCtr="0">
+            <a:noAutofit/>
+          </a:bodyPr>
+          <a:lstStyle/>
+          <a:p>
+            <a:pPr marL="0" lvl="0" indent="0" rtl="0">
+              <a:spcBef>
+                <a:spcPts val="600"/>
+              </a:spcBef>
+              <a:spcAft>
+                <a:spcPts val="0"/>
+              </a:spcAft>
+              <a:buNone/>
+            </a:pPr>
+            <a:r>
+              <a:rPr lang="en" b="1" dirty="0" smtClean="0">
+                <a:solidFill>
+                  <a:srgbClr val="00BEF2"/>
+                </a:solidFill>
+                <a:latin typeface="SF Display" panose="00000500000000000000" pitchFamily="50" charset="0"/>
+                <a:ea typeface="SF Display" panose="00000500000000000000" pitchFamily="50" charset="0"/>
+              </a:rPr>
+              <a:t>Controlador</a:t>
+            </a:r>
+          </a:p>
+          <a:p>
+            <a:pPr marL="0" lvl="0" indent="0" rtl="0">
+              <a:spcBef>
+                <a:spcPts val="600"/>
+              </a:spcBef>
+              <a:spcAft>
+                <a:spcPts val="0"/>
+              </a:spcAft>
+              <a:buNone/>
+            </a:pPr>
+            <a:r>
+              <a:rPr lang="en" sz="1100" dirty="0" smtClean="0">
+                <a:latin typeface="SF Display" panose="00000500000000000000" pitchFamily="50" charset="0"/>
+                <a:ea typeface="SF Display" panose="00000500000000000000" pitchFamily="50" charset="0"/>
+              </a:rPr>
+              <a:t>Es un objeto que actúa como intermediario entre una o más vistas y uno o más modelos. </a:t>
+            </a:r>
+          </a:p>
+          <a:p>
+            <a:pPr marL="0" lvl="0" indent="0" rtl="0">
+              <a:spcBef>
+                <a:spcPts val="600"/>
+              </a:spcBef>
+              <a:spcAft>
+                <a:spcPts val="0"/>
+              </a:spcAft>
+              <a:buNone/>
+            </a:pPr>
+            <a:r>
+              <a:rPr lang="en" sz="1100" dirty="0" smtClean="0">
+                <a:latin typeface="SF Display" panose="00000500000000000000" pitchFamily="50" charset="0"/>
+                <a:ea typeface="SF Display" panose="00000500000000000000" pitchFamily="50" charset="0"/>
+              </a:rPr>
+              <a:t>Conduce los cambios en el modelo hacia la vista y viceversa. Pueden realizar  tareas de configuración y coordinación, asi como manejar el ciclo de vida de otros objetos.</a:t>
+            </a:r>
+            <a:r>
+              <a:rPr lang="es-ES" sz="900" dirty="0" smtClean="0">
+                <a:solidFill>
+                  <a:srgbClr val="000000"/>
+                </a:solidFill>
+                <a:latin typeface="SF Display" panose="00000500000000000000" pitchFamily="50" charset="0"/>
+                <a:ea typeface="SF Display" panose="00000500000000000000" pitchFamily="50" charset="0"/>
+              </a:rPr>
+              <a:t>	</a:t>
+            </a:r>
+            <a:endParaRPr lang="en" sz="900" dirty="0">
+              <a:latin typeface="SF Display" panose="00000500000000000000" pitchFamily="50" charset="0"/>
+              <a:ea typeface="SF Display" panose="00000500000000000000" pitchFamily="50" charset="0"/>
+            </a:endParaRPr>
+          </a:p>
+        </p:txBody>
+      </p:sp>
+      <p:pic>
+        <p:nvPicPr>
+          <p:cNvPr id="4" name="Picture 3"/>
+          <p:cNvPicPr>
+            <a:picLocks noChangeAspect="1"/>
+          </p:cNvPicPr>
+          <p:nvPr/>
+        </p:nvPicPr>
+        <p:blipFill>
+          <a:blip r:embed="rId3"/>
+          <a:stretch>
+            <a:fillRect/>
+          </a:stretch>
+        </p:blipFill>
+        <p:spPr>
+          <a:xfrm>
+            <a:off x="5524610" y="3079340"/>
+            <a:ext cx="2054782" cy="1003122"/>
+          </a:xfrm>
+          <a:prstGeom prst="rect">
+            <a:avLst/>
+          </a:prstGeom>
+        </p:spPr>
+      </p:pic>
+    </p:spTree>
+    <p:extLst>
+      <p:ext uri="{BB962C8B-B14F-4D97-AF65-F5344CB8AC3E}">
+        <p14:creationId xmlns:p14="http://schemas.microsoft.com/office/powerpoint/2010/main" val="994473474"/>
+      </p:ext>
+    </p:extLst>
+  </p:cSld>
+  <p:clrMapOvr>
+    <a:masterClrMapping/>
+  </p:clrMapOvr>
+  <p:timing>
+    <p:tnLst>
+      <p:par>
+        <p:cTn id="1" dur="indefinite" restart="never" nodeType="tmRoot"/>
+      </p:par>
+    </p:tnLst>
+  </p:timing>
+</p:sld>
+</file>
+
+<file path=ppt/slides/slide8.xml><?xml version="1.0" encoding="utf-8"?>
+<p:sld xmlns:a="http://schemas.openxmlformats.org/drawingml/2006/main" xmlns:r="http://schemas.openxmlformats.org/officeDocument/2006/relationships" xmlns:p="http://schemas.openxmlformats.org/presentationml/2006/main">
+  <p:cSld>
+    <p:spTree>
+      <p:nvGrpSpPr>
+        <p:cNvPr id="1" name="Shape 139"/>
+        <p:cNvGrpSpPr/>
+        <p:nvPr/>
+      </p:nvGrpSpPr>
+      <p:grpSpPr>
+        <a:xfrm>
+          <a:off x="0" y="0"/>
+          <a:ext cx="0" cy="0"/>
+          <a:chOff x="0" y="0"/>
+          <a:chExt cx="0" cy="0"/>
+        </a:xfrm>
+      </p:grpSpPr>
+      <p:sp>
+        <p:nvSpPr>
+          <p:cNvPr id="141" name="Shape 141"/>
+          <p:cNvSpPr txBox="1">
+            <a:spLocks noGrp="1"/>
+          </p:cNvSpPr>
+          <p:nvPr>
+            <p:ph type="title"/>
+          </p:nvPr>
+        </p:nvSpPr>
+        <p:spPr>
+          <a:xfrm>
+            <a:off x="1010200" y="648725"/>
+            <a:ext cx="7131300" cy="671400"/>
+          </a:xfrm>
+          <a:prstGeom prst="rect">
+            <a:avLst/>
+          </a:prstGeom>
+        </p:spPr>
+        <p:txBody>
+          <a:bodyPr spcFirstLastPara="1" wrap="square" lIns="91425" tIns="91425" rIns="91425" bIns="91425" anchor="b" anchorCtr="0">
+            <a:noAutofit/>
+          </a:bodyPr>
+          <a:lstStyle/>
+          <a:p>
+            <a:pPr marL="0" lvl="0" indent="0">
+              <a:spcBef>
+                <a:spcPts val="0"/>
+              </a:spcBef>
+              <a:spcAft>
+                <a:spcPts val="0"/>
+              </a:spcAft>
+              <a:buNone/>
+            </a:pPr>
+            <a:r>
+              <a:rPr lang="es-ES" dirty="0" smtClean="0">
+                <a:latin typeface="SF Display" panose="00000500000000000000" pitchFamily="50" charset="0"/>
+                <a:ea typeface="SF Display" panose="00000500000000000000" pitchFamily="50" charset="0"/>
+              </a:rPr>
+              <a:t>Fundamentos teóricos - Swift</a:t>
+            </a:r>
+            <a:endParaRPr dirty="0">
+              <a:latin typeface="SF Display" panose="00000500000000000000" pitchFamily="50" charset="0"/>
+              <a:ea typeface="SF Display" panose="00000500000000000000" pitchFamily="50" charset="0"/>
+            </a:endParaRPr>
+          </a:p>
+        </p:txBody>
+      </p:sp>
+      <p:sp>
+        <p:nvSpPr>
+          <p:cNvPr id="143" name="Shape 143"/>
+          <p:cNvSpPr txBox="1">
+            <a:spLocks noGrp="1"/>
+          </p:cNvSpPr>
+          <p:nvPr>
+            <p:ph type="sldNum" idx="12"/>
+          </p:nvPr>
+        </p:nvSpPr>
+        <p:spPr>
+          <a:xfrm>
+            <a:off x="7766425" y="648725"/>
+            <a:ext cx="548700" cy="671400"/>
+          </a:xfrm>
+          <a:prstGeom prst="rect">
+            <a:avLst/>
+          </a:prstGeom>
+        </p:spPr>
+        <p:txBody>
+          <a:bodyPr spcFirstLastPara="1" wrap="square" lIns="91425" tIns="91425" rIns="91425" bIns="91425" anchor="b" anchorCtr="0">
+            <a:noAutofit/>
+          </a:bodyPr>
+          <a:lstStyle/>
+          <a:p>
+            <a:pPr marL="0" lvl="0" indent="0">
+              <a:spcBef>
+                <a:spcPts val="0"/>
+              </a:spcBef>
+              <a:spcAft>
+                <a:spcPts val="0"/>
+              </a:spcAft>
+              <a:buNone/>
+            </a:pPr>
+            <a:fld id="{00000000-1234-1234-1234-123412341234}" type="slidenum">
+              <a:rPr lang="en"/>
+              <a:t>8</a:t>
+            </a:fld>
+            <a:endParaRPr/>
+          </a:p>
+        </p:txBody>
+      </p:sp>
+      <p:sp>
+        <p:nvSpPr>
+          <p:cNvPr id="10" name="Shape 140"/>
+          <p:cNvSpPr txBox="1">
+            <a:spLocks noGrp="1"/>
+          </p:cNvSpPr>
+          <p:nvPr>
+            <p:ph type="body" idx="1"/>
+          </p:nvPr>
+        </p:nvSpPr>
+        <p:spPr>
+          <a:xfrm>
+            <a:off x="1010199" y="1443000"/>
+            <a:ext cx="3694535" cy="2764500"/>
+          </a:xfrm>
+          <a:prstGeom prst="rect">
+            <a:avLst/>
+          </a:prstGeom>
+        </p:spPr>
+        <p:txBody>
+          <a:bodyPr spcFirstLastPara="1" wrap="square" lIns="91425" tIns="91425" rIns="91425" bIns="91425" anchor="t" anchorCtr="0">
+            <a:noAutofit/>
+          </a:bodyPr>
+          <a:lstStyle/>
+          <a:p>
+            <a:pPr marL="0" lvl="0" indent="0" rtl="0">
+              <a:spcBef>
+                <a:spcPts val="600"/>
+              </a:spcBef>
+              <a:spcAft>
+                <a:spcPts val="0"/>
+              </a:spcAft>
+              <a:buNone/>
+            </a:pPr>
+            <a:r>
+              <a:rPr lang="en" b="1" dirty="0" smtClean="0">
+                <a:solidFill>
+                  <a:srgbClr val="00BEF2"/>
+                </a:solidFill>
+                <a:latin typeface="SF Display" panose="00000500000000000000" pitchFamily="50" charset="0"/>
+                <a:ea typeface="SF Display" panose="00000500000000000000" pitchFamily="50" charset="0"/>
+              </a:rPr>
+              <a:t>Table view</a:t>
+            </a:r>
+          </a:p>
+          <a:p>
+            <a:pPr marL="0" indent="0">
+              <a:buNone/>
+            </a:pPr>
+            <a:r>
+              <a:rPr lang="en" sz="1100" dirty="0" smtClean="0">
+                <a:latin typeface="SF Display" panose="00000500000000000000" pitchFamily="50" charset="0"/>
+                <a:ea typeface="SF Display" panose="00000500000000000000" pitchFamily="50" charset="0"/>
+              </a:rPr>
+              <a:t>Lista dinámica de elementos en forma de tabla. Los métodos que vamos a necesitan son los siguientes: </a:t>
+            </a:r>
+          </a:p>
+          <a:p>
+            <a:pPr marL="171450" indent="-171450"/>
+            <a:r>
+              <a:rPr lang="en" sz="1100" dirty="0" smtClean="0">
+                <a:latin typeface="SF Display" panose="00000500000000000000" pitchFamily="50" charset="0"/>
+                <a:ea typeface="SF Display" panose="00000500000000000000" pitchFamily="50" charset="0"/>
+              </a:rPr>
+              <a:t>Número de comidas por sección: en función de si estamos filtrando o no, este número variará.</a:t>
+            </a:r>
+          </a:p>
+          <a:p>
+            <a:pPr marL="171450" indent="-171450"/>
+            <a:r>
+              <a:rPr lang="en" sz="1100" dirty="0" smtClean="0">
+                <a:latin typeface="SF Display" panose="00000500000000000000" pitchFamily="50" charset="0"/>
+                <a:ea typeface="SF Display" panose="00000500000000000000" pitchFamily="50" charset="0"/>
+              </a:rPr>
+              <a:t>Celda en una fila concreta: en función también de si hay una búsqueda activa o no habrá que coger la comida de una fuente u otra. Hay que devolver una celda lista para poder ser visualizada en la tabla, con todos los atributos que creamos convenientes.</a:t>
+            </a:r>
+            <a:endParaRPr lang="es-ES" sz="1100" dirty="0">
+              <a:solidFill>
+                <a:srgbClr val="000000"/>
+              </a:solidFill>
+              <a:latin typeface="SF Display" panose="00000500000000000000" pitchFamily="50" charset="0"/>
+              <a:ea typeface="SF Display" panose="00000500000000000000" pitchFamily="50" charset="0"/>
+            </a:endParaRPr>
+          </a:p>
+        </p:txBody>
+      </p:sp>
+      <p:sp>
+        <p:nvSpPr>
+          <p:cNvPr id="9" name="Shape 140"/>
+          <p:cNvSpPr txBox="1">
+            <a:spLocks noGrp="1"/>
+          </p:cNvSpPr>
+          <p:nvPr>
+            <p:ph type="body" idx="1"/>
+          </p:nvPr>
+        </p:nvSpPr>
+        <p:spPr>
+          <a:xfrm>
+            <a:off x="4704734" y="1443000"/>
+            <a:ext cx="3694535" cy="2764500"/>
+          </a:xfrm>
+          <a:prstGeom prst="rect">
+            <a:avLst/>
+          </a:prstGeom>
+        </p:spPr>
+        <p:txBody>
+          <a:bodyPr spcFirstLastPara="1" wrap="square" lIns="91425" tIns="91425" rIns="91425" bIns="91425" anchor="t" anchorCtr="0">
+            <a:noAutofit/>
+          </a:bodyPr>
+          <a:lstStyle/>
+          <a:p>
+            <a:pPr marL="0" lvl="0" indent="0" rtl="0">
+              <a:spcBef>
+                <a:spcPts val="600"/>
+              </a:spcBef>
+              <a:spcAft>
+                <a:spcPts val="0"/>
+              </a:spcAft>
+              <a:buNone/>
+            </a:pPr>
+            <a:r>
+              <a:rPr lang="en" b="1" dirty="0" smtClean="0">
+                <a:solidFill>
+                  <a:srgbClr val="00BEF2"/>
+                </a:solidFill>
+                <a:latin typeface="SF Display" panose="00000500000000000000" pitchFamily="50" charset="0"/>
+                <a:ea typeface="SF Display" panose="00000500000000000000" pitchFamily="50" charset="0"/>
+              </a:rPr>
+              <a:t>Unwind segue</a:t>
+            </a:r>
+          </a:p>
+          <a:p>
+            <a:pPr marL="0" lvl="0" indent="0" rtl="0">
+              <a:spcBef>
+                <a:spcPts val="600"/>
+              </a:spcBef>
+              <a:spcAft>
+                <a:spcPts val="0"/>
+              </a:spcAft>
+              <a:buNone/>
+            </a:pPr>
+            <a:r>
+              <a:rPr lang="en" sz="1100" dirty="0" smtClean="0">
+                <a:latin typeface="SF Display" panose="00000500000000000000" pitchFamily="50" charset="0"/>
+                <a:ea typeface="SF Display" panose="00000500000000000000" pitchFamily="50" charset="0"/>
+              </a:rPr>
+              <a:t>Es una navegación hacia atrás, de tal forma que en lugar de crear una nueva vista lo que se hace es volver a una vista anterior.</a:t>
+            </a:r>
+          </a:p>
+          <a:p>
+            <a:pPr marL="0" lvl="0" indent="0" rtl="0">
+              <a:spcBef>
+                <a:spcPts val="600"/>
+              </a:spcBef>
+              <a:spcAft>
+                <a:spcPts val="0"/>
+              </a:spcAft>
+              <a:buNone/>
+            </a:pPr>
+            <a:r>
+              <a:rPr lang="en" sz="1100" dirty="0" smtClean="0">
+                <a:latin typeface="SF Display" panose="00000500000000000000" pitchFamily="50" charset="0"/>
+                <a:ea typeface="SF Display" panose="00000500000000000000" pitchFamily="50" charset="0"/>
+              </a:rPr>
+              <a:t>En nuestro caso será necesario para añadir y actualizar comidas, de tal forma que la tabla recibirá una comida añadida o actualizada que se extraerá en el método unwindToMeaList</a:t>
+            </a:r>
+            <a:r>
+              <a:rPr lang="en" sz="1100" dirty="0">
+                <a:latin typeface="SF Display" panose="00000500000000000000" pitchFamily="50" charset="0"/>
+                <a:ea typeface="SF Display" panose="00000500000000000000" pitchFamily="50" charset="0"/>
+              </a:rPr>
+              <a:t> </a:t>
+            </a:r>
+            <a:r>
+              <a:rPr lang="en" sz="1100" dirty="0" smtClean="0">
+                <a:latin typeface="SF Display" panose="00000500000000000000" pitchFamily="50" charset="0"/>
+                <a:ea typeface="SF Display" panose="00000500000000000000" pitchFamily="50" charset="0"/>
+              </a:rPr>
+              <a:t>(es donde llama la vista de añadir y actualizar comidas para hacer efectivo el segue unwind).</a:t>
+            </a:r>
+            <a:r>
+              <a:rPr lang="es-ES" sz="900" dirty="0" smtClean="0">
+                <a:solidFill>
+                  <a:srgbClr val="000000"/>
+                </a:solidFill>
+                <a:latin typeface="SF Display" panose="00000500000000000000" pitchFamily="50" charset="0"/>
+                <a:ea typeface="SF Display" panose="00000500000000000000" pitchFamily="50" charset="0"/>
+              </a:rPr>
+              <a:t>	</a:t>
+            </a:r>
+            <a:endParaRPr lang="en" sz="900" dirty="0">
+              <a:latin typeface="SF Display" panose="00000500000000000000" pitchFamily="50" charset="0"/>
+              <a:ea typeface="SF Display" panose="00000500000000000000" pitchFamily="50" charset="0"/>
+            </a:endParaRPr>
+          </a:p>
+        </p:txBody>
+      </p:sp>
+    </p:spTree>
+    <p:extLst>
+      <p:ext uri="{BB962C8B-B14F-4D97-AF65-F5344CB8AC3E}">
+        <p14:creationId xmlns:p14="http://schemas.microsoft.com/office/powerpoint/2010/main" val="3839804615"/>
+      </p:ext>
+    </p:extLst>
+  </p:cSld>
+  <p:clrMapOvr>
+    <a:masterClrMapping/>
+  </p:clrMapOvr>
+  <p:timing>
+    <p:tnLst>
+      <p:par>
+        <p:cTn id="1" dur="indefinite" restart="never" nodeType="tmRoot"/>
+      </p:par>
+    </p:tnLst>
+  </p:timing>
+</p:sld>
+</file>
+
+<file path=ppt/slides/slide9.xml><?xml version="1.0" encoding="utf-8"?>
+<p:sld xmlns:a="http://schemas.openxmlformats.org/drawingml/2006/main" xmlns:r="http://schemas.openxmlformats.org/officeDocument/2006/relationships" xmlns:p="http://schemas.openxmlformats.org/presentationml/2006/main">
+  <p:cSld>
+    <p:spTree>
+      <p:nvGrpSpPr>
+        <p:cNvPr id="1" name="Shape 139"/>
+        <p:cNvGrpSpPr/>
+        <p:nvPr/>
+      </p:nvGrpSpPr>
+      <p:grpSpPr>
+        <a:xfrm>
+          <a:off x="0" y="0"/>
+          <a:ext cx="0" cy="0"/>
+          <a:chOff x="0" y="0"/>
+          <a:chExt cx="0" cy="0"/>
+        </a:xfrm>
+      </p:grpSpPr>
+      <p:sp>
+        <p:nvSpPr>
+          <p:cNvPr id="141" name="Shape 141"/>
+          <p:cNvSpPr txBox="1">
+            <a:spLocks noGrp="1"/>
+          </p:cNvSpPr>
+          <p:nvPr>
+            <p:ph type="title"/>
+          </p:nvPr>
+        </p:nvSpPr>
+        <p:spPr>
+          <a:xfrm>
+            <a:off x="997044" y="648725"/>
+            <a:ext cx="7131300" cy="671400"/>
+          </a:xfrm>
+          <a:prstGeom prst="rect">
+            <a:avLst/>
+          </a:prstGeom>
+        </p:spPr>
+        <p:txBody>
+          <a:bodyPr spcFirstLastPara="1" wrap="square" lIns="91425" tIns="91425" rIns="91425" bIns="91425" anchor="b" anchorCtr="0">
+            <a:noAutofit/>
+          </a:bodyPr>
+          <a:lstStyle/>
+          <a:p>
+            <a:pPr marL="0" lvl="0" indent="0">
+              <a:spcBef>
+                <a:spcPts val="0"/>
+              </a:spcBef>
+              <a:spcAft>
+                <a:spcPts val="0"/>
+              </a:spcAft>
+              <a:buNone/>
+            </a:pPr>
+            <a:r>
+              <a:rPr lang="es-ES" dirty="0" smtClean="0">
+                <a:latin typeface="SF Display" panose="00000500000000000000" pitchFamily="50" charset="0"/>
+                <a:ea typeface="SF Display" panose="00000500000000000000" pitchFamily="50" charset="0"/>
+              </a:rPr>
+              <a:t>Fundamentos teóricos - </a:t>
+            </a:r>
+            <a:r>
+              <a:rPr lang="es-ES" dirty="0" err="1" smtClean="0">
+                <a:latin typeface="SF Display" panose="00000500000000000000" pitchFamily="50" charset="0"/>
+                <a:ea typeface="SF Display" panose="00000500000000000000" pitchFamily="50" charset="0"/>
+              </a:rPr>
+              <a:t>Bars</a:t>
+            </a:r>
+            <a:endParaRPr dirty="0">
+              <a:latin typeface="SF Display" panose="00000500000000000000" pitchFamily="50" charset="0"/>
+              <a:ea typeface="SF Display" panose="00000500000000000000" pitchFamily="50" charset="0"/>
+            </a:endParaRPr>
+          </a:p>
+        </p:txBody>
+      </p:sp>
+      <p:sp>
+        <p:nvSpPr>
+          <p:cNvPr id="143" name="Shape 143"/>
+          <p:cNvSpPr txBox="1">
+            <a:spLocks noGrp="1"/>
+          </p:cNvSpPr>
+          <p:nvPr>
+            <p:ph type="sldNum" idx="12"/>
+          </p:nvPr>
+        </p:nvSpPr>
+        <p:spPr>
+          <a:xfrm>
+            <a:off x="7766425" y="648725"/>
+            <a:ext cx="548700" cy="671400"/>
+          </a:xfrm>
+          <a:prstGeom prst="rect">
+            <a:avLst/>
+          </a:prstGeom>
+        </p:spPr>
+        <p:txBody>
+          <a:bodyPr spcFirstLastPara="1" wrap="square" lIns="91425" tIns="91425" rIns="91425" bIns="91425" anchor="b" anchorCtr="0">
+            <a:noAutofit/>
+          </a:bodyPr>
+          <a:lstStyle/>
+          <a:p>
+            <a:pPr marL="0" lvl="0" indent="0">
+              <a:spcBef>
+                <a:spcPts val="0"/>
+              </a:spcBef>
+              <a:spcAft>
+                <a:spcPts val="0"/>
+              </a:spcAft>
+              <a:buNone/>
+            </a:pPr>
+            <a:fld id="{00000000-1234-1234-1234-123412341234}" type="slidenum">
+              <a:rPr lang="en"/>
+              <a:t>9</a:t>
+            </a:fld>
+            <a:endParaRPr/>
+          </a:p>
+        </p:txBody>
+      </p:sp>
+      <p:sp>
+        <p:nvSpPr>
           <p:cNvPr id="7" name="Shape 140"/>
           <p:cNvSpPr txBox="1">
             <a:spLocks noGrp="1"/>
@@ -27988,13 +31248,6 @@
               </a:rPr>
               <a:t>Search bar</a:t>
             </a:r>
-            <a:endParaRPr lang="en" b="1" dirty="0" smtClean="0">
-              <a:solidFill>
-                <a:srgbClr val="00BEF2"/>
-              </a:solidFill>
-              <a:latin typeface="SF Display" panose="00000500000000000000" pitchFamily="50" charset="0"/>
-              <a:ea typeface="SF Display" panose="00000500000000000000" pitchFamily="50" charset="0"/>
-            </a:endParaRPr>
           </a:p>
           <a:p>
             <a:pPr marL="0" lvl="0" indent="0" rtl="0">
@@ -28076,2077 +31329,6 @@
     <p:extLst>
       <p:ext uri="{BB962C8B-B14F-4D97-AF65-F5344CB8AC3E}">
         <p14:creationId xmlns:p14="http://schemas.microsoft.com/office/powerpoint/2010/main" val="387092366"/>
-      </p:ext>
-    </p:extLst>
-  </p:cSld>
-  <p:clrMapOvr>
-    <a:masterClrMapping/>
-  </p:clrMapOvr>
-  <p:timing>
-    <p:tnLst>
-      <p:par>
-        <p:cTn id="1" dur="indefinite" restart="never" nodeType="tmRoot"/>
-      </p:par>
-    </p:tnLst>
-  </p:timing>
-</p:sld>
-</file>
-
-<file path=ppt/slides/slide8.xml><?xml version="1.0" encoding="utf-8"?>
-<p:sld xmlns:a="http://schemas.openxmlformats.org/drawingml/2006/main" xmlns:r="http://schemas.openxmlformats.org/officeDocument/2006/relationships" xmlns:p="http://schemas.openxmlformats.org/presentationml/2006/main">
-  <p:cSld>
-    <p:spTree>
-      <p:nvGrpSpPr>
-        <p:cNvPr id="1" name="Shape 111"/>
-        <p:cNvGrpSpPr/>
-        <p:nvPr/>
-      </p:nvGrpSpPr>
-      <p:grpSpPr>
-        <a:xfrm>
-          <a:off x="0" y="0"/>
-          <a:ext cx="0" cy="0"/>
-          <a:chOff x="0" y="0"/>
-          <a:chExt cx="0" cy="0"/>
-        </a:xfrm>
-      </p:grpSpPr>
-      <p:sp>
-        <p:nvSpPr>
-          <p:cNvPr id="7" name="TextBox 6"/>
-          <p:cNvSpPr txBox="1"/>
-          <p:nvPr/>
-        </p:nvSpPr>
-        <p:spPr>
-          <a:xfrm>
-            <a:off x="1085439" y="1870290"/>
-            <a:ext cx="4170719" cy="1582674"/>
-          </a:xfrm>
-          <a:prstGeom prst="rect">
-            <a:avLst/>
-          </a:prstGeom>
-          <a:solidFill>
-            <a:schemeClr val="accent1">
-              <a:lumMod val="20000"/>
-              <a:lumOff val="80000"/>
-            </a:schemeClr>
-          </a:solidFill>
-        </p:spPr>
-        <p:txBody>
-          <a:bodyPr wrap="square" rtlCol="0">
-            <a:spAutoFit/>
-          </a:bodyPr>
-          <a:lstStyle/>
-          <a:p>
-            <a:endParaRPr lang="es-ES" dirty="0"/>
-          </a:p>
-        </p:txBody>
-      </p:sp>
-      <p:sp>
-        <p:nvSpPr>
-          <p:cNvPr id="112" name="Shape 112"/>
-          <p:cNvSpPr txBox="1">
-            <a:spLocks noGrp="1"/>
-          </p:cNvSpPr>
-          <p:nvPr>
-            <p:ph type="title"/>
-          </p:nvPr>
-        </p:nvSpPr>
-        <p:spPr>
-          <a:xfrm>
-            <a:off x="1010200" y="648725"/>
-            <a:ext cx="7131300" cy="671400"/>
-          </a:xfrm>
-          <a:prstGeom prst="rect">
-            <a:avLst/>
-          </a:prstGeom>
-        </p:spPr>
-        <p:txBody>
-          <a:bodyPr spcFirstLastPara="1" wrap="square" lIns="91425" tIns="91425" rIns="91425" bIns="91425" anchor="b" anchorCtr="0">
-            <a:noAutofit/>
-          </a:bodyPr>
-          <a:lstStyle/>
-          <a:p>
-            <a:pPr marL="0" lvl="0" indent="0">
-              <a:spcBef>
-                <a:spcPts val="0"/>
-              </a:spcBef>
-              <a:spcAft>
-                <a:spcPts val="0"/>
-              </a:spcAft>
-              <a:buNone/>
-            </a:pPr>
-            <a:r>
-              <a:rPr lang="es-ES" sz="1400" dirty="0" smtClean="0">
-                <a:latin typeface="SF Display" panose="00000500000000000000" pitchFamily="50" charset="0"/>
-                <a:ea typeface="SF Display" panose="00000500000000000000" pitchFamily="50" charset="0"/>
-              </a:rPr>
-              <a:t>Implementación de la búsqueda</a:t>
-            </a:r>
-            <a:endParaRPr sz="1400" dirty="0">
-              <a:latin typeface="SF Display" panose="00000500000000000000" pitchFamily="50" charset="0"/>
-              <a:ea typeface="SF Display" panose="00000500000000000000" pitchFamily="50" charset="0"/>
-            </a:endParaRPr>
-          </a:p>
-        </p:txBody>
-      </p:sp>
-      <p:sp>
-        <p:nvSpPr>
-          <p:cNvPr id="113" name="Shape 113"/>
-          <p:cNvSpPr txBox="1">
-            <a:spLocks noGrp="1"/>
-          </p:cNvSpPr>
-          <p:nvPr>
-            <p:ph type="body" idx="1"/>
-          </p:nvPr>
-        </p:nvSpPr>
-        <p:spPr>
-          <a:xfrm>
-            <a:off x="826007" y="1870290"/>
-            <a:ext cx="4430151" cy="1076136"/>
-          </a:xfrm>
-          <a:prstGeom prst="rect">
-            <a:avLst/>
-          </a:prstGeom>
-          <a:ln>
-            <a:noFill/>
-          </a:ln>
-        </p:spPr>
-        <p:txBody>
-          <a:bodyPr spcFirstLastPara="1" wrap="square" lIns="91425" tIns="91425" rIns="91425" bIns="91425" anchor="t" anchorCtr="0">
-            <a:noAutofit/>
-          </a:bodyPr>
-          <a:lstStyle/>
-          <a:p>
-            <a:pPr marL="449580" indent="0">
-              <a:lnSpc>
-                <a:spcPct val="107000"/>
-              </a:lnSpc>
-              <a:spcBef>
-                <a:spcPts val="300"/>
-              </a:spcBef>
-              <a:buNone/>
-            </a:pPr>
-            <a:r>
-              <a:rPr lang="en-US" sz="800" dirty="0" smtClean="0">
-                <a:solidFill>
-                  <a:srgbClr val="AA0D91"/>
-                </a:solidFill>
-                <a:latin typeface="SF Display" panose="00000500000000000000" pitchFamily="50" charset="0"/>
-                <a:ea typeface="Times New Roman" panose="02020603050405020304" pitchFamily="18" charset="0"/>
-                <a:cs typeface="Calibri" panose="020F0502020204030204" pitchFamily="34" charset="0"/>
-              </a:rPr>
-              <a:t>class</a:t>
-            </a:r>
-            <a:r>
-              <a:rPr lang="en-US" sz="800" dirty="0" smtClean="0">
-                <a:solidFill>
-                  <a:srgbClr val="000000"/>
-                </a:solidFill>
-                <a:latin typeface="SF Display" panose="00000500000000000000" pitchFamily="50" charset="0"/>
-                <a:ea typeface="Times New Roman" panose="02020603050405020304" pitchFamily="18" charset="0"/>
-                <a:cs typeface="Calibri" panose="020F0502020204030204" pitchFamily="34" charset="0"/>
-              </a:rPr>
-              <a:t> </a:t>
-            </a:r>
-            <a:r>
-              <a:rPr lang="en-US" sz="800" dirty="0" err="1">
-                <a:solidFill>
-                  <a:srgbClr val="000000"/>
-                </a:solidFill>
-                <a:latin typeface="SF Display" panose="00000500000000000000" pitchFamily="50" charset="0"/>
-                <a:ea typeface="Times New Roman" panose="02020603050405020304" pitchFamily="18" charset="0"/>
-                <a:cs typeface="Calibri" panose="020F0502020204030204" pitchFamily="34" charset="0"/>
-              </a:rPr>
-              <a:t>MealTableViewController</a:t>
-            </a:r>
-            <a:r>
-              <a:rPr lang="en-US" sz="800" dirty="0">
-                <a:solidFill>
-                  <a:srgbClr val="000000"/>
-                </a:solidFill>
-                <a:latin typeface="SF Display" panose="00000500000000000000" pitchFamily="50" charset="0"/>
-                <a:ea typeface="Times New Roman" panose="02020603050405020304" pitchFamily="18" charset="0"/>
-                <a:cs typeface="Calibri" panose="020F0502020204030204" pitchFamily="34" charset="0"/>
-              </a:rPr>
-              <a:t>: </a:t>
-            </a:r>
-            <a:r>
-              <a:rPr lang="en-US" sz="800" dirty="0" err="1">
-                <a:solidFill>
-                  <a:srgbClr val="5C2699"/>
-                </a:solidFill>
-                <a:latin typeface="SF Display" panose="00000500000000000000" pitchFamily="50" charset="0"/>
-                <a:ea typeface="Times New Roman" panose="02020603050405020304" pitchFamily="18" charset="0"/>
-                <a:cs typeface="Calibri" panose="020F0502020204030204" pitchFamily="34" charset="0"/>
-              </a:rPr>
-              <a:t>UITableViewController</a:t>
-            </a:r>
-            <a:r>
-              <a:rPr lang="en-US" sz="800" dirty="0">
-                <a:solidFill>
-                  <a:srgbClr val="000000"/>
-                </a:solidFill>
-                <a:latin typeface="SF Display" panose="00000500000000000000" pitchFamily="50" charset="0"/>
-                <a:ea typeface="Times New Roman" panose="02020603050405020304" pitchFamily="18" charset="0"/>
-                <a:cs typeface="Calibri" panose="020F0502020204030204" pitchFamily="34" charset="0"/>
-              </a:rPr>
-              <a:t>,</a:t>
-            </a:r>
-            <a:r>
-              <a:rPr lang="en-US" sz="800" b="1" dirty="0">
-                <a:solidFill>
-                  <a:srgbClr val="000000"/>
-                </a:solidFill>
-                <a:latin typeface="SF Display" panose="00000500000000000000" pitchFamily="50" charset="0"/>
-                <a:ea typeface="Times New Roman" panose="02020603050405020304" pitchFamily="18" charset="0"/>
-                <a:cs typeface="Calibri" panose="020F0502020204030204" pitchFamily="34" charset="0"/>
-              </a:rPr>
-              <a:t> </a:t>
-            </a:r>
-            <a:r>
-              <a:rPr lang="en-US" sz="800" b="1" dirty="0" err="1" smtClean="0">
-                <a:solidFill>
-                  <a:srgbClr val="5C2699"/>
-                </a:solidFill>
-                <a:latin typeface="SF Display" panose="00000500000000000000" pitchFamily="50" charset="0"/>
-                <a:ea typeface="Times New Roman" panose="02020603050405020304" pitchFamily="18" charset="0"/>
-                <a:cs typeface="Calibri" panose="020F0502020204030204" pitchFamily="34" charset="0"/>
-              </a:rPr>
-              <a:t>UISearchResultsUpdating</a:t>
-            </a:r>
-            <a:r>
-              <a:rPr lang="en-US" sz="800" dirty="0" smtClean="0">
-                <a:solidFill>
-                  <a:srgbClr val="000000"/>
-                </a:solidFill>
-                <a:latin typeface="SF Display" panose="00000500000000000000" pitchFamily="50" charset="0"/>
-                <a:ea typeface="Times New Roman" panose="02020603050405020304" pitchFamily="18" charset="0"/>
-                <a:cs typeface="Calibri" panose="020F0502020204030204" pitchFamily="34" charset="0"/>
-              </a:rPr>
-              <a:t> {</a:t>
-            </a:r>
-          </a:p>
-          <a:p>
-            <a:pPr marL="449580" indent="0">
-              <a:lnSpc>
-                <a:spcPct val="107000"/>
-              </a:lnSpc>
-              <a:spcBef>
-                <a:spcPts val="300"/>
-              </a:spcBef>
-              <a:buNone/>
-            </a:pPr>
-            <a:r>
-              <a:rPr lang="en-US" sz="800" dirty="0">
-                <a:solidFill>
-                  <a:srgbClr val="000000"/>
-                </a:solidFill>
-                <a:latin typeface="SF Display" panose="00000500000000000000" pitchFamily="50" charset="0"/>
-                <a:ea typeface="Times New Roman" panose="02020603050405020304" pitchFamily="18" charset="0"/>
-                <a:cs typeface="Calibri" panose="020F0502020204030204" pitchFamily="34" charset="0"/>
-              </a:rPr>
-              <a:t>	</a:t>
-            </a:r>
-            <a:r>
-              <a:rPr lang="en-US" sz="800" dirty="0" smtClean="0">
-                <a:solidFill>
-                  <a:srgbClr val="000000"/>
-                </a:solidFill>
-                <a:latin typeface="SF Display" panose="00000500000000000000" pitchFamily="50" charset="0"/>
-                <a:ea typeface="Times New Roman" panose="02020603050405020304" pitchFamily="18" charset="0"/>
-                <a:cs typeface="Calibri" panose="020F0502020204030204" pitchFamily="34" charset="0"/>
-              </a:rPr>
-              <a:t>	        …</a:t>
-            </a:r>
-          </a:p>
-          <a:p>
-            <a:pPr marL="449580" indent="0">
-              <a:lnSpc>
-                <a:spcPct val="107000"/>
-              </a:lnSpc>
-              <a:spcBef>
-                <a:spcPts val="300"/>
-              </a:spcBef>
-              <a:buNone/>
-            </a:pPr>
-            <a:r>
-              <a:rPr lang="en-US" sz="800" dirty="0" smtClean="0">
-                <a:solidFill>
-                  <a:srgbClr val="000000"/>
-                </a:solidFill>
-                <a:latin typeface="SF Display" panose="00000500000000000000" pitchFamily="50" charset="0"/>
-                <a:ea typeface="SF Display" panose="00000500000000000000" pitchFamily="50" charset="0"/>
-                <a:cs typeface="Calibri" panose="020F0502020204030204" pitchFamily="34" charset="0"/>
-              </a:rPr>
-              <a:t>	</a:t>
-            </a:r>
-            <a:r>
-              <a:rPr lang="en-US" sz="800" b="1" dirty="0" err="1" smtClean="0">
-                <a:solidFill>
-                  <a:srgbClr val="000000"/>
-                </a:solidFill>
-                <a:latin typeface="SF Display" panose="00000500000000000000" pitchFamily="50" charset="0"/>
-                <a:ea typeface="SF Display" panose="00000500000000000000" pitchFamily="50" charset="0"/>
-                <a:cs typeface="Calibri" panose="020F0502020204030204" pitchFamily="34" charset="0"/>
-              </a:rPr>
-              <a:t>var</a:t>
-            </a:r>
-            <a:r>
-              <a:rPr lang="en-US" sz="800" b="1" dirty="0" smtClean="0">
-                <a:solidFill>
-                  <a:srgbClr val="000000"/>
-                </a:solidFill>
-                <a:latin typeface="SF Display" panose="00000500000000000000" pitchFamily="50" charset="0"/>
-                <a:ea typeface="SF Display" panose="00000500000000000000" pitchFamily="50" charset="0"/>
-                <a:cs typeface="Calibri" panose="020F0502020204030204" pitchFamily="34" charset="0"/>
-              </a:rPr>
-              <a:t> </a:t>
-            </a:r>
-            <a:r>
-              <a:rPr lang="en-US" sz="800" b="1" dirty="0" err="1">
-                <a:solidFill>
-                  <a:srgbClr val="000000"/>
-                </a:solidFill>
-                <a:latin typeface="SF Display" panose="00000500000000000000" pitchFamily="50" charset="0"/>
-                <a:ea typeface="SF Display" panose="00000500000000000000" pitchFamily="50" charset="0"/>
-                <a:cs typeface="Calibri" panose="020F0502020204030204" pitchFamily="34" charset="0"/>
-              </a:rPr>
-              <a:t>filteredMeals</a:t>
-            </a:r>
-            <a:r>
-              <a:rPr lang="en-US" sz="800" b="1" dirty="0">
-                <a:solidFill>
-                  <a:srgbClr val="000000"/>
-                </a:solidFill>
-                <a:latin typeface="SF Display" panose="00000500000000000000" pitchFamily="50" charset="0"/>
-                <a:ea typeface="SF Display" panose="00000500000000000000" pitchFamily="50" charset="0"/>
-                <a:cs typeface="Calibri" panose="020F0502020204030204" pitchFamily="34" charset="0"/>
-              </a:rPr>
-              <a:t> = [</a:t>
-            </a:r>
-            <a:r>
-              <a:rPr lang="en-US" sz="800" b="1" dirty="0">
-                <a:solidFill>
-                  <a:schemeClr val="bg2">
-                    <a:lumMod val="75000"/>
-                  </a:schemeClr>
-                </a:solidFill>
-                <a:latin typeface="SF Display" panose="00000500000000000000" pitchFamily="50" charset="0"/>
-                <a:ea typeface="SF Display" panose="00000500000000000000" pitchFamily="50" charset="0"/>
-                <a:cs typeface="Calibri" panose="020F0502020204030204" pitchFamily="34" charset="0"/>
-              </a:rPr>
-              <a:t>Meal</a:t>
-            </a:r>
-            <a:r>
-              <a:rPr lang="en-US" sz="800" b="1" dirty="0">
-                <a:solidFill>
-                  <a:srgbClr val="000000"/>
-                </a:solidFill>
-                <a:latin typeface="SF Display" panose="00000500000000000000" pitchFamily="50" charset="0"/>
-                <a:ea typeface="SF Display" panose="00000500000000000000" pitchFamily="50" charset="0"/>
-                <a:cs typeface="Calibri" panose="020F0502020204030204" pitchFamily="34" charset="0"/>
-              </a:rPr>
-              <a:t>]()</a:t>
-            </a:r>
-            <a:endParaRPr lang="en-US" sz="800" b="1" dirty="0" smtClean="0">
-              <a:solidFill>
-                <a:srgbClr val="000000"/>
-              </a:solidFill>
-              <a:latin typeface="SF Display" panose="00000500000000000000" pitchFamily="50" charset="0"/>
-              <a:ea typeface="SF Display" panose="00000500000000000000" pitchFamily="50" charset="0"/>
-              <a:cs typeface="Calibri" panose="020F0502020204030204" pitchFamily="34" charset="0"/>
-            </a:endParaRPr>
-          </a:p>
-          <a:p>
-            <a:pPr marL="449580" indent="0">
-              <a:lnSpc>
-                <a:spcPct val="107000"/>
-              </a:lnSpc>
-              <a:spcBef>
-                <a:spcPts val="300"/>
-              </a:spcBef>
-              <a:buNone/>
-            </a:pPr>
-            <a:r>
-              <a:rPr lang="en-US" sz="800" dirty="0" smtClean="0">
-                <a:solidFill>
-                  <a:srgbClr val="AA0D91"/>
-                </a:solidFill>
-                <a:latin typeface="SF Display" panose="00000500000000000000" pitchFamily="50" charset="0"/>
-                <a:ea typeface="SF Display" panose="00000500000000000000" pitchFamily="50" charset="0"/>
-                <a:cs typeface="Menlo-Regular"/>
-              </a:rPr>
-              <a:t>	</a:t>
-            </a:r>
-            <a:r>
-              <a:rPr lang="en-US" sz="800" b="1" dirty="0" smtClean="0">
-                <a:solidFill>
-                  <a:srgbClr val="AA0D91"/>
-                </a:solidFill>
-                <a:latin typeface="SF Display" panose="00000500000000000000" pitchFamily="50" charset="0"/>
-                <a:ea typeface="SF Display" panose="00000500000000000000" pitchFamily="50" charset="0"/>
-                <a:cs typeface="Menlo-Regular"/>
-              </a:rPr>
-              <a:t>let</a:t>
-            </a:r>
-            <a:r>
-              <a:rPr lang="en-US" sz="800" b="1" dirty="0" smtClean="0">
-                <a:solidFill>
-                  <a:srgbClr val="000000"/>
-                </a:solidFill>
-                <a:latin typeface="SF Display" panose="00000500000000000000" pitchFamily="50" charset="0"/>
-                <a:ea typeface="SF Display" panose="00000500000000000000" pitchFamily="50" charset="0"/>
-                <a:cs typeface="Menlo-Regular"/>
-              </a:rPr>
-              <a:t> </a:t>
-            </a:r>
-            <a:r>
-              <a:rPr lang="en-US" sz="800" b="1" dirty="0" err="1">
-                <a:solidFill>
-                  <a:srgbClr val="000000"/>
-                </a:solidFill>
-                <a:latin typeface="SF Display" panose="00000500000000000000" pitchFamily="50" charset="0"/>
-                <a:ea typeface="SF Display" panose="00000500000000000000" pitchFamily="50" charset="0"/>
-                <a:cs typeface="Menlo-Regular"/>
-              </a:rPr>
-              <a:t>searchController</a:t>
-            </a:r>
-            <a:r>
-              <a:rPr lang="en-US" sz="800" b="1" dirty="0">
-                <a:solidFill>
-                  <a:srgbClr val="000000"/>
-                </a:solidFill>
-                <a:latin typeface="SF Display" panose="00000500000000000000" pitchFamily="50" charset="0"/>
-                <a:ea typeface="SF Display" panose="00000500000000000000" pitchFamily="50" charset="0"/>
-                <a:cs typeface="Menlo-Regular"/>
-              </a:rPr>
-              <a:t> = </a:t>
-            </a:r>
-            <a:r>
-              <a:rPr lang="en-US" sz="800" b="1" dirty="0" err="1">
-                <a:solidFill>
-                  <a:srgbClr val="5C2699"/>
-                </a:solidFill>
-                <a:latin typeface="SF Display" panose="00000500000000000000" pitchFamily="50" charset="0"/>
-                <a:ea typeface="SF Display" panose="00000500000000000000" pitchFamily="50" charset="0"/>
-                <a:cs typeface="Menlo-Regular"/>
-              </a:rPr>
-              <a:t>UISearchController</a:t>
-            </a:r>
-            <a:r>
-              <a:rPr lang="en-US" sz="800" b="1" dirty="0">
-                <a:solidFill>
-                  <a:srgbClr val="000000"/>
-                </a:solidFill>
-                <a:latin typeface="SF Display" panose="00000500000000000000" pitchFamily="50" charset="0"/>
-                <a:ea typeface="SF Display" panose="00000500000000000000" pitchFamily="50" charset="0"/>
-                <a:cs typeface="Menlo-Regular"/>
-              </a:rPr>
-              <a:t>(</a:t>
-            </a:r>
-            <a:r>
-              <a:rPr lang="en-US" sz="800" b="1" dirty="0" err="1">
-                <a:solidFill>
-                  <a:srgbClr val="000000"/>
-                </a:solidFill>
-                <a:latin typeface="SF Display" panose="00000500000000000000" pitchFamily="50" charset="0"/>
-                <a:ea typeface="SF Display" panose="00000500000000000000" pitchFamily="50" charset="0"/>
-                <a:cs typeface="Menlo-Regular"/>
-              </a:rPr>
-              <a:t>searchResultsController</a:t>
-            </a:r>
-            <a:r>
-              <a:rPr lang="en-US" sz="800" b="1" dirty="0">
-                <a:solidFill>
-                  <a:srgbClr val="000000"/>
-                </a:solidFill>
-                <a:latin typeface="SF Display" panose="00000500000000000000" pitchFamily="50" charset="0"/>
-                <a:ea typeface="SF Display" panose="00000500000000000000" pitchFamily="50" charset="0"/>
-                <a:cs typeface="Menlo-Regular"/>
-              </a:rPr>
-              <a:t>: </a:t>
-            </a:r>
-            <a:r>
-              <a:rPr lang="en-US" sz="800" b="1" dirty="0">
-                <a:solidFill>
-                  <a:srgbClr val="AA0D91"/>
-                </a:solidFill>
-                <a:latin typeface="SF Display" panose="00000500000000000000" pitchFamily="50" charset="0"/>
-                <a:ea typeface="SF Display" panose="00000500000000000000" pitchFamily="50" charset="0"/>
-                <a:cs typeface="Menlo-Regular"/>
-              </a:rPr>
-              <a:t>nil</a:t>
-            </a:r>
-            <a:r>
-              <a:rPr lang="en-US" sz="800" b="1" dirty="0" smtClean="0">
-                <a:solidFill>
-                  <a:srgbClr val="000000"/>
-                </a:solidFill>
-                <a:latin typeface="SF Display" panose="00000500000000000000" pitchFamily="50" charset="0"/>
-                <a:ea typeface="SF Display" panose="00000500000000000000" pitchFamily="50" charset="0"/>
-                <a:cs typeface="Menlo-Regular"/>
-              </a:rPr>
-              <a:t>)</a:t>
-            </a:r>
-          </a:p>
-          <a:p>
-            <a:pPr marL="449580" indent="0">
-              <a:lnSpc>
-                <a:spcPct val="107000"/>
-              </a:lnSpc>
-              <a:spcBef>
-                <a:spcPts val="300"/>
-              </a:spcBef>
-              <a:buNone/>
-            </a:pPr>
-            <a:r>
-              <a:rPr lang="en-US" sz="800" b="1" dirty="0">
-                <a:solidFill>
-                  <a:srgbClr val="000000"/>
-                </a:solidFill>
-                <a:latin typeface="SF Display" panose="00000500000000000000" pitchFamily="50" charset="0"/>
-                <a:ea typeface="SF Display" panose="00000500000000000000" pitchFamily="50" charset="0"/>
-                <a:cs typeface="Times New Roman" panose="02020603050405020304" pitchFamily="18" charset="0"/>
-              </a:rPr>
-              <a:t>	</a:t>
-            </a:r>
-            <a:r>
-              <a:rPr lang="en-US" sz="800" b="1" dirty="0" smtClean="0">
-                <a:solidFill>
-                  <a:srgbClr val="000000"/>
-                </a:solidFill>
-                <a:latin typeface="SF Display" panose="00000500000000000000" pitchFamily="50" charset="0"/>
-                <a:ea typeface="SF Display" panose="00000500000000000000" pitchFamily="50" charset="0"/>
-                <a:cs typeface="Times New Roman" panose="02020603050405020304" pitchFamily="18" charset="0"/>
-              </a:rPr>
-              <a:t>	        …</a:t>
-            </a:r>
-            <a:endParaRPr lang="es-ES" sz="800" b="1" dirty="0">
-              <a:latin typeface="Calibri" panose="020F0502020204030204" pitchFamily="34" charset="0"/>
-              <a:ea typeface="Times New Roman" panose="02020603050405020304" pitchFamily="18" charset="0"/>
-              <a:cs typeface="Times New Roman" panose="02020603050405020304" pitchFamily="18" charset="0"/>
-            </a:endParaRPr>
-          </a:p>
-          <a:p>
-            <a:pPr marL="758190" indent="0">
-              <a:lnSpc>
-                <a:spcPct val="107000"/>
-              </a:lnSpc>
-              <a:spcBef>
-                <a:spcPts val="300"/>
-              </a:spcBef>
-              <a:buNone/>
-              <a:tabLst>
-                <a:tab pos="344805" algn="l"/>
-              </a:tabLst>
-            </a:pPr>
-            <a:r>
-              <a:rPr lang="en-US" sz="800" b="1" dirty="0" smtClean="0">
-                <a:solidFill>
-                  <a:srgbClr val="AA0D91"/>
-                </a:solidFill>
-                <a:latin typeface="SF Display" panose="00000500000000000000" pitchFamily="50" charset="0"/>
-                <a:ea typeface="Times New Roman" panose="02020603050405020304" pitchFamily="18" charset="0"/>
-                <a:cs typeface="Calibri" panose="020F0502020204030204" pitchFamily="34" charset="0"/>
-              </a:rPr>
-              <a:t>	</a:t>
-            </a:r>
-            <a:r>
-              <a:rPr lang="en-US" sz="800" b="1" dirty="0" err="1" smtClean="0">
-                <a:solidFill>
-                  <a:srgbClr val="AA0D91"/>
-                </a:solidFill>
-                <a:latin typeface="SF Display" panose="00000500000000000000" pitchFamily="50" charset="0"/>
-                <a:ea typeface="Times New Roman" panose="02020603050405020304" pitchFamily="18" charset="0"/>
-                <a:cs typeface="Calibri" panose="020F0502020204030204" pitchFamily="34" charset="0"/>
-              </a:rPr>
-              <a:t>func</a:t>
-            </a:r>
-            <a:r>
-              <a:rPr lang="en-US" sz="800" b="1" dirty="0" smtClean="0">
-                <a:solidFill>
-                  <a:srgbClr val="000000"/>
-                </a:solidFill>
-                <a:latin typeface="SF Display" panose="00000500000000000000" pitchFamily="50" charset="0"/>
-                <a:ea typeface="Times New Roman" panose="02020603050405020304" pitchFamily="18" charset="0"/>
-                <a:cs typeface="Calibri" panose="020F0502020204030204" pitchFamily="34" charset="0"/>
-              </a:rPr>
-              <a:t> </a:t>
-            </a:r>
-            <a:r>
-              <a:rPr lang="en-US" sz="800" b="1" dirty="0" err="1">
-                <a:solidFill>
-                  <a:srgbClr val="000000"/>
-                </a:solidFill>
-                <a:latin typeface="SF Display" panose="00000500000000000000" pitchFamily="50" charset="0"/>
-                <a:ea typeface="Times New Roman" panose="02020603050405020304" pitchFamily="18" charset="0"/>
-                <a:cs typeface="Calibri" panose="020F0502020204030204" pitchFamily="34" charset="0"/>
-              </a:rPr>
-              <a:t>updateSearchResults</a:t>
-            </a:r>
-            <a:r>
-              <a:rPr lang="en-US" sz="800" b="1" dirty="0">
-                <a:solidFill>
-                  <a:srgbClr val="000000"/>
-                </a:solidFill>
-                <a:latin typeface="SF Display" panose="00000500000000000000" pitchFamily="50" charset="0"/>
-                <a:ea typeface="Times New Roman" panose="02020603050405020304" pitchFamily="18" charset="0"/>
-                <a:cs typeface="Calibri" panose="020F0502020204030204" pitchFamily="34" charset="0"/>
-              </a:rPr>
-              <a:t>(for </a:t>
-            </a:r>
-            <a:r>
-              <a:rPr lang="en-US" sz="800" b="1" dirty="0" err="1">
-                <a:solidFill>
-                  <a:srgbClr val="000000"/>
-                </a:solidFill>
-                <a:latin typeface="SF Display" panose="00000500000000000000" pitchFamily="50" charset="0"/>
-                <a:ea typeface="Times New Roman" panose="02020603050405020304" pitchFamily="18" charset="0"/>
-                <a:cs typeface="Calibri" panose="020F0502020204030204" pitchFamily="34" charset="0"/>
-              </a:rPr>
-              <a:t>searchController</a:t>
-            </a:r>
-            <a:r>
-              <a:rPr lang="en-US" sz="800" b="1" dirty="0">
-                <a:solidFill>
-                  <a:srgbClr val="000000"/>
-                </a:solidFill>
-                <a:latin typeface="SF Display" panose="00000500000000000000" pitchFamily="50" charset="0"/>
-                <a:ea typeface="Times New Roman" panose="02020603050405020304" pitchFamily="18" charset="0"/>
-                <a:cs typeface="Calibri" panose="020F0502020204030204" pitchFamily="34" charset="0"/>
-              </a:rPr>
-              <a:t>: </a:t>
-            </a:r>
-            <a:r>
-              <a:rPr lang="en-US" sz="800" b="1" dirty="0" err="1">
-                <a:solidFill>
-                  <a:srgbClr val="5C2699"/>
-                </a:solidFill>
-                <a:latin typeface="SF Display" panose="00000500000000000000" pitchFamily="50" charset="0"/>
-                <a:ea typeface="Times New Roman" panose="02020603050405020304" pitchFamily="18" charset="0"/>
-                <a:cs typeface="Calibri" panose="020F0502020204030204" pitchFamily="34" charset="0"/>
-              </a:rPr>
-              <a:t>UISearchController</a:t>
-            </a:r>
-            <a:r>
-              <a:rPr lang="en-US" sz="800" b="1" dirty="0">
-                <a:solidFill>
-                  <a:srgbClr val="000000"/>
-                </a:solidFill>
-                <a:latin typeface="SF Display" panose="00000500000000000000" pitchFamily="50" charset="0"/>
-                <a:ea typeface="Times New Roman" panose="02020603050405020304" pitchFamily="18" charset="0"/>
-                <a:cs typeface="Calibri" panose="020F0502020204030204" pitchFamily="34" charset="0"/>
-              </a:rPr>
-              <a:t>) {</a:t>
-            </a:r>
-            <a:endParaRPr lang="es-ES" sz="800" dirty="0">
-              <a:latin typeface="Calibri" panose="020F0502020204030204" pitchFamily="34" charset="0"/>
-              <a:ea typeface="Times New Roman" panose="02020603050405020304" pitchFamily="18" charset="0"/>
-              <a:cs typeface="Times New Roman" panose="02020603050405020304" pitchFamily="18" charset="0"/>
-            </a:endParaRPr>
-          </a:p>
-          <a:p>
-            <a:pPr marL="758190" indent="0">
-              <a:lnSpc>
-                <a:spcPct val="107000"/>
-              </a:lnSpc>
-              <a:spcBef>
-                <a:spcPts val="300"/>
-              </a:spcBef>
-              <a:buNone/>
-              <a:tabLst>
-                <a:tab pos="344805" algn="l"/>
-              </a:tabLst>
-            </a:pPr>
-            <a:r>
-              <a:rPr lang="es-ES" sz="800" b="1" dirty="0" smtClean="0">
-                <a:solidFill>
-                  <a:srgbClr val="000000"/>
-                </a:solidFill>
-                <a:latin typeface="SF Display" panose="00000500000000000000" pitchFamily="50" charset="0"/>
-                <a:ea typeface="Times New Roman" panose="02020603050405020304" pitchFamily="18" charset="0"/>
-                <a:cs typeface="Calibri" panose="020F0502020204030204" pitchFamily="34" charset="0"/>
-              </a:rPr>
-              <a:t>	}</a:t>
-            </a:r>
-            <a:endParaRPr lang="es-ES" sz="800" dirty="0">
-              <a:latin typeface="Calibri" panose="020F0502020204030204" pitchFamily="34" charset="0"/>
-              <a:ea typeface="Times New Roman" panose="02020603050405020304" pitchFamily="18" charset="0"/>
-              <a:cs typeface="Times New Roman" panose="02020603050405020304" pitchFamily="18" charset="0"/>
-            </a:endParaRPr>
-          </a:p>
-          <a:p>
-            <a:pPr marL="413385" indent="0">
-              <a:lnSpc>
-                <a:spcPct val="107000"/>
-              </a:lnSpc>
-              <a:spcBef>
-                <a:spcPts val="300"/>
-              </a:spcBef>
-              <a:buNone/>
-            </a:pPr>
-            <a:r>
-              <a:rPr lang="es-ES" sz="800" dirty="0">
-                <a:solidFill>
-                  <a:srgbClr val="000000"/>
-                </a:solidFill>
-                <a:latin typeface="SF Display" panose="00000500000000000000" pitchFamily="50" charset="0"/>
-                <a:ea typeface="Times New Roman" panose="02020603050405020304" pitchFamily="18" charset="0"/>
-                <a:cs typeface="Calibri" panose="020F0502020204030204" pitchFamily="34" charset="0"/>
-              </a:rPr>
-              <a:t>}</a:t>
-            </a:r>
-            <a:endParaRPr lang="es-ES" sz="1050" dirty="0">
-              <a:latin typeface="Calibri" panose="020F0502020204030204" pitchFamily="34" charset="0"/>
-              <a:ea typeface="Times New Roman" panose="02020603050405020304" pitchFamily="18" charset="0"/>
-              <a:cs typeface="Times New Roman" panose="02020603050405020304" pitchFamily="18" charset="0"/>
-            </a:endParaRPr>
-          </a:p>
-          <a:p>
-            <a:pPr marL="449580" indent="0">
-              <a:lnSpc>
-                <a:spcPct val="107000"/>
-              </a:lnSpc>
-              <a:spcAft>
-                <a:spcPts val="800"/>
-              </a:spcAft>
-              <a:buNone/>
-            </a:pPr>
-            <a:endParaRPr lang="es-ES" sz="800" dirty="0">
-              <a:latin typeface="SF Display" panose="00000500000000000000" pitchFamily="50" charset="0"/>
-              <a:ea typeface="SF Display" panose="00000500000000000000" pitchFamily="50" charset="0"/>
-              <a:cs typeface="Times New Roman" panose="02020603050405020304" pitchFamily="18" charset="0"/>
-            </a:endParaRPr>
-          </a:p>
-          <a:p>
-            <a:pPr marL="76200" indent="0">
-              <a:buNone/>
-            </a:pPr>
-            <a:endParaRPr lang="es-ES" sz="900" dirty="0"/>
-          </a:p>
-        </p:txBody>
-      </p:sp>
-      <p:sp>
-        <p:nvSpPr>
-          <p:cNvPr id="114" name="Shape 114"/>
-          <p:cNvSpPr txBox="1">
-            <a:spLocks noGrp="1"/>
-          </p:cNvSpPr>
-          <p:nvPr>
-            <p:ph type="sldNum" idx="12"/>
-          </p:nvPr>
-        </p:nvSpPr>
-        <p:spPr>
-          <a:xfrm>
-            <a:off x="7766425" y="648725"/>
-            <a:ext cx="548700" cy="671400"/>
-          </a:xfrm>
-          <a:prstGeom prst="rect">
-            <a:avLst/>
-          </a:prstGeom>
-        </p:spPr>
-        <p:txBody>
-          <a:bodyPr spcFirstLastPara="1" wrap="square" lIns="91425" tIns="91425" rIns="91425" bIns="91425" anchor="b" anchorCtr="0">
-            <a:noAutofit/>
-          </a:bodyPr>
-          <a:lstStyle/>
-          <a:p>
-            <a:pPr marL="0" lvl="0" indent="0">
-              <a:spcBef>
-                <a:spcPts val="0"/>
-              </a:spcBef>
-              <a:spcAft>
-                <a:spcPts val="0"/>
-              </a:spcAft>
-              <a:buNone/>
-            </a:pPr>
-            <a:fld id="{00000000-1234-1234-1234-123412341234}" type="slidenum">
-              <a:rPr lang="en"/>
-              <a:t>8</a:t>
-            </a:fld>
-            <a:endParaRPr/>
-          </a:p>
-        </p:txBody>
-      </p:sp>
-      <p:sp>
-        <p:nvSpPr>
-          <p:cNvPr id="4" name="TextBox 3"/>
-          <p:cNvSpPr txBox="1"/>
-          <p:nvPr/>
-        </p:nvSpPr>
-        <p:spPr>
-          <a:xfrm>
-            <a:off x="1010200" y="1501462"/>
-            <a:ext cx="7003434" cy="230832"/>
-          </a:xfrm>
-          <a:prstGeom prst="rect">
-            <a:avLst/>
-          </a:prstGeom>
-          <a:noFill/>
-        </p:spPr>
-        <p:txBody>
-          <a:bodyPr wrap="square" rtlCol="0">
-            <a:spAutoFit/>
-          </a:bodyPr>
-          <a:lstStyle/>
-          <a:p>
-            <a:r>
-              <a:rPr lang="es-ES" sz="900" dirty="0" smtClean="0">
-                <a:latin typeface="SF Display" panose="00000500000000000000" pitchFamily="50" charset="0"/>
-                <a:ea typeface="SF Display" panose="00000500000000000000" pitchFamily="50" charset="0"/>
-              </a:rPr>
-              <a:t>Dado que la barra de búsqueda aparecerá en la tabla de comidas, sólo utilizaremos la clase </a:t>
-            </a:r>
-            <a:r>
-              <a:rPr lang="es-ES" sz="900" b="1" dirty="0" err="1" smtClean="0">
-                <a:latin typeface="SF Display" panose="00000500000000000000" pitchFamily="50" charset="0"/>
-                <a:ea typeface="SF Display" panose="00000500000000000000" pitchFamily="50" charset="0"/>
-              </a:rPr>
-              <a:t>MealTableViewController</a:t>
-            </a:r>
-            <a:r>
-              <a:rPr lang="es-ES" sz="900" dirty="0" smtClean="0">
-                <a:latin typeface="SF Display" panose="00000500000000000000" pitchFamily="50" charset="0"/>
-                <a:ea typeface="SF Display" panose="00000500000000000000" pitchFamily="50" charset="0"/>
-              </a:rPr>
-              <a:t>.</a:t>
-            </a:r>
-            <a:endParaRPr lang="es-ES" sz="900" dirty="0">
-              <a:latin typeface="SF Display" panose="00000500000000000000" pitchFamily="50" charset="0"/>
-              <a:ea typeface="SF Display" panose="00000500000000000000" pitchFamily="50" charset="0"/>
-            </a:endParaRPr>
-          </a:p>
-        </p:txBody>
-      </p:sp>
-      <p:sp>
-        <p:nvSpPr>
-          <p:cNvPr id="10" name="TextBox 9"/>
-          <p:cNvSpPr txBox="1"/>
-          <p:nvPr/>
-        </p:nvSpPr>
-        <p:spPr>
-          <a:xfrm>
-            <a:off x="5371881" y="1870290"/>
-            <a:ext cx="2394544" cy="1200329"/>
-          </a:xfrm>
-          <a:prstGeom prst="rect">
-            <a:avLst/>
-          </a:prstGeom>
-          <a:noFill/>
-        </p:spPr>
-        <p:txBody>
-          <a:bodyPr wrap="square" rtlCol="0">
-            <a:spAutoFit/>
-          </a:bodyPr>
-          <a:lstStyle/>
-          <a:p>
-            <a:r>
-              <a:rPr lang="es-ES" sz="900" dirty="0" smtClean="0">
-                <a:latin typeface="SF Display" panose="00000500000000000000" pitchFamily="50" charset="0"/>
-                <a:ea typeface="SF Display" panose="00000500000000000000" pitchFamily="50" charset="0"/>
-              </a:rPr>
-              <a:t>Heredamos del protocolo </a:t>
-            </a:r>
-            <a:r>
-              <a:rPr lang="es-ES" sz="900" b="1" dirty="0" err="1" smtClean="0">
-                <a:latin typeface="SF Display" panose="00000500000000000000" pitchFamily="50" charset="0"/>
-                <a:ea typeface="SF Display" panose="00000500000000000000" pitchFamily="50" charset="0"/>
-              </a:rPr>
-              <a:t>UISearchResultsUpdating</a:t>
-            </a:r>
-            <a:r>
-              <a:rPr lang="es-ES" sz="900" b="1" dirty="0" smtClean="0">
-                <a:latin typeface="SF Display" panose="00000500000000000000" pitchFamily="50" charset="0"/>
-                <a:ea typeface="SF Display" panose="00000500000000000000" pitchFamily="50" charset="0"/>
-              </a:rPr>
-              <a:t> </a:t>
-            </a:r>
-            <a:r>
-              <a:rPr lang="es-ES" sz="900" dirty="0" smtClean="0">
-                <a:latin typeface="SF Display" panose="00000500000000000000" pitchFamily="50" charset="0"/>
-                <a:ea typeface="SF Display" panose="00000500000000000000" pitchFamily="50" charset="0"/>
-              </a:rPr>
-              <a:t>para poder responder a los eventos de actualización de la barra de búsqueda.</a:t>
-            </a:r>
-          </a:p>
-          <a:p>
-            <a:r>
-              <a:rPr lang="es-ES" sz="900" dirty="0" smtClean="0">
-                <a:latin typeface="SF Display" panose="00000500000000000000" pitchFamily="50" charset="0"/>
-                <a:ea typeface="SF Display" panose="00000500000000000000" pitchFamily="50" charset="0"/>
-              </a:rPr>
-              <a:t>El único método que nos pide implementar es </a:t>
-            </a:r>
-            <a:r>
-              <a:rPr lang="es-ES" sz="900" b="1" dirty="0" err="1" smtClean="0">
-                <a:latin typeface="SF Display" panose="00000500000000000000" pitchFamily="50" charset="0"/>
-                <a:ea typeface="SF Display" panose="00000500000000000000" pitchFamily="50" charset="0"/>
-              </a:rPr>
-              <a:t>updateSearchResults</a:t>
-            </a:r>
-            <a:r>
-              <a:rPr lang="es-ES" sz="900" dirty="0" smtClean="0">
-                <a:latin typeface="SF Display" panose="00000500000000000000" pitchFamily="50" charset="0"/>
-                <a:ea typeface="SF Display" panose="00000500000000000000" pitchFamily="50" charset="0"/>
-              </a:rPr>
-              <a:t>, al cual se llamará cuando la barra de búsqueda pase a estar activa o haya cambios en ella.</a:t>
-            </a:r>
-            <a:endParaRPr lang="es-ES" sz="900" dirty="0">
-              <a:latin typeface="SF Display" panose="00000500000000000000" pitchFamily="50" charset="0"/>
-              <a:ea typeface="SF Display" panose="00000500000000000000" pitchFamily="50" charset="0"/>
-            </a:endParaRPr>
-          </a:p>
-        </p:txBody>
-      </p:sp>
-      <p:sp>
-        <p:nvSpPr>
-          <p:cNvPr id="13" name="TextBox 12"/>
-          <p:cNvSpPr txBox="1"/>
-          <p:nvPr/>
-        </p:nvSpPr>
-        <p:spPr>
-          <a:xfrm>
-            <a:off x="1010200" y="3590960"/>
-            <a:ext cx="7003434" cy="369332"/>
-          </a:xfrm>
-          <a:prstGeom prst="rect">
-            <a:avLst/>
-          </a:prstGeom>
-          <a:noFill/>
-        </p:spPr>
-        <p:txBody>
-          <a:bodyPr wrap="square" rtlCol="0">
-            <a:spAutoFit/>
-          </a:bodyPr>
-          <a:lstStyle/>
-          <a:p>
-            <a:r>
-              <a:rPr lang="es-ES" sz="900" dirty="0" smtClean="0">
-                <a:latin typeface="SF Display" panose="00000500000000000000" pitchFamily="50" charset="0"/>
-                <a:ea typeface="SF Display" panose="00000500000000000000" pitchFamily="50" charset="0"/>
-              </a:rPr>
-              <a:t>También tendremos que declarar un controlador de la búsqueda (</a:t>
-            </a:r>
-            <a:r>
-              <a:rPr lang="es-ES" sz="900" b="1" dirty="0" err="1" smtClean="0">
-                <a:latin typeface="SF Display" panose="00000500000000000000" pitchFamily="50" charset="0"/>
-                <a:ea typeface="SF Display" panose="00000500000000000000" pitchFamily="50" charset="0"/>
-              </a:rPr>
-              <a:t>UISearchController</a:t>
-            </a:r>
-            <a:r>
-              <a:rPr lang="es-ES" sz="900" dirty="0" smtClean="0">
-                <a:latin typeface="SF Display" panose="00000500000000000000" pitchFamily="50" charset="0"/>
-                <a:ea typeface="SF Display" panose="00000500000000000000" pitchFamily="50" charset="0"/>
-              </a:rPr>
-              <a:t>), el cual contendrá, entre otras cosas, la barra de búsqueda, así como un nuevo vector, </a:t>
-            </a:r>
-            <a:r>
-              <a:rPr lang="es-ES" sz="900" b="1" dirty="0" err="1" smtClean="0">
-                <a:latin typeface="SF Display" panose="00000500000000000000" pitchFamily="50" charset="0"/>
-                <a:ea typeface="SF Display" panose="00000500000000000000" pitchFamily="50" charset="0"/>
-              </a:rPr>
-              <a:t>filteredMeals</a:t>
-            </a:r>
-            <a:r>
-              <a:rPr lang="es-ES" sz="900" dirty="0" smtClean="0">
-                <a:latin typeface="SF Display" panose="00000500000000000000" pitchFamily="50" charset="0"/>
-                <a:ea typeface="SF Display" panose="00000500000000000000" pitchFamily="50" charset="0"/>
-              </a:rPr>
-              <a:t>, que representa el resultado de la búsqueda actual.</a:t>
-            </a:r>
-            <a:endParaRPr lang="es-ES" sz="900" dirty="0">
-              <a:latin typeface="SF Display" panose="00000500000000000000" pitchFamily="50" charset="0"/>
-              <a:ea typeface="SF Display" panose="00000500000000000000" pitchFamily="50" charset="0"/>
-            </a:endParaRPr>
-          </a:p>
-        </p:txBody>
-      </p:sp>
-    </p:spTree>
-    <p:extLst>
-      <p:ext uri="{BB962C8B-B14F-4D97-AF65-F5344CB8AC3E}">
-        <p14:creationId xmlns:p14="http://schemas.microsoft.com/office/powerpoint/2010/main" val="712587577"/>
-      </p:ext>
-    </p:extLst>
-  </p:cSld>
-  <p:clrMapOvr>
-    <a:masterClrMapping/>
-  </p:clrMapOvr>
-  <p:timing>
-    <p:tnLst>
-      <p:par>
-        <p:cTn id="1" dur="indefinite" restart="never" nodeType="tmRoot"/>
-      </p:par>
-    </p:tnLst>
-  </p:timing>
-</p:sld>
-</file>
-
-<file path=ppt/slides/slide9.xml><?xml version="1.0" encoding="utf-8"?>
-<p:sld xmlns:a="http://schemas.openxmlformats.org/drawingml/2006/main" xmlns:r="http://schemas.openxmlformats.org/officeDocument/2006/relationships" xmlns:p="http://schemas.openxmlformats.org/presentationml/2006/main">
-  <p:cSld>
-    <p:spTree>
-      <p:nvGrpSpPr>
-        <p:cNvPr id="1" name="Shape 111"/>
-        <p:cNvGrpSpPr/>
-        <p:nvPr/>
-      </p:nvGrpSpPr>
-      <p:grpSpPr>
-        <a:xfrm>
-          <a:off x="0" y="0"/>
-          <a:ext cx="0" cy="0"/>
-          <a:chOff x="0" y="0"/>
-          <a:chExt cx="0" cy="0"/>
-        </a:xfrm>
-      </p:grpSpPr>
-      <p:sp>
-        <p:nvSpPr>
-          <p:cNvPr id="7" name="TextBox 6"/>
-          <p:cNvSpPr txBox="1"/>
-          <p:nvPr/>
-        </p:nvSpPr>
-        <p:spPr>
-          <a:xfrm>
-            <a:off x="1085440" y="1870289"/>
-            <a:ext cx="3252612" cy="2095049"/>
-          </a:xfrm>
-          <a:prstGeom prst="rect">
-            <a:avLst/>
-          </a:prstGeom>
-          <a:solidFill>
-            <a:schemeClr val="accent1">
-              <a:lumMod val="20000"/>
-              <a:lumOff val="80000"/>
-            </a:schemeClr>
-          </a:solidFill>
-        </p:spPr>
-        <p:txBody>
-          <a:bodyPr wrap="square" rtlCol="0">
-            <a:spAutoFit/>
-          </a:bodyPr>
-          <a:lstStyle/>
-          <a:p>
-            <a:endParaRPr lang="es-ES" dirty="0"/>
-          </a:p>
-        </p:txBody>
-      </p:sp>
-      <p:sp>
-        <p:nvSpPr>
-          <p:cNvPr id="112" name="Shape 112"/>
-          <p:cNvSpPr txBox="1">
-            <a:spLocks noGrp="1"/>
-          </p:cNvSpPr>
-          <p:nvPr>
-            <p:ph type="title"/>
-          </p:nvPr>
-        </p:nvSpPr>
-        <p:spPr>
-          <a:xfrm>
-            <a:off x="1010200" y="648725"/>
-            <a:ext cx="7131300" cy="671400"/>
-          </a:xfrm>
-          <a:prstGeom prst="rect">
-            <a:avLst/>
-          </a:prstGeom>
-        </p:spPr>
-        <p:txBody>
-          <a:bodyPr spcFirstLastPara="1" wrap="square" lIns="91425" tIns="91425" rIns="91425" bIns="91425" anchor="b" anchorCtr="0">
-            <a:noAutofit/>
-          </a:bodyPr>
-          <a:lstStyle/>
-          <a:p>
-            <a:pPr marL="0" lvl="0" indent="0">
-              <a:spcBef>
-                <a:spcPts val="0"/>
-              </a:spcBef>
-              <a:spcAft>
-                <a:spcPts val="0"/>
-              </a:spcAft>
-              <a:buNone/>
-            </a:pPr>
-            <a:r>
-              <a:rPr lang="es-ES" sz="1400" dirty="0" smtClean="0">
-                <a:latin typeface="SF Display" panose="00000500000000000000" pitchFamily="50" charset="0"/>
-                <a:ea typeface="SF Display" panose="00000500000000000000" pitchFamily="50" charset="0"/>
-              </a:rPr>
-              <a:t>Implementación de la búsqueda</a:t>
-            </a:r>
-            <a:endParaRPr sz="1400" dirty="0">
-              <a:latin typeface="SF Display" panose="00000500000000000000" pitchFamily="50" charset="0"/>
-              <a:ea typeface="SF Display" panose="00000500000000000000" pitchFamily="50" charset="0"/>
-            </a:endParaRPr>
-          </a:p>
-        </p:txBody>
-      </p:sp>
-      <p:sp>
-        <p:nvSpPr>
-          <p:cNvPr id="113" name="Shape 113"/>
-          <p:cNvSpPr txBox="1">
-            <a:spLocks noGrp="1"/>
-          </p:cNvSpPr>
-          <p:nvPr>
-            <p:ph type="body" idx="1"/>
-          </p:nvPr>
-        </p:nvSpPr>
-        <p:spPr>
-          <a:xfrm>
-            <a:off x="1085439" y="1870289"/>
-            <a:ext cx="3252612" cy="2095049"/>
-          </a:xfrm>
-          <a:prstGeom prst="rect">
-            <a:avLst/>
-          </a:prstGeom>
-          <a:ln>
-            <a:noFill/>
-          </a:ln>
-        </p:spPr>
-        <p:txBody>
-          <a:bodyPr spcFirstLastPara="1" wrap="square" lIns="91425" tIns="91425" rIns="91425" bIns="91425" anchor="t" anchorCtr="0">
-            <a:noAutofit/>
-          </a:bodyPr>
-          <a:lstStyle/>
-          <a:p>
-            <a:pPr marL="76200" indent="0">
-              <a:lnSpc>
-                <a:spcPct val="107000"/>
-              </a:lnSpc>
-              <a:spcBef>
-                <a:spcPts val="0"/>
-              </a:spcBef>
-              <a:spcAft>
-                <a:spcPts val="1200"/>
-              </a:spcAft>
-              <a:buNone/>
-              <a:tabLst>
-                <a:tab pos="344805" algn="l"/>
-              </a:tabLst>
-            </a:pPr>
-            <a:r>
-              <a:rPr lang="en-US" sz="800" b="1" dirty="0" err="1">
-                <a:solidFill>
-                  <a:srgbClr val="3F6E74"/>
-                </a:solidFill>
-                <a:latin typeface="SF Display" panose="00000500000000000000" pitchFamily="50" charset="0"/>
-                <a:ea typeface="Times New Roman" panose="02020603050405020304" pitchFamily="18" charset="0"/>
-                <a:cs typeface="Menlo-Regular"/>
-              </a:rPr>
-              <a:t>searchController</a:t>
-            </a:r>
-            <a:r>
-              <a:rPr lang="en-US" sz="800" b="1" dirty="0" err="1">
-                <a:solidFill>
-                  <a:srgbClr val="000000"/>
-                </a:solidFill>
-                <a:latin typeface="SF Display" panose="00000500000000000000" pitchFamily="50" charset="0"/>
-                <a:ea typeface="Times New Roman" panose="02020603050405020304" pitchFamily="18" charset="0"/>
-                <a:cs typeface="Menlo-Regular"/>
-              </a:rPr>
-              <a:t>.</a:t>
-            </a:r>
-            <a:r>
-              <a:rPr lang="en-US" sz="800" b="1" dirty="0" err="1">
-                <a:solidFill>
-                  <a:srgbClr val="5C2699"/>
-                </a:solidFill>
-                <a:latin typeface="SF Display" panose="00000500000000000000" pitchFamily="50" charset="0"/>
-                <a:ea typeface="Times New Roman" panose="02020603050405020304" pitchFamily="18" charset="0"/>
-                <a:cs typeface="Menlo-Regular"/>
-              </a:rPr>
-              <a:t>searchResultsUpdater</a:t>
-            </a:r>
-            <a:r>
-              <a:rPr lang="en-US" sz="800" b="1" dirty="0">
-                <a:solidFill>
-                  <a:srgbClr val="000000"/>
-                </a:solidFill>
-                <a:latin typeface="SF Display" panose="00000500000000000000" pitchFamily="50" charset="0"/>
-                <a:ea typeface="Times New Roman" panose="02020603050405020304" pitchFamily="18" charset="0"/>
-                <a:cs typeface="Menlo-Regular"/>
-              </a:rPr>
-              <a:t> = </a:t>
-            </a:r>
-            <a:r>
-              <a:rPr lang="en-US" sz="800" b="1" dirty="0" smtClean="0">
-                <a:solidFill>
-                  <a:srgbClr val="AA0D91"/>
-                </a:solidFill>
-                <a:latin typeface="SF Display" panose="00000500000000000000" pitchFamily="50" charset="0"/>
-                <a:ea typeface="Times New Roman" panose="02020603050405020304" pitchFamily="18" charset="0"/>
-                <a:cs typeface="Menlo-Regular"/>
-              </a:rPr>
-              <a:t>self</a:t>
-            </a:r>
-            <a:endParaRPr lang="es-ES" sz="1050" dirty="0">
-              <a:latin typeface="Calibri" panose="020F0502020204030204" pitchFamily="34" charset="0"/>
-              <a:ea typeface="Times New Roman" panose="02020603050405020304" pitchFamily="18" charset="0"/>
-              <a:cs typeface="Times New Roman" panose="02020603050405020304" pitchFamily="18" charset="0"/>
-            </a:endParaRPr>
-          </a:p>
-          <a:p>
-            <a:pPr marL="76200" indent="0">
-              <a:lnSpc>
-                <a:spcPct val="107000"/>
-              </a:lnSpc>
-              <a:spcBef>
-                <a:spcPts val="0"/>
-              </a:spcBef>
-              <a:spcAft>
-                <a:spcPts val="1200"/>
-              </a:spcAft>
-              <a:buNone/>
-              <a:tabLst>
-                <a:tab pos="344805" algn="l"/>
-              </a:tabLst>
-            </a:pPr>
-            <a:r>
-              <a:rPr lang="en-US" sz="800" b="1" dirty="0" err="1" smtClean="0">
-                <a:solidFill>
-                  <a:srgbClr val="3F6E74"/>
-                </a:solidFill>
-                <a:latin typeface="SF Display" panose="00000500000000000000" pitchFamily="50" charset="0"/>
-                <a:ea typeface="Times New Roman" panose="02020603050405020304" pitchFamily="18" charset="0"/>
-                <a:cs typeface="Menlo-Regular"/>
-              </a:rPr>
-              <a:t>searchController</a:t>
-            </a:r>
-            <a:r>
-              <a:rPr lang="en-US" sz="800" b="1" dirty="0" err="1" smtClean="0">
-                <a:solidFill>
-                  <a:srgbClr val="000000"/>
-                </a:solidFill>
-                <a:latin typeface="SF Display" panose="00000500000000000000" pitchFamily="50" charset="0"/>
-                <a:ea typeface="Times New Roman" panose="02020603050405020304" pitchFamily="18" charset="0"/>
-                <a:cs typeface="Menlo-Regular"/>
-              </a:rPr>
-              <a:t>.</a:t>
-            </a:r>
-            <a:r>
-              <a:rPr lang="en-US" sz="800" b="1" dirty="0" err="1" smtClean="0">
-                <a:solidFill>
-                  <a:srgbClr val="5C2699"/>
-                </a:solidFill>
-                <a:latin typeface="SF Display" panose="00000500000000000000" pitchFamily="50" charset="0"/>
-                <a:ea typeface="Times New Roman" panose="02020603050405020304" pitchFamily="18" charset="0"/>
-                <a:cs typeface="Menlo-Regular"/>
-              </a:rPr>
-              <a:t>obscuresBackgroundDuringPresentation</a:t>
-            </a:r>
-            <a:r>
-              <a:rPr lang="en-US" sz="800" b="1" dirty="0" smtClean="0">
-                <a:solidFill>
-                  <a:srgbClr val="000000"/>
-                </a:solidFill>
-                <a:latin typeface="SF Display" panose="00000500000000000000" pitchFamily="50" charset="0"/>
-                <a:ea typeface="Times New Roman" panose="02020603050405020304" pitchFamily="18" charset="0"/>
-                <a:cs typeface="Menlo-Regular"/>
-              </a:rPr>
-              <a:t> </a:t>
-            </a:r>
-            <a:r>
-              <a:rPr lang="en-US" sz="800" b="1" dirty="0">
-                <a:solidFill>
-                  <a:srgbClr val="000000"/>
-                </a:solidFill>
-                <a:latin typeface="SF Display" panose="00000500000000000000" pitchFamily="50" charset="0"/>
-                <a:ea typeface="Times New Roman" panose="02020603050405020304" pitchFamily="18" charset="0"/>
-                <a:cs typeface="Menlo-Regular"/>
-              </a:rPr>
-              <a:t>= </a:t>
-            </a:r>
-            <a:r>
-              <a:rPr lang="en-US" sz="800" b="1" dirty="0" smtClean="0">
-                <a:solidFill>
-                  <a:srgbClr val="AA0D91"/>
-                </a:solidFill>
-                <a:latin typeface="SF Display" panose="00000500000000000000" pitchFamily="50" charset="0"/>
-                <a:ea typeface="Times New Roman" panose="02020603050405020304" pitchFamily="18" charset="0"/>
-                <a:cs typeface="Menlo-Regular"/>
-              </a:rPr>
-              <a:t>false</a:t>
-            </a:r>
-            <a:endParaRPr lang="es-ES" sz="1050" dirty="0">
-              <a:latin typeface="Calibri" panose="020F0502020204030204" pitchFamily="34" charset="0"/>
-              <a:ea typeface="Times New Roman" panose="02020603050405020304" pitchFamily="18" charset="0"/>
-              <a:cs typeface="Times New Roman" panose="02020603050405020304" pitchFamily="18" charset="0"/>
-            </a:endParaRPr>
-          </a:p>
-          <a:p>
-            <a:pPr marL="76200" indent="0">
-              <a:lnSpc>
-                <a:spcPct val="107000"/>
-              </a:lnSpc>
-              <a:spcBef>
-                <a:spcPts val="0"/>
-              </a:spcBef>
-              <a:spcAft>
-                <a:spcPts val="1200"/>
-              </a:spcAft>
-              <a:buNone/>
-              <a:tabLst>
-                <a:tab pos="344805" algn="l"/>
-              </a:tabLst>
-            </a:pPr>
-            <a:r>
-              <a:rPr lang="en-US" sz="800" b="1" dirty="0" err="1" smtClean="0">
-                <a:solidFill>
-                  <a:srgbClr val="3F6E74"/>
-                </a:solidFill>
-                <a:latin typeface="SF Display" panose="00000500000000000000" pitchFamily="50" charset="0"/>
-                <a:ea typeface="Times New Roman" panose="02020603050405020304" pitchFamily="18" charset="0"/>
-                <a:cs typeface="Menlo-Regular"/>
-              </a:rPr>
-              <a:t>searchController</a:t>
-            </a:r>
-            <a:r>
-              <a:rPr lang="en-US" sz="800" b="1" dirty="0" err="1" smtClean="0">
-                <a:solidFill>
-                  <a:srgbClr val="000000"/>
-                </a:solidFill>
-                <a:latin typeface="SF Display" panose="00000500000000000000" pitchFamily="50" charset="0"/>
-                <a:ea typeface="Times New Roman" panose="02020603050405020304" pitchFamily="18" charset="0"/>
-                <a:cs typeface="Menlo-Regular"/>
-              </a:rPr>
-              <a:t>.</a:t>
-            </a:r>
-            <a:r>
-              <a:rPr lang="en-US" sz="800" b="1" dirty="0" err="1" smtClean="0">
-                <a:solidFill>
-                  <a:srgbClr val="5C2699"/>
-                </a:solidFill>
-                <a:latin typeface="SF Display" panose="00000500000000000000" pitchFamily="50" charset="0"/>
-                <a:ea typeface="Times New Roman" panose="02020603050405020304" pitchFamily="18" charset="0"/>
-                <a:cs typeface="Menlo-Regular"/>
-              </a:rPr>
-              <a:t>hidesNavigationBarDuringPresentation</a:t>
-            </a:r>
-            <a:r>
-              <a:rPr lang="en-US" sz="800" b="1" dirty="0" smtClean="0">
-                <a:solidFill>
-                  <a:srgbClr val="000000"/>
-                </a:solidFill>
-                <a:latin typeface="SF Display" panose="00000500000000000000" pitchFamily="50" charset="0"/>
-                <a:ea typeface="Times New Roman" panose="02020603050405020304" pitchFamily="18" charset="0"/>
-                <a:cs typeface="Menlo-Regular"/>
-              </a:rPr>
-              <a:t> </a:t>
-            </a:r>
-            <a:r>
-              <a:rPr lang="en-US" sz="800" b="1" dirty="0">
-                <a:solidFill>
-                  <a:srgbClr val="000000"/>
-                </a:solidFill>
-                <a:latin typeface="SF Display" panose="00000500000000000000" pitchFamily="50" charset="0"/>
-                <a:ea typeface="Times New Roman" panose="02020603050405020304" pitchFamily="18" charset="0"/>
-                <a:cs typeface="Menlo-Regular"/>
-              </a:rPr>
-              <a:t>= </a:t>
-            </a:r>
-            <a:r>
-              <a:rPr lang="en-US" sz="800" b="1" dirty="0">
-                <a:solidFill>
-                  <a:srgbClr val="AA0D91"/>
-                </a:solidFill>
-                <a:latin typeface="SF Display" panose="00000500000000000000" pitchFamily="50" charset="0"/>
-                <a:ea typeface="Times New Roman" panose="02020603050405020304" pitchFamily="18" charset="0"/>
-                <a:cs typeface="Menlo-Regular"/>
-              </a:rPr>
-              <a:t>false</a:t>
-            </a:r>
-            <a:r>
-              <a:rPr lang="en-US" sz="800" b="1" dirty="0">
-                <a:solidFill>
-                  <a:srgbClr val="000000"/>
-                </a:solidFill>
-                <a:latin typeface="SF Display" panose="00000500000000000000" pitchFamily="50" charset="0"/>
-                <a:ea typeface="Times New Roman" panose="02020603050405020304" pitchFamily="18" charset="0"/>
-                <a:cs typeface="Menlo-Regular"/>
-              </a:rPr>
-              <a:t> </a:t>
-            </a:r>
-            <a:endParaRPr lang="es-ES" sz="1050" dirty="0">
-              <a:latin typeface="Calibri" panose="020F0502020204030204" pitchFamily="34" charset="0"/>
-              <a:ea typeface="Times New Roman" panose="02020603050405020304" pitchFamily="18" charset="0"/>
-              <a:cs typeface="Times New Roman" panose="02020603050405020304" pitchFamily="18" charset="0"/>
-            </a:endParaRPr>
-          </a:p>
-          <a:p>
-            <a:pPr marL="76200" indent="0">
-              <a:lnSpc>
-                <a:spcPct val="107000"/>
-              </a:lnSpc>
-              <a:spcBef>
-                <a:spcPts val="0"/>
-              </a:spcBef>
-              <a:spcAft>
-                <a:spcPts val="1200"/>
-              </a:spcAft>
-              <a:buNone/>
-              <a:tabLst>
-                <a:tab pos="344805" algn="l"/>
-              </a:tabLst>
-            </a:pPr>
-            <a:r>
-              <a:rPr lang="en-US" sz="800" b="1" dirty="0" err="1" smtClean="0">
-                <a:solidFill>
-                  <a:srgbClr val="3F6E74"/>
-                </a:solidFill>
-                <a:latin typeface="SF Display" panose="00000500000000000000" pitchFamily="50" charset="0"/>
-                <a:ea typeface="Times New Roman" panose="02020603050405020304" pitchFamily="18" charset="0"/>
-                <a:cs typeface="Menlo-Regular"/>
-              </a:rPr>
-              <a:t>searchController</a:t>
-            </a:r>
-            <a:r>
-              <a:rPr lang="en-US" sz="800" b="1" dirty="0" err="1" smtClean="0">
-                <a:solidFill>
-                  <a:srgbClr val="000000"/>
-                </a:solidFill>
-                <a:latin typeface="SF Display" panose="00000500000000000000" pitchFamily="50" charset="0"/>
-                <a:ea typeface="Times New Roman" panose="02020603050405020304" pitchFamily="18" charset="0"/>
-                <a:cs typeface="Menlo-Regular"/>
-              </a:rPr>
-              <a:t>.</a:t>
-            </a:r>
-            <a:r>
-              <a:rPr lang="en-US" sz="800" b="1" dirty="0" err="1" smtClean="0">
-                <a:solidFill>
-                  <a:srgbClr val="5C2699"/>
-                </a:solidFill>
-                <a:latin typeface="SF Display" panose="00000500000000000000" pitchFamily="50" charset="0"/>
-                <a:ea typeface="Times New Roman" panose="02020603050405020304" pitchFamily="18" charset="0"/>
-                <a:cs typeface="Menlo-Regular"/>
-              </a:rPr>
-              <a:t>searchBar</a:t>
-            </a:r>
-            <a:r>
-              <a:rPr lang="en-US" sz="800" b="1" dirty="0" err="1" smtClean="0">
-                <a:solidFill>
-                  <a:srgbClr val="000000"/>
-                </a:solidFill>
-                <a:latin typeface="SF Display" panose="00000500000000000000" pitchFamily="50" charset="0"/>
-                <a:ea typeface="Times New Roman" panose="02020603050405020304" pitchFamily="18" charset="0"/>
-                <a:cs typeface="Menlo-Regular"/>
-              </a:rPr>
-              <a:t>.</a:t>
-            </a:r>
-            <a:r>
-              <a:rPr lang="en-US" sz="800" b="1" dirty="0" err="1" smtClean="0">
-                <a:solidFill>
-                  <a:srgbClr val="5C2699"/>
-                </a:solidFill>
-                <a:latin typeface="SF Display" panose="00000500000000000000" pitchFamily="50" charset="0"/>
-                <a:ea typeface="Times New Roman" panose="02020603050405020304" pitchFamily="18" charset="0"/>
-                <a:cs typeface="Menlo-Regular"/>
-              </a:rPr>
-              <a:t>placeholder</a:t>
-            </a:r>
-            <a:r>
-              <a:rPr lang="en-US" sz="800" b="1" dirty="0" smtClean="0">
-                <a:solidFill>
-                  <a:srgbClr val="000000"/>
-                </a:solidFill>
-                <a:latin typeface="SF Display" panose="00000500000000000000" pitchFamily="50" charset="0"/>
-                <a:ea typeface="Times New Roman" panose="02020603050405020304" pitchFamily="18" charset="0"/>
-                <a:cs typeface="Menlo-Regular"/>
-              </a:rPr>
-              <a:t> </a:t>
-            </a:r>
-            <a:r>
-              <a:rPr lang="en-US" sz="800" b="1" dirty="0">
-                <a:solidFill>
-                  <a:srgbClr val="000000"/>
-                </a:solidFill>
-                <a:latin typeface="SF Display" panose="00000500000000000000" pitchFamily="50" charset="0"/>
-                <a:ea typeface="Times New Roman" panose="02020603050405020304" pitchFamily="18" charset="0"/>
-                <a:cs typeface="Menlo-Regular"/>
-              </a:rPr>
-              <a:t>= </a:t>
-            </a:r>
-            <a:r>
-              <a:rPr lang="en-US" sz="800" b="1" dirty="0">
-                <a:solidFill>
-                  <a:srgbClr val="C41A16"/>
-                </a:solidFill>
-                <a:latin typeface="SF Display" panose="00000500000000000000" pitchFamily="50" charset="0"/>
-                <a:ea typeface="Times New Roman" panose="02020603050405020304" pitchFamily="18" charset="0"/>
-                <a:cs typeface="Menlo-Regular"/>
-              </a:rPr>
-              <a:t>"Search </a:t>
-            </a:r>
-            <a:r>
-              <a:rPr lang="en-US" sz="800" b="1" dirty="0" smtClean="0">
-                <a:solidFill>
-                  <a:srgbClr val="C41A16"/>
-                </a:solidFill>
-                <a:latin typeface="SF Display" panose="00000500000000000000" pitchFamily="50" charset="0"/>
-                <a:ea typeface="Times New Roman" panose="02020603050405020304" pitchFamily="18" charset="0"/>
-                <a:cs typeface="Menlo-Regular"/>
-              </a:rPr>
-              <a:t>meal"</a:t>
-            </a:r>
-            <a:endParaRPr lang="es-ES" sz="1050" dirty="0">
-              <a:latin typeface="Calibri" panose="020F0502020204030204" pitchFamily="34" charset="0"/>
-              <a:ea typeface="Times New Roman" panose="02020603050405020304" pitchFamily="18" charset="0"/>
-              <a:cs typeface="Times New Roman" panose="02020603050405020304" pitchFamily="18" charset="0"/>
-            </a:endParaRPr>
-          </a:p>
-          <a:p>
-            <a:pPr marL="76200" indent="0">
-              <a:lnSpc>
-                <a:spcPct val="107000"/>
-              </a:lnSpc>
-              <a:spcBef>
-                <a:spcPts val="0"/>
-              </a:spcBef>
-              <a:spcAft>
-                <a:spcPts val="1200"/>
-              </a:spcAft>
-              <a:buNone/>
-              <a:tabLst>
-                <a:tab pos="344805" algn="l"/>
-              </a:tabLst>
-            </a:pPr>
-            <a:r>
-              <a:rPr lang="en-US" sz="800" b="1" dirty="0" err="1" smtClean="0">
-                <a:solidFill>
-                  <a:srgbClr val="5C2699"/>
-                </a:solidFill>
-                <a:latin typeface="SF Display" panose="00000500000000000000" pitchFamily="50" charset="0"/>
-                <a:ea typeface="Times New Roman" panose="02020603050405020304" pitchFamily="18" charset="0"/>
-                <a:cs typeface="Menlo-Regular"/>
-              </a:rPr>
-              <a:t>navigationItem</a:t>
-            </a:r>
-            <a:r>
-              <a:rPr lang="en-US" sz="800" b="1" dirty="0" err="1" smtClean="0">
-                <a:solidFill>
-                  <a:srgbClr val="000000"/>
-                </a:solidFill>
-                <a:latin typeface="SF Display" panose="00000500000000000000" pitchFamily="50" charset="0"/>
-                <a:ea typeface="Times New Roman" panose="02020603050405020304" pitchFamily="18" charset="0"/>
-                <a:cs typeface="Menlo-Regular"/>
-              </a:rPr>
-              <a:t>.</a:t>
-            </a:r>
-            <a:r>
-              <a:rPr lang="en-US" sz="800" b="1" dirty="0" err="1" smtClean="0">
-                <a:solidFill>
-                  <a:srgbClr val="5C2699"/>
-                </a:solidFill>
-                <a:latin typeface="SF Display" panose="00000500000000000000" pitchFamily="50" charset="0"/>
-                <a:ea typeface="Times New Roman" panose="02020603050405020304" pitchFamily="18" charset="0"/>
-                <a:cs typeface="Menlo-Regular"/>
-              </a:rPr>
-              <a:t>searchController</a:t>
-            </a:r>
-            <a:r>
-              <a:rPr lang="en-US" sz="800" b="1" dirty="0" smtClean="0">
-                <a:solidFill>
-                  <a:srgbClr val="000000"/>
-                </a:solidFill>
-                <a:latin typeface="SF Display" panose="00000500000000000000" pitchFamily="50" charset="0"/>
-                <a:ea typeface="Times New Roman" panose="02020603050405020304" pitchFamily="18" charset="0"/>
-                <a:cs typeface="Menlo-Regular"/>
-              </a:rPr>
-              <a:t> </a:t>
-            </a:r>
-            <a:r>
-              <a:rPr lang="en-US" sz="800" b="1" dirty="0">
-                <a:solidFill>
-                  <a:srgbClr val="000000"/>
-                </a:solidFill>
-                <a:latin typeface="SF Display" panose="00000500000000000000" pitchFamily="50" charset="0"/>
-                <a:ea typeface="Times New Roman" panose="02020603050405020304" pitchFamily="18" charset="0"/>
-                <a:cs typeface="Menlo-Regular"/>
-              </a:rPr>
-              <a:t>= </a:t>
-            </a:r>
-            <a:r>
-              <a:rPr lang="en-US" sz="800" b="1" dirty="0" err="1">
-                <a:solidFill>
-                  <a:srgbClr val="3F6E74"/>
-                </a:solidFill>
-                <a:latin typeface="SF Display" panose="00000500000000000000" pitchFamily="50" charset="0"/>
-                <a:ea typeface="Times New Roman" panose="02020603050405020304" pitchFamily="18" charset="0"/>
-                <a:cs typeface="Menlo-Regular"/>
-              </a:rPr>
-              <a:t>searchController</a:t>
-            </a:r>
-            <a:endParaRPr lang="es-ES" sz="1050" dirty="0">
-              <a:latin typeface="Calibri" panose="020F0502020204030204" pitchFamily="34" charset="0"/>
-              <a:ea typeface="Times New Roman" panose="02020603050405020304" pitchFamily="18" charset="0"/>
-              <a:cs typeface="Times New Roman" panose="02020603050405020304" pitchFamily="18" charset="0"/>
-            </a:endParaRPr>
-          </a:p>
-          <a:p>
-            <a:pPr marL="76200" indent="0">
-              <a:lnSpc>
-                <a:spcPct val="107000"/>
-              </a:lnSpc>
-              <a:spcBef>
-                <a:spcPts val="0"/>
-              </a:spcBef>
-              <a:spcAft>
-                <a:spcPts val="1200"/>
-              </a:spcAft>
-              <a:buNone/>
-              <a:tabLst>
-                <a:tab pos="344805" algn="l"/>
-              </a:tabLst>
-            </a:pPr>
-            <a:r>
-              <a:rPr lang="en-US" sz="800" b="1" dirty="0" err="1" smtClean="0">
-                <a:solidFill>
-                  <a:srgbClr val="5C2699"/>
-                </a:solidFill>
-                <a:latin typeface="SF Display" panose="00000500000000000000" pitchFamily="50" charset="0"/>
-                <a:ea typeface="Times New Roman" panose="02020603050405020304" pitchFamily="18" charset="0"/>
-                <a:cs typeface="Menlo-Regular"/>
-              </a:rPr>
-              <a:t>navigationItem</a:t>
-            </a:r>
-            <a:r>
-              <a:rPr lang="en-US" sz="800" b="1" dirty="0" err="1" smtClean="0">
-                <a:solidFill>
-                  <a:srgbClr val="000000"/>
-                </a:solidFill>
-                <a:latin typeface="SF Display" panose="00000500000000000000" pitchFamily="50" charset="0"/>
-                <a:ea typeface="Times New Roman" panose="02020603050405020304" pitchFamily="18" charset="0"/>
-                <a:cs typeface="Menlo-Regular"/>
-              </a:rPr>
-              <a:t>.</a:t>
-            </a:r>
-            <a:r>
-              <a:rPr lang="en-US" sz="800" b="1" dirty="0" err="1" smtClean="0">
-                <a:solidFill>
-                  <a:srgbClr val="5C2699"/>
-                </a:solidFill>
-                <a:latin typeface="SF Display" panose="00000500000000000000" pitchFamily="50" charset="0"/>
-                <a:ea typeface="Times New Roman" panose="02020603050405020304" pitchFamily="18" charset="0"/>
-                <a:cs typeface="Menlo-Regular"/>
-              </a:rPr>
-              <a:t>hidesSearchBarWhenScrolling</a:t>
-            </a:r>
-            <a:r>
-              <a:rPr lang="en-US" sz="800" b="1" dirty="0" smtClean="0">
-                <a:solidFill>
-                  <a:srgbClr val="000000"/>
-                </a:solidFill>
-                <a:latin typeface="SF Display" panose="00000500000000000000" pitchFamily="50" charset="0"/>
-                <a:ea typeface="Times New Roman" panose="02020603050405020304" pitchFamily="18" charset="0"/>
-                <a:cs typeface="Menlo-Regular"/>
-              </a:rPr>
-              <a:t> </a:t>
-            </a:r>
-            <a:r>
-              <a:rPr lang="en-US" sz="800" b="1" dirty="0">
-                <a:solidFill>
-                  <a:srgbClr val="000000"/>
-                </a:solidFill>
-                <a:latin typeface="SF Display" panose="00000500000000000000" pitchFamily="50" charset="0"/>
-                <a:ea typeface="Times New Roman" panose="02020603050405020304" pitchFamily="18" charset="0"/>
-                <a:cs typeface="Menlo-Regular"/>
-              </a:rPr>
-              <a:t>= </a:t>
-            </a:r>
-            <a:r>
-              <a:rPr lang="en-US" sz="800" b="1" dirty="0" smtClean="0">
-                <a:solidFill>
-                  <a:srgbClr val="AA0D91"/>
-                </a:solidFill>
-                <a:latin typeface="SF Display" panose="00000500000000000000" pitchFamily="50" charset="0"/>
-                <a:ea typeface="Times New Roman" panose="02020603050405020304" pitchFamily="18" charset="0"/>
-                <a:cs typeface="Menlo-Regular"/>
-              </a:rPr>
-              <a:t>false</a:t>
-            </a:r>
-            <a:endParaRPr lang="es-ES" sz="1050" dirty="0">
-              <a:latin typeface="Calibri" panose="020F0502020204030204" pitchFamily="34" charset="0"/>
-              <a:ea typeface="Times New Roman" panose="02020603050405020304" pitchFamily="18" charset="0"/>
-              <a:cs typeface="Times New Roman" panose="02020603050405020304" pitchFamily="18" charset="0"/>
-            </a:endParaRPr>
-          </a:p>
-          <a:p>
-            <a:pPr marL="76200" indent="0">
-              <a:lnSpc>
-                <a:spcPct val="107000"/>
-              </a:lnSpc>
-              <a:spcBef>
-                <a:spcPts val="0"/>
-              </a:spcBef>
-              <a:spcAft>
-                <a:spcPts val="1200"/>
-              </a:spcAft>
-              <a:buNone/>
-              <a:tabLst>
-                <a:tab pos="344805" algn="l"/>
-              </a:tabLst>
-            </a:pPr>
-            <a:r>
-              <a:rPr lang="en-US" sz="800" b="1" dirty="0" err="1" smtClean="0">
-                <a:solidFill>
-                  <a:srgbClr val="5C2699"/>
-                </a:solidFill>
-                <a:latin typeface="SF Display" panose="00000500000000000000" pitchFamily="50" charset="0"/>
-                <a:ea typeface="Times New Roman" panose="02020603050405020304" pitchFamily="18" charset="0"/>
-                <a:cs typeface="Menlo-Regular"/>
-              </a:rPr>
-              <a:t>definesPresentationContext</a:t>
-            </a:r>
-            <a:r>
-              <a:rPr lang="en-US" sz="800" b="1" dirty="0" smtClean="0">
-                <a:solidFill>
-                  <a:srgbClr val="000000"/>
-                </a:solidFill>
-                <a:latin typeface="SF Display" panose="00000500000000000000" pitchFamily="50" charset="0"/>
-                <a:ea typeface="Times New Roman" panose="02020603050405020304" pitchFamily="18" charset="0"/>
-                <a:cs typeface="Menlo-Regular"/>
-              </a:rPr>
-              <a:t> = </a:t>
-            </a:r>
-            <a:r>
-              <a:rPr lang="en-US" sz="800" b="1" dirty="0" smtClean="0">
-                <a:solidFill>
-                  <a:srgbClr val="AA0D91"/>
-                </a:solidFill>
-                <a:latin typeface="SF Display" panose="00000500000000000000" pitchFamily="50" charset="0"/>
-                <a:ea typeface="Times New Roman" panose="02020603050405020304" pitchFamily="18" charset="0"/>
-                <a:cs typeface="Menlo-Regular"/>
-              </a:rPr>
-              <a:t>true</a:t>
-            </a:r>
-            <a:r>
-              <a:rPr lang="en-US" sz="800" b="1" dirty="0" smtClean="0">
-                <a:solidFill>
-                  <a:srgbClr val="000000"/>
-                </a:solidFill>
-                <a:latin typeface="SF Display" panose="00000500000000000000" pitchFamily="50" charset="0"/>
-                <a:ea typeface="Times New Roman" panose="02020603050405020304" pitchFamily="18" charset="0"/>
-                <a:cs typeface="Menlo-Regular"/>
-              </a:rPr>
-              <a:t> </a:t>
-            </a:r>
-            <a:endParaRPr lang="es-ES" sz="1050" dirty="0" smtClean="0">
-              <a:latin typeface="Calibri" panose="020F0502020204030204" pitchFamily="34" charset="0"/>
-              <a:ea typeface="Times New Roman" panose="02020603050405020304" pitchFamily="18" charset="0"/>
-              <a:cs typeface="Times New Roman" panose="02020603050405020304" pitchFamily="18" charset="0"/>
-            </a:endParaRPr>
-          </a:p>
-          <a:p>
-            <a:pPr marL="449580" indent="0">
-              <a:lnSpc>
-                <a:spcPct val="107000"/>
-              </a:lnSpc>
-              <a:spcAft>
-                <a:spcPts val="800"/>
-              </a:spcAft>
-              <a:buNone/>
-            </a:pPr>
-            <a:endParaRPr lang="es-ES" sz="800" dirty="0">
-              <a:latin typeface="SF Display" panose="00000500000000000000" pitchFamily="50" charset="0"/>
-              <a:ea typeface="SF Display" panose="00000500000000000000" pitchFamily="50" charset="0"/>
-              <a:cs typeface="Times New Roman" panose="02020603050405020304" pitchFamily="18" charset="0"/>
-            </a:endParaRPr>
-          </a:p>
-          <a:p>
-            <a:pPr marL="76200" indent="0">
-              <a:buNone/>
-            </a:pPr>
-            <a:endParaRPr lang="es-ES" sz="900" dirty="0"/>
-          </a:p>
-        </p:txBody>
-      </p:sp>
-      <p:sp>
-        <p:nvSpPr>
-          <p:cNvPr id="114" name="Shape 114"/>
-          <p:cNvSpPr txBox="1">
-            <a:spLocks noGrp="1"/>
-          </p:cNvSpPr>
-          <p:nvPr>
-            <p:ph type="sldNum" idx="12"/>
-          </p:nvPr>
-        </p:nvSpPr>
-        <p:spPr>
-          <a:xfrm>
-            <a:off x="7766425" y="648725"/>
-            <a:ext cx="548700" cy="671400"/>
-          </a:xfrm>
-          <a:prstGeom prst="rect">
-            <a:avLst/>
-          </a:prstGeom>
-        </p:spPr>
-        <p:txBody>
-          <a:bodyPr spcFirstLastPara="1" wrap="square" lIns="91425" tIns="91425" rIns="91425" bIns="91425" anchor="b" anchorCtr="0">
-            <a:noAutofit/>
-          </a:bodyPr>
-          <a:lstStyle/>
-          <a:p>
-            <a:pPr marL="0" lvl="0" indent="0">
-              <a:spcBef>
-                <a:spcPts val="0"/>
-              </a:spcBef>
-              <a:spcAft>
-                <a:spcPts val="0"/>
-              </a:spcAft>
-              <a:buNone/>
-            </a:pPr>
-            <a:fld id="{00000000-1234-1234-1234-123412341234}" type="slidenum">
-              <a:rPr lang="en"/>
-              <a:t>9</a:t>
-            </a:fld>
-            <a:endParaRPr/>
-          </a:p>
-        </p:txBody>
-      </p:sp>
-      <p:sp>
-        <p:nvSpPr>
-          <p:cNvPr id="4" name="TextBox 3"/>
-          <p:cNvSpPr txBox="1"/>
-          <p:nvPr/>
-        </p:nvSpPr>
-        <p:spPr>
-          <a:xfrm>
-            <a:off x="1010200" y="1501462"/>
-            <a:ext cx="7003434" cy="230832"/>
-          </a:xfrm>
-          <a:prstGeom prst="rect">
-            <a:avLst/>
-          </a:prstGeom>
-          <a:noFill/>
-        </p:spPr>
-        <p:txBody>
-          <a:bodyPr wrap="square" rtlCol="0">
-            <a:spAutoFit/>
-          </a:bodyPr>
-          <a:lstStyle/>
-          <a:p>
-            <a:r>
-              <a:rPr lang="es-ES" sz="900" dirty="0" smtClean="0">
-                <a:latin typeface="SF Display" panose="00000500000000000000" pitchFamily="50" charset="0"/>
-                <a:ea typeface="SF Display" panose="00000500000000000000" pitchFamily="50" charset="0"/>
-              </a:rPr>
-              <a:t>En el método </a:t>
-            </a:r>
-            <a:r>
-              <a:rPr lang="es-ES" sz="900" b="1" dirty="0" err="1" smtClean="0">
-                <a:latin typeface="SF Display" panose="00000500000000000000" pitchFamily="50" charset="0"/>
-                <a:ea typeface="SF Display" panose="00000500000000000000" pitchFamily="50" charset="0"/>
-              </a:rPr>
-              <a:t>viewDidLoad</a:t>
-            </a:r>
-            <a:r>
-              <a:rPr lang="es-ES" sz="900" dirty="0" smtClean="0">
-                <a:latin typeface="SF Display" panose="00000500000000000000" pitchFamily="50" charset="0"/>
-                <a:ea typeface="SF Display" panose="00000500000000000000" pitchFamily="50" charset="0"/>
-              </a:rPr>
-              <a:t> habrá que declaras las propiedades que tendrá el espacio de búsqueda.</a:t>
-            </a:r>
-            <a:endParaRPr lang="es-ES" sz="900" dirty="0">
-              <a:latin typeface="SF Display" panose="00000500000000000000" pitchFamily="50" charset="0"/>
-              <a:ea typeface="SF Display" panose="00000500000000000000" pitchFamily="50" charset="0"/>
-            </a:endParaRPr>
-          </a:p>
-        </p:txBody>
-      </p:sp>
-      <p:sp>
-        <p:nvSpPr>
-          <p:cNvPr id="10" name="TextBox 9"/>
-          <p:cNvSpPr txBox="1"/>
-          <p:nvPr/>
-        </p:nvSpPr>
-        <p:spPr>
-          <a:xfrm>
-            <a:off x="4437745" y="1870289"/>
-            <a:ext cx="3575889" cy="2331407"/>
-          </a:xfrm>
-          <a:prstGeom prst="rect">
-            <a:avLst/>
-          </a:prstGeom>
-          <a:noFill/>
-        </p:spPr>
-        <p:txBody>
-          <a:bodyPr wrap="square" rtlCol="0">
-            <a:spAutoFit/>
-          </a:bodyPr>
-          <a:lstStyle/>
-          <a:p>
-            <a:pPr>
-              <a:spcAft>
-                <a:spcPts val="600"/>
-              </a:spcAft>
-            </a:pPr>
-            <a:r>
-              <a:rPr lang="es-ES" sz="700" dirty="0" smtClean="0">
-                <a:latin typeface="SF Display" panose="00000500000000000000" pitchFamily="50" charset="0"/>
-                <a:ea typeface="SF Display" panose="00000500000000000000" pitchFamily="50" charset="0"/>
-              </a:rPr>
-              <a:t>Clase que reciba información al actualiza barra de búsqueda. También se deriva del protocolo </a:t>
-            </a:r>
-            <a:r>
-              <a:rPr lang="es-ES" sz="700" b="1" dirty="0" err="1" smtClean="0">
-                <a:latin typeface="SF Display" panose="00000500000000000000" pitchFamily="50" charset="0"/>
-                <a:ea typeface="SF Display" panose="00000500000000000000" pitchFamily="50" charset="0"/>
-              </a:rPr>
-              <a:t>UISearchResultsUpdating</a:t>
-            </a:r>
-            <a:r>
-              <a:rPr lang="es-ES" sz="700" dirty="0" smtClean="0">
-                <a:latin typeface="SF Display" panose="00000500000000000000" pitchFamily="50" charset="0"/>
-                <a:ea typeface="SF Display" panose="00000500000000000000" pitchFamily="50" charset="0"/>
-              </a:rPr>
-              <a:t>.</a:t>
-            </a:r>
-            <a:endParaRPr lang="es-ES" sz="700" dirty="0">
-              <a:latin typeface="SF Display" panose="00000500000000000000" pitchFamily="50" charset="0"/>
-              <a:ea typeface="SF Display" panose="00000500000000000000" pitchFamily="50" charset="0"/>
-            </a:endParaRPr>
-          </a:p>
-          <a:p>
-            <a:pPr>
-              <a:spcBef>
-                <a:spcPts val="200"/>
-              </a:spcBef>
-              <a:spcAft>
-                <a:spcPts val="600"/>
-              </a:spcAft>
-            </a:pPr>
-            <a:r>
-              <a:rPr lang="es-ES" sz="700" dirty="0" smtClean="0">
-                <a:latin typeface="SF Display" panose="00000500000000000000" pitchFamily="50" charset="0"/>
-                <a:ea typeface="SF Display" panose="00000500000000000000" pitchFamily="50" charset="0"/>
-              </a:rPr>
-              <a:t>Útil cuando las vistas donde se muestra la barra de búsqueda y los resultados son diferentes. No es nuestro caso.</a:t>
-            </a:r>
-          </a:p>
-          <a:p>
-            <a:pPr>
-              <a:spcAft>
-                <a:spcPts val="600"/>
-              </a:spcAft>
-            </a:pPr>
-            <a:r>
-              <a:rPr lang="es-ES" sz="700" dirty="0" smtClean="0">
-                <a:latin typeface="SF Display" panose="00000500000000000000" pitchFamily="50" charset="0"/>
-                <a:ea typeface="SF Display" panose="00000500000000000000" pitchFamily="50" charset="0"/>
-              </a:rPr>
-              <a:t>Esconde la barra de navegación (Editar, título y añadir para nosotros). Dado que haremos uso de estas opciones lo deshabilitaremos.</a:t>
-            </a:r>
-            <a:endParaRPr lang="es-ES" sz="700" dirty="0">
-              <a:latin typeface="SF Display" panose="00000500000000000000" pitchFamily="50" charset="0"/>
-              <a:ea typeface="SF Display" panose="00000500000000000000" pitchFamily="50" charset="0"/>
-            </a:endParaRPr>
-          </a:p>
-          <a:p>
-            <a:pPr>
-              <a:spcBef>
-                <a:spcPts val="200"/>
-              </a:spcBef>
-              <a:spcAft>
-                <a:spcPts val="600"/>
-              </a:spcAft>
-            </a:pPr>
-            <a:r>
-              <a:rPr lang="es-ES" sz="700" dirty="0" smtClean="0">
-                <a:latin typeface="SF Display" panose="00000500000000000000" pitchFamily="50" charset="0"/>
-                <a:ea typeface="SF Display" panose="00000500000000000000" pitchFamily="50" charset="0"/>
-              </a:rPr>
-              <a:t>Texto por defecto en la barra de búsqueda.</a:t>
-            </a:r>
-            <a:endParaRPr lang="es-ES" sz="700" dirty="0">
-              <a:latin typeface="SF Display" panose="00000500000000000000" pitchFamily="50" charset="0"/>
-              <a:ea typeface="SF Display" panose="00000500000000000000" pitchFamily="50" charset="0"/>
-            </a:endParaRPr>
-          </a:p>
-          <a:p>
-            <a:pPr>
-              <a:spcBef>
-                <a:spcPts val="700"/>
-              </a:spcBef>
-              <a:spcAft>
-                <a:spcPts val="600"/>
-              </a:spcAft>
-            </a:pPr>
-            <a:r>
-              <a:rPr lang="es-ES" sz="700" dirty="0" smtClean="0">
-                <a:latin typeface="SF Display" panose="00000500000000000000" pitchFamily="50" charset="0"/>
-                <a:ea typeface="SF Display" panose="00000500000000000000" pitchFamily="50" charset="0"/>
-              </a:rPr>
-              <a:t>Especificamos en la navegación nuestro controlador de búsqueda.</a:t>
-            </a:r>
-            <a:endParaRPr lang="es-ES" sz="700" dirty="0">
-              <a:latin typeface="SF Display" panose="00000500000000000000" pitchFamily="50" charset="0"/>
-              <a:ea typeface="SF Display" panose="00000500000000000000" pitchFamily="50" charset="0"/>
-            </a:endParaRPr>
-          </a:p>
-          <a:p>
-            <a:pPr>
-              <a:spcBef>
-                <a:spcPts val="800"/>
-              </a:spcBef>
-              <a:spcAft>
-                <a:spcPts val="600"/>
-              </a:spcAft>
-            </a:pPr>
-            <a:r>
-              <a:rPr lang="es-ES" sz="700" dirty="0" smtClean="0">
-                <a:latin typeface="SF Display" panose="00000500000000000000" pitchFamily="50" charset="0"/>
-                <a:ea typeface="SF Display" panose="00000500000000000000" pitchFamily="50" charset="0"/>
-              </a:rPr>
-              <a:t>La barra de búsqueda </a:t>
-            </a:r>
-            <a:r>
-              <a:rPr lang="es-ES" sz="700" dirty="0" err="1" smtClean="0">
-                <a:latin typeface="SF Display" panose="00000500000000000000" pitchFamily="50" charset="0"/>
-                <a:ea typeface="SF Display" panose="00000500000000000000" pitchFamily="50" charset="0"/>
-              </a:rPr>
-              <a:t>apece</a:t>
-            </a:r>
-            <a:r>
-              <a:rPr lang="es-ES" sz="700" dirty="0" smtClean="0">
-                <a:latin typeface="SF Display" panose="00000500000000000000" pitchFamily="50" charset="0"/>
-                <a:ea typeface="SF Display" panose="00000500000000000000" pitchFamily="50" charset="0"/>
-              </a:rPr>
-              <a:t> permanentemente al marcarlo como false.</a:t>
-            </a:r>
-            <a:endParaRPr lang="es-ES" sz="700" dirty="0">
-              <a:latin typeface="SF Display" panose="00000500000000000000" pitchFamily="50" charset="0"/>
-              <a:ea typeface="SF Display" panose="00000500000000000000" pitchFamily="50" charset="0"/>
-            </a:endParaRPr>
-          </a:p>
-          <a:p>
-            <a:pPr>
-              <a:spcBef>
-                <a:spcPts val="800"/>
-              </a:spcBef>
-              <a:spcAft>
-                <a:spcPts val="600"/>
-              </a:spcAft>
-            </a:pPr>
-            <a:r>
-              <a:rPr lang="es-ES" sz="700" dirty="0" smtClean="0">
-                <a:latin typeface="SF Display" panose="00000500000000000000" pitchFamily="50" charset="0"/>
-                <a:ea typeface="SF Display" panose="00000500000000000000" pitchFamily="50" charset="0"/>
-              </a:rPr>
-              <a:t>Evita que la barra de búsqueda aparezca incluso al cambiar a otras vistas.</a:t>
-            </a:r>
-          </a:p>
-          <a:p>
-            <a:endParaRPr lang="es-ES" sz="900" dirty="0">
-              <a:latin typeface="SF Display" panose="00000500000000000000" pitchFamily="50" charset="0"/>
-              <a:ea typeface="SF Display" panose="00000500000000000000" pitchFamily="50" charset="0"/>
-            </a:endParaRPr>
-          </a:p>
-          <a:p>
-            <a:endParaRPr lang="es-ES" sz="900" dirty="0">
-              <a:latin typeface="SF Display" panose="00000500000000000000" pitchFamily="50" charset="0"/>
-              <a:ea typeface="SF Display" panose="00000500000000000000" pitchFamily="50" charset="0"/>
-            </a:endParaRPr>
-          </a:p>
-        </p:txBody>
-      </p:sp>
-    </p:spTree>
-    <p:extLst>
-      <p:ext uri="{BB962C8B-B14F-4D97-AF65-F5344CB8AC3E}">
-        <p14:creationId xmlns:p14="http://schemas.microsoft.com/office/powerpoint/2010/main" val="755893029"/>
       </p:ext>
     </p:extLst>
   </p:cSld>

--- a/doc/Presentación.pptx
+++ b/doc/Presentación.pptx
@@ -36,23 +36,23 @@
   <p:notesSz cx="6858000" cy="9144000"/>
   <p:embeddedFontLst>
     <p:embeddedFont>
-      <p:font typeface="Calibri" panose="020F0502020204030204" pitchFamily="34" charset="0"/>
+      <p:font typeface="Montserrat" panose="020B0604020202020204" charset="0"/>
       <p:regular r:id="rId26"/>
       <p:bold r:id="rId27"/>
-      <p:italic r:id="rId28"/>
-      <p:boldItalic r:id="rId29"/>
     </p:embeddedFont>
     <p:embeddedFont>
-      <p:font typeface="Source Sans Pro" panose="020B0503030403020204" pitchFamily="34" charset="0"/>
-      <p:regular r:id="rId30"/>
-      <p:bold r:id="rId31"/>
-      <p:italic r:id="rId32"/>
-      <p:boldItalic r:id="rId33"/>
+      <p:font typeface="Calibri" panose="020F0502020204030204" pitchFamily="34" charset="0"/>
+      <p:regular r:id="rId28"/>
+      <p:bold r:id="rId29"/>
+      <p:italic r:id="rId30"/>
+      <p:boldItalic r:id="rId31"/>
     </p:embeddedFont>
     <p:embeddedFont>
-      <p:font typeface="Montserrat" panose="00000500000000000000" pitchFamily="50" charset="0"/>
-      <p:regular r:id="rId34"/>
-      <p:bold r:id="rId35"/>
+      <p:font typeface="Source Sans Pro" panose="020B0604020202020204" charset="0"/>
+      <p:regular r:id="rId32"/>
+      <p:bold r:id="rId33"/>
+      <p:italic r:id="rId34"/>
+      <p:boldItalic r:id="rId35"/>
     </p:embeddedFont>
     <p:embeddedFont>
       <p:font typeface="Helvetica" panose="020B0604020202020204" pitchFamily="34" charset="0"/>
@@ -7826,7 +7826,7 @@
         <p:spPr>
           <a:xfrm>
             <a:off x="1085440" y="1870289"/>
-            <a:ext cx="3252612" cy="2095049"/>
+            <a:ext cx="3252611" cy="1872831"/>
           </a:xfrm>
           <a:prstGeom prst="rect">
             <a:avLst/>
@@ -7908,8 +7908,8 @@
         </p:nvSpPr>
         <p:spPr>
           <a:xfrm>
-            <a:off x="1085439" y="1870289"/>
-            <a:ext cx="3252612" cy="2095049"/>
+            <a:off x="1085439" y="1870290"/>
+            <a:ext cx="3252612" cy="1872830"/>
           </a:xfrm>
           <a:prstGeom prst="rect">
             <a:avLst/>
@@ -8081,105 +8081,6 @@
                 <a:cs typeface="Menlo-Regular"/>
               </a:rPr>
               <a:t>false</a:t>
-            </a:r>
-            <a:endParaRPr lang="es-ES" sz="1050" dirty="0">
-              <a:latin typeface="Calibri" panose="020F0502020204030204" pitchFamily="34" charset="0"/>
-              <a:ea typeface="Times New Roman" panose="02020603050405020304" pitchFamily="18" charset="0"/>
-              <a:cs typeface="Times New Roman" panose="02020603050405020304" pitchFamily="18" charset="0"/>
-            </a:endParaRPr>
-          </a:p>
-          <a:p>
-            <a:pPr marL="76200" indent="0">
-              <a:lnSpc>
-                <a:spcPct val="107000"/>
-              </a:lnSpc>
-              <a:spcBef>
-                <a:spcPts val="0"/>
-              </a:spcBef>
-              <a:spcAft>
-                <a:spcPts val="1200"/>
-              </a:spcAft>
-              <a:buNone/>
-              <a:tabLst>
-                <a:tab pos="344805" algn="l"/>
-              </a:tabLst>
-            </a:pPr>
-            <a:r>
-              <a:rPr lang="en-US" sz="800" b="1" dirty="0" err="1" smtClean="0">
-                <a:solidFill>
-                  <a:srgbClr val="3F6E74"/>
-                </a:solidFill>
-                <a:latin typeface="SF Display" panose="00000500000000000000" pitchFamily="50" charset="0"/>
-                <a:ea typeface="Times New Roman" panose="02020603050405020304" pitchFamily="18" charset="0"/>
-                <a:cs typeface="Menlo-Regular"/>
-              </a:rPr>
-              <a:t>searchController</a:t>
-            </a:r>
-            <a:r>
-              <a:rPr lang="en-US" sz="800" b="1" dirty="0" err="1" smtClean="0">
-                <a:solidFill>
-                  <a:srgbClr val="000000"/>
-                </a:solidFill>
-                <a:latin typeface="SF Display" panose="00000500000000000000" pitchFamily="50" charset="0"/>
-                <a:ea typeface="Times New Roman" panose="02020603050405020304" pitchFamily="18" charset="0"/>
-                <a:cs typeface="Menlo-Regular"/>
-              </a:rPr>
-              <a:t>.</a:t>
-            </a:r>
-            <a:r>
-              <a:rPr lang="en-US" sz="800" b="1" dirty="0" err="1" smtClean="0">
-                <a:solidFill>
-                  <a:srgbClr val="5C2699"/>
-                </a:solidFill>
-                <a:latin typeface="SF Display" panose="00000500000000000000" pitchFamily="50" charset="0"/>
-                <a:ea typeface="Times New Roman" panose="02020603050405020304" pitchFamily="18" charset="0"/>
-                <a:cs typeface="Menlo-Regular"/>
-              </a:rPr>
-              <a:t>hidesNavigationBarDuringPresentation</a:t>
-            </a:r>
-            <a:r>
-              <a:rPr lang="en-US" sz="800" b="1" dirty="0" smtClean="0">
-                <a:solidFill>
-                  <a:srgbClr val="000000"/>
-                </a:solidFill>
-                <a:latin typeface="SF Display" panose="00000500000000000000" pitchFamily="50" charset="0"/>
-                <a:ea typeface="Times New Roman" panose="02020603050405020304" pitchFamily="18" charset="0"/>
-                <a:cs typeface="Menlo-Regular"/>
-              </a:rPr>
-              <a:t> </a:t>
-            </a:r>
-            <a:r>
-              <a:rPr lang="en-US" sz="800" b="1" dirty="0">
-                <a:solidFill>
-                  <a:srgbClr val="000000"/>
-                </a:solidFill>
-                <a:latin typeface="SF Display" panose="00000500000000000000" pitchFamily="50" charset="0"/>
-                <a:ea typeface="Times New Roman" panose="02020603050405020304" pitchFamily="18" charset="0"/>
-                <a:cs typeface="Menlo-Regular"/>
-              </a:rPr>
-              <a:t>= </a:t>
-            </a:r>
-            <a:r>
-              <a:rPr lang="en-US" sz="800" b="1" dirty="0">
-                <a:solidFill>
-                  <a:srgbClr val="AA0D91"/>
-                </a:solidFill>
-                <a:latin typeface="SF Display" panose="00000500000000000000" pitchFamily="50" charset="0"/>
-                <a:ea typeface="Times New Roman" panose="02020603050405020304" pitchFamily="18" charset="0"/>
-                <a:cs typeface="Menlo-Regular"/>
-              </a:rPr>
-              <a:t>false</a:t>
-            </a:r>
-            <a:r>
-              <a:rPr lang="en-US" sz="800" b="1" dirty="0">
-                <a:solidFill>
-                  <a:srgbClr val="000000"/>
-                </a:solidFill>
-                <a:latin typeface="SF Display" panose="00000500000000000000" pitchFamily="50" charset="0"/>
-                <a:ea typeface="Times New Roman" panose="02020603050405020304" pitchFamily="18" charset="0"/>
-                <a:cs typeface="Menlo-Regular"/>
-              </a:rPr>
-              <a:t> </a:t>
             </a:r>
             <a:endParaRPr lang="es-ES" sz="1050" dirty="0">
               <a:latin typeface="Calibri" panose="020F0502020204030204" pitchFamily="34" charset="0"/>
@@ -8675,7 +8576,7 @@
         <p:spPr>
           <a:xfrm>
             <a:off x="4437745" y="1870289"/>
-            <a:ext cx="3575889" cy="2331407"/>
+            <a:ext cx="3575889" cy="2039020"/>
           </a:xfrm>
           <a:prstGeom prst="rect">
             <a:avLst/>
@@ -8738,6 +8639,9 @@
           </a:p>
           <a:p>
             <a:pPr>
+              <a:spcBef>
+                <a:spcPts val="200"/>
+              </a:spcBef>
               <a:spcAft>
                 <a:spcPts val="600"/>
               </a:spcAft>
@@ -8747,28 +8651,14 @@
                 <a:latin typeface="SF Display" panose="00000500000000000000" pitchFamily="50" charset="0"/>
                 <a:ea typeface="SF Display" panose="00000500000000000000" pitchFamily="50" charset="0"/>
               </a:rPr>
-              <a:t>Esconde la barra de navegación (Editar, título y añadir para nosotros). Dado que haremos uso de estas opciones lo deshabilitaremos.</a:t>
-            </a:r>
-            <a:endParaRPr lang="es-ES" sz="700" dirty="0">
-              <a:latin typeface="SF Display" panose="00000500000000000000" pitchFamily="50" charset="0"/>
-              <a:ea typeface="SF Display" panose="00000500000000000000" pitchFamily="50" charset="0"/>
-            </a:endParaRPr>
-          </a:p>
-          <a:p>
-            <a:pPr>
-              <a:spcBef>
-                <a:spcPts val="200"/>
-              </a:spcBef>
-              <a:spcAft>
-                <a:spcPts val="600"/>
-              </a:spcAft>
-            </a:pPr>
+              <a:t>Texto </a:t>
+            </a:r>
             <a:r>
               <a:rPr lang="es-ES" sz="700" dirty="0" smtClean="0">
                 <a:latin typeface="SF Display" panose="00000500000000000000" pitchFamily="50" charset="0"/>
                 <a:ea typeface="SF Display" panose="00000500000000000000" pitchFamily="50" charset="0"/>
               </a:rPr>
-              <a:t>Texto por defecto en la barra de búsqueda.</a:t>
+              <a:t>por defecto en la barra de búsqueda.</a:t>
             </a:r>
             <a:endParaRPr lang="es-ES" sz="700" dirty="0">
               <a:latin typeface="SF Display" panose="00000500000000000000" pitchFamily="50" charset="0"/>
@@ -12505,14 +12395,28 @@
                 <a:latin typeface="SF Display" panose="00000500000000000000" pitchFamily="50" charset="0"/>
                 <a:ea typeface="SF Display" panose="00000500000000000000" pitchFamily="50" charset="0"/>
               </a:rPr>
-              <a:t>búsqueda sea funcional</a:t>
+              <a:t>búsqueda </a:t>
+            </a:r>
+            <a:r>
+              <a:rPr lang="es-ES" sz="900" b="1" dirty="0" smtClean="0">
+                <a:latin typeface="SF Display" panose="00000500000000000000" pitchFamily="50" charset="0"/>
+                <a:ea typeface="SF Display" panose="00000500000000000000" pitchFamily="50" charset="0"/>
+              </a:rPr>
+              <a:t>funcione </a:t>
             </a:r>
             <a:r>
               <a:rPr lang="es-ES" sz="900" dirty="0" smtClean="0">
                 <a:latin typeface="SF Display" panose="00000500000000000000" pitchFamily="50" charset="0"/>
                 <a:ea typeface="SF Display" panose="00000500000000000000" pitchFamily="50" charset="0"/>
               </a:rPr>
-              <a:t> aún nos queda modificar aquellos métodos encargados de montar la tabla de comidas, los cuales ya vienen dados en la implementación base: </a:t>
+              <a:t>aún </a:t>
+            </a:r>
+            <a:r>
+              <a:rPr lang="es-ES" sz="900" dirty="0" smtClean="0">
+                <a:latin typeface="SF Display" panose="00000500000000000000" pitchFamily="50" charset="0"/>
+                <a:ea typeface="SF Display" panose="00000500000000000000" pitchFamily="50" charset="0"/>
+              </a:rPr>
+              <a:t>nos queda modificar aquellos métodos encargados de montar la tabla de comidas, los cuales ya vienen dados en la implementación base: </a:t>
             </a:r>
             <a:endParaRPr lang="es-ES" sz="900" dirty="0">
               <a:latin typeface="SF Display" panose="00000500000000000000" pitchFamily="50" charset="0"/>
@@ -15275,126 +15179,27 @@
                 <a:ea typeface="SF Display" panose="00000500000000000000" pitchFamily="50" charset="0"/>
                 <a:cs typeface="Menlo-Regular"/>
               </a:rPr>
-              <a:t>} </a:t>
-            </a:r>
-            <a:r>
-              <a:rPr lang="en-US" sz="800" dirty="0">
-                <a:solidFill>
-                  <a:srgbClr val="AA0D91"/>
-                </a:solidFill>
-                <a:latin typeface="SF Display" panose="00000500000000000000" pitchFamily="50" charset="0"/>
-                <a:ea typeface="SF Display" panose="00000500000000000000" pitchFamily="50" charset="0"/>
-                <a:cs typeface="Menlo-Regular"/>
-              </a:rPr>
-              <a:t>else</a:t>
-            </a:r>
-            <a:r>
-              <a:rPr lang="en-US" sz="800" dirty="0">
-                <a:solidFill>
-                  <a:srgbClr val="000000"/>
-                </a:solidFill>
-                <a:latin typeface="SF Display" panose="00000500000000000000" pitchFamily="50" charset="0"/>
-                <a:ea typeface="SF Display" panose="00000500000000000000" pitchFamily="50" charset="0"/>
-                <a:cs typeface="Menlo-Regular"/>
-              </a:rPr>
-              <a:t> </a:t>
-            </a:r>
-            <a:r>
-              <a:rPr lang="en-US" sz="800" dirty="0">
-                <a:solidFill>
-                  <a:srgbClr val="AA0D91"/>
-                </a:solidFill>
-                <a:latin typeface="SF Display" panose="00000500000000000000" pitchFamily="50" charset="0"/>
-                <a:ea typeface="SF Display" panose="00000500000000000000" pitchFamily="50" charset="0"/>
-                <a:cs typeface="Menlo-Regular"/>
-              </a:rPr>
-              <a:t>if</a:t>
-            </a:r>
-            <a:r>
-              <a:rPr lang="en-US" sz="800" dirty="0">
-                <a:solidFill>
-                  <a:srgbClr val="000000"/>
-                </a:solidFill>
-                <a:latin typeface="SF Display" panose="00000500000000000000" pitchFamily="50" charset="0"/>
-                <a:ea typeface="SF Display" panose="00000500000000000000" pitchFamily="50" charset="0"/>
-                <a:cs typeface="Menlo-Regular"/>
-              </a:rPr>
-              <a:t> </a:t>
-            </a:r>
-            <a:r>
-              <a:rPr lang="en-US" sz="800" dirty="0" err="1">
-                <a:solidFill>
-                  <a:srgbClr val="000000"/>
-                </a:solidFill>
-                <a:latin typeface="SF Display" panose="00000500000000000000" pitchFamily="50" charset="0"/>
-                <a:ea typeface="SF Display" panose="00000500000000000000" pitchFamily="50" charset="0"/>
-                <a:cs typeface="Menlo-Regular"/>
-              </a:rPr>
-              <a:t>editingStyle</a:t>
-            </a:r>
-            <a:r>
-              <a:rPr lang="en-US" sz="800" dirty="0">
-                <a:solidFill>
-                  <a:srgbClr val="000000"/>
-                </a:solidFill>
-                <a:latin typeface="SF Display" panose="00000500000000000000" pitchFamily="50" charset="0"/>
-                <a:ea typeface="SF Display" panose="00000500000000000000" pitchFamily="50" charset="0"/>
-                <a:cs typeface="Menlo-Regular"/>
-              </a:rPr>
-              <a:t> == .</a:t>
-            </a:r>
-            <a:r>
-              <a:rPr lang="en-US" sz="800" dirty="0">
-                <a:solidFill>
-                  <a:srgbClr val="2E0D6E"/>
-                </a:solidFill>
-                <a:latin typeface="SF Display" panose="00000500000000000000" pitchFamily="50" charset="0"/>
-                <a:ea typeface="SF Display" panose="00000500000000000000" pitchFamily="50" charset="0"/>
-                <a:cs typeface="Menlo-Regular"/>
-              </a:rPr>
-              <a:t>insert</a:t>
-            </a:r>
-            <a:r>
-              <a:rPr lang="en-US" sz="800" dirty="0">
-                <a:solidFill>
-                  <a:srgbClr val="000000"/>
-                </a:solidFill>
-                <a:latin typeface="SF Display" panose="00000500000000000000" pitchFamily="50" charset="0"/>
-                <a:ea typeface="SF Display" panose="00000500000000000000" pitchFamily="50" charset="0"/>
-                <a:cs typeface="Menlo-Regular"/>
-              </a:rPr>
-              <a:t> {</a:t>
-            </a:r>
-            <a:endParaRPr lang="es-ES" sz="800" dirty="0">
+              <a:t>}</a:t>
+            </a:r>
+            <a:r>
+              <a:rPr lang="es-ES" sz="800" dirty="0" smtClean="0">
+                <a:solidFill>
+                  <a:srgbClr val="000000"/>
+                </a:solidFill>
+                <a:latin typeface="SF Display" panose="00000500000000000000" pitchFamily="50" charset="0"/>
+                <a:ea typeface="SF Display" panose="00000500000000000000" pitchFamily="50" charset="0"/>
+                <a:cs typeface="Menlo-Regular"/>
+              </a:rPr>
+              <a:t>    </a:t>
+            </a:r>
+            <a:endParaRPr lang="es-ES" sz="800" dirty="0" smtClean="0">
+              <a:solidFill>
+                <a:srgbClr val="000000"/>
+              </a:solidFill>
               <a:latin typeface="SF Display" panose="00000500000000000000" pitchFamily="50" charset="0"/>
               <a:ea typeface="SF Display" panose="00000500000000000000" pitchFamily="50" charset="0"/>
-              <a:cs typeface="Times New Roman" panose="02020603050405020304" pitchFamily="18" charset="0"/>
+              <a:cs typeface="Menlo-Regular"/>
             </a:endParaRPr>
-          </a:p>
-          <a:p>
-            <a:pPr marL="76200" indent="0">
-              <a:lnSpc>
-                <a:spcPct val="107000"/>
-              </a:lnSpc>
-              <a:spcBef>
-                <a:spcPts val="0"/>
-              </a:spcBef>
-              <a:buNone/>
-              <a:tabLst>
-                <a:tab pos="344805" algn="l"/>
-              </a:tabLst>
-            </a:pPr>
-            <a:r>
-              <a:rPr lang="es-ES" sz="800" dirty="0" smtClean="0">
-                <a:solidFill>
-                  <a:srgbClr val="000000"/>
-                </a:solidFill>
-                <a:latin typeface="SF Display" panose="00000500000000000000" pitchFamily="50" charset="0"/>
-                <a:ea typeface="SF Display" panose="00000500000000000000" pitchFamily="50" charset="0"/>
-                <a:cs typeface="Menlo-Regular"/>
-              </a:rPr>
-              <a:t>	}    </a:t>
-            </a:r>
           </a:p>
           <a:p>
             <a:pPr marL="76200" indent="0">
@@ -15812,14 +15617,7 @@
                 <a:latin typeface="SF Display" panose="00000500000000000000" pitchFamily="50" charset="0"/>
                 <a:ea typeface="SF Display" panose="00000500000000000000" pitchFamily="50" charset="0"/>
               </a:rPr>
-              <a:t>Nuestra búsqueda ya </a:t>
-            </a:r>
-            <a:r>
-              <a:rPr lang="es-ES" sz="900" b="1" dirty="0" smtClean="0">
-                <a:latin typeface="SF Display" panose="00000500000000000000" pitchFamily="50" charset="0"/>
-                <a:ea typeface="SF Display" panose="00000500000000000000" pitchFamily="50" charset="0"/>
-              </a:rPr>
-              <a:t>funciona</a:t>
+              <a:t>Nuestra búsqueda ya funciona</a:t>
             </a:r>
             <a:endParaRPr lang="es-ES" sz="900" b="1" dirty="0">
               <a:latin typeface="SF Display" panose="00000500000000000000" pitchFamily="50" charset="0"/>
@@ -15836,8 +15634,8 @@
         </p:nvSpPr>
         <p:spPr>
           <a:xfrm>
-            <a:off x="1010200" y="1796215"/>
-            <a:ext cx="5462963" cy="1338828"/>
+            <a:off x="1010200" y="1781635"/>
+            <a:ext cx="3568379" cy="1338828"/>
           </a:xfrm>
           <a:prstGeom prst="rect">
             <a:avLst/>
@@ -15883,7 +15681,35 @@
                 <a:latin typeface="SF Display" panose="00000500000000000000" pitchFamily="50" charset="0"/>
                 <a:ea typeface="SF Display" panose="00000500000000000000" pitchFamily="50" charset="0"/>
               </a:rPr>
-              <a:t> habrá que pasarle la comida correcta si se selecciona una fila para modificarla, y a la hora de volver a nuestra vista, habrá que añadir e insertar correctamente, pensando también en que la comida insertada/actualizada puede no encajar en la búsqueda en curso (si hay una).</a:t>
+              <a:t> habrá que pasarle la comida correcta si se selecciona una fila para modificarla, y a la hora de volver a nuestra vista, habrá que </a:t>
+            </a:r>
+            <a:r>
+              <a:rPr lang="es-ES" sz="900" dirty="0" smtClean="0">
+                <a:latin typeface="SF Display" panose="00000500000000000000" pitchFamily="50" charset="0"/>
+                <a:ea typeface="SF Display" panose="00000500000000000000" pitchFamily="50" charset="0"/>
+              </a:rPr>
+              <a:t>tener en cuenta que </a:t>
+            </a:r>
+            <a:r>
+              <a:rPr lang="es-ES" sz="900" dirty="0" smtClean="0">
+                <a:latin typeface="SF Display" panose="00000500000000000000" pitchFamily="50" charset="0"/>
+                <a:ea typeface="SF Display" panose="00000500000000000000" pitchFamily="50" charset="0"/>
+              </a:rPr>
+              <a:t>la comida </a:t>
+            </a:r>
+            <a:r>
+              <a:rPr lang="es-ES" sz="900" dirty="0" smtClean="0">
+                <a:latin typeface="SF Display" panose="00000500000000000000" pitchFamily="50" charset="0"/>
+                <a:ea typeface="SF Display" panose="00000500000000000000" pitchFamily="50" charset="0"/>
+              </a:rPr>
+              <a:t>actualizada </a:t>
+            </a:r>
+            <a:r>
+              <a:rPr lang="es-ES" sz="900" dirty="0" smtClean="0">
+                <a:latin typeface="SF Display" panose="00000500000000000000" pitchFamily="50" charset="0"/>
+                <a:ea typeface="SF Display" panose="00000500000000000000" pitchFamily="50" charset="0"/>
+              </a:rPr>
+              <a:t>puede no encajar en la búsqueda en curso (si hay una).</a:t>
             </a:r>
           </a:p>
           <a:p>
@@ -15898,36 +15724,28 @@
                 <a:latin typeface="SF Display" panose="00000500000000000000" pitchFamily="50" charset="0"/>
                 <a:ea typeface="SF Display" panose="00000500000000000000" pitchFamily="50" charset="0"/>
               </a:rPr>
-              <a:t>Importante: se pueden tomar otras estrategias, por ejemplo, no dejar añadir si hay una búsqueda en curso, aunque la actualización parece interesante en estos casos.</a:t>
-            </a:r>
-          </a:p>
-          <a:p>
-            <a:endParaRPr lang="es-ES" sz="900" dirty="0">
-              <a:latin typeface="SF Display" panose="00000500000000000000" pitchFamily="50" charset="0"/>
-              <a:ea typeface="SF Display" panose="00000500000000000000" pitchFamily="50" charset="0"/>
-            </a:endParaRPr>
-          </a:p>
-          <a:p>
+              <a:t>Nosotros </a:t>
+            </a:r>
             <a:r>
               <a:rPr lang="es-ES" sz="900" dirty="0" smtClean="0">
                 <a:latin typeface="SF Display" panose="00000500000000000000" pitchFamily="50" charset="0"/>
                 <a:ea typeface="SF Display" panose="00000500000000000000" pitchFamily="50" charset="0"/>
               </a:rPr>
-              <a:t>Nosotros consideraremos que se puede añadir y actualizar con una búsqueda en </a:t>
+              <a:t>consideraremos </a:t>
             </a:r>
             <a:r>
               <a:rPr lang="es-ES" sz="900" dirty="0" smtClean="0">
                 <a:latin typeface="SF Display" panose="00000500000000000000" pitchFamily="50" charset="0"/>
                 <a:ea typeface="SF Display" panose="00000500000000000000" pitchFamily="50" charset="0"/>
               </a:rPr>
-              <a:t>curso</a:t>
+              <a:t>que sólo se puede realizar la acción de actualizar y eliminar mientras haya una </a:t>
             </a:r>
             <a:r>
               <a:rPr lang="es-ES" sz="900" dirty="0" smtClean="0">
                 <a:latin typeface="SF Display" panose="00000500000000000000" pitchFamily="50" charset="0"/>
                 <a:ea typeface="SF Display" panose="00000500000000000000" pitchFamily="50" charset="0"/>
               </a:rPr>
-              <a:t>.</a:t>
+              <a:t>búsqueda en curso.</a:t>
             </a:r>
             <a:endParaRPr lang="es-ES" sz="800" dirty="0" smtClean="0">
               <a:latin typeface="SF Display" panose="00000500000000000000" pitchFamily="50" charset="0"/>
@@ -15938,8 +15756,10 @@
       </p:sp>
       <p:pic>
         <p:nvPicPr>
-          <p:cNvPr id="13" name="Picture 12"/>
-          <p:cNvPicPr/>
+          <p:cNvPr id="6" name="Picture 5"/>
+          <p:cNvPicPr>
+            <a:picLocks/>
+          </p:cNvPicPr>
           <p:nvPr/>
         </p:nvPicPr>
         <p:blipFill>
@@ -15950,8 +15770,8 @@
         </p:blipFill>
         <p:spPr>
           <a:xfrm>
-            <a:off x="6632064" y="1501462"/>
-            <a:ext cx="1456704" cy="2763548"/>
+            <a:off x="2722161" y="1360834"/>
+            <a:ext cx="360599" cy="380092"/>
           </a:xfrm>
           <a:prstGeom prst="rect">
             <a:avLst/>
@@ -15960,22 +15780,28 @@
       </p:pic>
       <p:pic>
         <p:nvPicPr>
-          <p:cNvPr id="6" name="Picture 5"/>
+          <p:cNvPr id="2" name="Picture 1"/>
           <p:cNvPicPr>
-            <a:picLocks/>
+            <a:picLocks noChangeAspect="1"/>
           </p:cNvPicPr>
           <p:nvPr/>
         </p:nvPicPr>
         <p:blipFill>
-          <a:blip r:embed="rId4"/>
+          <a:blip r:embed="rId4">
+            <a:extLst>
+              <a:ext uri="{28A0092B-C50C-407E-A947-70E740481C1C}">
+                <a14:useLocalDpi xmlns:a14="http://schemas.microsoft.com/office/drawing/2010/main" val="0"/>
+              </a:ext>
+            </a:extLst>
+          </a:blip>
           <a:stretch>
             <a:fillRect/>
           </a:stretch>
         </p:blipFill>
         <p:spPr>
           <a:xfrm>
-            <a:off x="2722161" y="1360834"/>
-            <a:ext cx="360599" cy="380092"/>
+            <a:off x="5696960" y="1435464"/>
+            <a:ext cx="1453708" cy="2855931"/>
           </a:xfrm>
           <a:prstGeom prst="rect">
             <a:avLst/>
@@ -17014,18 +16840,7 @@
                 <a:ea typeface="SF Display" panose="00000500000000000000" pitchFamily="50" charset="0"/>
                 <a:cs typeface="Menlo-Regular"/>
               </a:rPr>
-              <a:t> </a:t>
-            </a:r>
-            <a:r>
-              <a:rPr lang="en-US" sz="800" b="1" dirty="0" smtClean="0">
-                <a:solidFill>
-                  <a:srgbClr val="000000"/>
-                </a:solidFill>
-                <a:latin typeface="SF Display" panose="00000500000000000000" pitchFamily="50" charset="0"/>
-                <a:ea typeface="SF Display" panose="00000500000000000000" pitchFamily="50" charset="0"/>
-                <a:cs typeface="Menlo-Regular"/>
-              </a:rPr>
-              <a:t>= </a:t>
+              <a:t> = </a:t>
             </a:r>
             <a:r>
               <a:rPr lang="en-US" sz="800" b="1" dirty="0" err="1" smtClean="0">
@@ -19330,7 +19145,35 @@
                 <a:latin typeface="SF Display" panose="00000500000000000000" pitchFamily="50" charset="0"/>
                 <a:ea typeface="SF Display" panose="00000500000000000000" pitchFamily="50" charset="0"/>
               </a:rPr>
-              <a:t>Es posible que la comida actualiza no encaje en una búsqueda activa, y esto es lo que se comprueba en </a:t>
+              <a:t>Es posible que la comida </a:t>
+            </a:r>
+            <a:r>
+              <a:rPr lang="es-ES" sz="900" dirty="0" smtClean="0">
+                <a:latin typeface="SF Display" panose="00000500000000000000" pitchFamily="50" charset="0"/>
+                <a:ea typeface="SF Display" panose="00000500000000000000" pitchFamily="50" charset="0"/>
+              </a:rPr>
+              <a:t>actualizada </a:t>
+            </a:r>
+            <a:r>
+              <a:rPr lang="es-ES" sz="900" dirty="0" smtClean="0">
+                <a:latin typeface="SF Display" panose="00000500000000000000" pitchFamily="50" charset="0"/>
+                <a:ea typeface="SF Display" panose="00000500000000000000" pitchFamily="50" charset="0"/>
+              </a:rPr>
+              <a:t>no encaje </a:t>
+            </a:r>
+            <a:r>
+              <a:rPr lang="es-ES" sz="900" dirty="0" smtClean="0">
+                <a:latin typeface="SF Display" panose="00000500000000000000" pitchFamily="50" charset="0"/>
+                <a:ea typeface="SF Display" panose="00000500000000000000" pitchFamily="50" charset="0"/>
+              </a:rPr>
+              <a:t>en la búsqueda </a:t>
+            </a:r>
+            <a:r>
+              <a:rPr lang="es-ES" sz="900" dirty="0" smtClean="0">
+                <a:latin typeface="SF Display" panose="00000500000000000000" pitchFamily="50" charset="0"/>
+                <a:ea typeface="SF Display" panose="00000500000000000000" pitchFamily="50" charset="0"/>
+              </a:rPr>
+              <a:t>activa, y esto es lo que se comprueba en </a:t>
             </a:r>
             <a:r>
               <a:rPr lang="es-ES" sz="900" b="1" dirty="0" err="1" smtClean="0">
@@ -19687,7 +19530,7 @@
               <a:t>	                   </a:t>
             </a:r>
             <a:r>
-              <a:rPr lang="en-US" sz="600" b="1" dirty="0" err="1" smtClean="0">
+              <a:rPr lang="en-US" sz="600" b="1" dirty="0" smtClean="0">
                 <a:solidFill>
                   <a:srgbClr val="AA0D91"/>
                 </a:solidFill>
@@ -19695,7 +19538,7 @@
                 <a:ea typeface="SF Display" panose="00000500000000000000" pitchFamily="50" charset="0"/>
                 <a:cs typeface="Menlo-Regular"/>
               </a:rPr>
-              <a:t>var</a:t>
+              <a:t>let</a:t>
             </a:r>
             <a:r>
               <a:rPr lang="en-US" sz="600" b="1" dirty="0" smtClean="0">
@@ -19767,6 +19610,17 @@
                 <a:tab pos="344805" algn="l"/>
               </a:tabLst>
             </a:pPr>
+            <a:r>
+              <a:rPr lang="en-US" sz="600" b="1" dirty="0" smtClean="0">
+                <a:solidFill>
+                  <a:srgbClr val="000000"/>
+                </a:solidFill>
+                <a:latin typeface="SF Display" panose="00000500000000000000" pitchFamily="50" charset="0"/>
+                <a:ea typeface="SF Display" panose="00000500000000000000" pitchFamily="50" charset="0"/>
+                <a:cs typeface="Menlo-Regular"/>
+              </a:rPr>
+              <a:t>       </a:t>
+            </a:r>
             <a:endParaRPr lang="es-ES" sz="600" dirty="0" smtClean="0">
               <a:latin typeface="SF Display" panose="00000500000000000000" pitchFamily="50" charset="0"/>
               <a:ea typeface="SF Display" panose="00000500000000000000" pitchFamily="50" charset="0"/>
@@ -19790,13 +19644,46 @@
             <a:r>
               <a:rPr lang="en-US" sz="600" b="1" dirty="0" smtClean="0">
                 <a:solidFill>
-                  <a:srgbClr val="AA0D91"/>
-                </a:solidFill>
-                <a:latin typeface="SF Display" panose="00000500000000000000" pitchFamily="50" charset="0"/>
-                <a:ea typeface="SF Display" panose="00000500000000000000" pitchFamily="50" charset="0"/>
-                <a:cs typeface="Menlo-Regular"/>
-              </a:rPr>
-              <a:t>	                   if</a:t>
+                  <a:srgbClr val="3F6E74"/>
+                </a:solidFill>
+                <a:latin typeface="SF Display" panose="00000500000000000000" pitchFamily="50" charset="0"/>
+                <a:ea typeface="SF Display" panose="00000500000000000000" pitchFamily="50" charset="0"/>
+                <a:cs typeface="Menlo-Regular"/>
+              </a:rPr>
+              <a:t>	                   </a:t>
+            </a:r>
+            <a:r>
+              <a:rPr lang="en-US" sz="600" b="1" dirty="0" err="1" smtClean="0">
+                <a:solidFill>
+                  <a:srgbClr val="3F6E74"/>
+                </a:solidFill>
+                <a:latin typeface="SF Display" panose="00000500000000000000" pitchFamily="50" charset="0"/>
+                <a:ea typeface="SF Display" panose="00000500000000000000" pitchFamily="50" charset="0"/>
+                <a:cs typeface="Menlo-Regular"/>
+              </a:rPr>
+              <a:t>meals</a:t>
+            </a:r>
+            <a:r>
+              <a:rPr lang="en-US" sz="600" b="1" dirty="0" err="1" smtClean="0">
+                <a:solidFill>
+                  <a:srgbClr val="000000"/>
+                </a:solidFill>
+                <a:latin typeface="SF Display" panose="00000500000000000000" pitchFamily="50" charset="0"/>
+                <a:ea typeface="SF Display" panose="00000500000000000000" pitchFamily="50" charset="0"/>
+                <a:cs typeface="Menlo-Regular"/>
+              </a:rPr>
+              <a:t>.</a:t>
+            </a:r>
+            <a:r>
+              <a:rPr lang="en-US" sz="600" b="1" dirty="0" err="1" smtClean="0">
+                <a:solidFill>
+                  <a:srgbClr val="2E0D6E"/>
+                </a:solidFill>
+                <a:latin typeface="SF Display" panose="00000500000000000000" pitchFamily="50" charset="0"/>
+                <a:ea typeface="SF Display" panose="00000500000000000000" pitchFamily="50" charset="0"/>
+                <a:cs typeface="Menlo-Regular"/>
+              </a:rPr>
+              <a:t>append</a:t>
             </a:r>
             <a:r>
               <a:rPr lang="en-US" sz="600" b="1" dirty="0" smtClean="0">
@@ -19807,18 +19694,66 @@
                 <a:ea typeface="SF Display" panose="00000500000000000000" pitchFamily="50" charset="0"/>
                 <a:cs typeface="Menlo-Regular"/>
               </a:rPr>
-              <a:t> </a:t>
+              <a:t>(meal)</a:t>
+            </a:r>
+          </a:p>
+          <a:p>
+            <a:pPr marL="76200" indent="0">
+              <a:lnSpc>
+                <a:spcPct val="107000"/>
+              </a:lnSpc>
+              <a:spcBef>
+                <a:spcPts val="0"/>
+              </a:spcBef>
+              <a:buFont typeface="Source Sans Pro"/>
+              <a:buNone/>
+              <a:tabLst>
+                <a:tab pos="344805" algn="l"/>
+              </a:tabLst>
+            </a:pPr>
+            <a:r>
+              <a:rPr lang="en-US" sz="600" b="1" dirty="0" smtClean="0">
+                <a:solidFill>
+                  <a:srgbClr val="5C2699"/>
+                </a:solidFill>
+                <a:latin typeface="SF Display" panose="00000500000000000000" pitchFamily="50" charset="0"/>
+                <a:ea typeface="SF Display" panose="00000500000000000000" pitchFamily="50" charset="0"/>
+                <a:cs typeface="Menlo-Regular"/>
+              </a:rPr>
+              <a:t>	                   </a:t>
             </a:r>
             <a:r>
               <a:rPr lang="en-US" sz="600" b="1" dirty="0" err="1" smtClean="0">
                 <a:solidFill>
-                  <a:srgbClr val="26474B"/>
-                </a:solidFill>
-                <a:latin typeface="SF Display" panose="00000500000000000000" pitchFamily="50" charset="0"/>
-                <a:ea typeface="SF Display" panose="00000500000000000000" pitchFamily="50" charset="0"/>
-                <a:cs typeface="Menlo-Regular"/>
-              </a:rPr>
-              <a:t>isFiltering</a:t>
+                  <a:srgbClr val="5C2699"/>
+                </a:solidFill>
+                <a:latin typeface="SF Display" panose="00000500000000000000" pitchFamily="50" charset="0"/>
+                <a:ea typeface="SF Display" panose="00000500000000000000" pitchFamily="50" charset="0"/>
+                <a:cs typeface="Menlo-Regular"/>
+              </a:rPr>
+              <a:t>tableView</a:t>
+            </a:r>
+            <a:r>
+              <a:rPr lang="en-US" sz="600" b="1" dirty="0" err="1" smtClean="0">
+                <a:solidFill>
+                  <a:srgbClr val="000000"/>
+                </a:solidFill>
+                <a:latin typeface="SF Display" panose="00000500000000000000" pitchFamily="50" charset="0"/>
+                <a:ea typeface="SF Display" panose="00000500000000000000" pitchFamily="50" charset="0"/>
+                <a:cs typeface="Menlo-Regular"/>
+              </a:rPr>
+              <a:t>.</a:t>
+            </a:r>
+            <a:r>
+              <a:rPr lang="en-US" sz="600" b="1" dirty="0" err="1" smtClean="0">
+                <a:solidFill>
+                  <a:srgbClr val="2E0D6E"/>
+                </a:solidFill>
+                <a:latin typeface="SF Display" panose="00000500000000000000" pitchFamily="50" charset="0"/>
+                <a:ea typeface="SF Display" panose="00000500000000000000" pitchFamily="50" charset="0"/>
+                <a:cs typeface="Menlo-Regular"/>
+              </a:rPr>
+              <a:t>insertRows</a:t>
             </a:r>
             <a:r>
               <a:rPr lang="en-US" sz="600" b="1" dirty="0" smtClean="0">
@@ -19829,18 +19764,18 @@
                 <a:ea typeface="SF Display" panose="00000500000000000000" pitchFamily="50" charset="0"/>
                 <a:cs typeface="Menlo-Regular"/>
               </a:rPr>
-              <a:t>() &amp;&amp; </a:t>
+              <a:t>(at: [</a:t>
             </a:r>
             <a:r>
               <a:rPr lang="en-US" sz="600" b="1" dirty="0" err="1" smtClean="0">
                 <a:solidFill>
-                  <a:srgbClr val="26474B"/>
-                </a:solidFill>
-                <a:latin typeface="SF Display" panose="00000500000000000000" pitchFamily="50" charset="0"/>
-                <a:ea typeface="SF Display" panose="00000500000000000000" pitchFamily="50" charset="0"/>
-                <a:cs typeface="Menlo-Regular"/>
-              </a:rPr>
-              <a:t>mealMatchesSearch</a:t>
+                  <a:srgbClr val="000000"/>
+                </a:solidFill>
+                <a:latin typeface="SF Display" panose="00000500000000000000" pitchFamily="50" charset="0"/>
+                <a:ea typeface="SF Display" panose="00000500000000000000" pitchFamily="50" charset="0"/>
+                <a:cs typeface="Menlo-Regular"/>
+              </a:rPr>
+              <a:t>indexPath</a:t>
             </a:r>
             <a:r>
               <a:rPr lang="en-US" sz="600" b="1" dirty="0" smtClean="0">
@@ -19851,84 +19786,18 @@
                 <a:ea typeface="SF Display" panose="00000500000000000000" pitchFamily="50" charset="0"/>
                 <a:cs typeface="Menlo-Regular"/>
               </a:rPr>
-              <a:t>(meal: meal, </a:t>
-            </a:r>
-            <a:r>
-              <a:rPr lang="en-US" sz="600" b="1" dirty="0" err="1" smtClean="0">
-                <a:solidFill>
-                  <a:srgbClr val="000000"/>
-                </a:solidFill>
-                <a:latin typeface="SF Display" panose="00000500000000000000" pitchFamily="50" charset="0"/>
-                <a:ea typeface="SF Display" panose="00000500000000000000" pitchFamily="50" charset="0"/>
-                <a:cs typeface="Menlo-Regular"/>
-              </a:rPr>
-              <a:t>searchText</a:t>
+              <a:t>], with: .</a:t>
             </a:r>
             <a:r>
               <a:rPr lang="en-US" sz="600" b="1" dirty="0" smtClean="0">
                 <a:solidFill>
-                  <a:srgbClr val="000000"/>
-                </a:solidFill>
-                <a:latin typeface="SF Display" panose="00000500000000000000" pitchFamily="50" charset="0"/>
-                <a:ea typeface="SF Display" panose="00000500000000000000" pitchFamily="50" charset="0"/>
-                <a:cs typeface="Menlo-Regular"/>
-              </a:rPr>
-              <a:t>: </a:t>
-            </a:r>
-            <a:r>
-              <a:rPr lang="en-US" sz="600" b="1" dirty="0" err="1" smtClean="0">
-                <a:solidFill>
-                  <a:srgbClr val="3F6E74"/>
-                </a:solidFill>
-                <a:latin typeface="SF Display" panose="00000500000000000000" pitchFamily="50" charset="0"/>
-                <a:ea typeface="SF Display" panose="00000500000000000000" pitchFamily="50" charset="0"/>
-                <a:cs typeface="Menlo-Regular"/>
-              </a:rPr>
-              <a:t>searchController</a:t>
-            </a:r>
-            <a:r>
-              <a:rPr lang="en-US" sz="600" b="1" dirty="0" err="1" smtClean="0">
-                <a:solidFill>
-                  <a:srgbClr val="000000"/>
-                </a:solidFill>
-                <a:latin typeface="SF Display" panose="00000500000000000000" pitchFamily="50" charset="0"/>
-                <a:ea typeface="SF Display" panose="00000500000000000000" pitchFamily="50" charset="0"/>
-                <a:cs typeface="Menlo-Regular"/>
-              </a:rPr>
-              <a:t>.</a:t>
-            </a:r>
-            <a:r>
-              <a:rPr lang="en-US" sz="600" b="1" dirty="0" err="1" smtClean="0">
-                <a:solidFill>
-                  <a:srgbClr val="5C2699"/>
-                </a:solidFill>
-                <a:latin typeface="SF Display" panose="00000500000000000000" pitchFamily="50" charset="0"/>
-                <a:ea typeface="SF Display" panose="00000500000000000000" pitchFamily="50" charset="0"/>
-                <a:cs typeface="Menlo-Regular"/>
-              </a:rPr>
-              <a:t>searchBar</a:t>
-            </a:r>
-            <a:r>
-              <a:rPr lang="en-US" sz="600" b="1" dirty="0" err="1" smtClean="0">
-                <a:solidFill>
-                  <a:srgbClr val="000000"/>
-                </a:solidFill>
-                <a:latin typeface="SF Display" panose="00000500000000000000" pitchFamily="50" charset="0"/>
-                <a:ea typeface="SF Display" panose="00000500000000000000" pitchFamily="50" charset="0"/>
-                <a:cs typeface="Menlo-Regular"/>
-              </a:rPr>
-              <a:t>.</a:t>
-            </a:r>
-            <a:r>
-              <a:rPr lang="en-US" sz="600" b="1" dirty="0" err="1" smtClean="0">
-                <a:solidFill>
-                  <a:srgbClr val="5C2699"/>
-                </a:solidFill>
-                <a:latin typeface="SF Display" panose="00000500000000000000" pitchFamily="50" charset="0"/>
-                <a:ea typeface="SF Display" panose="00000500000000000000" pitchFamily="50" charset="0"/>
-                <a:cs typeface="Menlo-Regular"/>
-              </a:rPr>
-              <a:t>text</a:t>
+                  <a:srgbClr val="2E0D6E"/>
+                </a:solidFill>
+                <a:latin typeface="SF Display" panose="00000500000000000000" pitchFamily="50" charset="0"/>
+                <a:ea typeface="SF Display" panose="00000500000000000000" pitchFamily="50" charset="0"/>
+                <a:cs typeface="Menlo-Regular"/>
+              </a:rPr>
+              <a:t>automatic</a:t>
             </a:r>
             <a:r>
               <a:rPr lang="en-US" sz="600" b="1" dirty="0" smtClean="0">
@@ -19939,7 +19808,7 @@
                 <a:ea typeface="SF Display" panose="00000500000000000000" pitchFamily="50" charset="0"/>
                 <a:cs typeface="Menlo-Regular"/>
               </a:rPr>
-              <a:t>!) {</a:t>
+              <a:t>)</a:t>
             </a:r>
             <a:endParaRPr lang="es-ES" sz="600" dirty="0" smtClean="0">
               <a:latin typeface="SF Display" panose="00000500000000000000" pitchFamily="50" charset="0"/>
@@ -19968,857 +19837,20 @@
                 </a:solidFill>
                 <a:latin typeface="SF Display" panose="00000500000000000000" pitchFamily="50" charset="0"/>
                 <a:ea typeface="SF Display" panose="00000500000000000000" pitchFamily="50" charset="0"/>
-                <a:cs typeface="Times New Roman" panose="02020603050405020304" pitchFamily="18" charset="0"/>
-              </a:rPr>
-              <a:t>		</a:t>
-            </a:r>
-            <a:r>
-              <a:rPr lang="en-US" sz="600" b="1" dirty="0" err="1" smtClean="0">
-                <a:solidFill>
-                  <a:srgbClr val="000000"/>
-                </a:solidFill>
-                <a:latin typeface="SF Display" panose="00000500000000000000" pitchFamily="50" charset="0"/>
-                <a:ea typeface="SF Display" panose="00000500000000000000" pitchFamily="50" charset="0"/>
-                <a:cs typeface="Menlo-Regular"/>
-              </a:rPr>
-              <a:t>newIndexPath</a:t>
-            </a:r>
-            <a:r>
-              <a:rPr lang="en-US" sz="600" b="1" dirty="0" smtClean="0">
-                <a:solidFill>
-                  <a:srgbClr val="000000"/>
-                </a:solidFill>
-                <a:latin typeface="SF Display" panose="00000500000000000000" pitchFamily="50" charset="0"/>
-                <a:ea typeface="SF Display" panose="00000500000000000000" pitchFamily="50" charset="0"/>
-                <a:cs typeface="Menlo-Regular"/>
-              </a:rPr>
-              <a:t> = </a:t>
-            </a:r>
-            <a:r>
-              <a:rPr lang="en-US" sz="600" b="1" dirty="0" err="1" smtClean="0">
-                <a:solidFill>
-                  <a:srgbClr val="5C2699"/>
-                </a:solidFill>
-                <a:latin typeface="SF Display" panose="00000500000000000000" pitchFamily="50" charset="0"/>
-                <a:ea typeface="SF Display" panose="00000500000000000000" pitchFamily="50" charset="0"/>
-                <a:cs typeface="Menlo-Regular"/>
-              </a:rPr>
-              <a:t>IndexPath</a:t>
-            </a:r>
-            <a:r>
-              <a:rPr lang="en-US" sz="600" b="1" dirty="0" smtClean="0">
-                <a:solidFill>
-                  <a:srgbClr val="000000"/>
-                </a:solidFill>
-                <a:latin typeface="SF Display" panose="00000500000000000000" pitchFamily="50" charset="0"/>
-                <a:ea typeface="SF Display" panose="00000500000000000000" pitchFamily="50" charset="0"/>
-                <a:cs typeface="Menlo-Regular"/>
-              </a:rPr>
-              <a:t>(row: </a:t>
-            </a:r>
-            <a:r>
-              <a:rPr lang="en-US" sz="600" b="1" dirty="0" err="1" smtClean="0">
-                <a:solidFill>
-                  <a:srgbClr val="3F6E74"/>
-                </a:solidFill>
-                <a:latin typeface="SF Display" panose="00000500000000000000" pitchFamily="50" charset="0"/>
-                <a:ea typeface="SF Display" panose="00000500000000000000" pitchFamily="50" charset="0"/>
-                <a:cs typeface="Menlo-Regular"/>
-              </a:rPr>
-              <a:t>filteredMeals</a:t>
-            </a:r>
-            <a:r>
-              <a:rPr lang="en-US" sz="600" b="1" dirty="0" err="1" smtClean="0">
-                <a:solidFill>
-                  <a:srgbClr val="000000"/>
-                </a:solidFill>
-                <a:latin typeface="SF Display" panose="00000500000000000000" pitchFamily="50" charset="0"/>
-                <a:ea typeface="SF Display" panose="00000500000000000000" pitchFamily="50" charset="0"/>
-                <a:cs typeface="Menlo-Regular"/>
-              </a:rPr>
-              <a:t>.</a:t>
-            </a:r>
-            <a:r>
-              <a:rPr lang="en-US" sz="600" b="1" dirty="0" err="1" smtClean="0">
-                <a:solidFill>
-                  <a:srgbClr val="5C2699"/>
-                </a:solidFill>
-                <a:latin typeface="SF Display" panose="00000500000000000000" pitchFamily="50" charset="0"/>
-                <a:ea typeface="SF Display" panose="00000500000000000000" pitchFamily="50" charset="0"/>
-                <a:cs typeface="Menlo-Regular"/>
-              </a:rPr>
-              <a:t>count</a:t>
-            </a:r>
-            <a:r>
-              <a:rPr lang="en-US" sz="600" b="1" dirty="0" smtClean="0">
-                <a:solidFill>
-                  <a:srgbClr val="000000"/>
-                </a:solidFill>
-                <a:latin typeface="SF Display" panose="00000500000000000000" pitchFamily="50" charset="0"/>
-                <a:ea typeface="SF Display" panose="00000500000000000000" pitchFamily="50" charset="0"/>
-                <a:cs typeface="Menlo-Regular"/>
-              </a:rPr>
-              <a:t>, section: </a:t>
-            </a:r>
-            <a:r>
-              <a:rPr lang="en-US" sz="600" b="1" dirty="0" smtClean="0">
-                <a:solidFill>
-                  <a:srgbClr val="1C00CF"/>
-                </a:solidFill>
-                <a:latin typeface="SF Display" panose="00000500000000000000" pitchFamily="50" charset="0"/>
-                <a:ea typeface="SF Display" panose="00000500000000000000" pitchFamily="50" charset="0"/>
-                <a:cs typeface="Menlo-Regular"/>
-              </a:rPr>
-              <a:t>0</a:t>
-            </a:r>
-            <a:r>
-              <a:rPr lang="en-US" sz="600" b="1" dirty="0" smtClean="0">
-                <a:solidFill>
-                  <a:srgbClr val="000000"/>
-                </a:solidFill>
-                <a:latin typeface="SF Display" panose="00000500000000000000" pitchFamily="50" charset="0"/>
-                <a:ea typeface="SF Display" panose="00000500000000000000" pitchFamily="50" charset="0"/>
-                <a:cs typeface="Menlo-Regular"/>
-              </a:rPr>
-              <a:t>)</a:t>
-            </a:r>
-            <a:endParaRPr lang="es-ES" sz="600" dirty="0" smtClean="0">
-              <a:latin typeface="SF Display" panose="00000500000000000000" pitchFamily="50" charset="0"/>
-              <a:ea typeface="SF Display" panose="00000500000000000000" pitchFamily="50" charset="0"/>
-              <a:cs typeface="Times New Roman" panose="02020603050405020304" pitchFamily="18" charset="0"/>
-            </a:endParaRPr>
-          </a:p>
-          <a:p>
-            <a:pPr marL="76200" indent="0">
-              <a:lnSpc>
-                <a:spcPct val="107000"/>
-              </a:lnSpc>
-              <a:spcBef>
-                <a:spcPts val="0"/>
-              </a:spcBef>
-              <a:buFont typeface="Source Sans Pro"/>
-              <a:buNone/>
-              <a:tabLst>
-                <a:tab pos="344805" algn="l"/>
-              </a:tabLst>
-            </a:pPr>
-            <a:r>
-              <a:rPr lang="en-US" sz="600" b="1" dirty="0" smtClean="0">
-                <a:solidFill>
-                  <a:srgbClr val="3F6E74"/>
-                </a:solidFill>
-                <a:latin typeface="SF Display" panose="00000500000000000000" pitchFamily="50" charset="0"/>
-                <a:ea typeface="SF Display" panose="00000500000000000000" pitchFamily="50" charset="0"/>
-                <a:cs typeface="Menlo-Regular"/>
-              </a:rPr>
-              <a:t>		</a:t>
-            </a:r>
-            <a:r>
-              <a:rPr lang="en-US" sz="600" b="1" dirty="0" err="1" smtClean="0">
-                <a:solidFill>
-                  <a:srgbClr val="3F6E74"/>
-                </a:solidFill>
-                <a:latin typeface="SF Display" panose="00000500000000000000" pitchFamily="50" charset="0"/>
-                <a:ea typeface="SF Display" panose="00000500000000000000" pitchFamily="50" charset="0"/>
-                <a:cs typeface="Menlo-Regular"/>
-              </a:rPr>
-              <a:t>filteredMeals</a:t>
-            </a:r>
-            <a:r>
-              <a:rPr lang="en-US" sz="600" b="1" dirty="0" err="1" smtClean="0">
-                <a:solidFill>
-                  <a:srgbClr val="000000"/>
-                </a:solidFill>
-                <a:latin typeface="SF Display" panose="00000500000000000000" pitchFamily="50" charset="0"/>
-                <a:ea typeface="SF Display" panose="00000500000000000000" pitchFamily="50" charset="0"/>
-                <a:cs typeface="Menlo-Regular"/>
-              </a:rPr>
-              <a:t>.</a:t>
-            </a:r>
-            <a:r>
-              <a:rPr lang="en-US" sz="600" b="1" dirty="0" err="1" smtClean="0">
-                <a:solidFill>
-                  <a:srgbClr val="2E0D6E"/>
-                </a:solidFill>
-                <a:latin typeface="SF Display" panose="00000500000000000000" pitchFamily="50" charset="0"/>
-                <a:ea typeface="SF Display" panose="00000500000000000000" pitchFamily="50" charset="0"/>
-                <a:cs typeface="Menlo-Regular"/>
-              </a:rPr>
-              <a:t>append</a:t>
-            </a:r>
-            <a:r>
-              <a:rPr lang="en-US" sz="600" b="1" dirty="0" smtClean="0">
-                <a:solidFill>
-                  <a:srgbClr val="000000"/>
-                </a:solidFill>
-                <a:latin typeface="SF Display" panose="00000500000000000000" pitchFamily="50" charset="0"/>
-                <a:ea typeface="SF Display" panose="00000500000000000000" pitchFamily="50" charset="0"/>
-                <a:cs typeface="Menlo-Regular"/>
-              </a:rPr>
-              <a:t>(meal)</a:t>
-            </a:r>
-          </a:p>
-          <a:p>
-            <a:pPr marL="76200" indent="0">
-              <a:lnSpc>
-                <a:spcPct val="107000"/>
-              </a:lnSpc>
-              <a:spcBef>
-                <a:spcPts val="0"/>
-              </a:spcBef>
-              <a:buFont typeface="Source Sans Pro"/>
-              <a:buNone/>
-              <a:tabLst>
-                <a:tab pos="344805" algn="l"/>
-              </a:tabLst>
-            </a:pPr>
-            <a:endParaRPr lang="es-ES" sz="600" dirty="0" smtClean="0">
-              <a:latin typeface="SF Display" panose="00000500000000000000" pitchFamily="50" charset="0"/>
-              <a:ea typeface="SF Display" panose="00000500000000000000" pitchFamily="50" charset="0"/>
-              <a:cs typeface="Times New Roman" panose="02020603050405020304" pitchFamily="18" charset="0"/>
-            </a:endParaRPr>
-          </a:p>
-          <a:p>
-            <a:pPr marL="76200" indent="0">
-              <a:lnSpc>
-                <a:spcPct val="107000"/>
-              </a:lnSpc>
-              <a:spcBef>
-                <a:spcPts val="0"/>
-              </a:spcBef>
-              <a:buFont typeface="Source Sans Pro"/>
-              <a:buNone/>
-              <a:tabLst>
-                <a:tab pos="344805" algn="l"/>
-              </a:tabLst>
-            </a:pPr>
-            <a:r>
-              <a:rPr lang="en-US" sz="600" b="1" dirty="0" smtClean="0">
-                <a:solidFill>
-                  <a:srgbClr val="000000"/>
-                </a:solidFill>
-                <a:latin typeface="SF Display" panose="00000500000000000000" pitchFamily="50" charset="0"/>
-                <a:ea typeface="SF Display" panose="00000500000000000000" pitchFamily="50" charset="0"/>
-                <a:cs typeface="Menlo-Regular"/>
-              </a:rPr>
-              <a:t>	                   } </a:t>
-            </a:r>
-            <a:r>
-              <a:rPr lang="en-US" sz="600" b="1" dirty="0" smtClean="0">
-                <a:solidFill>
-                  <a:srgbClr val="AA0D91"/>
-                </a:solidFill>
-                <a:latin typeface="SF Display" panose="00000500000000000000" pitchFamily="50" charset="0"/>
-                <a:ea typeface="SF Display" panose="00000500000000000000" pitchFamily="50" charset="0"/>
-                <a:cs typeface="Menlo-Regular"/>
-              </a:rPr>
-              <a:t>else</a:t>
-            </a:r>
-            <a:r>
-              <a:rPr lang="en-US" sz="600" b="1" dirty="0" smtClean="0">
-                <a:solidFill>
-                  <a:srgbClr val="000000"/>
-                </a:solidFill>
-                <a:latin typeface="SF Display" panose="00000500000000000000" pitchFamily="50" charset="0"/>
-                <a:ea typeface="SF Display" panose="00000500000000000000" pitchFamily="50" charset="0"/>
                 <a:cs typeface="Menlo-Regular"/>
               </a:rPr>
               <a:t> </a:t>
             </a:r>
             <a:r>
-              <a:rPr lang="en-US" sz="600" b="1" dirty="0" smtClean="0">
-                <a:solidFill>
-                  <a:srgbClr val="AA0D91"/>
-                </a:solidFill>
-                <a:latin typeface="SF Display" panose="00000500000000000000" pitchFamily="50" charset="0"/>
-                <a:ea typeface="SF Display" panose="00000500000000000000" pitchFamily="50" charset="0"/>
-                <a:cs typeface="Menlo-Regular"/>
-              </a:rPr>
-              <a:t>if</a:t>
-            </a:r>
-            <a:r>
-              <a:rPr lang="en-US" sz="600" b="1" dirty="0" smtClean="0">
-                <a:solidFill>
-                  <a:srgbClr val="000000"/>
-                </a:solidFill>
-                <a:latin typeface="SF Display" panose="00000500000000000000" pitchFamily="50" charset="0"/>
-                <a:ea typeface="SF Display" panose="00000500000000000000" pitchFamily="50" charset="0"/>
-                <a:cs typeface="Menlo-Regular"/>
-              </a:rPr>
-              <a:t> !</a:t>
-            </a:r>
-            <a:r>
-              <a:rPr lang="en-US" sz="600" b="1" dirty="0" err="1" smtClean="0">
-                <a:solidFill>
-                  <a:srgbClr val="26474B"/>
-                </a:solidFill>
-                <a:latin typeface="SF Display" panose="00000500000000000000" pitchFamily="50" charset="0"/>
-                <a:ea typeface="SF Display" panose="00000500000000000000" pitchFamily="50" charset="0"/>
-                <a:cs typeface="Menlo-Regular"/>
-              </a:rPr>
-              <a:t>isFiltering</a:t>
-            </a:r>
-            <a:r>
-              <a:rPr lang="en-US" sz="600" b="1" dirty="0" smtClean="0">
-                <a:solidFill>
-                  <a:srgbClr val="000000"/>
-                </a:solidFill>
-                <a:latin typeface="SF Display" panose="00000500000000000000" pitchFamily="50" charset="0"/>
-                <a:ea typeface="SF Display" panose="00000500000000000000" pitchFamily="50" charset="0"/>
-                <a:cs typeface="Menlo-Regular"/>
-              </a:rPr>
-              <a:t>() {</a:t>
-            </a:r>
-            <a:endParaRPr lang="es-ES" sz="600" dirty="0" smtClean="0">
-              <a:latin typeface="SF Display" panose="00000500000000000000" pitchFamily="50" charset="0"/>
-              <a:ea typeface="SF Display" panose="00000500000000000000" pitchFamily="50" charset="0"/>
-              <a:cs typeface="Times New Roman" panose="02020603050405020304" pitchFamily="18" charset="0"/>
-            </a:endParaRPr>
-          </a:p>
-          <a:p>
-            <a:pPr marL="76200" indent="0">
-              <a:lnSpc>
-                <a:spcPct val="107000"/>
-              </a:lnSpc>
-              <a:spcBef>
-                <a:spcPts val="0"/>
-              </a:spcBef>
-              <a:buFont typeface="Source Sans Pro"/>
-              <a:buNone/>
-              <a:tabLst>
-                <a:tab pos="344805" algn="l"/>
-              </a:tabLst>
-            </a:pPr>
-            <a:r>
-              <a:rPr lang="en-US" sz="600" b="1" dirty="0" smtClean="0">
-                <a:solidFill>
-                  <a:srgbClr val="000000"/>
-                </a:solidFill>
-                <a:latin typeface="SF Display" panose="00000500000000000000" pitchFamily="50" charset="0"/>
-                <a:ea typeface="SF Display" panose="00000500000000000000" pitchFamily="50" charset="0"/>
-                <a:cs typeface="Menlo-Regular"/>
-              </a:rPr>
-              <a:t>		 </a:t>
-            </a:r>
-            <a:r>
-              <a:rPr lang="en-US" sz="600" b="1" dirty="0" err="1" smtClean="0">
-                <a:solidFill>
-                  <a:srgbClr val="000000"/>
-                </a:solidFill>
-                <a:latin typeface="SF Display" panose="00000500000000000000" pitchFamily="50" charset="0"/>
-                <a:ea typeface="SF Display" panose="00000500000000000000" pitchFamily="50" charset="0"/>
-                <a:cs typeface="Menlo-Regular"/>
-              </a:rPr>
-              <a:t>newIndexPath</a:t>
-            </a:r>
-            <a:r>
-              <a:rPr lang="en-US" sz="600" b="1" dirty="0" smtClean="0">
-                <a:solidFill>
-                  <a:srgbClr val="000000"/>
-                </a:solidFill>
-                <a:latin typeface="SF Display" panose="00000500000000000000" pitchFamily="50" charset="0"/>
-                <a:ea typeface="SF Display" panose="00000500000000000000" pitchFamily="50" charset="0"/>
-                <a:cs typeface="Menlo-Regular"/>
-              </a:rPr>
-              <a:t> = </a:t>
-            </a:r>
-            <a:r>
-              <a:rPr lang="en-US" sz="600" b="1" dirty="0" err="1" smtClean="0">
-                <a:solidFill>
-                  <a:srgbClr val="5C2699"/>
-                </a:solidFill>
-                <a:latin typeface="SF Display" panose="00000500000000000000" pitchFamily="50" charset="0"/>
-                <a:ea typeface="SF Display" panose="00000500000000000000" pitchFamily="50" charset="0"/>
-                <a:cs typeface="Menlo-Regular"/>
-              </a:rPr>
-              <a:t>IndexPath</a:t>
-            </a:r>
-            <a:r>
-              <a:rPr lang="en-US" sz="600" b="1" dirty="0" smtClean="0">
-                <a:solidFill>
-                  <a:srgbClr val="000000"/>
-                </a:solidFill>
-                <a:latin typeface="SF Display" panose="00000500000000000000" pitchFamily="50" charset="0"/>
-                <a:ea typeface="SF Display" panose="00000500000000000000" pitchFamily="50" charset="0"/>
-                <a:cs typeface="Menlo-Regular"/>
-              </a:rPr>
-              <a:t>(row: </a:t>
-            </a:r>
-            <a:r>
-              <a:rPr lang="en-US" sz="600" b="1" dirty="0" err="1" smtClean="0">
-                <a:solidFill>
-                  <a:srgbClr val="3F6E74"/>
-                </a:solidFill>
-                <a:latin typeface="SF Display" panose="00000500000000000000" pitchFamily="50" charset="0"/>
-                <a:ea typeface="SF Display" panose="00000500000000000000" pitchFamily="50" charset="0"/>
-                <a:cs typeface="Menlo-Regular"/>
-              </a:rPr>
-              <a:t>meals</a:t>
-            </a:r>
-            <a:r>
-              <a:rPr lang="en-US" sz="600" b="1" dirty="0" err="1" smtClean="0">
-                <a:solidFill>
-                  <a:srgbClr val="000000"/>
-                </a:solidFill>
-                <a:latin typeface="SF Display" panose="00000500000000000000" pitchFamily="50" charset="0"/>
-                <a:ea typeface="SF Display" panose="00000500000000000000" pitchFamily="50" charset="0"/>
-                <a:cs typeface="Menlo-Regular"/>
-              </a:rPr>
-              <a:t>.</a:t>
-            </a:r>
-            <a:r>
-              <a:rPr lang="en-US" sz="600" b="1" dirty="0" err="1" smtClean="0">
-                <a:solidFill>
-                  <a:srgbClr val="5C2699"/>
-                </a:solidFill>
-                <a:latin typeface="SF Display" panose="00000500000000000000" pitchFamily="50" charset="0"/>
-                <a:ea typeface="SF Display" panose="00000500000000000000" pitchFamily="50" charset="0"/>
-                <a:cs typeface="Menlo-Regular"/>
-              </a:rPr>
-              <a:t>count</a:t>
-            </a:r>
-            <a:r>
-              <a:rPr lang="en-US" sz="600" b="1" dirty="0" smtClean="0">
-                <a:solidFill>
-                  <a:srgbClr val="000000"/>
-                </a:solidFill>
-                <a:latin typeface="SF Display" panose="00000500000000000000" pitchFamily="50" charset="0"/>
-                <a:ea typeface="SF Display" panose="00000500000000000000" pitchFamily="50" charset="0"/>
-                <a:cs typeface="Menlo-Regular"/>
-              </a:rPr>
-              <a:t>, section: </a:t>
-            </a:r>
-            <a:r>
-              <a:rPr lang="en-US" sz="600" b="1" dirty="0" smtClean="0">
-                <a:solidFill>
-                  <a:srgbClr val="1C00CF"/>
-                </a:solidFill>
-                <a:latin typeface="SF Display" panose="00000500000000000000" pitchFamily="50" charset="0"/>
-                <a:ea typeface="SF Display" panose="00000500000000000000" pitchFamily="50" charset="0"/>
-                <a:cs typeface="Menlo-Regular"/>
-              </a:rPr>
-              <a:t>0</a:t>
-            </a:r>
-            <a:r>
-              <a:rPr lang="en-US" sz="600" b="1" dirty="0" smtClean="0">
-                <a:solidFill>
-                  <a:srgbClr val="000000"/>
-                </a:solidFill>
-                <a:latin typeface="SF Display" panose="00000500000000000000" pitchFamily="50" charset="0"/>
-                <a:ea typeface="SF Display" panose="00000500000000000000" pitchFamily="50" charset="0"/>
-                <a:cs typeface="Menlo-Regular"/>
-              </a:rPr>
-              <a:t>)</a:t>
-            </a:r>
-            <a:endParaRPr lang="es-ES" sz="600" dirty="0" smtClean="0">
-              <a:latin typeface="SF Display" panose="00000500000000000000" pitchFamily="50" charset="0"/>
-              <a:ea typeface="SF Display" panose="00000500000000000000" pitchFamily="50" charset="0"/>
-              <a:cs typeface="Times New Roman" panose="02020603050405020304" pitchFamily="18" charset="0"/>
-            </a:endParaRPr>
-          </a:p>
-          <a:p>
-            <a:pPr marL="76200" indent="0">
-              <a:lnSpc>
-                <a:spcPct val="107000"/>
-              </a:lnSpc>
-              <a:spcBef>
-                <a:spcPts val="0"/>
-              </a:spcBef>
-              <a:buFont typeface="Source Sans Pro"/>
-              <a:buNone/>
-              <a:tabLst>
-                <a:tab pos="344805" algn="l"/>
-              </a:tabLst>
-            </a:pPr>
-            <a:r>
-              <a:rPr lang="en-US" sz="600" b="1" dirty="0" smtClean="0">
-                <a:solidFill>
-                  <a:srgbClr val="000000"/>
-                </a:solidFill>
-                <a:latin typeface="SF Display" panose="00000500000000000000" pitchFamily="50" charset="0"/>
-                <a:ea typeface="SF Display" panose="00000500000000000000" pitchFamily="50" charset="0"/>
-                <a:cs typeface="Menlo-Regular"/>
-              </a:rPr>
-              <a:t>	                   }</a:t>
-            </a:r>
-            <a:endParaRPr lang="es-ES" sz="600" dirty="0" smtClean="0">
-              <a:latin typeface="SF Display" panose="00000500000000000000" pitchFamily="50" charset="0"/>
-              <a:ea typeface="SF Display" panose="00000500000000000000" pitchFamily="50" charset="0"/>
-              <a:cs typeface="Times New Roman" panose="02020603050405020304" pitchFamily="18" charset="0"/>
-            </a:endParaRPr>
-          </a:p>
-          <a:p>
-            <a:pPr marL="76200" indent="0">
-              <a:lnSpc>
-                <a:spcPct val="107000"/>
-              </a:lnSpc>
-              <a:spcBef>
-                <a:spcPts val="0"/>
-              </a:spcBef>
-              <a:buFont typeface="Source Sans Pro"/>
-              <a:buNone/>
-              <a:tabLst>
-                <a:tab pos="344805" algn="l"/>
-              </a:tabLst>
-            </a:pPr>
-            <a:r>
-              <a:rPr lang="en-US" sz="600" b="1" dirty="0" smtClean="0">
-                <a:solidFill>
-                  <a:srgbClr val="000000"/>
-                </a:solidFill>
-                <a:latin typeface="SF Display" panose="00000500000000000000" pitchFamily="50" charset="0"/>
-                <a:ea typeface="SF Display" panose="00000500000000000000" pitchFamily="50" charset="0"/>
-                <a:cs typeface="Menlo-Regular"/>
-              </a:rPr>
-              <a:t>       </a:t>
-            </a:r>
-            <a:endParaRPr lang="es-ES" sz="600" dirty="0" smtClean="0">
-              <a:latin typeface="SF Display" panose="00000500000000000000" pitchFamily="50" charset="0"/>
-              <a:ea typeface="SF Display" panose="00000500000000000000" pitchFamily="50" charset="0"/>
-              <a:cs typeface="Times New Roman" panose="02020603050405020304" pitchFamily="18" charset="0"/>
-            </a:endParaRPr>
-          </a:p>
-          <a:p>
-            <a:pPr marL="76200" indent="0">
-              <a:lnSpc>
-                <a:spcPct val="107000"/>
-              </a:lnSpc>
-              <a:spcBef>
-                <a:spcPts val="0"/>
-              </a:spcBef>
-              <a:buFont typeface="Source Sans Pro"/>
-              <a:buNone/>
-              <a:tabLst>
-                <a:tab pos="344805" algn="l"/>
-              </a:tabLst>
-            </a:pPr>
-            <a:r>
-              <a:rPr lang="en-US" sz="600" b="1" dirty="0" smtClean="0">
-                <a:solidFill>
-                  <a:srgbClr val="3F6E74"/>
+              <a:rPr lang="es-ES" sz="600" b="1" dirty="0" smtClean="0">
+                <a:solidFill>
+                  <a:srgbClr val="000000"/>
                 </a:solidFill>
                 <a:latin typeface="SF Display" panose="00000500000000000000" pitchFamily="50" charset="0"/>
                 <a:ea typeface="SF Display" panose="00000500000000000000" pitchFamily="50" charset="0"/>
                 <a:cs typeface="Menlo-Regular"/>
               </a:rPr>
               <a:t>	                   </a:t>
-            </a:r>
-            <a:r>
-              <a:rPr lang="en-US" sz="600" b="1" dirty="0" err="1" smtClean="0">
-                <a:solidFill>
-                  <a:srgbClr val="3F6E74"/>
-                </a:solidFill>
-                <a:latin typeface="SF Display" panose="00000500000000000000" pitchFamily="50" charset="0"/>
-                <a:ea typeface="SF Display" panose="00000500000000000000" pitchFamily="50" charset="0"/>
-                <a:cs typeface="Menlo-Regular"/>
-              </a:rPr>
-              <a:t>meals</a:t>
-            </a:r>
-            <a:r>
-              <a:rPr lang="en-US" sz="600" b="1" dirty="0" err="1" smtClean="0">
-                <a:solidFill>
-                  <a:srgbClr val="000000"/>
-                </a:solidFill>
-                <a:latin typeface="SF Display" panose="00000500000000000000" pitchFamily="50" charset="0"/>
-                <a:ea typeface="SF Display" panose="00000500000000000000" pitchFamily="50" charset="0"/>
-                <a:cs typeface="Menlo-Regular"/>
-              </a:rPr>
-              <a:t>.</a:t>
-            </a:r>
-            <a:r>
-              <a:rPr lang="en-US" sz="600" b="1" dirty="0" err="1" smtClean="0">
-                <a:solidFill>
-                  <a:srgbClr val="2E0D6E"/>
-                </a:solidFill>
-                <a:latin typeface="SF Display" panose="00000500000000000000" pitchFamily="50" charset="0"/>
-                <a:ea typeface="SF Display" panose="00000500000000000000" pitchFamily="50" charset="0"/>
-                <a:cs typeface="Menlo-Regular"/>
-              </a:rPr>
-              <a:t>append</a:t>
-            </a:r>
-            <a:r>
-              <a:rPr lang="en-US" sz="600" b="1" dirty="0" smtClean="0">
-                <a:solidFill>
-                  <a:srgbClr val="000000"/>
-                </a:solidFill>
-                <a:latin typeface="SF Display" panose="00000500000000000000" pitchFamily="50" charset="0"/>
-                <a:ea typeface="SF Display" panose="00000500000000000000" pitchFamily="50" charset="0"/>
-                <a:cs typeface="Menlo-Regular"/>
-              </a:rPr>
-              <a:t>(meal)</a:t>
-            </a:r>
-          </a:p>
-          <a:p>
-            <a:pPr marL="76200" indent="0">
-              <a:lnSpc>
-                <a:spcPct val="107000"/>
-              </a:lnSpc>
-              <a:spcBef>
-                <a:spcPts val="0"/>
-              </a:spcBef>
-              <a:buFont typeface="Source Sans Pro"/>
-              <a:buNone/>
-              <a:tabLst>
-                <a:tab pos="344805" algn="l"/>
-              </a:tabLst>
-            </a:pPr>
-            <a:endParaRPr lang="es-ES" sz="600" dirty="0" smtClean="0">
-              <a:latin typeface="SF Display" panose="00000500000000000000" pitchFamily="50" charset="0"/>
-              <a:ea typeface="SF Display" panose="00000500000000000000" pitchFamily="50" charset="0"/>
-              <a:cs typeface="Times New Roman" panose="02020603050405020304" pitchFamily="18" charset="0"/>
-            </a:endParaRPr>
-          </a:p>
-          <a:p>
-            <a:pPr marL="76200" indent="0">
-              <a:lnSpc>
-                <a:spcPct val="107000"/>
-              </a:lnSpc>
-              <a:spcBef>
-                <a:spcPts val="0"/>
-              </a:spcBef>
-              <a:buFont typeface="Source Sans Pro"/>
-              <a:buNone/>
-              <a:tabLst>
-                <a:tab pos="344805" algn="l"/>
-              </a:tabLst>
-            </a:pPr>
-            <a:r>
-              <a:rPr lang="en-US" sz="600" b="1" dirty="0" smtClean="0">
-                <a:solidFill>
-                  <a:srgbClr val="AA0D91"/>
-                </a:solidFill>
-                <a:latin typeface="SF Display" panose="00000500000000000000" pitchFamily="50" charset="0"/>
-                <a:ea typeface="SF Display" panose="00000500000000000000" pitchFamily="50" charset="0"/>
-                <a:cs typeface="Menlo-Regular"/>
-              </a:rPr>
-              <a:t>	                   if</a:t>
-            </a:r>
-            <a:r>
-              <a:rPr lang="en-US" sz="600" b="1" dirty="0" smtClean="0">
-                <a:solidFill>
-                  <a:srgbClr val="000000"/>
-                </a:solidFill>
-                <a:latin typeface="SF Display" panose="00000500000000000000" pitchFamily="50" charset="0"/>
-                <a:ea typeface="SF Display" panose="00000500000000000000" pitchFamily="50" charset="0"/>
-                <a:cs typeface="Menlo-Regular"/>
-              </a:rPr>
-              <a:t> </a:t>
-            </a:r>
-            <a:r>
-              <a:rPr lang="en-US" sz="600" b="1" dirty="0" smtClean="0">
-                <a:solidFill>
-                  <a:srgbClr val="AA0D91"/>
-                </a:solidFill>
-                <a:latin typeface="SF Display" panose="00000500000000000000" pitchFamily="50" charset="0"/>
-                <a:ea typeface="SF Display" panose="00000500000000000000" pitchFamily="50" charset="0"/>
-                <a:cs typeface="Menlo-Regular"/>
-              </a:rPr>
-              <a:t>let</a:t>
-            </a:r>
-            <a:r>
-              <a:rPr lang="en-US" sz="600" b="1" dirty="0" smtClean="0">
-                <a:solidFill>
-                  <a:srgbClr val="000000"/>
-                </a:solidFill>
-                <a:latin typeface="SF Display" panose="00000500000000000000" pitchFamily="50" charset="0"/>
-                <a:ea typeface="SF Display" panose="00000500000000000000" pitchFamily="50" charset="0"/>
-                <a:cs typeface="Menlo-Regular"/>
-              </a:rPr>
-              <a:t> </a:t>
-            </a:r>
-            <a:r>
-              <a:rPr lang="en-US" sz="600" b="1" dirty="0" err="1" smtClean="0">
-                <a:solidFill>
-                  <a:srgbClr val="000000"/>
-                </a:solidFill>
-                <a:latin typeface="SF Display" panose="00000500000000000000" pitchFamily="50" charset="0"/>
-                <a:ea typeface="SF Display" panose="00000500000000000000" pitchFamily="50" charset="0"/>
-                <a:cs typeface="Menlo-Regular"/>
-              </a:rPr>
-              <a:t>indexPath</a:t>
-            </a:r>
-            <a:r>
-              <a:rPr lang="en-US" sz="600" b="1" dirty="0" smtClean="0">
-                <a:solidFill>
-                  <a:srgbClr val="000000"/>
-                </a:solidFill>
-                <a:latin typeface="SF Display" panose="00000500000000000000" pitchFamily="50" charset="0"/>
-                <a:ea typeface="SF Display" panose="00000500000000000000" pitchFamily="50" charset="0"/>
-                <a:cs typeface="Menlo-Regular"/>
-              </a:rPr>
-              <a:t> = </a:t>
-            </a:r>
-            <a:r>
-              <a:rPr lang="en-US" sz="600" b="1" dirty="0" err="1" smtClean="0">
-                <a:solidFill>
-                  <a:srgbClr val="000000"/>
-                </a:solidFill>
-                <a:latin typeface="SF Display" panose="00000500000000000000" pitchFamily="50" charset="0"/>
-                <a:ea typeface="SF Display" panose="00000500000000000000" pitchFamily="50" charset="0"/>
-                <a:cs typeface="Menlo-Regular"/>
-              </a:rPr>
-              <a:t>newIndexPath</a:t>
-            </a:r>
-            <a:r>
-              <a:rPr lang="en-US" sz="600" b="1" dirty="0" smtClean="0">
-                <a:solidFill>
-                  <a:srgbClr val="000000"/>
-                </a:solidFill>
-                <a:latin typeface="SF Display" panose="00000500000000000000" pitchFamily="50" charset="0"/>
-                <a:ea typeface="SF Display" panose="00000500000000000000" pitchFamily="50" charset="0"/>
-                <a:cs typeface="Menlo-Regular"/>
-              </a:rPr>
-              <a:t> {</a:t>
-            </a:r>
-            <a:endParaRPr lang="es-ES" sz="600" dirty="0" smtClean="0">
-              <a:latin typeface="SF Display" panose="00000500000000000000" pitchFamily="50" charset="0"/>
-              <a:ea typeface="SF Display" panose="00000500000000000000" pitchFamily="50" charset="0"/>
-              <a:cs typeface="Times New Roman" panose="02020603050405020304" pitchFamily="18" charset="0"/>
-            </a:endParaRPr>
-          </a:p>
-          <a:p>
-            <a:pPr marL="76200" indent="0">
-              <a:lnSpc>
-                <a:spcPct val="107000"/>
-              </a:lnSpc>
-              <a:spcBef>
-                <a:spcPts val="0"/>
-              </a:spcBef>
-              <a:buFont typeface="Source Sans Pro"/>
-              <a:buNone/>
-              <a:tabLst>
-                <a:tab pos="344805" algn="l"/>
-              </a:tabLst>
-            </a:pPr>
-            <a:r>
-              <a:rPr lang="en-US" sz="600" b="1" dirty="0" smtClean="0">
-                <a:solidFill>
-                  <a:srgbClr val="5C2699"/>
-                </a:solidFill>
-                <a:latin typeface="SF Display" panose="00000500000000000000" pitchFamily="50" charset="0"/>
-                <a:ea typeface="SF Display" panose="00000500000000000000" pitchFamily="50" charset="0"/>
-                <a:cs typeface="Menlo-Regular"/>
-              </a:rPr>
-              <a:t>		</a:t>
-            </a:r>
-            <a:r>
-              <a:rPr lang="en-US" sz="600" b="1" dirty="0" err="1" smtClean="0">
-                <a:solidFill>
-                  <a:srgbClr val="5C2699"/>
-                </a:solidFill>
-                <a:latin typeface="SF Display" panose="00000500000000000000" pitchFamily="50" charset="0"/>
-                <a:ea typeface="SF Display" panose="00000500000000000000" pitchFamily="50" charset="0"/>
-                <a:cs typeface="Menlo-Regular"/>
-              </a:rPr>
-              <a:t>tableView</a:t>
-            </a:r>
-            <a:r>
-              <a:rPr lang="en-US" sz="600" b="1" dirty="0" err="1" smtClean="0">
-                <a:solidFill>
-                  <a:srgbClr val="000000"/>
-                </a:solidFill>
-                <a:latin typeface="SF Display" panose="00000500000000000000" pitchFamily="50" charset="0"/>
-                <a:ea typeface="SF Display" panose="00000500000000000000" pitchFamily="50" charset="0"/>
-                <a:cs typeface="Menlo-Regular"/>
-              </a:rPr>
-              <a:t>.</a:t>
-            </a:r>
-            <a:r>
-              <a:rPr lang="en-US" sz="600" b="1" dirty="0" err="1" smtClean="0">
-                <a:solidFill>
-                  <a:srgbClr val="2E0D6E"/>
-                </a:solidFill>
-                <a:latin typeface="SF Display" panose="00000500000000000000" pitchFamily="50" charset="0"/>
-                <a:ea typeface="SF Display" panose="00000500000000000000" pitchFamily="50" charset="0"/>
-                <a:cs typeface="Menlo-Regular"/>
-              </a:rPr>
-              <a:t>insertRows</a:t>
-            </a:r>
-            <a:r>
-              <a:rPr lang="en-US" sz="600" b="1" dirty="0" smtClean="0">
-                <a:solidFill>
-                  <a:srgbClr val="000000"/>
-                </a:solidFill>
-                <a:latin typeface="SF Display" panose="00000500000000000000" pitchFamily="50" charset="0"/>
-                <a:ea typeface="SF Display" panose="00000500000000000000" pitchFamily="50" charset="0"/>
-                <a:cs typeface="Menlo-Regular"/>
-              </a:rPr>
-              <a:t>(at: [</a:t>
-            </a:r>
-            <a:r>
-              <a:rPr lang="en-US" sz="600" b="1" dirty="0" err="1" smtClean="0">
-                <a:solidFill>
-                  <a:srgbClr val="000000"/>
-                </a:solidFill>
-                <a:latin typeface="SF Display" panose="00000500000000000000" pitchFamily="50" charset="0"/>
-                <a:ea typeface="SF Display" panose="00000500000000000000" pitchFamily="50" charset="0"/>
-                <a:cs typeface="Menlo-Regular"/>
-              </a:rPr>
-              <a:t>indexPath</a:t>
-            </a:r>
-            <a:r>
-              <a:rPr lang="en-US" sz="600" b="1" dirty="0" smtClean="0">
-                <a:solidFill>
-                  <a:srgbClr val="000000"/>
-                </a:solidFill>
-                <a:latin typeface="SF Display" panose="00000500000000000000" pitchFamily="50" charset="0"/>
-                <a:ea typeface="SF Display" panose="00000500000000000000" pitchFamily="50" charset="0"/>
-                <a:cs typeface="Menlo-Regular"/>
-              </a:rPr>
-              <a:t>], with: .</a:t>
-            </a:r>
-            <a:r>
-              <a:rPr lang="en-US" sz="600" b="1" dirty="0" smtClean="0">
-                <a:solidFill>
-                  <a:srgbClr val="2E0D6E"/>
-                </a:solidFill>
-                <a:latin typeface="SF Display" panose="00000500000000000000" pitchFamily="50" charset="0"/>
-                <a:ea typeface="SF Display" panose="00000500000000000000" pitchFamily="50" charset="0"/>
-                <a:cs typeface="Menlo-Regular"/>
-              </a:rPr>
-              <a:t>automatic</a:t>
-            </a:r>
-            <a:r>
-              <a:rPr lang="en-US" sz="600" b="1" dirty="0" smtClean="0">
-                <a:solidFill>
-                  <a:srgbClr val="000000"/>
-                </a:solidFill>
-                <a:latin typeface="SF Display" panose="00000500000000000000" pitchFamily="50" charset="0"/>
-                <a:ea typeface="SF Display" panose="00000500000000000000" pitchFamily="50" charset="0"/>
-                <a:cs typeface="Menlo-Regular"/>
-              </a:rPr>
-              <a:t>)</a:t>
-            </a:r>
-            <a:endParaRPr lang="es-ES" sz="600" dirty="0" smtClean="0">
-              <a:latin typeface="SF Display" panose="00000500000000000000" pitchFamily="50" charset="0"/>
-              <a:ea typeface="SF Display" panose="00000500000000000000" pitchFamily="50" charset="0"/>
-              <a:cs typeface="Times New Roman" panose="02020603050405020304" pitchFamily="18" charset="0"/>
-            </a:endParaRPr>
-          </a:p>
-          <a:p>
-            <a:pPr marL="76200" indent="0">
-              <a:lnSpc>
-                <a:spcPct val="107000"/>
-              </a:lnSpc>
-              <a:spcBef>
-                <a:spcPts val="0"/>
-              </a:spcBef>
-              <a:buFont typeface="Source Sans Pro"/>
-              <a:buNone/>
-              <a:tabLst>
-                <a:tab pos="344805" algn="l"/>
-              </a:tabLst>
-            </a:pPr>
-            <a:r>
-              <a:rPr lang="es-ES" sz="600" b="1" dirty="0" smtClean="0">
-                <a:solidFill>
-                  <a:srgbClr val="000000"/>
-                </a:solidFill>
-                <a:latin typeface="SF Display" panose="00000500000000000000" pitchFamily="50" charset="0"/>
-                <a:ea typeface="SF Display" panose="00000500000000000000" pitchFamily="50" charset="0"/>
-                <a:cs typeface="Menlo-Regular"/>
-              </a:rPr>
-              <a:t> 	                   }</a:t>
             </a:r>
             <a:endParaRPr lang="es-ES" sz="600" dirty="0" smtClean="0">
               <a:latin typeface="SF Display" panose="00000500000000000000" pitchFamily="50" charset="0"/>
@@ -20875,7 +19907,7 @@
         <p:spPr>
           <a:xfrm>
             <a:off x="6045296" y="1549763"/>
-            <a:ext cx="638982" cy="253916"/>
+            <a:ext cx="789680" cy="253916"/>
           </a:xfrm>
           <a:prstGeom prst="rect">
             <a:avLst/>
@@ -20893,7 +19925,7 @@
                 <a:latin typeface="SF Display" panose="00000500000000000000" pitchFamily="50" charset="0"/>
                 <a:ea typeface="SF Display" panose="00000500000000000000" pitchFamily="50" charset="0"/>
               </a:rPr>
-              <a:t>Añadir</a:t>
+              <a:t>Inserción</a:t>
             </a:r>
             <a:endParaRPr lang="es-ES" sz="1050" b="1" u="sng" dirty="0">
               <a:latin typeface="SF Display" panose="00000500000000000000" pitchFamily="50" charset="0"/>
@@ -20929,23 +19961,62 @@
                 <a:latin typeface="SF Display" panose="00000500000000000000" pitchFamily="50" charset="0"/>
                 <a:ea typeface="SF Display" panose="00000500000000000000" pitchFamily="50" charset="0"/>
               </a:rPr>
-              <a:t>Como en la actualización, habrá que comprobar si la nueva comida encaja en la búsqueda existente, si la hay.</a:t>
-            </a:r>
-          </a:p>
-          <a:p>
+              <a:t>Al contrario que la actualización, no se puede añadir mientras haya una búsqueda activa, por lo que siempre insertaremos en </a:t>
+            </a:r>
             <a:r>
               <a:rPr lang="es-ES" sz="900" b="1" dirty="0" err="1" smtClean="0">
                 <a:latin typeface="SF Display" panose="00000500000000000000" pitchFamily="50" charset="0"/>
                 <a:ea typeface="SF Display" panose="00000500000000000000" pitchFamily="50" charset="0"/>
               </a:rPr>
-              <a:t>IndexPath</a:t>
+              <a:t>meals</a:t>
             </a:r>
             <a:r>
               <a:rPr lang="es-ES" sz="900" dirty="0" smtClean="0">
                 <a:latin typeface="SF Display" panose="00000500000000000000" pitchFamily="50" charset="0"/>
                 <a:ea typeface="SF Display" panose="00000500000000000000" pitchFamily="50" charset="0"/>
               </a:rPr>
-              <a:t> especifica la fila donde se aparecerá la nueva comida en la tabla.</a:t>
+              <a:t>.</a:t>
+            </a:r>
+            <a:endParaRPr lang="es-ES" sz="900" dirty="0" smtClean="0">
+              <a:latin typeface="SF Display" panose="00000500000000000000" pitchFamily="50" charset="0"/>
+              <a:ea typeface="SF Display" panose="00000500000000000000" pitchFamily="50" charset="0"/>
+            </a:endParaRPr>
+          </a:p>
+          <a:p>
+            <a:r>
+              <a:rPr lang="es-ES" sz="900" b="1" dirty="0" err="1" smtClean="0">
+                <a:latin typeface="SF Display" panose="00000500000000000000" pitchFamily="50" charset="0"/>
+                <a:ea typeface="SF Display" panose="00000500000000000000" pitchFamily="50" charset="0"/>
+              </a:rPr>
+              <a:t>newIndexPath</a:t>
+            </a:r>
+            <a:r>
+              <a:rPr lang="es-ES" sz="900" dirty="0" smtClean="0">
+                <a:latin typeface="SF Display" panose="00000500000000000000" pitchFamily="50" charset="0"/>
+                <a:ea typeface="SF Display" panose="00000500000000000000" pitchFamily="50" charset="0"/>
+              </a:rPr>
+              <a:t> </a:t>
+            </a:r>
+            <a:r>
+              <a:rPr lang="es-ES" sz="900" dirty="0" smtClean="0">
+                <a:latin typeface="SF Display" panose="00000500000000000000" pitchFamily="50" charset="0"/>
+                <a:ea typeface="SF Display" panose="00000500000000000000" pitchFamily="50" charset="0"/>
+              </a:rPr>
+              <a:t>especifica la fila donde </a:t>
+            </a:r>
+            <a:r>
+              <a:rPr lang="es-ES" sz="900" dirty="0" smtClean="0">
+                <a:latin typeface="SF Display" panose="00000500000000000000" pitchFamily="50" charset="0"/>
+                <a:ea typeface="SF Display" panose="00000500000000000000" pitchFamily="50" charset="0"/>
+              </a:rPr>
+              <a:t>aparecerá </a:t>
+            </a:r>
+            <a:r>
+              <a:rPr lang="es-ES" sz="900" dirty="0" smtClean="0">
+                <a:latin typeface="SF Display" panose="00000500000000000000" pitchFamily="50" charset="0"/>
+                <a:ea typeface="SF Display" panose="00000500000000000000" pitchFamily="50" charset="0"/>
+              </a:rPr>
+              <a:t>la nueva comida en la tabla.</a:t>
             </a:r>
             <a:endParaRPr lang="es-ES" sz="900" dirty="0">
               <a:latin typeface="SF Display" panose="00000500000000000000" pitchFamily="50" charset="0"/>
@@ -21083,7 +20154,7 @@
       </p:sp>
       <p:pic>
         <p:nvPicPr>
-          <p:cNvPr id="1026" name="Picture 5"/>
+          <p:cNvPr id="1025" name="Picture 7"/>
           <p:cNvPicPr>
             <a:picLocks noChangeAspect="1" noChangeArrowheads="1"/>
           </p:cNvPicPr>
@@ -21091,47 +20162,6 @@
         </p:nvPicPr>
         <p:blipFill>
           <a:blip r:embed="rId3">
-            <a:extLst>
-              <a:ext uri="{28A0092B-C50C-407E-A947-70E740481C1C}">
-                <a14:useLocalDpi xmlns:a14="http://schemas.microsoft.com/office/drawing/2010/main" val="0"/>
-              </a:ext>
-            </a:extLst>
-          </a:blip>
-          <a:srcRect/>
-          <a:stretch>
-            <a:fillRect/>
-          </a:stretch>
-        </p:blipFill>
-        <p:spPr bwMode="auto">
-          <a:xfrm>
-            <a:off x="1394625" y="810516"/>
-            <a:ext cx="1502869" cy="2933745"/>
-          </a:xfrm>
-          <a:prstGeom prst="rect">
-            <a:avLst/>
-          </a:prstGeom>
-          <a:noFill/>
-          <a:extLst>
-            <a:ext uri="{909E8E84-426E-40DD-AFC4-6F175D3DCCD1}">
-              <a14:hiddenFill xmlns:a14="http://schemas.microsoft.com/office/drawing/2010/main">
-                <a:solidFill>
-                  <a:srgbClr val="FFFFFF"/>
-                </a:solidFill>
-              </a14:hiddenFill>
-            </a:ext>
-          </a:extLst>
-        </p:spPr>
-      </p:pic>
-      <p:pic>
-        <p:nvPicPr>
-          <p:cNvPr id="1025" name="Picture 7"/>
-          <p:cNvPicPr>
-            <a:picLocks noChangeAspect="1" noChangeArrowheads="1"/>
-          </p:cNvPicPr>
-          <p:nvPr/>
-        </p:nvPicPr>
-        <p:blipFill>
-          <a:blip r:embed="rId4">
             <a:extLst>
               <a:ext uri="{28A0092B-C50C-407E-A947-70E740481C1C}">
                 <a14:useLocalDpi xmlns:a14="http://schemas.microsoft.com/office/drawing/2010/main" val="0"/>
@@ -21432,28 +20462,6 @@
           </a:p>
         </p:txBody>
       </p:sp>
-      <p:pic>
-        <p:nvPicPr>
-          <p:cNvPr id="10" name="Picture 9"/>
-          <p:cNvPicPr/>
-          <p:nvPr/>
-        </p:nvPicPr>
-        <p:blipFill>
-          <a:blip r:embed="rId5"/>
-          <a:stretch>
-            <a:fillRect/>
-          </a:stretch>
-        </p:blipFill>
-        <p:spPr>
-          <a:xfrm>
-            <a:off x="6246506" y="791207"/>
-            <a:ext cx="1507494" cy="2933745"/>
-          </a:xfrm>
-          <a:prstGeom prst="rect">
-            <a:avLst/>
-          </a:prstGeom>
-        </p:spPr>
-      </p:pic>
       <p:cxnSp>
         <p:nvCxnSpPr>
           <p:cNvPr id="8" name="Straight Arrow Connector 7"/>
@@ -21642,6 +20650,66 @@
           </a:p>
         </p:txBody>
       </p:sp>
+      <p:pic>
+        <p:nvPicPr>
+          <p:cNvPr id="5" name="Picture 4"/>
+          <p:cNvPicPr>
+            <a:picLocks noChangeAspect="1"/>
+          </p:cNvPicPr>
+          <p:nvPr/>
+        </p:nvPicPr>
+        <p:blipFill>
+          <a:blip r:embed="rId4">
+            <a:extLst>
+              <a:ext uri="{28A0092B-C50C-407E-A947-70E740481C1C}">
+                <a14:useLocalDpi xmlns:a14="http://schemas.microsoft.com/office/drawing/2010/main" val="0"/>
+              </a:ext>
+            </a:extLst>
+          </a:blip>
+          <a:stretch>
+            <a:fillRect/>
+          </a:stretch>
+        </p:blipFill>
+        <p:spPr>
+          <a:xfrm>
+            <a:off x="1313232" y="791206"/>
+            <a:ext cx="1493316" cy="2933745"/>
+          </a:xfrm>
+          <a:prstGeom prst="rect">
+            <a:avLst/>
+          </a:prstGeom>
+        </p:spPr>
+      </p:pic>
+      <p:pic>
+        <p:nvPicPr>
+          <p:cNvPr id="6" name="Picture 5"/>
+          <p:cNvPicPr>
+            <a:picLocks noChangeAspect="1"/>
+          </p:cNvPicPr>
+          <p:nvPr/>
+        </p:nvPicPr>
+        <p:blipFill>
+          <a:blip r:embed="rId5">
+            <a:extLst>
+              <a:ext uri="{28A0092B-C50C-407E-A947-70E740481C1C}">
+                <a14:useLocalDpi xmlns:a14="http://schemas.microsoft.com/office/drawing/2010/main" val="0"/>
+              </a:ext>
+            </a:extLst>
+          </a:blip>
+          <a:stretch>
+            <a:fillRect/>
+          </a:stretch>
+        </p:blipFill>
+        <p:spPr>
+          <a:xfrm>
+            <a:off x="6273582" y="789396"/>
+            <a:ext cx="1505173" cy="2935555"/>
+          </a:xfrm>
+          <a:prstGeom prst="rect">
+            <a:avLst/>
+          </a:prstGeom>
+        </p:spPr>
+      </p:pic>
     </p:spTree>
     <p:extLst>
       <p:ext uri="{BB962C8B-B14F-4D97-AF65-F5344CB8AC3E}">
@@ -22203,8 +21271,10 @@
       </p:sp>
       <p:pic>
         <p:nvPicPr>
-          <p:cNvPr id="8" name="Picture 7"/>
-          <p:cNvPicPr/>
+          <p:cNvPr id="5" name="Picture 4"/>
+          <p:cNvPicPr>
+            <a:picLocks/>
+          </p:cNvPicPr>
           <p:nvPr/>
         </p:nvPicPr>
         <p:blipFill>
@@ -22215,8 +21285,8 @@
         </p:blipFill>
         <p:spPr>
           <a:xfrm>
-            <a:off x="4776085" y="1435462"/>
-            <a:ext cx="1536715" cy="2909797"/>
+            <a:off x="3135084" y="1396765"/>
+            <a:ext cx="370115" cy="308230"/>
           </a:xfrm>
           <a:prstGeom prst="rect">
             <a:avLst/>
@@ -22225,20 +21295,28 @@
       </p:pic>
       <p:pic>
         <p:nvPicPr>
-          <p:cNvPr id="9" name="Picture 8"/>
-          <p:cNvPicPr/>
+          <p:cNvPr id="2" name="Picture 1"/>
+          <p:cNvPicPr>
+            <a:picLocks noChangeAspect="1"/>
+          </p:cNvPicPr>
           <p:nvPr/>
         </p:nvPicPr>
         <p:blipFill>
-          <a:blip r:embed="rId4"/>
+          <a:blip r:embed="rId4">
+            <a:extLst>
+              <a:ext uri="{28A0092B-C50C-407E-A947-70E740481C1C}">
+                <a14:useLocalDpi xmlns:a14="http://schemas.microsoft.com/office/drawing/2010/main" val="0"/>
+              </a:ext>
+            </a:extLst>
+          </a:blip>
           <a:stretch>
             <a:fillRect/>
           </a:stretch>
         </p:blipFill>
         <p:spPr>
           <a:xfrm>
-            <a:off x="6523461" y="1435462"/>
-            <a:ext cx="1536715" cy="2909797"/>
+            <a:off x="4463851" y="1435462"/>
+            <a:ext cx="1502829" cy="2909797"/>
           </a:xfrm>
           <a:prstGeom prst="rect">
             <a:avLst/>
@@ -22247,22 +21325,28 @@
       </p:pic>
       <p:pic>
         <p:nvPicPr>
-          <p:cNvPr id="5" name="Picture 4"/>
+          <p:cNvPr id="3" name="Picture 2"/>
           <p:cNvPicPr>
-            <a:picLocks/>
+            <a:picLocks noChangeAspect="1"/>
           </p:cNvPicPr>
           <p:nvPr/>
         </p:nvPicPr>
         <p:blipFill>
-          <a:blip r:embed="rId5"/>
+          <a:blip r:embed="rId5">
+            <a:extLst>
+              <a:ext uri="{28A0092B-C50C-407E-A947-70E740481C1C}">
+                <a14:useLocalDpi xmlns:a14="http://schemas.microsoft.com/office/drawing/2010/main" val="0"/>
+              </a:ext>
+            </a:extLst>
+          </a:blip>
           <a:stretch>
             <a:fillRect/>
           </a:stretch>
         </p:blipFill>
         <p:spPr>
           <a:xfrm>
-            <a:off x="3135084" y="1396765"/>
-            <a:ext cx="370115" cy="308230"/>
+            <a:off x="6430738" y="1435462"/>
+            <a:ext cx="1483097" cy="2909797"/>
           </a:xfrm>
           <a:prstGeom prst="rect">
             <a:avLst/>
@@ -22438,7 +21522,7 @@
                 <a:latin typeface="SF Display" panose="00000500000000000000" pitchFamily="50" charset="0"/>
                 <a:ea typeface="SF Display" panose="00000500000000000000" pitchFamily="50" charset="0"/>
               </a:rPr>
-              <a:t>Implementación de la búsqueda</a:t>
+              <a:t>Búsqueda por campos</a:t>
             </a:r>
             <a:endParaRPr sz="1400" dirty="0">
               <a:latin typeface="SF Display" panose="00000500000000000000" pitchFamily="50" charset="0"/>
@@ -25070,8 +24154,8 @@
         </p:nvSpPr>
         <p:spPr>
           <a:xfrm>
-            <a:off x="2977197" y="1738873"/>
-            <a:ext cx="5036435" cy="1649787"/>
+            <a:off x="2205442" y="2760699"/>
+            <a:ext cx="5808192" cy="1587636"/>
           </a:xfrm>
           <a:prstGeom prst="rect">
             <a:avLst/>
@@ -25132,7 +24216,7 @@
                 <a:latin typeface="SF Display" panose="00000500000000000000" pitchFamily="50" charset="0"/>
                 <a:ea typeface="SF Display" panose="00000500000000000000" pitchFamily="50" charset="0"/>
               </a:rPr>
-              <a:t>Implementación de la búsqueda</a:t>
+              <a:t>Búsqueda por campos</a:t>
             </a:r>
             <a:endParaRPr sz="1400" dirty="0">
               <a:latin typeface="SF Display" panose="00000500000000000000" pitchFamily="50" charset="0"/>
@@ -25241,8 +24325,8 @@
         </p:nvSpPr>
         <p:spPr>
           <a:xfrm>
-            <a:off x="1010200" y="1738873"/>
-            <a:ext cx="1566086" cy="507831"/>
+            <a:off x="1010200" y="2760697"/>
+            <a:ext cx="1195242" cy="584775"/>
           </a:xfrm>
           <a:prstGeom prst="rect">
             <a:avLst/>
@@ -25256,7 +24340,7 @@
           <a:lstStyle/>
           <a:p>
             <a:r>
-              <a:rPr lang="es-ES" sz="900" b="1" dirty="0" smtClean="0">
+              <a:rPr lang="es-ES" sz="800" b="1" dirty="0" smtClean="0">
                 <a:latin typeface="SF Display" panose="00000500000000000000" pitchFamily="50" charset="0"/>
                 <a:ea typeface="SF Display" panose="00000500000000000000" pitchFamily="50" charset="0"/>
               </a:rPr>
@@ -25275,8 +24359,8 @@
         </p:nvSpPr>
         <p:spPr>
           <a:xfrm>
-            <a:off x="2977197" y="1738873"/>
-            <a:ext cx="5638800" cy="1649787"/>
+            <a:off x="2205442" y="2827563"/>
+            <a:ext cx="5940311" cy="1649787"/>
           </a:xfrm>
           <a:prstGeom prst="rect">
             <a:avLst/>
@@ -26607,6 +25691,763 @@
               <a:ea typeface="SF Display" panose="00000500000000000000" pitchFamily="50" charset="0"/>
               <a:cs typeface="Times New Roman" panose="02020603050405020304" pitchFamily="18" charset="0"/>
             </a:endParaRPr>
+          </a:p>
+        </p:txBody>
+      </p:sp>
+      <p:sp>
+        <p:nvSpPr>
+          <p:cNvPr id="8" name="TextBox 7"/>
+          <p:cNvSpPr txBox="1"/>
+          <p:nvPr/>
+        </p:nvSpPr>
+        <p:spPr>
+          <a:xfrm>
+            <a:off x="1010200" y="1584327"/>
+            <a:ext cx="1195242" cy="954107"/>
+          </a:xfrm>
+          <a:prstGeom prst="rect">
+            <a:avLst/>
+          </a:prstGeom>
+          <a:noFill/>
+        </p:spPr>
+        <p:txBody>
+          <a:bodyPr wrap="square" rtlCol="0">
+            <a:spAutoFit/>
+          </a:bodyPr>
+          <a:lstStyle/>
+          <a:p>
+            <a:r>
+              <a:rPr lang="es-ES" sz="800" dirty="0">
+                <a:latin typeface="SF Display" panose="00000500000000000000" pitchFamily="50" charset="0"/>
+                <a:ea typeface="SF Display" panose="00000500000000000000" pitchFamily="50" charset="0"/>
+              </a:rPr>
+              <a:t>Al marcar nuestra clase </a:t>
+            </a:r>
+            <a:r>
+              <a:rPr lang="es-ES" sz="800" dirty="0" err="1">
+                <a:latin typeface="SF Display" panose="00000500000000000000" pitchFamily="50" charset="0"/>
+                <a:ea typeface="SF Display" panose="00000500000000000000" pitchFamily="50" charset="0"/>
+              </a:rPr>
+              <a:t>MealTableViewController</a:t>
+            </a:r>
+            <a:r>
+              <a:rPr lang="es-ES" sz="800" dirty="0">
+                <a:latin typeface="SF Display" panose="00000500000000000000" pitchFamily="50" charset="0"/>
+                <a:ea typeface="SF Display" panose="00000500000000000000" pitchFamily="50" charset="0"/>
+              </a:rPr>
+              <a:t> como </a:t>
+            </a:r>
+            <a:r>
+              <a:rPr lang="es-ES" sz="800" b="1" dirty="0" err="1">
+                <a:latin typeface="SF Display" panose="00000500000000000000" pitchFamily="50" charset="0"/>
+                <a:ea typeface="SF Display" panose="00000500000000000000" pitchFamily="50" charset="0"/>
+              </a:rPr>
+              <a:t>delegate</a:t>
+            </a:r>
+            <a:r>
+              <a:rPr lang="es-ES" sz="800" dirty="0">
+                <a:latin typeface="SF Display" panose="00000500000000000000" pitchFamily="50" charset="0"/>
+                <a:ea typeface="SF Display" panose="00000500000000000000" pitchFamily="50" charset="0"/>
+              </a:rPr>
+              <a:t> de la barra de búsqueda, habrá que implementar el protocolo </a:t>
+            </a:r>
+            <a:r>
+              <a:rPr lang="es-ES" sz="800" b="1" dirty="0" err="1">
+                <a:latin typeface="SF Display" panose="00000500000000000000" pitchFamily="50" charset="0"/>
+                <a:ea typeface="SF Display" panose="00000500000000000000" pitchFamily="50" charset="0"/>
+              </a:rPr>
+              <a:t>UISearchBarDelegate</a:t>
+            </a:r>
+            <a:r>
+              <a:rPr lang="es-ES" sz="800" dirty="0">
+                <a:latin typeface="SF Display" panose="00000500000000000000" pitchFamily="50" charset="0"/>
+                <a:ea typeface="SF Display" panose="00000500000000000000" pitchFamily="50" charset="0"/>
+              </a:rPr>
+              <a:t>.</a:t>
+            </a:r>
+            <a:endParaRPr lang="es-ES" sz="800" dirty="0">
+              <a:latin typeface="SF Display" panose="00000500000000000000" pitchFamily="50" charset="0"/>
+              <a:ea typeface="SF Display" panose="00000500000000000000" pitchFamily="50" charset="0"/>
+            </a:endParaRPr>
+          </a:p>
+        </p:txBody>
+      </p:sp>
+      <p:sp>
+        <p:nvSpPr>
+          <p:cNvPr id="10" name="TextBox 9"/>
+          <p:cNvSpPr txBox="1"/>
+          <p:nvPr/>
+        </p:nvSpPr>
+        <p:spPr>
+          <a:xfrm>
+            <a:off x="2205442" y="1584327"/>
+            <a:ext cx="5808192" cy="1033884"/>
+          </a:xfrm>
+          <a:prstGeom prst="rect">
+            <a:avLst/>
+          </a:prstGeom>
+          <a:solidFill>
+            <a:schemeClr val="accent1">
+              <a:lumMod val="20000"/>
+              <a:lumOff val="80000"/>
+            </a:schemeClr>
+          </a:solidFill>
+        </p:spPr>
+        <p:txBody>
+          <a:bodyPr wrap="square" rtlCol="0">
+            <a:spAutoFit/>
+          </a:bodyPr>
+          <a:lstStyle/>
+          <a:p>
+            <a:endParaRPr lang="es-ES" dirty="0"/>
+          </a:p>
+        </p:txBody>
+      </p:sp>
+      <p:sp>
+        <p:nvSpPr>
+          <p:cNvPr id="11" name="Shape 113"/>
+          <p:cNvSpPr txBox="1">
+            <a:spLocks noGrp="1"/>
+          </p:cNvSpPr>
+          <p:nvPr>
+            <p:ph type="body" idx="1"/>
+          </p:nvPr>
+        </p:nvSpPr>
+        <p:spPr>
+          <a:xfrm>
+            <a:off x="1902835" y="1628819"/>
+            <a:ext cx="7083283" cy="1076136"/>
+          </a:xfrm>
+          <a:prstGeom prst="rect">
+            <a:avLst/>
+          </a:prstGeom>
+          <a:ln>
+            <a:noFill/>
+          </a:ln>
+        </p:spPr>
+        <p:txBody>
+          <a:bodyPr spcFirstLastPara="1" wrap="square" lIns="91425" tIns="91425" rIns="91425" bIns="91425" anchor="t" anchorCtr="0">
+            <a:noAutofit/>
+          </a:bodyPr>
+          <a:lstStyle/>
+          <a:p>
+            <a:pPr marL="396000" indent="0">
+              <a:spcBef>
+                <a:spcPts val="0"/>
+              </a:spcBef>
+              <a:buNone/>
+            </a:pPr>
+            <a:r>
+              <a:rPr lang="en-US" sz="800" dirty="0" smtClean="0">
+                <a:solidFill>
+                  <a:srgbClr val="AA0D91"/>
+                </a:solidFill>
+                <a:latin typeface="SF Display" panose="00000500000000000000" pitchFamily="50" charset="0"/>
+                <a:ea typeface="Times New Roman" panose="02020603050405020304" pitchFamily="18" charset="0"/>
+                <a:cs typeface="Calibri" panose="020F0502020204030204" pitchFamily="34" charset="0"/>
+              </a:rPr>
+              <a:t>class</a:t>
+            </a:r>
+            <a:r>
+              <a:rPr lang="en-US" sz="800" dirty="0" smtClean="0">
+                <a:solidFill>
+                  <a:srgbClr val="000000"/>
+                </a:solidFill>
+                <a:latin typeface="SF Display" panose="00000500000000000000" pitchFamily="50" charset="0"/>
+                <a:ea typeface="Times New Roman" panose="02020603050405020304" pitchFamily="18" charset="0"/>
+                <a:cs typeface="Calibri" panose="020F0502020204030204" pitchFamily="34" charset="0"/>
+              </a:rPr>
+              <a:t> </a:t>
+            </a:r>
+            <a:r>
+              <a:rPr lang="en-US" sz="800" dirty="0" err="1">
+                <a:solidFill>
+                  <a:srgbClr val="000000"/>
+                </a:solidFill>
+                <a:latin typeface="SF Display" panose="00000500000000000000" pitchFamily="50" charset="0"/>
+                <a:ea typeface="Times New Roman" panose="02020603050405020304" pitchFamily="18" charset="0"/>
+                <a:cs typeface="Calibri" panose="020F0502020204030204" pitchFamily="34" charset="0"/>
+              </a:rPr>
+              <a:t>MealTableViewController</a:t>
+            </a:r>
+            <a:r>
+              <a:rPr lang="en-US" sz="800" dirty="0">
+                <a:solidFill>
+                  <a:srgbClr val="000000"/>
+                </a:solidFill>
+                <a:latin typeface="SF Display" panose="00000500000000000000" pitchFamily="50" charset="0"/>
+                <a:ea typeface="Times New Roman" panose="02020603050405020304" pitchFamily="18" charset="0"/>
+                <a:cs typeface="Calibri" panose="020F0502020204030204" pitchFamily="34" charset="0"/>
+              </a:rPr>
+              <a:t>: </a:t>
+            </a:r>
+            <a:r>
+              <a:rPr lang="en-US" sz="800" dirty="0" err="1">
+                <a:solidFill>
+                  <a:srgbClr val="5C2699"/>
+                </a:solidFill>
+                <a:latin typeface="SF Display" panose="00000500000000000000" pitchFamily="50" charset="0"/>
+                <a:ea typeface="Times New Roman" panose="02020603050405020304" pitchFamily="18" charset="0"/>
+                <a:cs typeface="Calibri" panose="020F0502020204030204" pitchFamily="34" charset="0"/>
+              </a:rPr>
+              <a:t>UITableViewController</a:t>
+            </a:r>
+            <a:r>
+              <a:rPr lang="en-US" sz="800" dirty="0">
+                <a:solidFill>
+                  <a:srgbClr val="000000"/>
+                </a:solidFill>
+                <a:latin typeface="SF Display" panose="00000500000000000000" pitchFamily="50" charset="0"/>
+                <a:ea typeface="Times New Roman" panose="02020603050405020304" pitchFamily="18" charset="0"/>
+                <a:cs typeface="Calibri" panose="020F0502020204030204" pitchFamily="34" charset="0"/>
+              </a:rPr>
+              <a:t>,</a:t>
+            </a:r>
+            <a:r>
+              <a:rPr lang="en-US" sz="800" b="1" dirty="0">
+                <a:solidFill>
+                  <a:srgbClr val="000000"/>
+                </a:solidFill>
+                <a:latin typeface="SF Display" panose="00000500000000000000" pitchFamily="50" charset="0"/>
+                <a:ea typeface="Times New Roman" panose="02020603050405020304" pitchFamily="18" charset="0"/>
+                <a:cs typeface="Calibri" panose="020F0502020204030204" pitchFamily="34" charset="0"/>
+              </a:rPr>
+              <a:t> </a:t>
+            </a:r>
+            <a:r>
+              <a:rPr lang="en-US" sz="800" dirty="0" err="1" smtClean="0">
+                <a:solidFill>
+                  <a:srgbClr val="5C2699"/>
+                </a:solidFill>
+                <a:latin typeface="SF Display" panose="00000500000000000000" pitchFamily="50" charset="0"/>
+                <a:ea typeface="Times New Roman" panose="02020603050405020304" pitchFamily="18" charset="0"/>
+                <a:cs typeface="Calibri" panose="020F0502020204030204" pitchFamily="34" charset="0"/>
+              </a:rPr>
+              <a:t>UISearchResultsUpdating</a:t>
+            </a:r>
+            <a:r>
+              <a:rPr lang="en-US" sz="800" dirty="0" smtClean="0">
+                <a:solidFill>
+                  <a:srgbClr val="5C2699"/>
+                </a:solidFill>
+                <a:latin typeface="SF Display" panose="00000500000000000000" pitchFamily="50" charset="0"/>
+                <a:ea typeface="Times New Roman" panose="02020603050405020304" pitchFamily="18" charset="0"/>
+                <a:cs typeface="Calibri" panose="020F0502020204030204" pitchFamily="34" charset="0"/>
+              </a:rPr>
+              <a:t>, </a:t>
+            </a:r>
+            <a:r>
+              <a:rPr lang="en-US" sz="800" b="1" dirty="0" err="1" smtClean="0">
+                <a:solidFill>
+                  <a:srgbClr val="5C2699"/>
+                </a:solidFill>
+                <a:latin typeface="SF Display" panose="00000500000000000000" pitchFamily="50" charset="0"/>
+                <a:ea typeface="Times New Roman" panose="02020603050405020304" pitchFamily="18" charset="0"/>
+                <a:cs typeface="Calibri" panose="020F0502020204030204" pitchFamily="34" charset="0"/>
+              </a:rPr>
+              <a:t>UISearchBarDelegate</a:t>
+            </a:r>
+            <a:r>
+              <a:rPr lang="en-US" sz="800" dirty="0" smtClean="0">
+                <a:solidFill>
+                  <a:srgbClr val="000000"/>
+                </a:solidFill>
+                <a:latin typeface="SF Display" panose="00000500000000000000" pitchFamily="50" charset="0"/>
+                <a:ea typeface="Times New Roman" panose="02020603050405020304" pitchFamily="18" charset="0"/>
+                <a:cs typeface="Calibri" panose="020F0502020204030204" pitchFamily="34" charset="0"/>
+              </a:rPr>
+              <a:t> </a:t>
+            </a:r>
+            <a:r>
+              <a:rPr lang="en-US" sz="800" dirty="0" smtClean="0">
+                <a:solidFill>
+                  <a:srgbClr val="000000"/>
+                </a:solidFill>
+                <a:latin typeface="SF Display" panose="00000500000000000000" pitchFamily="50" charset="0"/>
+                <a:ea typeface="Times New Roman" panose="02020603050405020304" pitchFamily="18" charset="0"/>
+                <a:cs typeface="Calibri" panose="020F0502020204030204" pitchFamily="34" charset="0"/>
+              </a:rPr>
+              <a:t>{</a:t>
+            </a:r>
+          </a:p>
+          <a:p>
+            <a:pPr marL="396000" indent="0">
+              <a:spcBef>
+                <a:spcPts val="0"/>
+              </a:spcBef>
+              <a:buNone/>
+            </a:pPr>
+            <a:r>
+              <a:rPr lang="en-US" sz="800" dirty="0">
+                <a:solidFill>
+                  <a:srgbClr val="000000"/>
+                </a:solidFill>
+                <a:latin typeface="SF Display" panose="00000500000000000000" pitchFamily="50" charset="0"/>
+                <a:ea typeface="Times New Roman" panose="02020603050405020304" pitchFamily="18" charset="0"/>
+                <a:cs typeface="Calibri" panose="020F0502020204030204" pitchFamily="34" charset="0"/>
+              </a:rPr>
+              <a:t>	</a:t>
+            </a:r>
+            <a:r>
+              <a:rPr lang="en-US" sz="800" dirty="0" smtClean="0">
+                <a:solidFill>
+                  <a:srgbClr val="000000"/>
+                </a:solidFill>
+                <a:latin typeface="SF Display" panose="00000500000000000000" pitchFamily="50" charset="0"/>
+                <a:ea typeface="Times New Roman" panose="02020603050405020304" pitchFamily="18" charset="0"/>
+                <a:cs typeface="Calibri" panose="020F0502020204030204" pitchFamily="34" charset="0"/>
+              </a:rPr>
+              <a:t>	        …</a:t>
+            </a:r>
+          </a:p>
+          <a:p>
+            <a:pPr marL="396000" indent="0">
+              <a:spcBef>
+                <a:spcPts val="0"/>
+              </a:spcBef>
+              <a:buNone/>
+              <a:tabLst>
+                <a:tab pos="344805" algn="l"/>
+              </a:tabLst>
+            </a:pPr>
+            <a:r>
+              <a:rPr lang="en-US" sz="800" b="1" dirty="0">
+                <a:solidFill>
+                  <a:srgbClr val="AA0D91"/>
+                </a:solidFill>
+                <a:latin typeface="SF Display" panose="00000500000000000000" pitchFamily="50" charset="0"/>
+                <a:ea typeface="Times New Roman" panose="02020603050405020304" pitchFamily="18" charset="0"/>
+                <a:cs typeface="Menlo-Regular"/>
+              </a:rPr>
+              <a:t> </a:t>
+            </a:r>
+            <a:r>
+              <a:rPr lang="en-US" sz="800" b="1" dirty="0" smtClean="0">
+                <a:solidFill>
+                  <a:srgbClr val="AA0D91"/>
+                </a:solidFill>
+                <a:latin typeface="SF Display" panose="00000500000000000000" pitchFamily="50" charset="0"/>
+                <a:ea typeface="Times New Roman" panose="02020603050405020304" pitchFamily="18" charset="0"/>
+                <a:cs typeface="Menlo-Regular"/>
+              </a:rPr>
+              <a:t>                 </a:t>
+            </a:r>
+            <a:r>
+              <a:rPr lang="en-US" sz="800" b="1" dirty="0" err="1" smtClean="0">
+                <a:solidFill>
+                  <a:srgbClr val="AA0D91"/>
+                </a:solidFill>
+                <a:latin typeface="SF Display" panose="00000500000000000000" pitchFamily="50" charset="0"/>
+                <a:ea typeface="Times New Roman" panose="02020603050405020304" pitchFamily="18" charset="0"/>
+                <a:cs typeface="Menlo-Regular"/>
+              </a:rPr>
+              <a:t>func</a:t>
+            </a:r>
+            <a:r>
+              <a:rPr lang="en-US" sz="800" b="1" dirty="0" smtClean="0">
+                <a:solidFill>
+                  <a:srgbClr val="000000"/>
+                </a:solidFill>
+                <a:latin typeface="SF Display" panose="00000500000000000000" pitchFamily="50" charset="0"/>
+                <a:ea typeface="Times New Roman" panose="02020603050405020304" pitchFamily="18" charset="0"/>
+                <a:cs typeface="Menlo-Regular"/>
+              </a:rPr>
+              <a:t> </a:t>
+            </a:r>
+            <a:r>
+              <a:rPr lang="en-US" sz="800" b="1" dirty="0" err="1">
+                <a:solidFill>
+                  <a:srgbClr val="000000"/>
+                </a:solidFill>
+                <a:latin typeface="SF Display" panose="00000500000000000000" pitchFamily="50" charset="0"/>
+                <a:ea typeface="Times New Roman" panose="02020603050405020304" pitchFamily="18" charset="0"/>
+                <a:cs typeface="Menlo-Regular"/>
+              </a:rPr>
+              <a:t>searchBar</a:t>
+            </a:r>
+            <a:r>
+              <a:rPr lang="en-US" sz="800" b="1" dirty="0">
+                <a:solidFill>
+                  <a:srgbClr val="000000"/>
+                </a:solidFill>
+                <a:latin typeface="SF Display" panose="00000500000000000000" pitchFamily="50" charset="0"/>
+                <a:ea typeface="Times New Roman" panose="02020603050405020304" pitchFamily="18" charset="0"/>
+                <a:cs typeface="Menlo-Regular"/>
+              </a:rPr>
+              <a:t>(</a:t>
+            </a:r>
+            <a:r>
+              <a:rPr lang="en-US" sz="800" b="1" dirty="0">
+                <a:solidFill>
+                  <a:srgbClr val="AA0D91"/>
+                </a:solidFill>
+                <a:latin typeface="SF Display" panose="00000500000000000000" pitchFamily="50" charset="0"/>
+                <a:ea typeface="Times New Roman" panose="02020603050405020304" pitchFamily="18" charset="0"/>
+                <a:cs typeface="Menlo-Regular"/>
+              </a:rPr>
+              <a:t>_</a:t>
+            </a:r>
+            <a:r>
+              <a:rPr lang="en-US" sz="800" b="1" dirty="0">
+                <a:solidFill>
+                  <a:srgbClr val="000000"/>
+                </a:solidFill>
+                <a:latin typeface="SF Display" panose="00000500000000000000" pitchFamily="50" charset="0"/>
+                <a:ea typeface="Times New Roman" panose="02020603050405020304" pitchFamily="18" charset="0"/>
+                <a:cs typeface="Menlo-Regular"/>
+              </a:rPr>
+              <a:t> </a:t>
+            </a:r>
+            <a:r>
+              <a:rPr lang="en-US" sz="800" b="1" dirty="0" err="1">
+                <a:solidFill>
+                  <a:srgbClr val="000000"/>
+                </a:solidFill>
+                <a:latin typeface="SF Display" panose="00000500000000000000" pitchFamily="50" charset="0"/>
+                <a:ea typeface="Times New Roman" panose="02020603050405020304" pitchFamily="18" charset="0"/>
+                <a:cs typeface="Menlo-Regular"/>
+              </a:rPr>
+              <a:t>searchBar</a:t>
+            </a:r>
+            <a:r>
+              <a:rPr lang="en-US" sz="800" b="1" dirty="0">
+                <a:solidFill>
+                  <a:srgbClr val="000000"/>
+                </a:solidFill>
+                <a:latin typeface="SF Display" panose="00000500000000000000" pitchFamily="50" charset="0"/>
+                <a:ea typeface="Times New Roman" panose="02020603050405020304" pitchFamily="18" charset="0"/>
+                <a:cs typeface="Menlo-Regular"/>
+              </a:rPr>
+              <a:t>: </a:t>
+            </a:r>
+            <a:r>
+              <a:rPr lang="en-US" sz="800" b="1" dirty="0" err="1">
+                <a:solidFill>
+                  <a:srgbClr val="5C2699"/>
+                </a:solidFill>
+                <a:latin typeface="SF Display" panose="00000500000000000000" pitchFamily="50" charset="0"/>
+                <a:ea typeface="Times New Roman" panose="02020603050405020304" pitchFamily="18" charset="0"/>
+                <a:cs typeface="Menlo-Regular"/>
+              </a:rPr>
+              <a:t>UISearchBar</a:t>
+            </a:r>
+            <a:r>
+              <a:rPr lang="en-US" sz="800" b="1" dirty="0">
+                <a:solidFill>
+                  <a:srgbClr val="000000"/>
+                </a:solidFill>
+                <a:latin typeface="SF Display" panose="00000500000000000000" pitchFamily="50" charset="0"/>
+                <a:ea typeface="Times New Roman" panose="02020603050405020304" pitchFamily="18" charset="0"/>
+                <a:cs typeface="Menlo-Regular"/>
+              </a:rPr>
+              <a:t>, </a:t>
+            </a:r>
+            <a:r>
+              <a:rPr lang="en-US" sz="800" b="1" dirty="0" err="1">
+                <a:solidFill>
+                  <a:srgbClr val="000000"/>
+                </a:solidFill>
+                <a:latin typeface="SF Display" panose="00000500000000000000" pitchFamily="50" charset="0"/>
+                <a:ea typeface="Times New Roman" panose="02020603050405020304" pitchFamily="18" charset="0"/>
+                <a:cs typeface="Menlo-Regular"/>
+              </a:rPr>
+              <a:t>selectedScopeButtonIndexDidChange</a:t>
+            </a:r>
+            <a:r>
+              <a:rPr lang="en-US" sz="800" b="1" dirty="0">
+                <a:solidFill>
+                  <a:srgbClr val="000000"/>
+                </a:solidFill>
+                <a:latin typeface="SF Display" panose="00000500000000000000" pitchFamily="50" charset="0"/>
+                <a:ea typeface="Times New Roman" panose="02020603050405020304" pitchFamily="18" charset="0"/>
+                <a:cs typeface="Menlo-Regular"/>
+              </a:rPr>
+              <a:t> </a:t>
+            </a:r>
+            <a:r>
+              <a:rPr lang="en-US" sz="800" b="1" dirty="0" err="1">
+                <a:solidFill>
+                  <a:srgbClr val="000000"/>
+                </a:solidFill>
+                <a:latin typeface="SF Display" panose="00000500000000000000" pitchFamily="50" charset="0"/>
+                <a:ea typeface="Times New Roman" panose="02020603050405020304" pitchFamily="18" charset="0"/>
+                <a:cs typeface="Menlo-Regular"/>
+              </a:rPr>
+              <a:t>selectedScope</a:t>
+            </a:r>
+            <a:r>
+              <a:rPr lang="en-US" sz="800" b="1" dirty="0">
+                <a:solidFill>
+                  <a:srgbClr val="000000"/>
+                </a:solidFill>
+                <a:latin typeface="SF Display" panose="00000500000000000000" pitchFamily="50" charset="0"/>
+                <a:ea typeface="Times New Roman" panose="02020603050405020304" pitchFamily="18" charset="0"/>
+                <a:cs typeface="Menlo-Regular"/>
+              </a:rPr>
+              <a:t>: </a:t>
+            </a:r>
+            <a:r>
+              <a:rPr lang="en-US" sz="800" b="1" dirty="0" err="1">
+                <a:solidFill>
+                  <a:srgbClr val="5C2699"/>
+                </a:solidFill>
+                <a:latin typeface="SF Display" panose="00000500000000000000" pitchFamily="50" charset="0"/>
+                <a:ea typeface="Times New Roman" panose="02020603050405020304" pitchFamily="18" charset="0"/>
+                <a:cs typeface="Menlo-Regular"/>
+              </a:rPr>
+              <a:t>Int</a:t>
+            </a:r>
+            <a:r>
+              <a:rPr lang="en-US" sz="800" b="1" dirty="0">
+                <a:solidFill>
+                  <a:srgbClr val="000000"/>
+                </a:solidFill>
+                <a:latin typeface="SF Display" panose="00000500000000000000" pitchFamily="50" charset="0"/>
+                <a:ea typeface="Times New Roman" panose="02020603050405020304" pitchFamily="18" charset="0"/>
+                <a:cs typeface="Menlo-Regular"/>
+              </a:rPr>
+              <a:t>) {</a:t>
+            </a:r>
+            <a:endParaRPr lang="es-ES" sz="1050" dirty="0">
+              <a:latin typeface="Calibri" panose="020F0502020204030204" pitchFamily="34" charset="0"/>
+              <a:ea typeface="Times New Roman" panose="02020603050405020304" pitchFamily="18" charset="0"/>
+              <a:cs typeface="Times New Roman" panose="02020603050405020304" pitchFamily="18" charset="0"/>
+            </a:endParaRPr>
+          </a:p>
+          <a:p>
+            <a:pPr marL="396000" indent="0">
+              <a:spcBef>
+                <a:spcPts val="0"/>
+              </a:spcBef>
+              <a:buNone/>
+              <a:tabLst>
+                <a:tab pos="344805" algn="l"/>
+              </a:tabLst>
+            </a:pPr>
+            <a:r>
+              <a:rPr lang="en-US" sz="800" b="1" dirty="0">
+                <a:solidFill>
+                  <a:srgbClr val="26474B"/>
+                </a:solidFill>
+                <a:latin typeface="SF Display" panose="00000500000000000000" pitchFamily="50" charset="0"/>
+                <a:ea typeface="Times New Roman" panose="02020603050405020304" pitchFamily="18" charset="0"/>
+                <a:cs typeface="Menlo-Regular"/>
+              </a:rPr>
+              <a:t>	</a:t>
+            </a:r>
+            <a:r>
+              <a:rPr lang="en-US" sz="800" b="1" dirty="0" smtClean="0">
+                <a:solidFill>
+                  <a:srgbClr val="26474B"/>
+                </a:solidFill>
+                <a:latin typeface="SF Display" panose="00000500000000000000" pitchFamily="50" charset="0"/>
+                <a:ea typeface="Times New Roman" panose="02020603050405020304" pitchFamily="18" charset="0"/>
+                <a:cs typeface="Menlo-Regular"/>
+              </a:rPr>
+              <a:t>       </a:t>
+            </a:r>
+            <a:r>
+              <a:rPr lang="en-US" sz="800" b="1" dirty="0" err="1" smtClean="0">
+                <a:solidFill>
+                  <a:srgbClr val="26474B"/>
+                </a:solidFill>
+                <a:latin typeface="SF Display" panose="00000500000000000000" pitchFamily="50" charset="0"/>
+                <a:ea typeface="Times New Roman" panose="02020603050405020304" pitchFamily="18" charset="0"/>
+                <a:cs typeface="Menlo-Regular"/>
+              </a:rPr>
+              <a:t>filterContentForSearchText</a:t>
+            </a:r>
+            <a:r>
+              <a:rPr lang="en-US" sz="800" b="1" dirty="0" smtClean="0">
+                <a:solidFill>
+                  <a:srgbClr val="000000"/>
+                </a:solidFill>
+                <a:latin typeface="SF Display" panose="00000500000000000000" pitchFamily="50" charset="0"/>
+                <a:ea typeface="Times New Roman" panose="02020603050405020304" pitchFamily="18" charset="0"/>
+                <a:cs typeface="Menlo-Regular"/>
+              </a:rPr>
+              <a:t>(</a:t>
+            </a:r>
+            <a:r>
+              <a:rPr lang="en-US" sz="800" b="1" dirty="0" err="1" smtClean="0">
+                <a:solidFill>
+                  <a:srgbClr val="000000"/>
+                </a:solidFill>
+                <a:latin typeface="SF Display" panose="00000500000000000000" pitchFamily="50" charset="0"/>
+                <a:ea typeface="Times New Roman" panose="02020603050405020304" pitchFamily="18" charset="0"/>
+                <a:cs typeface="Menlo-Regular"/>
+              </a:rPr>
+              <a:t>searchBar.</a:t>
+            </a:r>
+            <a:r>
+              <a:rPr lang="en-US" sz="800" b="1" dirty="0" err="1" smtClean="0">
+                <a:solidFill>
+                  <a:srgbClr val="5C2699"/>
+                </a:solidFill>
+                <a:latin typeface="SF Display" panose="00000500000000000000" pitchFamily="50" charset="0"/>
+                <a:ea typeface="Times New Roman" panose="02020603050405020304" pitchFamily="18" charset="0"/>
+                <a:cs typeface="Menlo-Regular"/>
+              </a:rPr>
+              <a:t>text</a:t>
+            </a:r>
+            <a:r>
+              <a:rPr lang="en-US" sz="800" b="1" dirty="0">
+                <a:solidFill>
+                  <a:srgbClr val="000000"/>
+                </a:solidFill>
+                <a:latin typeface="SF Display" panose="00000500000000000000" pitchFamily="50" charset="0"/>
+                <a:ea typeface="Times New Roman" panose="02020603050405020304" pitchFamily="18" charset="0"/>
+                <a:cs typeface="Menlo-Regular"/>
+              </a:rPr>
+              <a:t>!, scope: </a:t>
+            </a:r>
+            <a:r>
+              <a:rPr lang="en-US" sz="800" b="1" dirty="0" err="1">
+                <a:solidFill>
+                  <a:srgbClr val="000000"/>
+                </a:solidFill>
+                <a:latin typeface="SF Display" panose="00000500000000000000" pitchFamily="50" charset="0"/>
+                <a:ea typeface="Times New Roman" panose="02020603050405020304" pitchFamily="18" charset="0"/>
+                <a:cs typeface="Menlo-Regular"/>
+              </a:rPr>
+              <a:t>searchBar.</a:t>
+            </a:r>
+            <a:r>
+              <a:rPr lang="en-US" sz="800" b="1" dirty="0" err="1">
+                <a:solidFill>
+                  <a:srgbClr val="5C2699"/>
+                </a:solidFill>
+                <a:latin typeface="SF Display" panose="00000500000000000000" pitchFamily="50" charset="0"/>
+                <a:ea typeface="Times New Roman" panose="02020603050405020304" pitchFamily="18" charset="0"/>
+                <a:cs typeface="Menlo-Regular"/>
+              </a:rPr>
+              <a:t>scopeButtonTitles</a:t>
+            </a:r>
+            <a:r>
+              <a:rPr lang="en-US" sz="800" b="1" dirty="0">
+                <a:solidFill>
+                  <a:srgbClr val="000000"/>
+                </a:solidFill>
+                <a:latin typeface="SF Display" panose="00000500000000000000" pitchFamily="50" charset="0"/>
+                <a:ea typeface="Times New Roman" panose="02020603050405020304" pitchFamily="18" charset="0"/>
+                <a:cs typeface="Menlo-Regular"/>
+              </a:rPr>
+              <a:t>![</a:t>
+            </a:r>
+            <a:r>
+              <a:rPr lang="en-US" sz="800" b="1" dirty="0" err="1">
+                <a:solidFill>
+                  <a:srgbClr val="000000"/>
+                </a:solidFill>
+                <a:latin typeface="SF Display" panose="00000500000000000000" pitchFamily="50" charset="0"/>
+                <a:ea typeface="Times New Roman" panose="02020603050405020304" pitchFamily="18" charset="0"/>
+                <a:cs typeface="Menlo-Regular"/>
+              </a:rPr>
+              <a:t>selectedScope</a:t>
+            </a:r>
+            <a:r>
+              <a:rPr lang="en-US" sz="800" b="1" dirty="0" smtClean="0">
+                <a:solidFill>
+                  <a:srgbClr val="000000"/>
+                </a:solidFill>
+                <a:latin typeface="SF Display" panose="00000500000000000000" pitchFamily="50" charset="0"/>
+                <a:ea typeface="Times New Roman" panose="02020603050405020304" pitchFamily="18" charset="0"/>
+                <a:cs typeface="Menlo-Regular"/>
+              </a:rPr>
+              <a:t>])</a:t>
+            </a:r>
+            <a:endParaRPr lang="es-ES" sz="1050" dirty="0" smtClean="0">
+              <a:latin typeface="Calibri" panose="020F0502020204030204" pitchFamily="34" charset="0"/>
+              <a:ea typeface="Times New Roman" panose="02020603050405020304" pitchFamily="18" charset="0"/>
+              <a:cs typeface="Times New Roman" panose="02020603050405020304" pitchFamily="18" charset="0"/>
+            </a:endParaRPr>
+          </a:p>
+          <a:p>
+            <a:pPr marL="396000" indent="0">
+              <a:spcBef>
+                <a:spcPts val="0"/>
+              </a:spcBef>
+              <a:buNone/>
+            </a:pPr>
+            <a:r>
+              <a:rPr lang="en-US" sz="800" b="1" dirty="0">
+                <a:solidFill>
+                  <a:srgbClr val="000000"/>
+                </a:solidFill>
+                <a:latin typeface="SF Display" panose="00000500000000000000" pitchFamily="50" charset="0"/>
+                <a:ea typeface="Times New Roman" panose="02020603050405020304" pitchFamily="18" charset="0"/>
+                <a:cs typeface="Menlo-Regular"/>
+              </a:rPr>
+              <a:t> </a:t>
+            </a:r>
+            <a:r>
+              <a:rPr lang="en-US" sz="800" b="1" dirty="0" smtClean="0">
+                <a:solidFill>
+                  <a:srgbClr val="000000"/>
+                </a:solidFill>
+                <a:latin typeface="SF Display" panose="00000500000000000000" pitchFamily="50" charset="0"/>
+                <a:ea typeface="Times New Roman" panose="02020603050405020304" pitchFamily="18" charset="0"/>
+                <a:cs typeface="Menlo-Regular"/>
+              </a:rPr>
+              <a:t>                 }</a:t>
+            </a:r>
+          </a:p>
+          <a:p>
+            <a:pPr marL="396000" indent="0">
+              <a:spcBef>
+                <a:spcPts val="0"/>
+              </a:spcBef>
+              <a:buNone/>
+            </a:pPr>
+            <a:r>
+              <a:rPr lang="es-ES" sz="800" dirty="0">
+                <a:solidFill>
+                  <a:srgbClr val="000000"/>
+                </a:solidFill>
+                <a:latin typeface="SF Display" panose="00000500000000000000" pitchFamily="50" charset="0"/>
+                <a:ea typeface="Times New Roman" panose="02020603050405020304" pitchFamily="18" charset="0"/>
+                <a:cs typeface="Calibri" panose="020F0502020204030204" pitchFamily="34" charset="0"/>
+              </a:rPr>
+              <a:t> </a:t>
+            </a:r>
+            <a:r>
+              <a:rPr lang="es-ES" sz="800" dirty="0" smtClean="0">
+                <a:solidFill>
+                  <a:srgbClr val="000000"/>
+                </a:solidFill>
+                <a:latin typeface="SF Display" panose="00000500000000000000" pitchFamily="50" charset="0"/>
+                <a:ea typeface="Times New Roman" panose="02020603050405020304" pitchFamily="18" charset="0"/>
+                <a:cs typeface="Calibri" panose="020F0502020204030204" pitchFamily="34" charset="0"/>
+              </a:rPr>
+              <a:t>}</a:t>
+            </a:r>
+            <a:endParaRPr lang="es-ES" sz="1050" dirty="0" smtClean="0">
+              <a:latin typeface="Calibri" panose="020F0502020204030204" pitchFamily="34" charset="0"/>
+              <a:ea typeface="Times New Roman" panose="02020603050405020304" pitchFamily="18" charset="0"/>
+              <a:cs typeface="Times New Roman" panose="02020603050405020304" pitchFamily="18" charset="0"/>
+            </a:endParaRPr>
+          </a:p>
+          <a:p>
+            <a:pPr marL="449580" indent="0">
+              <a:lnSpc>
+                <a:spcPct val="107000"/>
+              </a:lnSpc>
+              <a:spcAft>
+                <a:spcPts val="800"/>
+              </a:spcAft>
+              <a:buNone/>
+            </a:pPr>
+            <a:endParaRPr lang="es-ES" sz="800" dirty="0">
+              <a:latin typeface="SF Display" panose="00000500000000000000" pitchFamily="50" charset="0"/>
+              <a:ea typeface="SF Display" panose="00000500000000000000" pitchFamily="50" charset="0"/>
+              <a:cs typeface="Times New Roman" panose="02020603050405020304" pitchFamily="18" charset="0"/>
+            </a:endParaRPr>
+          </a:p>
+          <a:p>
+            <a:pPr marL="76200" indent="0">
+              <a:buNone/>
+            </a:pPr>
+            <a:endParaRPr lang="es-ES" sz="900" dirty="0"/>
           </a:p>
         </p:txBody>
       </p:sp>
@@ -30263,18 +30104,7 @@
                 <a:ea typeface="Times New Roman" panose="02020603050405020304" pitchFamily="18" charset="0"/>
                 <a:cs typeface="Calibri" panose="020F0502020204030204" pitchFamily="34" charset="0"/>
               </a:rPr>
-              <a:t> </a:t>
-            </a:r>
-            <a:r>
-              <a:rPr lang="en-US" sz="800" dirty="0" smtClean="0">
-                <a:solidFill>
-                  <a:srgbClr val="000000"/>
-                </a:solidFill>
-                <a:latin typeface="SF Display" panose="00000500000000000000" pitchFamily="50" charset="0"/>
-                <a:ea typeface="Times New Roman" panose="02020603050405020304" pitchFamily="18" charset="0"/>
-                <a:cs typeface="Calibri" panose="020F0502020204030204" pitchFamily="34" charset="0"/>
-              </a:rPr>
-              <a:t>{</a:t>
+              <a:t> {</a:t>
             </a:r>
           </a:p>
           <a:p>
@@ -30450,18 +30280,7 @@
                 <a:ea typeface="Times New Roman" panose="02020603050405020304" pitchFamily="18" charset="0"/>
                 <a:cs typeface="Calibri" panose="020F0502020204030204" pitchFamily="34" charset="0"/>
               </a:rPr>
-              <a:t>	</a:t>
-            </a:r>
-            <a:r>
-              <a:rPr lang="es-ES" sz="800" b="1" dirty="0" smtClean="0">
-                <a:solidFill>
-                  <a:srgbClr val="000000"/>
-                </a:solidFill>
-                <a:latin typeface="SF Display" panose="00000500000000000000" pitchFamily="50" charset="0"/>
-                <a:ea typeface="Times New Roman" panose="02020603050405020304" pitchFamily="18" charset="0"/>
-                <a:cs typeface="Calibri" panose="020F0502020204030204" pitchFamily="34" charset="0"/>
-              </a:rPr>
-              <a:t>}</a:t>
+              <a:t>	}</a:t>
             </a:r>
           </a:p>
           <a:p>
@@ -30858,8 +30677,19 @@
                 <a:latin typeface="SF Display" panose="00000500000000000000" pitchFamily="50" charset="0"/>
                 <a:ea typeface="SF Display" panose="00000500000000000000" pitchFamily="50" charset="0"/>
               </a:rPr>
-              <a:t>Lista dinámica de elementos en forma de tabla. Los métodos que vamos a necesitan son los siguientes: </a:t>
-            </a:r>
+              <a:t>Lista dinámica de elementos en forma de tabla. </a:t>
+            </a:r>
+            <a:r>
+              <a:rPr lang="en" sz="1100" dirty="0" smtClean="0">
+                <a:latin typeface="SF Display" panose="00000500000000000000" pitchFamily="50" charset="0"/>
+                <a:ea typeface="SF Display" panose="00000500000000000000" pitchFamily="50" charset="0"/>
+              </a:rPr>
+              <a:t>Necesitamos especificar los siguientes atributos:</a:t>
+            </a:r>
+            <a:endParaRPr lang="en" sz="1100" dirty="0" smtClean="0">
+              <a:latin typeface="SF Display" panose="00000500000000000000" pitchFamily="50" charset="0"/>
+              <a:ea typeface="SF Display" panose="00000500000000000000" pitchFamily="50" charset="0"/>
+            </a:endParaRPr>
           </a:p>
           <a:p>
             <a:pPr marL="171450" indent="-171450"/>

--- a/doc/Presentación.pptx
+++ b/doc/Presentación.pptx
@@ -36,26 +36,26 @@
   <p:notesSz cx="6858000" cy="9144000"/>
   <p:embeddedFontLst>
     <p:embeddedFont>
-      <p:font typeface="Montserrat" panose="020B0604020202020204" charset="0"/>
+      <p:font typeface="Helvetica" panose="020B0604020202020204" pitchFamily="34" charset="0"/>
       <p:regular r:id="rId26"/>
       <p:bold r:id="rId27"/>
+      <p:italic r:id="rId28"/>
+      <p:boldItalic r:id="rId29"/>
     </p:embeddedFont>
     <p:embeddedFont>
       <p:font typeface="Calibri" panose="020F0502020204030204" pitchFamily="34" charset="0"/>
-      <p:regular r:id="rId28"/>
-      <p:bold r:id="rId29"/>
-      <p:italic r:id="rId30"/>
-      <p:boldItalic r:id="rId31"/>
+      <p:regular r:id="rId30"/>
+      <p:bold r:id="rId31"/>
+      <p:italic r:id="rId32"/>
+      <p:boldItalic r:id="rId33"/>
     </p:embeddedFont>
     <p:embeddedFont>
-      <p:font typeface="Source Sans Pro" panose="020B0604020202020204" charset="0"/>
-      <p:regular r:id="rId32"/>
-      <p:bold r:id="rId33"/>
-      <p:italic r:id="rId34"/>
-      <p:boldItalic r:id="rId35"/>
+      <p:font typeface="Montserrat" panose="00000500000000000000" pitchFamily="50" charset="0"/>
+      <p:regular r:id="rId34"/>
+      <p:bold r:id="rId35"/>
     </p:embeddedFont>
     <p:embeddedFont>
-      <p:font typeface="Helvetica" panose="020B0604020202020204" pitchFamily="34" charset="0"/>
+      <p:font typeface="Source Sans Pro" panose="020B0503030403020204" pitchFamily="34" charset="0"/>
       <p:regular r:id="rId36"/>
       <p:bold r:id="rId37"/>
       <p:italic r:id="rId38"/>
@@ -8651,14 +8651,7 @@
                 <a:latin typeface="SF Display" panose="00000500000000000000" pitchFamily="50" charset="0"/>
                 <a:ea typeface="SF Display" panose="00000500000000000000" pitchFamily="50" charset="0"/>
               </a:rPr>
-              <a:t>Texto </a:t>
-            </a:r>
-            <a:r>
-              <a:rPr lang="es-ES" sz="700" dirty="0" smtClean="0">
-                <a:latin typeface="SF Display" panose="00000500000000000000" pitchFamily="50" charset="0"/>
-                <a:ea typeface="SF Display" panose="00000500000000000000" pitchFamily="50" charset="0"/>
-              </a:rPr>
-              <a:t>por defecto en la barra de búsqueda.</a:t>
+              <a:t>Texto por defecto en la barra de búsqueda.</a:t>
             </a:r>
             <a:endParaRPr lang="es-ES" sz="700" dirty="0">
               <a:latin typeface="SF Display" panose="00000500000000000000" pitchFamily="50" charset="0"/>
@@ -12395,28 +12388,14 @@
                 <a:latin typeface="SF Display" panose="00000500000000000000" pitchFamily="50" charset="0"/>
                 <a:ea typeface="SF Display" panose="00000500000000000000" pitchFamily="50" charset="0"/>
               </a:rPr>
-              <a:t>búsqueda </a:t>
-            </a:r>
-            <a:r>
-              <a:rPr lang="es-ES" sz="900" b="1" dirty="0" smtClean="0">
-                <a:latin typeface="SF Display" panose="00000500000000000000" pitchFamily="50" charset="0"/>
-                <a:ea typeface="SF Display" panose="00000500000000000000" pitchFamily="50" charset="0"/>
-              </a:rPr>
-              <a:t>funcione </a:t>
+              <a:t>búsqueda funcione </a:t>
             </a:r>
             <a:r>
               <a:rPr lang="es-ES" sz="900" dirty="0" smtClean="0">
                 <a:latin typeface="SF Display" panose="00000500000000000000" pitchFamily="50" charset="0"/>
                 <a:ea typeface="SF Display" panose="00000500000000000000" pitchFamily="50" charset="0"/>
               </a:rPr>
-              <a:t>aún </a:t>
-            </a:r>
-            <a:r>
-              <a:rPr lang="es-ES" sz="900" dirty="0" smtClean="0">
-                <a:latin typeface="SF Display" panose="00000500000000000000" pitchFamily="50" charset="0"/>
-                <a:ea typeface="SF Display" panose="00000500000000000000" pitchFamily="50" charset="0"/>
-              </a:rPr>
-              <a:t>nos queda modificar aquellos métodos encargados de montar la tabla de comidas, los cuales ya vienen dados en la implementación base: </a:t>
+              <a:t>aún nos queda modificar aquellos métodos encargados de montar la tabla de comidas, los cuales ya vienen dados en la implementación base: </a:t>
             </a:r>
             <a:endParaRPr lang="es-ES" sz="900" dirty="0">
               <a:latin typeface="SF Display" panose="00000500000000000000" pitchFamily="50" charset="0"/>
@@ -15192,14 +15171,6 @@
               </a:rPr>
               <a:t>    </a:t>
             </a:r>
-            <a:endParaRPr lang="es-ES" sz="800" dirty="0" smtClean="0">
-              <a:solidFill>
-                <a:srgbClr val="000000"/>
-              </a:solidFill>
-              <a:latin typeface="SF Display" panose="00000500000000000000" pitchFamily="50" charset="0"/>
-              <a:ea typeface="SF Display" panose="00000500000000000000" pitchFamily="50" charset="0"/>
-              <a:cs typeface="Menlo-Regular"/>
-            </a:endParaRPr>
           </a:p>
           <a:p>
             <a:pPr marL="76200" indent="0">
@@ -15681,35 +15652,7 @@
                 <a:latin typeface="SF Display" panose="00000500000000000000" pitchFamily="50" charset="0"/>
                 <a:ea typeface="SF Display" panose="00000500000000000000" pitchFamily="50" charset="0"/>
               </a:rPr>
-              <a:t> habrá que pasarle la comida correcta si se selecciona una fila para modificarla, y a la hora de volver a nuestra vista, habrá que </a:t>
-            </a:r>
-            <a:r>
-              <a:rPr lang="es-ES" sz="900" dirty="0" smtClean="0">
-                <a:latin typeface="SF Display" panose="00000500000000000000" pitchFamily="50" charset="0"/>
-                <a:ea typeface="SF Display" panose="00000500000000000000" pitchFamily="50" charset="0"/>
-              </a:rPr>
-              <a:t>tener en cuenta que </a:t>
-            </a:r>
-            <a:r>
-              <a:rPr lang="es-ES" sz="900" dirty="0" smtClean="0">
-                <a:latin typeface="SF Display" panose="00000500000000000000" pitchFamily="50" charset="0"/>
-                <a:ea typeface="SF Display" panose="00000500000000000000" pitchFamily="50" charset="0"/>
-              </a:rPr>
-              <a:t>la comida </a:t>
-            </a:r>
-            <a:r>
-              <a:rPr lang="es-ES" sz="900" dirty="0" smtClean="0">
-                <a:latin typeface="SF Display" panose="00000500000000000000" pitchFamily="50" charset="0"/>
-                <a:ea typeface="SF Display" panose="00000500000000000000" pitchFamily="50" charset="0"/>
-              </a:rPr>
-              <a:t>actualizada </a:t>
-            </a:r>
-            <a:r>
-              <a:rPr lang="es-ES" sz="900" dirty="0" smtClean="0">
-                <a:latin typeface="SF Display" panose="00000500000000000000" pitchFamily="50" charset="0"/>
-                <a:ea typeface="SF Display" panose="00000500000000000000" pitchFamily="50" charset="0"/>
-              </a:rPr>
-              <a:t>puede no encajar en la búsqueda en curso (si hay una).</a:t>
+              <a:t> habrá que pasarle la comida correcta si se selecciona una fila para modificarla, y a la hora de volver a nuestra vista, habrá que tener en cuenta que la comida actualizada puede no encajar en la búsqueda en curso (si hay una).</a:t>
             </a:r>
           </a:p>
           <a:p>
@@ -15724,28 +15667,7 @@
                 <a:latin typeface="SF Display" panose="00000500000000000000" pitchFamily="50" charset="0"/>
                 <a:ea typeface="SF Display" panose="00000500000000000000" pitchFamily="50" charset="0"/>
               </a:rPr>
-              <a:t>Nosotros </a:t>
-            </a:r>
-            <a:r>
-              <a:rPr lang="es-ES" sz="900" dirty="0" smtClean="0">
-                <a:latin typeface="SF Display" panose="00000500000000000000" pitchFamily="50" charset="0"/>
-                <a:ea typeface="SF Display" panose="00000500000000000000" pitchFamily="50" charset="0"/>
-              </a:rPr>
-              <a:t>consideraremos </a:t>
-            </a:r>
-            <a:r>
-              <a:rPr lang="es-ES" sz="900" dirty="0" smtClean="0">
-                <a:latin typeface="SF Display" panose="00000500000000000000" pitchFamily="50" charset="0"/>
-                <a:ea typeface="SF Display" panose="00000500000000000000" pitchFamily="50" charset="0"/>
-              </a:rPr>
-              <a:t>que sólo se puede realizar la acción de actualizar y eliminar mientras haya una </a:t>
-            </a:r>
-            <a:r>
-              <a:rPr lang="es-ES" sz="900" dirty="0" smtClean="0">
-                <a:latin typeface="SF Display" panose="00000500000000000000" pitchFamily="50" charset="0"/>
-                <a:ea typeface="SF Display" panose="00000500000000000000" pitchFamily="50" charset="0"/>
-              </a:rPr>
-              <a:t>búsqueda en curso.</a:t>
+              <a:t>Nosotros consideraremos que sólo se puede realizar la acción de actualizar y eliminar mientras haya una búsqueda en curso.</a:t>
             </a:r>
             <a:endParaRPr lang="es-ES" sz="800" dirty="0" smtClean="0">
               <a:latin typeface="SF Display" panose="00000500000000000000" pitchFamily="50" charset="0"/>
@@ -17649,8 +17571,8 @@
         </p:nvSpPr>
         <p:spPr>
           <a:xfrm>
-            <a:off x="4624233" y="1804872"/>
-            <a:ext cx="3481108" cy="1918511"/>
+            <a:off x="4748694" y="2011245"/>
+            <a:ext cx="3389401" cy="652081"/>
           </a:xfrm>
           <a:prstGeom prst="rect">
             <a:avLst/>
@@ -17680,7 +17602,7 @@
         </p:nvSpPr>
         <p:spPr>
           <a:xfrm>
-            <a:off x="1088165" y="1804873"/>
+            <a:off x="1072006" y="2010195"/>
             <a:ext cx="3490413" cy="1918511"/>
           </a:xfrm>
           <a:prstGeom prst="rect">
@@ -17763,7 +17685,7 @@
         </p:nvSpPr>
         <p:spPr>
           <a:xfrm>
-            <a:off x="437679" y="1784175"/>
+            <a:off x="437677" y="2003511"/>
             <a:ext cx="4759073" cy="2234275"/>
           </a:xfrm>
           <a:prstGeom prst="rect">
@@ -19076,7 +18998,7 @@
         </p:nvSpPr>
         <p:spPr>
           <a:xfrm>
-            <a:off x="1010200" y="1320125"/>
+            <a:off x="1009931" y="1382895"/>
             <a:ext cx="7003434" cy="230832"/>
           </a:xfrm>
           <a:prstGeom prst="rect">
@@ -19126,8 +19048,8 @@
         </p:nvSpPr>
         <p:spPr>
           <a:xfrm>
-            <a:off x="1009931" y="3782846"/>
-            <a:ext cx="3568647" cy="507831"/>
+            <a:off x="994136" y="3953004"/>
+            <a:ext cx="7147364" cy="369332"/>
           </a:xfrm>
           <a:prstGeom prst="rect">
             <a:avLst/>
@@ -19145,35 +19067,7 @@
                 <a:latin typeface="SF Display" panose="00000500000000000000" pitchFamily="50" charset="0"/>
                 <a:ea typeface="SF Display" panose="00000500000000000000" pitchFamily="50" charset="0"/>
               </a:rPr>
-              <a:t>Es posible que la comida </a:t>
-            </a:r>
-            <a:r>
-              <a:rPr lang="es-ES" sz="900" dirty="0" smtClean="0">
-                <a:latin typeface="SF Display" panose="00000500000000000000" pitchFamily="50" charset="0"/>
-                <a:ea typeface="SF Display" panose="00000500000000000000" pitchFamily="50" charset="0"/>
-              </a:rPr>
-              <a:t>actualizada </a:t>
-            </a:r>
-            <a:r>
-              <a:rPr lang="es-ES" sz="900" dirty="0" smtClean="0">
-                <a:latin typeface="SF Display" panose="00000500000000000000" pitchFamily="50" charset="0"/>
-                <a:ea typeface="SF Display" panose="00000500000000000000" pitchFamily="50" charset="0"/>
-              </a:rPr>
-              <a:t>no encaje </a:t>
-            </a:r>
-            <a:r>
-              <a:rPr lang="es-ES" sz="900" dirty="0" smtClean="0">
-                <a:latin typeface="SF Display" panose="00000500000000000000" pitchFamily="50" charset="0"/>
-                <a:ea typeface="SF Display" panose="00000500000000000000" pitchFamily="50" charset="0"/>
-              </a:rPr>
-              <a:t>en la búsqueda </a:t>
-            </a:r>
-            <a:r>
-              <a:rPr lang="es-ES" sz="900" dirty="0" smtClean="0">
-                <a:latin typeface="SF Display" panose="00000500000000000000" pitchFamily="50" charset="0"/>
-                <a:ea typeface="SF Display" panose="00000500000000000000" pitchFamily="50" charset="0"/>
-              </a:rPr>
-              <a:t>activa, y esto es lo que se comprueba en </a:t>
+              <a:t>Es posible que la comida actualizada no encaje en la búsqueda activa, y esto es lo que se comprueba en </a:t>
             </a:r>
             <a:r>
               <a:rPr lang="es-ES" sz="900" b="1" dirty="0" err="1" smtClean="0">
@@ -19204,7 +19098,7 @@
         </p:nvSpPr>
         <p:spPr>
           <a:xfrm>
-            <a:off x="2310678" y="1550957"/>
+            <a:off x="2310676" y="1630556"/>
             <a:ext cx="1013077" cy="253916"/>
           </a:xfrm>
           <a:prstGeom prst="rect">
@@ -19242,7 +19136,7 @@
         </p:nvSpPr>
         <p:spPr>
           <a:xfrm>
-            <a:off x="3999360" y="1786561"/>
+            <a:off x="4129084" y="2010195"/>
             <a:ext cx="4493376" cy="1713484"/>
           </a:xfrm>
           <a:prstGeom prst="rect">
@@ -19527,18 +19421,7 @@
                 <a:ea typeface="SF Display" panose="00000500000000000000" pitchFamily="50" charset="0"/>
                 <a:cs typeface="Menlo-Regular"/>
               </a:rPr>
-              <a:t>	                   </a:t>
-            </a:r>
-            <a:r>
-              <a:rPr lang="en-US" sz="600" b="1" dirty="0" smtClean="0">
-                <a:solidFill>
-                  <a:srgbClr val="AA0D91"/>
-                </a:solidFill>
-                <a:latin typeface="SF Display" panose="00000500000000000000" pitchFamily="50" charset="0"/>
-                <a:ea typeface="SF Display" panose="00000500000000000000" pitchFamily="50" charset="0"/>
-                <a:cs typeface="Menlo-Regular"/>
-              </a:rPr>
-              <a:t>let</a:t>
+              <a:t>	                   let</a:t>
             </a:r>
             <a:r>
               <a:rPr lang="en-US" sz="600" b="1" dirty="0" smtClean="0">
@@ -19839,18 +19722,7 @@
                 <a:ea typeface="SF Display" panose="00000500000000000000" pitchFamily="50" charset="0"/>
                 <a:cs typeface="Menlo-Regular"/>
               </a:rPr>
-              <a:t> </a:t>
-            </a:r>
-            <a:r>
-              <a:rPr lang="es-ES" sz="600" b="1" dirty="0" smtClean="0">
-                <a:solidFill>
-                  <a:srgbClr val="000000"/>
-                </a:solidFill>
-                <a:latin typeface="SF Display" panose="00000500000000000000" pitchFamily="50" charset="0"/>
-                <a:ea typeface="SF Display" panose="00000500000000000000" pitchFamily="50" charset="0"/>
-                <a:cs typeface="Menlo-Regular"/>
-              </a:rPr>
-              <a:t>	                   </a:t>
+              <a:t> 	                   </a:t>
             </a:r>
             <a:endParaRPr lang="es-ES" sz="600" dirty="0" smtClean="0">
               <a:latin typeface="SF Display" panose="00000500000000000000" pitchFamily="50" charset="0"/>
@@ -19906,7 +19778,7 @@
         </p:nvSpPr>
         <p:spPr>
           <a:xfrm>
-            <a:off x="6045296" y="1549763"/>
+            <a:off x="6084299" y="1607962"/>
             <a:ext cx="789680" cy="253916"/>
           </a:xfrm>
           <a:prstGeom prst="rect">
@@ -19942,8 +19814,8 @@
         </p:nvSpPr>
         <p:spPr>
           <a:xfrm>
-            <a:off x="4580463" y="3782845"/>
-            <a:ext cx="3568647" cy="646331"/>
+            <a:off x="4682223" y="2729944"/>
+            <a:ext cx="3455871" cy="646331"/>
           </a:xfrm>
           <a:prstGeom prst="rect">
             <a:avLst/>
@@ -19977,10 +19849,6 @@
               </a:rPr>
               <a:t>.</a:t>
             </a:r>
-            <a:endParaRPr lang="es-ES" sz="900" dirty="0" smtClean="0">
-              <a:latin typeface="SF Display" panose="00000500000000000000" pitchFamily="50" charset="0"/>
-              <a:ea typeface="SF Display" panose="00000500000000000000" pitchFamily="50" charset="0"/>
-            </a:endParaRPr>
           </a:p>
           <a:p>
             <a:r>
@@ -19995,28 +19863,7 @@
                 <a:latin typeface="SF Display" panose="00000500000000000000" pitchFamily="50" charset="0"/>
                 <a:ea typeface="SF Display" panose="00000500000000000000" pitchFamily="50" charset="0"/>
               </a:rPr>
-              <a:t> </a:t>
-            </a:r>
-            <a:r>
-              <a:rPr lang="es-ES" sz="900" dirty="0" smtClean="0">
-                <a:latin typeface="SF Display" panose="00000500000000000000" pitchFamily="50" charset="0"/>
-                <a:ea typeface="SF Display" panose="00000500000000000000" pitchFamily="50" charset="0"/>
-              </a:rPr>
-              <a:t>especifica la fila donde </a:t>
-            </a:r>
-            <a:r>
-              <a:rPr lang="es-ES" sz="900" dirty="0" smtClean="0">
-                <a:latin typeface="SF Display" panose="00000500000000000000" pitchFamily="50" charset="0"/>
-                <a:ea typeface="SF Display" panose="00000500000000000000" pitchFamily="50" charset="0"/>
-              </a:rPr>
-              <a:t>aparecerá </a:t>
-            </a:r>
-            <a:r>
-              <a:rPr lang="es-ES" sz="900" dirty="0" smtClean="0">
-                <a:latin typeface="SF Display" panose="00000500000000000000" pitchFamily="50" charset="0"/>
-                <a:ea typeface="SF Display" panose="00000500000000000000" pitchFamily="50" charset="0"/>
-              </a:rPr>
-              <a:t>la nueva comida en la tabla.</a:t>
+              <a:t> especifica la fila donde aparecerá la nueva comida en la tabla.</a:t>
             </a:r>
             <a:endParaRPr lang="es-ES" sz="900" dirty="0">
               <a:latin typeface="SF Display" panose="00000500000000000000" pitchFamily="50" charset="0"/>
@@ -25765,10 +25612,6 @@
               </a:rPr>
               <a:t>.</a:t>
             </a:r>
-            <a:endParaRPr lang="es-ES" sz="800" dirty="0">
-              <a:latin typeface="SF Display" panose="00000500000000000000" pitchFamily="50" charset="0"/>
-              <a:ea typeface="SF Display" panose="00000500000000000000" pitchFamily="50" charset="0"/>
-            </a:endParaRPr>
           </a:p>
         </p:txBody>
       </p:sp>
@@ -25956,18 +25799,7 @@
                 <a:ea typeface="Times New Roman" panose="02020603050405020304" pitchFamily="18" charset="0"/>
                 <a:cs typeface="Calibri" panose="020F0502020204030204" pitchFamily="34" charset="0"/>
               </a:rPr>
-              <a:t> </a:t>
-            </a:r>
-            <a:r>
-              <a:rPr lang="en-US" sz="800" dirty="0" smtClean="0">
-                <a:solidFill>
-                  <a:srgbClr val="000000"/>
-                </a:solidFill>
-                <a:latin typeface="SF Display" panose="00000500000000000000" pitchFamily="50" charset="0"/>
-                <a:ea typeface="Times New Roman" panose="02020603050405020304" pitchFamily="18" charset="0"/>
-                <a:cs typeface="Calibri" panose="020F0502020204030204" pitchFamily="34" charset="0"/>
-              </a:rPr>
-              <a:t>{</a:t>
+              <a:t> {</a:t>
             </a:r>
           </a:p>
           <a:p>
@@ -30677,19 +30509,8 @@
                 <a:latin typeface="SF Display" panose="00000500000000000000" pitchFamily="50" charset="0"/>
                 <a:ea typeface="SF Display" panose="00000500000000000000" pitchFamily="50" charset="0"/>
               </a:rPr>
-              <a:t>Lista dinámica de elementos en forma de tabla. </a:t>
-            </a:r>
-            <a:r>
-              <a:rPr lang="en" sz="1100" dirty="0" smtClean="0">
-                <a:latin typeface="SF Display" panose="00000500000000000000" pitchFamily="50" charset="0"/>
-                <a:ea typeface="SF Display" panose="00000500000000000000" pitchFamily="50" charset="0"/>
-              </a:rPr>
-              <a:t>Necesitamos especificar los siguientes atributos:</a:t>
-            </a:r>
-            <a:endParaRPr lang="en" sz="1100" dirty="0" smtClean="0">
-              <a:latin typeface="SF Display" panose="00000500000000000000" pitchFamily="50" charset="0"/>
-              <a:ea typeface="SF Display" panose="00000500000000000000" pitchFamily="50" charset="0"/>
-            </a:endParaRPr>
+              <a:t>Lista dinámica de elementos en forma de tabla. Necesitamos especificar los siguientes atributos:</a:t>
+            </a:r>
           </a:p>
           <a:p>
             <a:pPr marL="171450" indent="-171450"/>

--- a/doc/Presentación.pptx
+++ b/doc/Presentación.pptx
@@ -36,26 +36,26 @@
   <p:notesSz cx="6858000" cy="9144000"/>
   <p:embeddedFontLst>
     <p:embeddedFont>
-      <p:font typeface="Helvetica" panose="020B0604020202020204" pitchFamily="34" charset="0"/>
+      <p:font typeface="Montserrat" panose="020B0604020202020204" charset="0"/>
       <p:regular r:id="rId26"/>
       <p:bold r:id="rId27"/>
-      <p:italic r:id="rId28"/>
-      <p:boldItalic r:id="rId29"/>
+    </p:embeddedFont>
+    <p:embeddedFont>
+      <p:font typeface="Helvetica" panose="020B0604020202020204" pitchFamily="34" charset="0"/>
+      <p:regular r:id="rId28"/>
+      <p:bold r:id="rId29"/>
+      <p:italic r:id="rId30"/>
+      <p:boldItalic r:id="rId31"/>
+    </p:embeddedFont>
+    <p:embeddedFont>
+      <p:font typeface="Source Sans Pro" panose="020B0604020202020204" charset="0"/>
+      <p:regular r:id="rId32"/>
+      <p:bold r:id="rId33"/>
+      <p:italic r:id="rId34"/>
+      <p:boldItalic r:id="rId35"/>
     </p:embeddedFont>
     <p:embeddedFont>
       <p:font typeface="Calibri" panose="020F0502020204030204" pitchFamily="34" charset="0"/>
-      <p:regular r:id="rId30"/>
-      <p:bold r:id="rId31"/>
-      <p:italic r:id="rId32"/>
-      <p:boldItalic r:id="rId33"/>
-    </p:embeddedFont>
-    <p:embeddedFont>
-      <p:font typeface="Montserrat" panose="00000500000000000000" pitchFamily="50" charset="0"/>
-      <p:regular r:id="rId34"/>
-      <p:bold r:id="rId35"/>
-    </p:embeddedFont>
-    <p:embeddedFont>
-      <p:font typeface="Source Sans Pro" panose="020B0503030403020204" pitchFamily="34" charset="0"/>
       <p:regular r:id="rId36"/>
       <p:bold r:id="rId37"/>
       <p:italic r:id="rId38"/>
@@ -8558,7 +8558,21 @@
                 <a:latin typeface="SF Display" panose="00000500000000000000" pitchFamily="50" charset="0"/>
                 <a:ea typeface="SF Display" panose="00000500000000000000" pitchFamily="50" charset="0"/>
               </a:rPr>
-              <a:t> habrá que declaras las propiedades que tendrá el espacio de búsqueda.</a:t>
+              <a:t> habrá que </a:t>
+            </a:r>
+            <a:r>
+              <a:rPr lang="es-ES" sz="900" dirty="0" smtClean="0">
+                <a:latin typeface="SF Display" panose="00000500000000000000" pitchFamily="50" charset="0"/>
+                <a:ea typeface="SF Display" panose="00000500000000000000" pitchFamily="50" charset="0"/>
+              </a:rPr>
+              <a:t>declarar </a:t>
+            </a:r>
+            <a:r>
+              <a:rPr lang="es-ES" sz="900" dirty="0" smtClean="0">
+                <a:latin typeface="SF Display" panose="00000500000000000000" pitchFamily="50" charset="0"/>
+                <a:ea typeface="SF Display" panose="00000500000000000000" pitchFamily="50" charset="0"/>
+              </a:rPr>
+              <a:t>las propiedades que tendrá el espacio de búsqueda.</a:t>
             </a:r>
             <a:endParaRPr lang="es-ES" sz="900" dirty="0">
               <a:latin typeface="SF Display" panose="00000500000000000000" pitchFamily="50" charset="0"/>
@@ -8599,7 +8613,21 @@
                 <a:latin typeface="SF Display" panose="00000500000000000000" pitchFamily="50" charset="0"/>
                 <a:ea typeface="SF Display" panose="00000500000000000000" pitchFamily="50" charset="0"/>
               </a:rPr>
-              <a:t>Clase que reciba información al actualiza barra de búsqueda. También se deriva del protocolo </a:t>
+              <a:t>Clase que reciba información al </a:t>
+            </a:r>
+            <a:r>
+              <a:rPr lang="es-ES" sz="700" dirty="0" smtClean="0">
+                <a:latin typeface="SF Display" panose="00000500000000000000" pitchFamily="50" charset="0"/>
+                <a:ea typeface="SF Display" panose="00000500000000000000" pitchFamily="50" charset="0"/>
+              </a:rPr>
+              <a:t>actualizarse la </a:t>
+            </a:r>
+            <a:r>
+              <a:rPr lang="es-ES" sz="700" dirty="0" smtClean="0">
+                <a:latin typeface="SF Display" panose="00000500000000000000" pitchFamily="50" charset="0"/>
+                <a:ea typeface="SF Display" panose="00000500000000000000" pitchFamily="50" charset="0"/>
+              </a:rPr>
+              <a:t>barra de búsqueda. También se deriva del protocolo </a:t>
             </a:r>
             <a:r>
               <a:rPr lang="es-ES" sz="700" b="1" dirty="0" err="1" smtClean="0">
@@ -8634,7 +8662,21 @@
                 <a:latin typeface="SF Display" panose="00000500000000000000" pitchFamily="50" charset="0"/>
                 <a:ea typeface="SF Display" panose="00000500000000000000" pitchFamily="50" charset="0"/>
               </a:rPr>
-              <a:t>Útil cuando las vistas donde se muestra la barra de búsqueda y los resultados son diferentes. No es nuestro caso.</a:t>
+              <a:t>Útil cuando las vistas donde se </a:t>
+            </a:r>
+            <a:r>
+              <a:rPr lang="es-ES" sz="700" dirty="0" smtClean="0">
+                <a:latin typeface="SF Display" panose="00000500000000000000" pitchFamily="50" charset="0"/>
+                <a:ea typeface="SF Display" panose="00000500000000000000" pitchFamily="50" charset="0"/>
+              </a:rPr>
+              <a:t>muestran </a:t>
+            </a:r>
+            <a:r>
+              <a:rPr lang="es-ES" sz="700" dirty="0" smtClean="0">
+                <a:latin typeface="SF Display" panose="00000500000000000000" pitchFamily="50" charset="0"/>
+                <a:ea typeface="SF Display" panose="00000500000000000000" pitchFamily="50" charset="0"/>
+              </a:rPr>
+              <a:t>la barra de búsqueda y los resultados son diferentes. No es nuestro caso.</a:t>
             </a:r>
           </a:p>
           <a:p>
@@ -8696,18 +8738,18 @@
               <a:t>La barra de búsqueda </a:t>
             </a:r>
             <a:r>
-              <a:rPr lang="es-ES" sz="700" dirty="0" err="1" smtClean="0">
-                <a:latin typeface="SF Display" panose="00000500000000000000" pitchFamily="50" charset="0"/>
-                <a:ea typeface="SF Display" panose="00000500000000000000" pitchFamily="50" charset="0"/>
-              </a:rPr>
-              <a:t>apece</a:t>
-            </a:r>
-            <a:r>
               <a:rPr lang="es-ES" sz="700" dirty="0" smtClean="0">
                 <a:latin typeface="SF Display" panose="00000500000000000000" pitchFamily="50" charset="0"/>
                 <a:ea typeface="SF Display" panose="00000500000000000000" pitchFamily="50" charset="0"/>
               </a:rPr>
-              <a:t> permanentemente al marcarlo como false.</a:t>
+              <a:t>aparece </a:t>
+            </a:r>
+            <a:r>
+              <a:rPr lang="es-ES" sz="700" dirty="0" smtClean="0">
+                <a:latin typeface="SF Display" panose="00000500000000000000" pitchFamily="50" charset="0"/>
+                <a:ea typeface="SF Display" panose="00000500000000000000" pitchFamily="50" charset="0"/>
+              </a:rPr>
+              <a:t>permanentemente al marcarlo como false.</a:t>
             </a:r>
             <a:endParaRPr lang="es-ES" sz="700" dirty="0">
               <a:latin typeface="SF Display" panose="00000500000000000000" pitchFamily="50" charset="0"/>
@@ -9051,6 +9093,17 @@
               </a:tabLst>
             </a:pPr>
             <a:r>
+              <a:rPr lang="en-US" sz="800" b="1" dirty="0">
+                <a:solidFill>
+                  <a:srgbClr val="AA0D91"/>
+                </a:solidFill>
+                <a:latin typeface="SF Display" panose="00000500000000000000" pitchFamily="50" charset="0"/>
+                <a:ea typeface="Times New Roman" panose="02020603050405020304" pitchFamily="18" charset="0"/>
+                <a:cs typeface="Menlo-Regular"/>
+              </a:rPr>
+              <a:t> </a:t>
+            </a:r>
+            <a:r>
               <a:rPr lang="en-US" sz="800" b="1" dirty="0" smtClean="0">
                 <a:solidFill>
                   <a:srgbClr val="AA0D91"/>
@@ -9059,7 +9112,18 @@
                 <a:ea typeface="Times New Roman" panose="02020603050405020304" pitchFamily="18" charset="0"/>
                 <a:cs typeface="Menlo-Regular"/>
               </a:rPr>
-              <a:t>	return</a:t>
+              <a:t>            </a:t>
+            </a:r>
+            <a:r>
+              <a:rPr lang="en-US" sz="800" b="1" dirty="0" smtClean="0">
+                <a:solidFill>
+                  <a:srgbClr val="AA0D91"/>
+                </a:solidFill>
+                <a:latin typeface="SF Display" panose="00000500000000000000" pitchFamily="50" charset="0"/>
+                <a:ea typeface="Times New Roman" panose="02020603050405020304" pitchFamily="18" charset="0"/>
+                <a:cs typeface="Menlo-Regular"/>
+              </a:rPr>
+              <a:t>return</a:t>
             </a:r>
             <a:r>
               <a:rPr lang="en-US" sz="800" b="1" dirty="0" smtClean="0">
@@ -10448,6 +10512,17 @@
               </a:tabLst>
             </a:pPr>
             <a:r>
+              <a:rPr lang="en-US" sz="800" b="1" dirty="0">
+                <a:solidFill>
+                  <a:srgbClr val="3F6E74"/>
+                </a:solidFill>
+                <a:latin typeface="SF Display" panose="00000500000000000000" pitchFamily="50" charset="0"/>
+                <a:ea typeface="Times New Roman" panose="02020603050405020304" pitchFamily="18" charset="0"/>
+                <a:cs typeface="Menlo-Regular"/>
+              </a:rPr>
+              <a:t> </a:t>
+            </a:r>
+            <a:r>
               <a:rPr lang="en-US" sz="800" b="1" dirty="0" smtClean="0">
                 <a:solidFill>
                   <a:srgbClr val="3F6E74"/>
@@ -10456,7 +10531,7 @@
                 <a:ea typeface="Times New Roman" panose="02020603050405020304" pitchFamily="18" charset="0"/>
                 <a:cs typeface="Menlo-Regular"/>
               </a:rPr>
-              <a:t>	</a:t>
+              <a:t>            </a:t>
             </a:r>
             <a:r>
               <a:rPr lang="en-US" sz="800" b="1" dirty="0" err="1" smtClean="0">
@@ -10761,6 +10836,17 @@
               </a:tabLst>
             </a:pPr>
             <a:r>
+              <a:rPr lang="en-US" sz="800" b="1" dirty="0">
+                <a:solidFill>
+                  <a:srgbClr val="5C2699"/>
+                </a:solidFill>
+                <a:latin typeface="SF Display" panose="00000500000000000000" pitchFamily="50" charset="0"/>
+                <a:ea typeface="Times New Roman" panose="02020603050405020304" pitchFamily="18" charset="0"/>
+                <a:cs typeface="Menlo-Regular"/>
+              </a:rPr>
+              <a:t> </a:t>
+            </a:r>
+            <a:r>
               <a:rPr lang="en-US" sz="800" b="1" dirty="0" smtClean="0">
                 <a:solidFill>
                   <a:srgbClr val="5C2699"/>
@@ -10769,7 +10855,7 @@
                 <a:ea typeface="Times New Roman" panose="02020603050405020304" pitchFamily="18" charset="0"/>
                 <a:cs typeface="Menlo-Regular"/>
               </a:rPr>
-              <a:t>	</a:t>
+              <a:t>            </a:t>
             </a:r>
             <a:r>
               <a:rPr lang="en-US" sz="800" b="1" dirty="0" err="1" smtClean="0">
@@ -10881,7 +10967,21 @@
                 <a:latin typeface="SF Display" panose="00000500000000000000" pitchFamily="50" charset="0"/>
                 <a:ea typeface="SF Display" panose="00000500000000000000" pitchFamily="50" charset="0"/>
               </a:rPr>
-              <a:t>Selecciona aquellas comidas que corresponden con la búsqueda realizada. En nuestro consideramos tanto el nombre de la comida como el texto de la búsqueda en minúscula, pero se puede llevar a cabo cualquier otra estrategia.</a:t>
+              <a:t>Selecciona aquellas comidas que corresponden con la búsqueda realizada. En </a:t>
+            </a:r>
+            <a:r>
+              <a:rPr lang="es-ES" sz="900" dirty="0" smtClean="0">
+                <a:latin typeface="SF Display" panose="00000500000000000000" pitchFamily="50" charset="0"/>
+                <a:ea typeface="SF Display" panose="00000500000000000000" pitchFamily="50" charset="0"/>
+              </a:rPr>
+              <a:t>nuestro caso </a:t>
+            </a:r>
+            <a:r>
+              <a:rPr lang="es-ES" sz="900" dirty="0" smtClean="0">
+                <a:latin typeface="SF Display" panose="00000500000000000000" pitchFamily="50" charset="0"/>
+                <a:ea typeface="SF Display" panose="00000500000000000000" pitchFamily="50" charset="0"/>
+              </a:rPr>
+              <a:t>consideramos tanto el nombre de la comida como el texto de la búsqueda en minúscula, pero se puede llevar a cabo cualquier otra estrategia.</a:t>
             </a:r>
             <a:endParaRPr lang="es-ES" sz="900" dirty="0">
               <a:latin typeface="SF Display" panose="00000500000000000000" pitchFamily="50" charset="0"/>
@@ -15667,7 +15767,21 @@
                 <a:latin typeface="SF Display" panose="00000500000000000000" pitchFamily="50" charset="0"/>
                 <a:ea typeface="SF Display" panose="00000500000000000000" pitchFamily="50" charset="0"/>
               </a:rPr>
-              <a:t>Nosotros consideraremos que sólo se puede realizar la acción de actualizar y eliminar mientras haya una búsqueda en curso.</a:t>
+              <a:t>Nosotros consideraremos que </a:t>
+            </a:r>
+            <a:r>
+              <a:rPr lang="es-ES" sz="900" dirty="0" smtClean="0">
+                <a:latin typeface="SF Display" panose="00000500000000000000" pitchFamily="50" charset="0"/>
+                <a:ea typeface="SF Display" panose="00000500000000000000" pitchFamily="50" charset="0"/>
+              </a:rPr>
+              <a:t>se </a:t>
+            </a:r>
+            <a:r>
+              <a:rPr lang="es-ES" sz="900" dirty="0" smtClean="0">
+                <a:latin typeface="SF Display" panose="00000500000000000000" pitchFamily="50" charset="0"/>
+                <a:ea typeface="SF Display" panose="00000500000000000000" pitchFamily="50" charset="0"/>
+              </a:rPr>
+              <a:t>puede realizar la acción de actualizar y eliminar mientras haya una búsqueda en curso.</a:t>
             </a:r>
             <a:endParaRPr lang="es-ES" sz="800" dirty="0" smtClean="0">
               <a:latin typeface="SF Display" panose="00000500000000000000" pitchFamily="50" charset="0"/>
@@ -30285,7 +30399,21 @@
                 <a:latin typeface="SF Display" panose="00000500000000000000" pitchFamily="50" charset="0"/>
                 <a:ea typeface="SF Display" panose="00000500000000000000" pitchFamily="50" charset="0"/>
               </a:rPr>
-              <a:t>Conduce los cambios en el modelo hacia la vista y viceversa. Pueden realizar  tareas de configuración y coordinación, asi como manejar el ciclo de vida de otros objetos.</a:t>
+              <a:t>Conduce los cambios en el modelo hacia la vista y viceversa. Pueden realizar  tareas de configuración y coordinación, </a:t>
+            </a:r>
+            <a:r>
+              <a:rPr lang="en" sz="1100" dirty="0" smtClean="0">
+                <a:latin typeface="SF Display" panose="00000500000000000000" pitchFamily="50" charset="0"/>
+                <a:ea typeface="SF Display" panose="00000500000000000000" pitchFamily="50" charset="0"/>
+              </a:rPr>
+              <a:t>así </a:t>
+            </a:r>
+            <a:r>
+              <a:rPr lang="en" sz="1100" dirty="0" smtClean="0">
+                <a:latin typeface="SF Display" panose="00000500000000000000" pitchFamily="50" charset="0"/>
+                <a:ea typeface="SF Display" panose="00000500000000000000" pitchFamily="50" charset="0"/>
+              </a:rPr>
+              <a:t>como manejar el ciclo de vida de otros objetos.</a:t>
             </a:r>
             <a:r>
               <a:rPr lang="es-ES" sz="900" dirty="0" smtClean="0">
@@ -30509,8 +30637,19 @@
                 <a:latin typeface="SF Display" panose="00000500000000000000" pitchFamily="50" charset="0"/>
                 <a:ea typeface="SF Display" panose="00000500000000000000" pitchFamily="50" charset="0"/>
               </a:rPr>
-              <a:t>Lista dinámica de elementos en forma de tabla. Necesitamos especificar los siguientes atributos:</a:t>
-            </a:r>
+              <a:t>Lista dinámica de elementos en forma de tabla. </a:t>
+            </a:r>
+            <a:r>
+              <a:rPr lang="en" sz="1100" dirty="0" smtClean="0">
+                <a:latin typeface="SF Display" panose="00000500000000000000" pitchFamily="50" charset="0"/>
+                <a:ea typeface="SF Display" panose="00000500000000000000" pitchFamily="50" charset="0"/>
+              </a:rPr>
+              <a:t>Utilizaremos métodos que necesitan la siguiente información:</a:t>
+            </a:r>
+            <a:endParaRPr lang="en" sz="1100" dirty="0" smtClean="0">
+              <a:latin typeface="SF Display" panose="00000500000000000000" pitchFamily="50" charset="0"/>
+              <a:ea typeface="SF Display" panose="00000500000000000000" pitchFamily="50" charset="0"/>
+            </a:endParaRPr>
           </a:p>
           <a:p>
             <a:pPr marL="171450" indent="-171450"/>
@@ -30529,7 +30668,21 @@
                 <a:latin typeface="SF Display" panose="00000500000000000000" pitchFamily="50" charset="0"/>
                 <a:ea typeface="SF Display" panose="00000500000000000000" pitchFamily="50" charset="0"/>
               </a:rPr>
-              <a:t>Celda en una fila concreta: en función también de si hay una búsqueda activa o no habrá que coger la comida de una fuente u otra. Hay que devolver una celda lista para poder ser visualizada en la tabla, con todos los atributos que creamos convenientes.</a:t>
+              <a:t>Celda en una fila concreta: en función también de si hay una búsqueda activa o no habrá que coger la comida de una fuente u otra. Hay que devolver una celda </a:t>
+            </a:r>
+            <a:r>
+              <a:rPr lang="en" sz="1100" dirty="0" smtClean="0">
+                <a:latin typeface="SF Display" panose="00000500000000000000" pitchFamily="50" charset="0"/>
+                <a:ea typeface="SF Display" panose="00000500000000000000" pitchFamily="50" charset="0"/>
+              </a:rPr>
+              <a:t>para </a:t>
+            </a:r>
+            <a:r>
+              <a:rPr lang="en" sz="1100" dirty="0" smtClean="0">
+                <a:latin typeface="SF Display" panose="00000500000000000000" pitchFamily="50" charset="0"/>
+                <a:ea typeface="SF Display" panose="00000500000000000000" pitchFamily="50" charset="0"/>
+              </a:rPr>
+              <a:t>poder ser visualizada en la tabla, con todos los atributos que creamos convenientes.</a:t>
             </a:r>
             <a:endParaRPr lang="es-ES" sz="1100" dirty="0">
               <a:solidFill>
@@ -30619,14 +30772,14 @@
                 <a:latin typeface="SF Display" panose="00000500000000000000" pitchFamily="50" charset="0"/>
                 <a:ea typeface="SF Display" panose="00000500000000000000" pitchFamily="50" charset="0"/>
               </a:rPr>
-              <a:t>En nuestro caso será necesario para añadir y actualizar comidas, de tal forma que la tabla recibirá una comida añadida o actualizada que se extraerá en el método unwindToMeaList</a:t>
-            </a:r>
-            <a:r>
-              <a:rPr lang="en" sz="1100" dirty="0">
-                <a:latin typeface="SF Display" panose="00000500000000000000" pitchFamily="50" charset="0"/>
-                <a:ea typeface="SF Display" panose="00000500000000000000" pitchFamily="50" charset="0"/>
-              </a:rPr>
-              <a:t> </a:t>
+              <a:t>En nuestro caso será necesario para añadir y actualizar comidas, de tal forma que la tabla recibirá una comida añadida o actualizada que se extraerá en el método </a:t>
+            </a:r>
+            <a:r>
+              <a:rPr lang="en" sz="1100" dirty="0" smtClean="0">
+                <a:latin typeface="SF Display" panose="00000500000000000000" pitchFamily="50" charset="0"/>
+                <a:ea typeface="SF Display" panose="00000500000000000000" pitchFamily="50" charset="0"/>
+              </a:rPr>
+              <a:t>unwindToMealList </a:t>
             </a:r>
             <a:r>
               <a:rPr lang="en" sz="1100" dirty="0" smtClean="0">

--- a/doc/Presentación.pptx
+++ b/doc/Presentación.pptx
@@ -36,7 +36,7 @@
   <p:notesSz cx="6858000" cy="9144000"/>
   <p:embeddedFontLst>
     <p:embeddedFont>
-      <p:font typeface="Montserrat" panose="020B0604020202020204" charset="0"/>
+      <p:font typeface="Montserrat" panose="00000500000000000000" pitchFamily="50" charset="0"/>
       <p:regular r:id="rId26"/>
       <p:bold r:id="rId27"/>
     </p:embeddedFont>
@@ -48,7 +48,7 @@
       <p:boldItalic r:id="rId31"/>
     </p:embeddedFont>
     <p:embeddedFont>
-      <p:font typeface="Source Sans Pro" panose="020B0604020202020204" charset="0"/>
+      <p:font typeface="Source Sans Pro" panose="020B0503030403020204" pitchFamily="34" charset="0"/>
       <p:regular r:id="rId32"/>
       <p:bold r:id="rId33"/>
       <p:italic r:id="rId34"/>
@@ -8558,21 +8558,7 @@
                 <a:latin typeface="SF Display" panose="00000500000000000000" pitchFamily="50" charset="0"/>
                 <a:ea typeface="SF Display" panose="00000500000000000000" pitchFamily="50" charset="0"/>
               </a:rPr>
-              <a:t> habrá que </a:t>
-            </a:r>
-            <a:r>
-              <a:rPr lang="es-ES" sz="900" dirty="0" smtClean="0">
-                <a:latin typeface="SF Display" panose="00000500000000000000" pitchFamily="50" charset="0"/>
-                <a:ea typeface="SF Display" panose="00000500000000000000" pitchFamily="50" charset="0"/>
-              </a:rPr>
-              <a:t>declarar </a:t>
-            </a:r>
-            <a:r>
-              <a:rPr lang="es-ES" sz="900" dirty="0" smtClean="0">
-                <a:latin typeface="SF Display" panose="00000500000000000000" pitchFamily="50" charset="0"/>
-                <a:ea typeface="SF Display" panose="00000500000000000000" pitchFamily="50" charset="0"/>
-              </a:rPr>
-              <a:t>las propiedades que tendrá el espacio de búsqueda.</a:t>
+              <a:t> habrá que declarar las propiedades que tendrá el espacio de búsqueda.</a:t>
             </a:r>
             <a:endParaRPr lang="es-ES" sz="900" dirty="0">
               <a:latin typeface="SF Display" panose="00000500000000000000" pitchFamily="50" charset="0"/>
@@ -8613,21 +8599,7 @@
                 <a:latin typeface="SF Display" panose="00000500000000000000" pitchFamily="50" charset="0"/>
                 <a:ea typeface="SF Display" panose="00000500000000000000" pitchFamily="50" charset="0"/>
               </a:rPr>
-              <a:t>Clase que reciba información al </a:t>
-            </a:r>
-            <a:r>
-              <a:rPr lang="es-ES" sz="700" dirty="0" smtClean="0">
-                <a:latin typeface="SF Display" panose="00000500000000000000" pitchFamily="50" charset="0"/>
-                <a:ea typeface="SF Display" panose="00000500000000000000" pitchFamily="50" charset="0"/>
-              </a:rPr>
-              <a:t>actualizarse la </a:t>
-            </a:r>
-            <a:r>
-              <a:rPr lang="es-ES" sz="700" dirty="0" smtClean="0">
-                <a:latin typeface="SF Display" panose="00000500000000000000" pitchFamily="50" charset="0"/>
-                <a:ea typeface="SF Display" panose="00000500000000000000" pitchFamily="50" charset="0"/>
-              </a:rPr>
-              <a:t>barra de búsqueda. También se deriva del protocolo </a:t>
+              <a:t>Clase que reciba información al actualizarse la barra de búsqueda. También se deriva del protocolo </a:t>
             </a:r>
             <a:r>
               <a:rPr lang="es-ES" sz="700" b="1" dirty="0" err="1" smtClean="0">
@@ -8662,21 +8634,7 @@
                 <a:latin typeface="SF Display" panose="00000500000000000000" pitchFamily="50" charset="0"/>
                 <a:ea typeface="SF Display" panose="00000500000000000000" pitchFamily="50" charset="0"/>
               </a:rPr>
-              <a:t>Útil cuando las vistas donde se </a:t>
-            </a:r>
-            <a:r>
-              <a:rPr lang="es-ES" sz="700" dirty="0" smtClean="0">
-                <a:latin typeface="SF Display" panose="00000500000000000000" pitchFamily="50" charset="0"/>
-                <a:ea typeface="SF Display" panose="00000500000000000000" pitchFamily="50" charset="0"/>
-              </a:rPr>
-              <a:t>muestran </a:t>
-            </a:r>
-            <a:r>
-              <a:rPr lang="es-ES" sz="700" dirty="0" smtClean="0">
-                <a:latin typeface="SF Display" panose="00000500000000000000" pitchFamily="50" charset="0"/>
-                <a:ea typeface="SF Display" panose="00000500000000000000" pitchFamily="50" charset="0"/>
-              </a:rPr>
-              <a:t>la barra de búsqueda y los resultados son diferentes. No es nuestro caso.</a:t>
+              <a:t>Útil cuando las vistas donde se muestran la barra de búsqueda y los resultados son diferentes. No es nuestro caso.</a:t>
             </a:r>
           </a:p>
           <a:p>
@@ -8735,21 +8693,7 @@
                 <a:latin typeface="SF Display" panose="00000500000000000000" pitchFamily="50" charset="0"/>
                 <a:ea typeface="SF Display" panose="00000500000000000000" pitchFamily="50" charset="0"/>
               </a:rPr>
-              <a:t>La barra de búsqueda </a:t>
-            </a:r>
-            <a:r>
-              <a:rPr lang="es-ES" sz="700" dirty="0" smtClean="0">
-                <a:latin typeface="SF Display" panose="00000500000000000000" pitchFamily="50" charset="0"/>
-                <a:ea typeface="SF Display" panose="00000500000000000000" pitchFamily="50" charset="0"/>
-              </a:rPr>
-              <a:t>aparece </a:t>
-            </a:r>
-            <a:r>
-              <a:rPr lang="es-ES" sz="700" dirty="0" smtClean="0">
-                <a:latin typeface="SF Display" panose="00000500000000000000" pitchFamily="50" charset="0"/>
-                <a:ea typeface="SF Display" panose="00000500000000000000" pitchFamily="50" charset="0"/>
-              </a:rPr>
-              <a:t>permanentemente al marcarlo como false.</a:t>
+              <a:t>La barra de búsqueda aparece permanentemente al marcarlo como false.</a:t>
             </a:r>
             <a:endParaRPr lang="es-ES" sz="700" dirty="0">
               <a:latin typeface="SF Display" panose="00000500000000000000" pitchFamily="50" charset="0"/>
@@ -9112,18 +9056,7 @@
                 <a:ea typeface="Times New Roman" panose="02020603050405020304" pitchFamily="18" charset="0"/>
                 <a:cs typeface="Menlo-Regular"/>
               </a:rPr>
-              <a:t>            </a:t>
-            </a:r>
-            <a:r>
-              <a:rPr lang="en-US" sz="800" b="1" dirty="0" smtClean="0">
-                <a:solidFill>
-                  <a:srgbClr val="AA0D91"/>
-                </a:solidFill>
-                <a:latin typeface="SF Display" panose="00000500000000000000" pitchFamily="50" charset="0"/>
-                <a:ea typeface="Times New Roman" panose="02020603050405020304" pitchFamily="18" charset="0"/>
-                <a:cs typeface="Menlo-Regular"/>
-              </a:rPr>
-              <a:t>return</a:t>
+              <a:t>            return</a:t>
             </a:r>
             <a:r>
               <a:rPr lang="en-US" sz="800" b="1" dirty="0" smtClean="0">
@@ -10967,21 +10900,7 @@
                 <a:latin typeface="SF Display" panose="00000500000000000000" pitchFamily="50" charset="0"/>
                 <a:ea typeface="SF Display" panose="00000500000000000000" pitchFamily="50" charset="0"/>
               </a:rPr>
-              <a:t>Selecciona aquellas comidas que corresponden con la búsqueda realizada. En </a:t>
-            </a:r>
-            <a:r>
-              <a:rPr lang="es-ES" sz="900" dirty="0" smtClean="0">
-                <a:latin typeface="SF Display" panose="00000500000000000000" pitchFamily="50" charset="0"/>
-                <a:ea typeface="SF Display" panose="00000500000000000000" pitchFamily="50" charset="0"/>
-              </a:rPr>
-              <a:t>nuestro caso </a:t>
-            </a:r>
-            <a:r>
-              <a:rPr lang="es-ES" sz="900" dirty="0" smtClean="0">
-                <a:latin typeface="SF Display" panose="00000500000000000000" pitchFamily="50" charset="0"/>
-                <a:ea typeface="SF Display" panose="00000500000000000000" pitchFamily="50" charset="0"/>
-              </a:rPr>
-              <a:t>consideramos tanto el nombre de la comida como el texto de la búsqueda en minúscula, pero se puede llevar a cabo cualquier otra estrategia.</a:t>
+              <a:t>Selecciona aquellas comidas que corresponden con la búsqueda realizada. En nuestro caso consideramos tanto el nombre de la comida como el texto de la búsqueda en minúscula, pero se puede llevar a cabo cualquier otra estrategia.</a:t>
             </a:r>
             <a:endParaRPr lang="es-ES" sz="900" dirty="0">
               <a:latin typeface="SF Display" panose="00000500000000000000" pitchFamily="50" charset="0"/>
@@ -15669,8 +15588,8 @@
         </p:nvSpPr>
         <p:spPr>
           <a:xfrm>
-            <a:off x="1010200" y="1435464"/>
-            <a:ext cx="7003434" cy="230832"/>
+            <a:off x="1007471" y="1486240"/>
+            <a:ext cx="2534384" cy="307777"/>
           </a:xfrm>
           <a:prstGeom prst="rect">
             <a:avLst/>
@@ -15684,13 +15603,27 @@
           <a:lstStyle/>
           <a:p>
             <a:r>
-              <a:rPr lang="es-ES" sz="900" b="1" dirty="0" smtClean="0">
-                <a:latin typeface="SF Display" panose="00000500000000000000" pitchFamily="50" charset="0"/>
-                <a:ea typeface="SF Display" panose="00000500000000000000" pitchFamily="50" charset="0"/>
-              </a:rPr>
-              <a:t>Nuestra búsqueda ya funciona</a:t>
-            </a:r>
-            <a:endParaRPr lang="es-ES" sz="900" b="1" dirty="0">
+              <a:rPr lang="es-ES" b="1" dirty="0" smtClean="0">
+                <a:latin typeface="SF Display" panose="00000500000000000000" pitchFamily="50" charset="0"/>
+                <a:ea typeface="SF Display" panose="00000500000000000000" pitchFamily="50" charset="0"/>
+              </a:rPr>
+              <a:t>Nuestra búsqueda </a:t>
+            </a:r>
+            <a:r>
+              <a:rPr lang="es-ES" b="1" smtClean="0">
+                <a:latin typeface="SF Display" panose="00000500000000000000" pitchFamily="50" charset="0"/>
+                <a:ea typeface="SF Display" panose="00000500000000000000" pitchFamily="50" charset="0"/>
+              </a:rPr>
+              <a:t>ya </a:t>
+            </a:r>
+            <a:r>
+              <a:rPr lang="es-ES" b="1" smtClean="0">
+                <a:latin typeface="SF Display" panose="00000500000000000000" pitchFamily="50" charset="0"/>
+                <a:ea typeface="SF Display" panose="00000500000000000000" pitchFamily="50" charset="0"/>
+              </a:rPr>
+              <a:t>funciona</a:t>
+            </a:r>
+            <a:endParaRPr lang="es-ES" b="1" dirty="0">
               <a:latin typeface="SF Display" panose="00000500000000000000" pitchFamily="50" charset="0"/>
               <a:ea typeface="SF Display" panose="00000500000000000000" pitchFamily="50" charset="0"/>
             </a:endParaRPr>
@@ -15705,7 +15638,7 @@
         </p:nvSpPr>
         <p:spPr>
           <a:xfrm>
-            <a:off x="1010200" y="1781635"/>
+            <a:off x="1007471" y="2863429"/>
             <a:ext cx="3568379" cy="1338828"/>
           </a:xfrm>
           <a:prstGeom prst="rect">
@@ -15767,21 +15700,7 @@
                 <a:latin typeface="SF Display" panose="00000500000000000000" pitchFamily="50" charset="0"/>
                 <a:ea typeface="SF Display" panose="00000500000000000000" pitchFamily="50" charset="0"/>
               </a:rPr>
-              <a:t>Nosotros consideraremos que </a:t>
-            </a:r>
-            <a:r>
-              <a:rPr lang="es-ES" sz="900" dirty="0" smtClean="0">
-                <a:latin typeface="SF Display" panose="00000500000000000000" pitchFamily="50" charset="0"/>
-                <a:ea typeface="SF Display" panose="00000500000000000000" pitchFamily="50" charset="0"/>
-              </a:rPr>
-              <a:t>se </a:t>
-            </a:r>
-            <a:r>
-              <a:rPr lang="es-ES" sz="900" dirty="0" smtClean="0">
-                <a:latin typeface="SF Display" panose="00000500000000000000" pitchFamily="50" charset="0"/>
-                <a:ea typeface="SF Display" panose="00000500000000000000" pitchFamily="50" charset="0"/>
-              </a:rPr>
-              <a:t>puede realizar la acción de actualizar y eliminar mientras haya una búsqueda en curso.</a:t>
+              <a:t>Nosotros consideraremos que se puede realizar la acción de actualizar y eliminar mientras haya una búsqueda en curso.</a:t>
             </a:r>
             <a:endParaRPr lang="es-ES" sz="800" dirty="0" smtClean="0">
               <a:latin typeface="SF Display" panose="00000500000000000000" pitchFamily="50" charset="0"/>
@@ -15806,7 +15725,7 @@
         </p:blipFill>
         <p:spPr>
           <a:xfrm>
-            <a:off x="2722161" y="1360834"/>
+            <a:off x="2094363" y="1901731"/>
             <a:ext cx="360599" cy="380092"/>
           </a:xfrm>
           <a:prstGeom prst="rect">
@@ -15836,7 +15755,7 @@
         </p:blipFill>
         <p:spPr>
           <a:xfrm>
-            <a:off x="5696960" y="1435464"/>
+            <a:off x="5748331" y="1486240"/>
             <a:ext cx="1453708" cy="2855931"/>
           </a:xfrm>
           <a:prstGeom prst="rect">
@@ -15889,7 +15808,7 @@
         </p:nvSpPr>
         <p:spPr>
           <a:xfrm>
-            <a:off x="1095328" y="1725454"/>
+            <a:off x="1078296" y="1612438"/>
             <a:ext cx="4443699" cy="2633078"/>
           </a:xfrm>
           <a:prstGeom prst="rect">
@@ -15972,7 +15891,7 @@
         </p:nvSpPr>
         <p:spPr>
           <a:xfrm>
-            <a:off x="638105" y="1725454"/>
+            <a:off x="654750" y="1612438"/>
             <a:ext cx="4743040" cy="2774037"/>
           </a:xfrm>
           <a:prstGeom prst="rect">
@@ -17548,8 +17467,8 @@
         </p:nvSpPr>
         <p:spPr>
           <a:xfrm>
-            <a:off x="1010200" y="1320125"/>
-            <a:ext cx="7003434" cy="369332"/>
+            <a:off x="5662845" y="1612438"/>
+            <a:ext cx="2442495" cy="784830"/>
           </a:xfrm>
           <a:prstGeom prst="rect">
             <a:avLst/>
@@ -17612,7 +17531,7 @@
         </p:nvSpPr>
         <p:spPr>
           <a:xfrm>
-            <a:off x="5662846" y="3850701"/>
+            <a:off x="5662845" y="3737685"/>
             <a:ext cx="2442495" cy="507831"/>
           </a:xfrm>
           <a:prstGeom prst="rect">
@@ -17836,10 +17755,10 @@
                 <a:ea typeface="SF Display" panose="00000500000000000000" pitchFamily="50" charset="0"/>
                 <a:cs typeface="Menlo-Regular"/>
               </a:rPr>
-              <a:t>	                   </a:t>
-            </a:r>
-            <a:r>
-              <a:rPr lang="en-US" sz="600" b="1" dirty="0" err="1" smtClean="0">
+              <a:t>	</a:t>
+            </a:r>
+            <a:r>
+              <a:rPr lang="en-US" sz="700" b="1" dirty="0" smtClean="0">
                 <a:solidFill>
                   <a:srgbClr val="AA0D91"/>
                 </a:solidFill>
@@ -17847,10 +17766,21 @@
                 <a:ea typeface="SF Display" panose="00000500000000000000" pitchFamily="50" charset="0"/>
                 <a:cs typeface="Menlo-Regular"/>
               </a:rPr>
+              <a:t>                   </a:t>
+            </a:r>
+            <a:r>
+              <a:rPr lang="en-US" sz="700" b="1" dirty="0" err="1" smtClean="0">
+                <a:solidFill>
+                  <a:srgbClr val="AA0D91"/>
+                </a:solidFill>
+                <a:latin typeface="SF Display" panose="00000500000000000000" pitchFamily="50" charset="0"/>
+                <a:ea typeface="SF Display" panose="00000500000000000000" pitchFamily="50" charset="0"/>
+                <a:cs typeface="Menlo-Regular"/>
+              </a:rPr>
               <a:t>var</a:t>
             </a:r>
             <a:r>
-              <a:rPr lang="en-US" sz="600" b="1" dirty="0" smtClean="0">
+              <a:rPr lang="en-US" sz="700" b="1" dirty="0" smtClean="0">
                 <a:solidFill>
                   <a:srgbClr val="000000"/>
                 </a:solidFill>
@@ -17861,7 +17791,7 @@
               <a:t> </a:t>
             </a:r>
             <a:r>
-              <a:rPr lang="en-US" sz="600" b="1" dirty="0" err="1">
+              <a:rPr lang="en-US" sz="700" b="1" dirty="0" err="1">
                 <a:solidFill>
                   <a:srgbClr val="000000"/>
                 </a:solidFill>
@@ -17872,7 +17802,7 @@
               <a:t>removeRow</a:t>
             </a:r>
             <a:r>
-              <a:rPr lang="en-US" sz="600" b="1" dirty="0">
+              <a:rPr lang="en-US" sz="700" b="1" dirty="0">
                 <a:solidFill>
                   <a:srgbClr val="000000"/>
                 </a:solidFill>
@@ -17883,7 +17813,7 @@
               <a:t> = </a:t>
             </a:r>
             <a:r>
-              <a:rPr lang="en-US" sz="600" b="1" dirty="0" smtClean="0">
+              <a:rPr lang="en-US" sz="700" b="1" dirty="0" smtClean="0">
                 <a:solidFill>
                   <a:srgbClr val="AA0D91"/>
                 </a:solidFill>
@@ -17907,7 +17837,7 @@
                 <a:tab pos="344805" algn="l"/>
               </a:tabLst>
             </a:pPr>
-            <a:endParaRPr lang="es-ES" sz="600" dirty="0">
+            <a:endParaRPr lang="es-ES" sz="700" dirty="0">
               <a:latin typeface="SF Display" panose="00000500000000000000" pitchFamily="50" charset="0"/>
               <a:ea typeface="SF Display" panose="00000500000000000000" pitchFamily="50" charset="0"/>
               <a:cs typeface="Times New Roman" panose="02020603050405020304" pitchFamily="18" charset="0"/>
@@ -17927,7 +17857,7 @@
               </a:tabLst>
             </a:pPr>
             <a:r>
-              <a:rPr lang="en-US" sz="600" b="1" dirty="0" smtClean="0">
+              <a:rPr lang="en-US" sz="700" b="1" dirty="0" smtClean="0">
                 <a:solidFill>
                   <a:srgbClr val="AA0D91"/>
                 </a:solidFill>
@@ -17938,7 +17868,7 @@
               <a:t> 	                   if</a:t>
             </a:r>
             <a:r>
-              <a:rPr lang="en-US" sz="600" b="1" dirty="0" smtClean="0">
+              <a:rPr lang="en-US" sz="700" b="1" dirty="0" smtClean="0">
                 <a:solidFill>
                   <a:srgbClr val="000000"/>
                 </a:solidFill>
@@ -17949,7 +17879,7 @@
               <a:t> </a:t>
             </a:r>
             <a:r>
-              <a:rPr lang="en-US" sz="600" b="1" dirty="0" err="1">
+              <a:rPr lang="en-US" sz="700" b="1" dirty="0" err="1">
                 <a:solidFill>
                   <a:srgbClr val="26474B"/>
                 </a:solidFill>
@@ -17960,7 +17890,7 @@
               <a:t>isFiltering</a:t>
             </a:r>
             <a:r>
-              <a:rPr lang="en-US" sz="600" b="1" dirty="0">
+              <a:rPr lang="en-US" sz="700" b="1" dirty="0">
                 <a:solidFill>
                   <a:srgbClr val="000000"/>
                 </a:solidFill>
@@ -17970,7 +17900,7 @@
               </a:rPr>
               <a:t>() {</a:t>
             </a:r>
-            <a:endParaRPr lang="es-ES" sz="600" dirty="0">
+            <a:endParaRPr lang="es-ES" sz="700" dirty="0">
               <a:latin typeface="SF Display" panose="00000500000000000000" pitchFamily="50" charset="0"/>
               <a:ea typeface="SF Display" panose="00000500000000000000" pitchFamily="50" charset="0"/>
               <a:cs typeface="Times New Roman" panose="02020603050405020304" pitchFamily="18" charset="0"/>
@@ -17990,7 +17920,7 @@
               </a:tabLst>
             </a:pPr>
             <a:r>
-              <a:rPr lang="en-US" sz="600" b="1" dirty="0" smtClean="0">
+              <a:rPr lang="en-US" sz="700" b="1" dirty="0" smtClean="0">
                 <a:solidFill>
                   <a:srgbClr val="AA0D91"/>
                 </a:solidFill>
@@ -18001,7 +17931,7 @@
               <a:t>		if</a:t>
             </a:r>
             <a:r>
-              <a:rPr lang="en-US" sz="600" b="1" dirty="0" smtClean="0">
+              <a:rPr lang="en-US" sz="700" b="1" dirty="0" smtClean="0">
                 <a:solidFill>
                   <a:srgbClr val="000000"/>
                 </a:solidFill>
@@ -18012,7 +17942,7 @@
               <a:t> </a:t>
             </a:r>
             <a:r>
-              <a:rPr lang="en-US" sz="600" b="1" dirty="0">
+              <a:rPr lang="en-US" sz="700" b="1" dirty="0">
                 <a:solidFill>
                   <a:srgbClr val="AA0D91"/>
                 </a:solidFill>
@@ -18023,7 +17953,7 @@
               <a:t>let</a:t>
             </a:r>
             <a:r>
-              <a:rPr lang="en-US" sz="600" b="1" dirty="0">
+              <a:rPr lang="en-US" sz="700" b="1" dirty="0">
                 <a:solidFill>
                   <a:srgbClr val="000000"/>
                 </a:solidFill>
@@ -18034,7 +17964,7 @@
               <a:t> index = </a:t>
             </a:r>
             <a:r>
-              <a:rPr lang="en-US" sz="600" b="1" dirty="0" err="1">
+              <a:rPr lang="en-US" sz="700" b="1" dirty="0" err="1">
                 <a:solidFill>
                   <a:srgbClr val="3F6E74"/>
                 </a:solidFill>
@@ -18045,7 +17975,7 @@
               <a:t>meals</a:t>
             </a:r>
             <a:r>
-              <a:rPr lang="en-US" sz="600" b="1" dirty="0" err="1">
+              <a:rPr lang="en-US" sz="700" b="1" dirty="0" err="1">
                 <a:solidFill>
                   <a:srgbClr val="000000"/>
                 </a:solidFill>
@@ -18056,7 +17986,7 @@
               <a:t>.</a:t>
             </a:r>
             <a:r>
-              <a:rPr lang="en-US" sz="600" b="1" dirty="0" err="1">
+              <a:rPr lang="en-US" sz="700" b="1" dirty="0" err="1">
                 <a:solidFill>
                   <a:srgbClr val="2E0D6E"/>
                 </a:solidFill>
@@ -18067,7 +17997,7 @@
               <a:t>index</a:t>
             </a:r>
             <a:r>
-              <a:rPr lang="en-US" sz="600" b="1" dirty="0">
+              <a:rPr lang="en-US" sz="700" b="1" dirty="0">
                 <a:solidFill>
                   <a:srgbClr val="000000"/>
                 </a:solidFill>
@@ -18078,7 +18008,7 @@
               <a:t>(of: </a:t>
             </a:r>
             <a:r>
-              <a:rPr lang="en-US" sz="600" b="1" dirty="0" err="1">
+              <a:rPr lang="en-US" sz="700" b="1" dirty="0" err="1">
                 <a:solidFill>
                   <a:srgbClr val="3F6E74"/>
                 </a:solidFill>
@@ -18089,7 +18019,7 @@
               <a:t>filteredMeals</a:t>
             </a:r>
             <a:r>
-              <a:rPr lang="en-US" sz="600" b="1" dirty="0">
+              <a:rPr lang="en-US" sz="700" b="1" dirty="0">
                 <a:solidFill>
                   <a:srgbClr val="000000"/>
                 </a:solidFill>
@@ -18100,7 +18030,7 @@
               <a:t>[</a:t>
             </a:r>
             <a:r>
-              <a:rPr lang="en-US" sz="600" b="1" dirty="0" err="1">
+              <a:rPr lang="en-US" sz="700" b="1" dirty="0" err="1">
                 <a:solidFill>
                   <a:srgbClr val="000000"/>
                 </a:solidFill>
@@ -18111,7 +18041,7 @@
               <a:t>selectedIndexPath.</a:t>
             </a:r>
             <a:r>
-              <a:rPr lang="en-US" sz="600" b="1" dirty="0" err="1">
+              <a:rPr lang="en-US" sz="700" b="1" dirty="0" err="1">
                 <a:solidFill>
                   <a:srgbClr val="5C2699"/>
                 </a:solidFill>
@@ -18122,7 +18052,7 @@
               <a:t>row</a:t>
             </a:r>
             <a:r>
-              <a:rPr lang="en-US" sz="600" b="1" dirty="0">
+              <a:rPr lang="en-US" sz="700" b="1" dirty="0">
                 <a:solidFill>
                   <a:srgbClr val="000000"/>
                 </a:solidFill>
@@ -18132,7 +18062,7 @@
               </a:rPr>
               <a:t>]) {</a:t>
             </a:r>
-            <a:endParaRPr lang="es-ES" sz="600" dirty="0">
+            <a:endParaRPr lang="es-ES" sz="700" dirty="0">
               <a:latin typeface="SF Display" panose="00000500000000000000" pitchFamily="50" charset="0"/>
               <a:ea typeface="SF Display" panose="00000500000000000000" pitchFamily="50" charset="0"/>
               <a:cs typeface="Times New Roman" panose="02020603050405020304" pitchFamily="18" charset="0"/>
@@ -18152,7 +18082,7 @@
               </a:tabLst>
             </a:pPr>
             <a:r>
-              <a:rPr lang="en-US" sz="600" b="1" dirty="0" smtClean="0">
+              <a:rPr lang="en-US" sz="700" b="1" dirty="0" smtClean="0">
                 <a:solidFill>
                   <a:srgbClr val="3F6E74"/>
                 </a:solidFill>
@@ -18163,7 +18093,7 @@
               <a:t>		                 meals</a:t>
             </a:r>
             <a:r>
-              <a:rPr lang="en-US" sz="600" b="1" dirty="0" smtClean="0">
+              <a:rPr lang="en-US" sz="700" b="1" dirty="0" smtClean="0">
                 <a:solidFill>
                   <a:srgbClr val="000000"/>
                 </a:solidFill>
@@ -18174,7 +18104,7 @@
               <a:t>[index</a:t>
             </a:r>
             <a:r>
-              <a:rPr lang="en-US" sz="600" b="1" dirty="0">
+              <a:rPr lang="en-US" sz="700" b="1" dirty="0">
                 <a:solidFill>
                   <a:srgbClr val="000000"/>
                 </a:solidFill>
@@ -18185,7 +18115,7 @@
               <a:t>] = </a:t>
             </a:r>
             <a:r>
-              <a:rPr lang="en-US" sz="600" b="1" dirty="0" smtClean="0">
+              <a:rPr lang="en-US" sz="700" b="1" dirty="0" smtClean="0">
                 <a:solidFill>
                   <a:srgbClr val="000000"/>
                 </a:solidFill>
@@ -18209,7 +18139,7 @@
                 <a:tab pos="344805" algn="l"/>
               </a:tabLst>
             </a:pPr>
-            <a:endParaRPr lang="es-ES" sz="600" dirty="0">
+            <a:endParaRPr lang="es-ES" sz="700" dirty="0">
               <a:latin typeface="SF Display" panose="00000500000000000000" pitchFamily="50" charset="0"/>
               <a:ea typeface="SF Display" panose="00000500000000000000" pitchFamily="50" charset="0"/>
               <a:cs typeface="Times New Roman" panose="02020603050405020304" pitchFamily="18" charset="0"/>
@@ -18229,7 +18159,7 @@
               </a:tabLst>
             </a:pPr>
             <a:r>
-              <a:rPr lang="en-US" sz="600" b="1" dirty="0" smtClean="0">
+              <a:rPr lang="en-US" sz="700" b="1" dirty="0" smtClean="0">
                 <a:solidFill>
                   <a:srgbClr val="AA0D91"/>
                 </a:solidFill>
@@ -18240,7 +18170,7 @@
               <a:t>		                 if</a:t>
             </a:r>
             <a:r>
-              <a:rPr lang="en-US" sz="600" b="1" dirty="0" smtClean="0">
+              <a:rPr lang="en-US" sz="700" b="1" dirty="0" smtClean="0">
                 <a:solidFill>
                   <a:srgbClr val="000000"/>
                 </a:solidFill>
@@ -18251,7 +18181,7 @@
               <a:t> </a:t>
             </a:r>
             <a:r>
-              <a:rPr lang="en-US" sz="600" b="1" dirty="0">
+              <a:rPr lang="en-US" sz="700" b="1" dirty="0">
                 <a:solidFill>
                   <a:srgbClr val="000000"/>
                 </a:solidFill>
@@ -18262,7 +18192,7 @@
               <a:t>!</a:t>
             </a:r>
             <a:r>
-              <a:rPr lang="en-US" sz="600" b="1" dirty="0" err="1">
+              <a:rPr lang="en-US" sz="700" b="1" dirty="0" err="1">
                 <a:solidFill>
                   <a:srgbClr val="26474B"/>
                 </a:solidFill>
@@ -18273,7 +18203,7 @@
               <a:t>mealMatchesSearch</a:t>
             </a:r>
             <a:r>
-              <a:rPr lang="en-US" sz="600" b="1" dirty="0">
+              <a:rPr lang="en-US" sz="700" b="1" dirty="0">
                 <a:solidFill>
                   <a:srgbClr val="000000"/>
                 </a:solidFill>
@@ -18284,7 +18214,7 @@
               <a:t>(meal: meal, </a:t>
             </a:r>
             <a:r>
-              <a:rPr lang="en-US" sz="600" b="1" dirty="0" err="1">
+              <a:rPr lang="en-US" sz="700" b="1" dirty="0" err="1">
                 <a:solidFill>
                   <a:srgbClr val="000000"/>
                 </a:solidFill>
@@ -18295,7 +18225,7 @@
               <a:t>searchText</a:t>
             </a:r>
             <a:r>
-              <a:rPr lang="en-US" sz="600" b="1" dirty="0">
+              <a:rPr lang="en-US" sz="700" b="1" dirty="0">
                 <a:solidFill>
                   <a:srgbClr val="000000"/>
                 </a:solidFill>
@@ -18306,7 +18236,7 @@
               <a:t>: </a:t>
             </a:r>
             <a:r>
-              <a:rPr lang="en-US" sz="600" b="1" dirty="0" err="1">
+              <a:rPr lang="en-US" sz="700" b="1" dirty="0" err="1">
                 <a:solidFill>
                   <a:srgbClr val="3F6E74"/>
                 </a:solidFill>
@@ -18317,7 +18247,7 @@
               <a:t>searchController</a:t>
             </a:r>
             <a:r>
-              <a:rPr lang="en-US" sz="600" b="1" dirty="0" err="1">
+              <a:rPr lang="en-US" sz="700" b="1" dirty="0" err="1">
                 <a:solidFill>
                   <a:srgbClr val="000000"/>
                 </a:solidFill>
@@ -18328,7 +18258,7 @@
               <a:t>.</a:t>
             </a:r>
             <a:r>
-              <a:rPr lang="en-US" sz="600" b="1" dirty="0" err="1">
+              <a:rPr lang="en-US" sz="700" b="1" dirty="0" err="1">
                 <a:solidFill>
                   <a:srgbClr val="5C2699"/>
                 </a:solidFill>
@@ -18339,7 +18269,7 @@
               <a:t>searchBar</a:t>
             </a:r>
             <a:r>
-              <a:rPr lang="en-US" sz="600" b="1" dirty="0" err="1">
+              <a:rPr lang="en-US" sz="700" b="1" dirty="0" err="1">
                 <a:solidFill>
                   <a:srgbClr val="000000"/>
                 </a:solidFill>
@@ -18350,7 +18280,7 @@
               <a:t>.</a:t>
             </a:r>
             <a:r>
-              <a:rPr lang="en-US" sz="600" b="1" dirty="0" err="1">
+              <a:rPr lang="en-US" sz="700" b="1" dirty="0" err="1">
                 <a:solidFill>
                   <a:srgbClr val="5C2699"/>
                 </a:solidFill>
@@ -18361,7 +18291,7 @@
               <a:t>text</a:t>
             </a:r>
             <a:r>
-              <a:rPr lang="en-US" sz="600" b="1" dirty="0">
+              <a:rPr lang="en-US" sz="700" b="1" dirty="0">
                 <a:solidFill>
                   <a:srgbClr val="000000"/>
                 </a:solidFill>
@@ -18371,7 +18301,7 @@
               </a:rPr>
               <a:t>!) {</a:t>
             </a:r>
-            <a:endParaRPr lang="es-ES" sz="600" dirty="0">
+            <a:endParaRPr lang="es-ES" sz="700" dirty="0">
               <a:latin typeface="SF Display" panose="00000500000000000000" pitchFamily="50" charset="0"/>
               <a:ea typeface="SF Display" panose="00000500000000000000" pitchFamily="50" charset="0"/>
               <a:cs typeface="Times New Roman" panose="02020603050405020304" pitchFamily="18" charset="0"/>
@@ -18391,7 +18321,7 @@
               </a:tabLst>
             </a:pPr>
             <a:r>
-              <a:rPr lang="en-US" sz="600" b="1" dirty="0" smtClean="0">
+              <a:rPr lang="en-US" sz="700" b="1" dirty="0" smtClean="0">
                 <a:solidFill>
                   <a:srgbClr val="3F6E74"/>
                 </a:solidFill>
@@ -18402,7 +18332,7 @@
               <a:t>		                                  </a:t>
             </a:r>
             <a:r>
-              <a:rPr lang="en-US" sz="600" b="1" dirty="0" err="1" smtClean="0">
+              <a:rPr lang="en-US" sz="700" b="1" dirty="0" err="1" smtClean="0">
                 <a:solidFill>
                   <a:srgbClr val="3F6E74"/>
                 </a:solidFill>
@@ -18413,7 +18343,7 @@
               <a:t>filteredMeals</a:t>
             </a:r>
             <a:r>
-              <a:rPr lang="en-US" sz="600" b="1" dirty="0" err="1" smtClean="0">
+              <a:rPr lang="en-US" sz="700" b="1" dirty="0" err="1" smtClean="0">
                 <a:solidFill>
                   <a:srgbClr val="000000"/>
                 </a:solidFill>
@@ -18424,7 +18354,7 @@
               <a:t>.</a:t>
             </a:r>
             <a:r>
-              <a:rPr lang="en-US" sz="600" b="1" dirty="0" err="1" smtClean="0">
+              <a:rPr lang="en-US" sz="700" b="1" dirty="0" err="1" smtClean="0">
                 <a:solidFill>
                   <a:srgbClr val="2E0D6E"/>
                 </a:solidFill>
@@ -18435,7 +18365,7 @@
               <a:t>remove</a:t>
             </a:r>
             <a:r>
-              <a:rPr lang="en-US" sz="600" b="1" dirty="0" smtClean="0">
+              <a:rPr lang="en-US" sz="700" b="1" dirty="0" smtClean="0">
                 <a:solidFill>
                   <a:srgbClr val="000000"/>
                 </a:solidFill>
@@ -18446,7 +18376,7 @@
               <a:t>(at</a:t>
             </a:r>
             <a:r>
-              <a:rPr lang="en-US" sz="600" b="1" dirty="0">
+              <a:rPr lang="en-US" sz="700" b="1" dirty="0">
                 <a:solidFill>
                   <a:srgbClr val="000000"/>
                 </a:solidFill>
@@ -18457,7 +18387,7 @@
               <a:t>: </a:t>
             </a:r>
             <a:r>
-              <a:rPr lang="en-US" sz="600" b="1" dirty="0" err="1">
+              <a:rPr lang="en-US" sz="700" b="1" dirty="0" err="1">
                 <a:solidFill>
                   <a:srgbClr val="000000"/>
                 </a:solidFill>
@@ -18468,7 +18398,7 @@
               <a:t>selectedIndexPath.</a:t>
             </a:r>
             <a:r>
-              <a:rPr lang="en-US" sz="600" b="1" dirty="0" err="1">
+              <a:rPr lang="en-US" sz="700" b="1" dirty="0" err="1">
                 <a:solidFill>
                   <a:srgbClr val="5C2699"/>
                 </a:solidFill>
@@ -18479,7 +18409,7 @@
               <a:t>row</a:t>
             </a:r>
             <a:r>
-              <a:rPr lang="en-US" sz="600" b="1" dirty="0">
+              <a:rPr lang="en-US" sz="700" b="1" dirty="0">
                 <a:solidFill>
                   <a:srgbClr val="000000"/>
                 </a:solidFill>
@@ -18489,7 +18419,7 @@
               </a:rPr>
               <a:t>)</a:t>
             </a:r>
-            <a:endParaRPr lang="es-ES" sz="600" dirty="0">
+            <a:endParaRPr lang="es-ES" sz="700" dirty="0">
               <a:latin typeface="SF Display" panose="00000500000000000000" pitchFamily="50" charset="0"/>
               <a:ea typeface="SF Display" panose="00000500000000000000" pitchFamily="50" charset="0"/>
               <a:cs typeface="Times New Roman" panose="02020603050405020304" pitchFamily="18" charset="0"/>
@@ -18509,7 +18439,7 @@
               </a:tabLst>
             </a:pPr>
             <a:r>
-              <a:rPr lang="en-US" sz="600" b="1" dirty="0" smtClean="0">
+              <a:rPr lang="en-US" sz="700" b="1" dirty="0" smtClean="0">
                 <a:solidFill>
                   <a:srgbClr val="000000"/>
                 </a:solidFill>
@@ -18520,7 +18450,7 @@
               <a:t>		                                  </a:t>
             </a:r>
             <a:r>
-              <a:rPr lang="en-US" sz="600" b="1" dirty="0" err="1" smtClean="0">
+              <a:rPr lang="en-US" sz="700" b="1" dirty="0" err="1" smtClean="0">
                 <a:solidFill>
                   <a:srgbClr val="000000"/>
                 </a:solidFill>
@@ -18531,7 +18461,7 @@
               <a:t>removeRow</a:t>
             </a:r>
             <a:r>
-              <a:rPr lang="en-US" sz="600" b="1" dirty="0" smtClean="0">
+              <a:rPr lang="en-US" sz="700" b="1" dirty="0" smtClean="0">
                 <a:solidFill>
                   <a:srgbClr val="000000"/>
                 </a:solidFill>
@@ -18542,7 +18472,7 @@
               <a:t> </a:t>
             </a:r>
             <a:r>
-              <a:rPr lang="en-US" sz="600" b="1" dirty="0">
+              <a:rPr lang="en-US" sz="700" b="1" dirty="0">
                 <a:solidFill>
                   <a:srgbClr val="000000"/>
                 </a:solidFill>
@@ -18553,7 +18483,7 @@
               <a:t>= </a:t>
             </a:r>
             <a:r>
-              <a:rPr lang="en-US" sz="600" b="1" dirty="0">
+              <a:rPr lang="en-US" sz="700" b="1" dirty="0">
                 <a:solidFill>
                   <a:srgbClr val="AA0D91"/>
                 </a:solidFill>
@@ -18563,7 +18493,7 @@
               </a:rPr>
               <a:t>true</a:t>
             </a:r>
-            <a:endParaRPr lang="es-ES" sz="600" dirty="0">
+            <a:endParaRPr lang="es-ES" sz="700" dirty="0">
               <a:latin typeface="SF Display" panose="00000500000000000000" pitchFamily="50" charset="0"/>
               <a:ea typeface="SF Display" panose="00000500000000000000" pitchFamily="50" charset="0"/>
               <a:cs typeface="Times New Roman" panose="02020603050405020304" pitchFamily="18" charset="0"/>
@@ -18583,7 +18513,7 @@
               </a:tabLst>
             </a:pPr>
             <a:r>
-              <a:rPr lang="en-US" sz="600" b="1" dirty="0" smtClean="0">
+              <a:rPr lang="en-US" sz="700" b="1" dirty="0" smtClean="0">
                 <a:solidFill>
                   <a:srgbClr val="000000"/>
                 </a:solidFill>
@@ -18593,7 +18523,7 @@
               </a:rPr>
               <a:t> 		                 }</a:t>
             </a:r>
-            <a:endParaRPr lang="es-ES" sz="600" dirty="0">
+            <a:endParaRPr lang="es-ES" sz="700" dirty="0">
               <a:latin typeface="SF Display" panose="00000500000000000000" pitchFamily="50" charset="0"/>
               <a:ea typeface="SF Display" panose="00000500000000000000" pitchFamily="50" charset="0"/>
               <a:cs typeface="Times New Roman" panose="02020603050405020304" pitchFamily="18" charset="0"/>
@@ -18613,7 +18543,7 @@
               </a:tabLst>
             </a:pPr>
             <a:r>
-              <a:rPr lang="en-US" sz="600" b="1" dirty="0" smtClean="0">
+              <a:rPr lang="en-US" sz="700" b="1" dirty="0" smtClean="0">
                 <a:solidFill>
                   <a:srgbClr val="000000"/>
                 </a:solidFill>
@@ -18623,7 +18553,7 @@
               </a:rPr>
               <a:t>		}</a:t>
             </a:r>
-            <a:endParaRPr lang="es-ES" sz="600" dirty="0">
+            <a:endParaRPr lang="es-ES" sz="700" dirty="0">
               <a:latin typeface="SF Display" panose="00000500000000000000" pitchFamily="50" charset="0"/>
               <a:ea typeface="SF Display" panose="00000500000000000000" pitchFamily="50" charset="0"/>
               <a:cs typeface="Times New Roman" panose="02020603050405020304" pitchFamily="18" charset="0"/>
@@ -18643,7 +18573,7 @@
               </a:tabLst>
             </a:pPr>
             <a:r>
-              <a:rPr lang="en-US" sz="600" b="1" dirty="0" smtClean="0">
+              <a:rPr lang="en-US" sz="700" b="1" dirty="0" smtClean="0">
                 <a:solidFill>
                   <a:srgbClr val="000000"/>
                 </a:solidFill>
@@ -18654,7 +18584,7 @@
               <a:t>	                   } </a:t>
             </a:r>
             <a:r>
-              <a:rPr lang="en-US" sz="600" b="1" dirty="0">
+              <a:rPr lang="en-US" sz="700" b="1" dirty="0">
                 <a:solidFill>
                   <a:srgbClr val="AA0D91"/>
                 </a:solidFill>
@@ -18665,7 +18595,7 @@
               <a:t>else</a:t>
             </a:r>
             <a:r>
-              <a:rPr lang="en-US" sz="600" b="1" dirty="0">
+              <a:rPr lang="en-US" sz="700" b="1" dirty="0">
                 <a:solidFill>
                   <a:srgbClr val="000000"/>
                 </a:solidFill>
@@ -18675,7 +18605,7 @@
               </a:rPr>
               <a:t> {</a:t>
             </a:r>
-            <a:endParaRPr lang="es-ES" sz="600" dirty="0">
+            <a:endParaRPr lang="es-ES" sz="700" dirty="0">
               <a:latin typeface="SF Display" panose="00000500000000000000" pitchFamily="50" charset="0"/>
               <a:ea typeface="SF Display" panose="00000500000000000000" pitchFamily="50" charset="0"/>
               <a:cs typeface="Times New Roman" panose="02020603050405020304" pitchFamily="18" charset="0"/>
@@ -18695,7 +18625,7 @@
               </a:tabLst>
             </a:pPr>
             <a:r>
-              <a:rPr lang="en-US" sz="600" b="1" dirty="0" smtClean="0">
+              <a:rPr lang="en-US" sz="700" b="1" dirty="0" smtClean="0">
                 <a:solidFill>
                   <a:srgbClr val="3F6E74"/>
                 </a:solidFill>
@@ -18706,7 +18636,7 @@
               <a:t>	                 	meals</a:t>
             </a:r>
             <a:r>
-              <a:rPr lang="en-US" sz="600" b="1" dirty="0" smtClean="0">
+              <a:rPr lang="en-US" sz="700" b="1" dirty="0" smtClean="0">
                 <a:solidFill>
                   <a:srgbClr val="000000"/>
                 </a:solidFill>
@@ -18717,7 +18647,7 @@
               <a:t>[</a:t>
             </a:r>
             <a:r>
-              <a:rPr lang="en-US" sz="600" b="1" dirty="0" err="1" smtClean="0">
+              <a:rPr lang="en-US" sz="700" b="1" dirty="0" err="1" smtClean="0">
                 <a:solidFill>
                   <a:srgbClr val="000000"/>
                 </a:solidFill>
@@ -18728,7 +18658,7 @@
               <a:t>selectedIndexPath.</a:t>
             </a:r>
             <a:r>
-              <a:rPr lang="en-US" sz="600" b="1" dirty="0" err="1" smtClean="0">
+              <a:rPr lang="en-US" sz="700" b="1" dirty="0" err="1" smtClean="0">
                 <a:solidFill>
                   <a:srgbClr val="5C2699"/>
                 </a:solidFill>
@@ -18739,7 +18669,7 @@
               <a:t>row</a:t>
             </a:r>
             <a:r>
-              <a:rPr lang="en-US" sz="600" b="1" dirty="0">
+              <a:rPr lang="en-US" sz="700" b="1" dirty="0">
                 <a:solidFill>
                   <a:srgbClr val="000000"/>
                 </a:solidFill>
@@ -18749,7 +18679,7 @@
               </a:rPr>
               <a:t>] = meal</a:t>
             </a:r>
-            <a:endParaRPr lang="es-ES" sz="600" dirty="0">
+            <a:endParaRPr lang="es-ES" sz="700" dirty="0">
               <a:latin typeface="SF Display" panose="00000500000000000000" pitchFamily="50" charset="0"/>
               <a:ea typeface="SF Display" panose="00000500000000000000" pitchFamily="50" charset="0"/>
               <a:cs typeface="Times New Roman" panose="02020603050405020304" pitchFamily="18" charset="0"/>
@@ -18769,7 +18699,7 @@
               </a:tabLst>
             </a:pPr>
             <a:r>
-              <a:rPr lang="en-US" sz="600" b="1" dirty="0" smtClean="0">
+              <a:rPr lang="en-US" sz="700" b="1" dirty="0" smtClean="0">
                 <a:solidFill>
                   <a:srgbClr val="000000"/>
                 </a:solidFill>
@@ -18779,7 +18709,7 @@
               </a:rPr>
               <a:t>	                   }</a:t>
             </a:r>
-            <a:endParaRPr lang="es-ES" sz="600" dirty="0">
+            <a:endParaRPr lang="es-ES" sz="700" dirty="0">
               <a:latin typeface="SF Display" panose="00000500000000000000" pitchFamily="50" charset="0"/>
               <a:ea typeface="SF Display" panose="00000500000000000000" pitchFamily="50" charset="0"/>
               <a:cs typeface="Times New Roman" panose="02020603050405020304" pitchFamily="18" charset="0"/>
@@ -18799,7 +18729,7 @@
               </a:tabLst>
             </a:pPr>
             <a:r>
-              <a:rPr lang="en-US" sz="600" b="1" dirty="0" smtClean="0">
+              <a:rPr lang="en-US" sz="700" b="1" dirty="0" smtClean="0">
                 <a:solidFill>
                   <a:srgbClr val="AA0D91"/>
                 </a:solidFill>
@@ -18824,7 +18754,7 @@
               </a:tabLst>
             </a:pPr>
             <a:r>
-              <a:rPr lang="en-US" sz="600" b="1" dirty="0">
+              <a:rPr lang="en-US" sz="700" b="1" dirty="0">
                 <a:solidFill>
                   <a:srgbClr val="AA0D91"/>
                 </a:solidFill>
@@ -18835,7 +18765,7 @@
               <a:t>	</a:t>
             </a:r>
             <a:r>
-              <a:rPr lang="en-US" sz="600" b="1" dirty="0" smtClean="0">
+              <a:rPr lang="en-US" sz="700" b="1" dirty="0" smtClean="0">
                 <a:solidFill>
                   <a:srgbClr val="AA0D91"/>
                 </a:solidFill>
@@ -18846,7 +18776,7 @@
               <a:t>                   if</a:t>
             </a:r>
             <a:r>
-              <a:rPr lang="en-US" sz="600" b="1" dirty="0" smtClean="0">
+              <a:rPr lang="en-US" sz="700" b="1" dirty="0" smtClean="0">
                 <a:solidFill>
                   <a:srgbClr val="000000"/>
                 </a:solidFill>
@@ -18857,7 +18787,7 @@
               <a:t> </a:t>
             </a:r>
             <a:r>
-              <a:rPr lang="en-US" sz="600" b="1" dirty="0">
+              <a:rPr lang="en-US" sz="700" b="1" dirty="0">
                 <a:solidFill>
                   <a:srgbClr val="000000"/>
                 </a:solidFill>
@@ -18868,7 +18798,7 @@
               <a:t>!</a:t>
             </a:r>
             <a:r>
-              <a:rPr lang="en-US" sz="600" b="1" dirty="0" err="1">
+              <a:rPr lang="en-US" sz="700" b="1" dirty="0" err="1">
                 <a:solidFill>
                   <a:srgbClr val="000000"/>
                 </a:solidFill>
@@ -18879,7 +18809,7 @@
               <a:t>removeRow</a:t>
             </a:r>
             <a:r>
-              <a:rPr lang="en-US" sz="600" b="1" dirty="0">
+              <a:rPr lang="en-US" sz="700" b="1" dirty="0">
                 <a:solidFill>
                   <a:srgbClr val="000000"/>
                 </a:solidFill>
@@ -18889,7 +18819,7 @@
               </a:rPr>
               <a:t> {</a:t>
             </a:r>
-            <a:endParaRPr lang="es-ES" sz="600" dirty="0">
+            <a:endParaRPr lang="es-ES" sz="700" dirty="0">
               <a:latin typeface="SF Display" panose="00000500000000000000" pitchFamily="50" charset="0"/>
               <a:ea typeface="SF Display" panose="00000500000000000000" pitchFamily="50" charset="0"/>
               <a:cs typeface="Times New Roman" panose="02020603050405020304" pitchFamily="18" charset="0"/>
@@ -18909,7 +18839,7 @@
               </a:tabLst>
             </a:pPr>
             <a:r>
-              <a:rPr lang="en-US" sz="600" b="1" dirty="0" smtClean="0">
+              <a:rPr lang="en-US" sz="700" b="1" dirty="0" smtClean="0">
                 <a:solidFill>
                   <a:srgbClr val="5C2699"/>
                 </a:solidFill>
@@ -18920,7 +18850,7 @@
               <a:t>		</a:t>
             </a:r>
             <a:r>
-              <a:rPr lang="en-US" sz="600" b="1" dirty="0" err="1" smtClean="0">
+              <a:rPr lang="en-US" sz="700" b="1" dirty="0" err="1" smtClean="0">
                 <a:solidFill>
                   <a:srgbClr val="5C2699"/>
                 </a:solidFill>
@@ -18931,7 +18861,7 @@
               <a:t>tableView</a:t>
             </a:r>
             <a:r>
-              <a:rPr lang="en-US" sz="600" b="1" dirty="0" err="1" smtClean="0">
+              <a:rPr lang="en-US" sz="700" b="1" dirty="0" err="1" smtClean="0">
                 <a:solidFill>
                   <a:srgbClr val="000000"/>
                 </a:solidFill>
@@ -18942,7 +18872,7 @@
               <a:t>.</a:t>
             </a:r>
             <a:r>
-              <a:rPr lang="en-US" sz="600" b="1" dirty="0" err="1" smtClean="0">
+              <a:rPr lang="en-US" sz="700" b="1" dirty="0" err="1" smtClean="0">
                 <a:solidFill>
                   <a:srgbClr val="2E0D6E"/>
                 </a:solidFill>
@@ -18953,7 +18883,7 @@
               <a:t>reloadRows</a:t>
             </a:r>
             <a:r>
-              <a:rPr lang="en-US" sz="600" b="1" dirty="0" smtClean="0">
+              <a:rPr lang="en-US" sz="700" b="1" dirty="0" smtClean="0">
                 <a:solidFill>
                   <a:srgbClr val="000000"/>
                 </a:solidFill>
@@ -18964,7 +18894,7 @@
               <a:t>(at</a:t>
             </a:r>
             <a:r>
-              <a:rPr lang="en-US" sz="600" b="1" dirty="0">
+              <a:rPr lang="en-US" sz="700" b="1" dirty="0">
                 <a:solidFill>
                   <a:srgbClr val="000000"/>
                 </a:solidFill>
@@ -18975,7 +18905,7 @@
               <a:t>: [</a:t>
             </a:r>
             <a:r>
-              <a:rPr lang="en-US" sz="600" b="1" dirty="0" err="1">
+              <a:rPr lang="en-US" sz="700" b="1" dirty="0" err="1">
                 <a:solidFill>
                   <a:srgbClr val="000000"/>
                 </a:solidFill>
@@ -18986,7 +18916,7 @@
               <a:t>selectedIndexPath</a:t>
             </a:r>
             <a:r>
-              <a:rPr lang="en-US" sz="600" b="1" dirty="0">
+              <a:rPr lang="en-US" sz="700" b="1" dirty="0">
                 <a:solidFill>
                   <a:srgbClr val="000000"/>
                 </a:solidFill>
@@ -18997,7 +18927,7 @@
               <a:t>], with: .</a:t>
             </a:r>
             <a:r>
-              <a:rPr lang="en-US" sz="600" b="1" dirty="0">
+              <a:rPr lang="en-US" sz="700" b="1" dirty="0">
                 <a:solidFill>
                   <a:srgbClr val="2E0D6E"/>
                 </a:solidFill>
@@ -19008,7 +18938,7 @@
               <a:t>none</a:t>
             </a:r>
             <a:r>
-              <a:rPr lang="en-US" sz="600" b="1" dirty="0">
+              <a:rPr lang="en-US" sz="700" b="1" dirty="0">
                 <a:solidFill>
                   <a:srgbClr val="000000"/>
                 </a:solidFill>
@@ -19018,7 +18948,7 @@
               </a:rPr>
               <a:t>)</a:t>
             </a:r>
-            <a:endParaRPr lang="es-ES" sz="600" dirty="0">
+            <a:endParaRPr lang="es-ES" sz="700" dirty="0">
               <a:latin typeface="SF Display" panose="00000500000000000000" pitchFamily="50" charset="0"/>
               <a:ea typeface="SF Display" panose="00000500000000000000" pitchFamily="50" charset="0"/>
               <a:cs typeface="Times New Roman" panose="02020603050405020304" pitchFamily="18" charset="0"/>
@@ -19038,7 +18968,7 @@
               </a:tabLst>
             </a:pPr>
             <a:r>
-              <a:rPr lang="en-US" sz="600" b="1" dirty="0" smtClean="0">
+              <a:rPr lang="en-US" sz="700" b="1" dirty="0" smtClean="0">
                 <a:solidFill>
                   <a:srgbClr val="000000"/>
                 </a:solidFill>
@@ -19048,7 +18978,7 @@
               </a:rPr>
               <a:t>	                   }</a:t>
             </a:r>
-            <a:endParaRPr lang="es-ES" sz="800" dirty="0" smtClean="0">
+            <a:endParaRPr lang="es-ES" sz="700" dirty="0" smtClean="0">
               <a:latin typeface="SF Display" panose="00000500000000000000" pitchFamily="50" charset="0"/>
               <a:ea typeface="SF Display" panose="00000500000000000000" pitchFamily="50" charset="0"/>
               <a:cs typeface="Times New Roman" panose="02020603050405020304" pitchFamily="18" charset="0"/>
@@ -30399,21 +30329,7 @@
                 <a:latin typeface="SF Display" panose="00000500000000000000" pitchFamily="50" charset="0"/>
                 <a:ea typeface="SF Display" panose="00000500000000000000" pitchFamily="50" charset="0"/>
               </a:rPr>
-              <a:t>Conduce los cambios en el modelo hacia la vista y viceversa. Pueden realizar  tareas de configuración y coordinación, </a:t>
-            </a:r>
-            <a:r>
-              <a:rPr lang="en" sz="1100" dirty="0" smtClean="0">
-                <a:latin typeface="SF Display" panose="00000500000000000000" pitchFamily="50" charset="0"/>
-                <a:ea typeface="SF Display" panose="00000500000000000000" pitchFamily="50" charset="0"/>
-              </a:rPr>
-              <a:t>así </a:t>
-            </a:r>
-            <a:r>
-              <a:rPr lang="en" sz="1100" dirty="0" smtClean="0">
-                <a:latin typeface="SF Display" panose="00000500000000000000" pitchFamily="50" charset="0"/>
-                <a:ea typeface="SF Display" panose="00000500000000000000" pitchFamily="50" charset="0"/>
-              </a:rPr>
-              <a:t>como manejar el ciclo de vida de otros objetos.</a:t>
+              <a:t>Conduce los cambios en el modelo hacia la vista y viceversa. Pueden realizar  tareas de configuración y coordinación, así como manejar el ciclo de vida de otros objetos.</a:t>
             </a:r>
             <a:r>
               <a:rPr lang="es-ES" sz="900" dirty="0" smtClean="0">
@@ -30637,19 +30553,18 @@
                 <a:latin typeface="SF Display" panose="00000500000000000000" pitchFamily="50" charset="0"/>
                 <a:ea typeface="SF Display" panose="00000500000000000000" pitchFamily="50" charset="0"/>
               </a:rPr>
-              <a:t>Lista dinámica de elementos en forma de tabla. </a:t>
-            </a:r>
+              <a:t>Lista dinámica de elementos en forma de tabla. Utilizaremos métodos que necesitan la siguiente información:</a:t>
+            </a:r>
+          </a:p>
+          <a:p>
+            <a:pPr marL="171450" indent="-171450"/>
             <a:r>
               <a:rPr lang="en" sz="1100" dirty="0" smtClean="0">
                 <a:latin typeface="SF Display" panose="00000500000000000000" pitchFamily="50" charset="0"/>
                 <a:ea typeface="SF Display" panose="00000500000000000000" pitchFamily="50" charset="0"/>
               </a:rPr>
-              <a:t>Utilizaremos métodos que necesitan la siguiente información:</a:t>
-            </a:r>
-            <a:endParaRPr lang="en" sz="1100" dirty="0" smtClean="0">
-              <a:latin typeface="SF Display" panose="00000500000000000000" pitchFamily="50" charset="0"/>
-              <a:ea typeface="SF Display" panose="00000500000000000000" pitchFamily="50" charset="0"/>
-            </a:endParaRPr>
+              <a:t>Número de comidas por sección: en función de si estamos filtrando o no, este número variará.</a:t>
+            </a:r>
           </a:p>
           <a:p>
             <a:pPr marL="171450" indent="-171450"/>
@@ -30658,31 +30573,7 @@
                 <a:latin typeface="SF Display" panose="00000500000000000000" pitchFamily="50" charset="0"/>
                 <a:ea typeface="SF Display" panose="00000500000000000000" pitchFamily="50" charset="0"/>
               </a:rPr>
-              <a:t>Número de comidas por sección: en función de si estamos filtrando o no, este número variará.</a:t>
-            </a:r>
-          </a:p>
-          <a:p>
-            <a:pPr marL="171450" indent="-171450"/>
-            <a:r>
-              <a:rPr lang="en" sz="1100" dirty="0" smtClean="0">
-                <a:latin typeface="SF Display" panose="00000500000000000000" pitchFamily="50" charset="0"/>
-                <a:ea typeface="SF Display" panose="00000500000000000000" pitchFamily="50" charset="0"/>
-              </a:rPr>
-              <a:t>Celda en una fila concreta: en función también de si hay una búsqueda activa o no habrá que coger la comida de una fuente u otra. Hay que devolver una celda </a:t>
-            </a:r>
-            <a:r>
-              <a:rPr lang="en" sz="1100" dirty="0" smtClean="0">
-                <a:latin typeface="SF Display" panose="00000500000000000000" pitchFamily="50" charset="0"/>
-                <a:ea typeface="SF Display" panose="00000500000000000000" pitchFamily="50" charset="0"/>
-              </a:rPr>
-              <a:t>para </a:t>
-            </a:r>
-            <a:r>
-              <a:rPr lang="en" sz="1100" dirty="0" smtClean="0">
-                <a:latin typeface="SF Display" panose="00000500000000000000" pitchFamily="50" charset="0"/>
-                <a:ea typeface="SF Display" panose="00000500000000000000" pitchFamily="50" charset="0"/>
-              </a:rPr>
-              <a:t>poder ser visualizada en la tabla, con todos los atributos que creamos convenientes.</a:t>
+              <a:t>Celda en una fila concreta: en función también de si hay una búsqueda activa o no habrá que coger la comida de una fuente u otra. Hay que devolver una celda para poder ser visualizada en la tabla, con todos los atributos que creamos convenientes.</a:t>
             </a:r>
             <a:endParaRPr lang="es-ES" sz="1100" dirty="0">
               <a:solidFill>
@@ -30772,21 +30663,7 @@
                 <a:latin typeface="SF Display" panose="00000500000000000000" pitchFamily="50" charset="0"/>
                 <a:ea typeface="SF Display" panose="00000500000000000000" pitchFamily="50" charset="0"/>
               </a:rPr>
-              <a:t>En nuestro caso será necesario para añadir y actualizar comidas, de tal forma que la tabla recibirá una comida añadida o actualizada que se extraerá en el método </a:t>
-            </a:r>
-            <a:r>
-              <a:rPr lang="en" sz="1100" dirty="0" smtClean="0">
-                <a:latin typeface="SF Display" panose="00000500000000000000" pitchFamily="50" charset="0"/>
-                <a:ea typeface="SF Display" panose="00000500000000000000" pitchFamily="50" charset="0"/>
-              </a:rPr>
-              <a:t>unwindToMealList </a:t>
-            </a:r>
-            <a:r>
-              <a:rPr lang="en" sz="1100" dirty="0" smtClean="0">
-                <a:latin typeface="SF Display" panose="00000500000000000000" pitchFamily="50" charset="0"/>
-                <a:ea typeface="SF Display" panose="00000500000000000000" pitchFamily="50" charset="0"/>
-              </a:rPr>
-              <a:t>(es donde llama la vista de añadir y actualizar comidas para hacer efectivo el segue unwind).</a:t>
+              <a:t>En nuestro caso será necesario para añadir y actualizar comidas, de tal forma que la tabla recibirá una comida añadida o actualizada que se extraerá en el método unwindToMealList (es donde llama la vista de añadir y actualizar comidas para hacer efectivo el segue unwind).</a:t>
             </a:r>
             <a:r>
               <a:rPr lang="es-ES" sz="900" dirty="0" smtClean="0">

--- a/doc/Presentación.pptx
+++ b/doc/Presentación.pptx
@@ -36,26 +36,26 @@
   <p:notesSz cx="6858000" cy="9144000"/>
   <p:embeddedFontLst>
     <p:embeddedFont>
-      <p:font typeface="Montserrat" panose="00000500000000000000" pitchFamily="50" charset="0"/>
+      <p:font typeface="Source Sans Pro" panose="020B0503030403020204" pitchFamily="34" charset="0"/>
       <p:regular r:id="rId26"/>
       <p:bold r:id="rId27"/>
+      <p:italic r:id="rId28"/>
+      <p:boldItalic r:id="rId29"/>
+    </p:embeddedFont>
+    <p:embeddedFont>
+      <p:font typeface="Calibri" panose="020F0502020204030204" pitchFamily="34" charset="0"/>
+      <p:regular r:id="rId30"/>
+      <p:bold r:id="rId31"/>
+      <p:italic r:id="rId32"/>
+      <p:boldItalic r:id="rId33"/>
+    </p:embeddedFont>
+    <p:embeddedFont>
+      <p:font typeface="Montserrat" panose="00000500000000000000" pitchFamily="50" charset="0"/>
+      <p:regular r:id="rId34"/>
+      <p:bold r:id="rId35"/>
     </p:embeddedFont>
     <p:embeddedFont>
       <p:font typeface="Helvetica" panose="020B0604020202020204" pitchFamily="34" charset="0"/>
-      <p:regular r:id="rId28"/>
-      <p:bold r:id="rId29"/>
-      <p:italic r:id="rId30"/>
-      <p:boldItalic r:id="rId31"/>
-    </p:embeddedFont>
-    <p:embeddedFont>
-      <p:font typeface="Source Sans Pro" panose="020B0503030403020204" pitchFamily="34" charset="0"/>
-      <p:regular r:id="rId32"/>
-      <p:bold r:id="rId33"/>
-      <p:italic r:id="rId34"/>
-      <p:boldItalic r:id="rId35"/>
-    </p:embeddedFont>
-    <p:embeddedFont>
-      <p:font typeface="Calibri" panose="020F0502020204030204" pitchFamily="34" charset="0"/>
       <p:regular r:id="rId36"/>
       <p:bold r:id="rId37"/>
       <p:italic r:id="rId38"/>
@@ -15614,14 +15614,7 @@
                 <a:latin typeface="SF Display" panose="00000500000000000000" pitchFamily="50" charset="0"/>
                 <a:ea typeface="SF Display" panose="00000500000000000000" pitchFamily="50" charset="0"/>
               </a:rPr>
-              <a:t>ya </a:t>
-            </a:r>
-            <a:r>
-              <a:rPr lang="es-ES" b="1" smtClean="0">
-                <a:latin typeface="SF Display" panose="00000500000000000000" pitchFamily="50" charset="0"/>
-                <a:ea typeface="SF Display" panose="00000500000000000000" pitchFamily="50" charset="0"/>
-              </a:rPr>
-              <a:t>funciona</a:t>
+              <a:t>ya funciona</a:t>
             </a:r>
             <a:endParaRPr lang="es-ES" b="1" dirty="0">
               <a:latin typeface="SF Display" panose="00000500000000000000" pitchFamily="50" charset="0"/>
@@ -17718,7 +17711,7 @@
         </p:nvSpPr>
         <p:spPr>
           <a:xfrm>
-            <a:off x="437677" y="2003511"/>
+            <a:off x="437675" y="1947042"/>
             <a:ext cx="4759073" cy="2234275"/>
           </a:xfrm>
           <a:prstGeom prst="rect">
@@ -17758,7 +17751,7 @@
               <a:t>	</a:t>
             </a:r>
             <a:r>
-              <a:rPr lang="en-US" sz="700" b="1" dirty="0" smtClean="0">
+              <a:rPr lang="en-US" sz="700" b="1" smtClean="0">
                 <a:solidFill>
                   <a:srgbClr val="AA0D91"/>
                 </a:solidFill>
@@ -17766,10 +17759,10 @@
                 <a:ea typeface="SF Display" panose="00000500000000000000" pitchFamily="50" charset="0"/>
                 <a:cs typeface="Menlo-Regular"/>
               </a:rPr>
-              <a:t>                   </a:t>
-            </a:r>
-            <a:r>
-              <a:rPr lang="en-US" sz="700" b="1" dirty="0" err="1" smtClean="0">
+              <a:t>                </a:t>
+            </a:r>
+            <a:r>
+              <a:rPr lang="en-US" sz="600" b="1" smtClean="0">
                 <a:solidFill>
                   <a:srgbClr val="AA0D91"/>
                 </a:solidFill>
@@ -17780,7 +17773,7 @@
               <a:t>var</a:t>
             </a:r>
             <a:r>
-              <a:rPr lang="en-US" sz="700" b="1" dirty="0" smtClean="0">
+              <a:rPr lang="en-US" sz="600" b="1" smtClean="0">
                 <a:solidFill>
                   <a:srgbClr val="000000"/>
                 </a:solidFill>
@@ -17791,7 +17784,7 @@
               <a:t> </a:t>
             </a:r>
             <a:r>
-              <a:rPr lang="en-US" sz="700" b="1" dirty="0" err="1">
+              <a:rPr lang="en-US" sz="600" b="1" dirty="0" err="1">
                 <a:solidFill>
                   <a:srgbClr val="000000"/>
                 </a:solidFill>
@@ -17802,7 +17795,7 @@
               <a:t>removeRow</a:t>
             </a:r>
             <a:r>
-              <a:rPr lang="en-US" sz="700" b="1" dirty="0">
+              <a:rPr lang="en-US" sz="600" b="1" dirty="0">
                 <a:solidFill>
                   <a:srgbClr val="000000"/>
                 </a:solidFill>
@@ -17813,7 +17806,7 @@
               <a:t> = </a:t>
             </a:r>
             <a:r>
-              <a:rPr lang="en-US" sz="700" b="1" dirty="0" smtClean="0">
+              <a:rPr lang="en-US" sz="600" b="1" dirty="0" smtClean="0">
                 <a:solidFill>
                   <a:srgbClr val="AA0D91"/>
                 </a:solidFill>
@@ -17837,7 +17830,7 @@
                 <a:tab pos="344805" algn="l"/>
               </a:tabLst>
             </a:pPr>
-            <a:endParaRPr lang="es-ES" sz="700" dirty="0">
+            <a:endParaRPr lang="es-ES" sz="600" dirty="0">
               <a:latin typeface="SF Display" panose="00000500000000000000" pitchFamily="50" charset="0"/>
               <a:ea typeface="SF Display" panose="00000500000000000000" pitchFamily="50" charset="0"/>
               <a:cs typeface="Times New Roman" panose="02020603050405020304" pitchFamily="18" charset="0"/>
@@ -17857,7 +17850,7 @@
               </a:tabLst>
             </a:pPr>
             <a:r>
-              <a:rPr lang="en-US" sz="700" b="1" dirty="0" smtClean="0">
+              <a:rPr lang="en-US" sz="600" b="1" dirty="0" smtClean="0">
                 <a:solidFill>
                   <a:srgbClr val="AA0D91"/>
                 </a:solidFill>
@@ -17868,7 +17861,7 @@
               <a:t> 	                   if</a:t>
             </a:r>
             <a:r>
-              <a:rPr lang="en-US" sz="700" b="1" dirty="0" smtClean="0">
+              <a:rPr lang="en-US" sz="600" b="1" dirty="0" smtClean="0">
                 <a:solidFill>
                   <a:srgbClr val="000000"/>
                 </a:solidFill>
@@ -17879,7 +17872,7 @@
               <a:t> </a:t>
             </a:r>
             <a:r>
-              <a:rPr lang="en-US" sz="700" b="1" dirty="0" err="1">
+              <a:rPr lang="en-US" sz="600" b="1" dirty="0" err="1">
                 <a:solidFill>
                   <a:srgbClr val="26474B"/>
                 </a:solidFill>
@@ -17890,7 +17883,7 @@
               <a:t>isFiltering</a:t>
             </a:r>
             <a:r>
-              <a:rPr lang="en-US" sz="700" b="1" dirty="0">
+              <a:rPr lang="en-US" sz="600" b="1" dirty="0">
                 <a:solidFill>
                   <a:srgbClr val="000000"/>
                 </a:solidFill>
@@ -17900,7 +17893,7 @@
               </a:rPr>
               <a:t>() {</a:t>
             </a:r>
-            <a:endParaRPr lang="es-ES" sz="700" dirty="0">
+            <a:endParaRPr lang="es-ES" sz="600" dirty="0">
               <a:latin typeface="SF Display" panose="00000500000000000000" pitchFamily="50" charset="0"/>
               <a:ea typeface="SF Display" panose="00000500000000000000" pitchFamily="50" charset="0"/>
               <a:cs typeface="Times New Roman" panose="02020603050405020304" pitchFamily="18" charset="0"/>
@@ -17920,7 +17913,7 @@
               </a:tabLst>
             </a:pPr>
             <a:r>
-              <a:rPr lang="en-US" sz="700" b="1" dirty="0" smtClean="0">
+              <a:rPr lang="en-US" sz="600" b="1" dirty="0" smtClean="0">
                 <a:solidFill>
                   <a:srgbClr val="AA0D91"/>
                 </a:solidFill>
@@ -17931,7 +17924,7 @@
               <a:t>		if</a:t>
             </a:r>
             <a:r>
-              <a:rPr lang="en-US" sz="700" b="1" dirty="0" smtClean="0">
+              <a:rPr lang="en-US" sz="600" b="1" dirty="0" smtClean="0">
                 <a:solidFill>
                   <a:srgbClr val="000000"/>
                 </a:solidFill>
@@ -17942,7 +17935,7 @@
               <a:t> </a:t>
             </a:r>
             <a:r>
-              <a:rPr lang="en-US" sz="700" b="1" dirty="0">
+              <a:rPr lang="en-US" sz="600" b="1" dirty="0">
                 <a:solidFill>
                   <a:srgbClr val="AA0D91"/>
                 </a:solidFill>
@@ -17953,7 +17946,7 @@
               <a:t>let</a:t>
             </a:r>
             <a:r>
-              <a:rPr lang="en-US" sz="700" b="1" dirty="0">
+              <a:rPr lang="en-US" sz="600" b="1" dirty="0">
                 <a:solidFill>
                   <a:srgbClr val="000000"/>
                 </a:solidFill>
@@ -17964,7 +17957,7 @@
               <a:t> index = </a:t>
             </a:r>
             <a:r>
-              <a:rPr lang="en-US" sz="700" b="1" dirty="0" err="1">
+              <a:rPr lang="en-US" sz="600" b="1" dirty="0" err="1">
                 <a:solidFill>
                   <a:srgbClr val="3F6E74"/>
                 </a:solidFill>
@@ -17975,7 +17968,7 @@
               <a:t>meals</a:t>
             </a:r>
             <a:r>
-              <a:rPr lang="en-US" sz="700" b="1" dirty="0" err="1">
+              <a:rPr lang="en-US" sz="600" b="1" dirty="0" err="1">
                 <a:solidFill>
                   <a:srgbClr val="000000"/>
                 </a:solidFill>
@@ -17986,7 +17979,7 @@
               <a:t>.</a:t>
             </a:r>
             <a:r>
-              <a:rPr lang="en-US" sz="700" b="1" dirty="0" err="1">
+              <a:rPr lang="en-US" sz="600" b="1" dirty="0" err="1">
                 <a:solidFill>
                   <a:srgbClr val="2E0D6E"/>
                 </a:solidFill>
@@ -17997,7 +17990,7 @@
               <a:t>index</a:t>
             </a:r>
             <a:r>
-              <a:rPr lang="en-US" sz="700" b="1" dirty="0">
+              <a:rPr lang="en-US" sz="600" b="1" dirty="0">
                 <a:solidFill>
                   <a:srgbClr val="000000"/>
                 </a:solidFill>
@@ -18008,7 +18001,7 @@
               <a:t>(of: </a:t>
             </a:r>
             <a:r>
-              <a:rPr lang="en-US" sz="700" b="1" dirty="0" err="1">
+              <a:rPr lang="en-US" sz="600" b="1" dirty="0" err="1">
                 <a:solidFill>
                   <a:srgbClr val="3F6E74"/>
                 </a:solidFill>
@@ -18019,7 +18012,7 @@
               <a:t>filteredMeals</a:t>
             </a:r>
             <a:r>
-              <a:rPr lang="en-US" sz="700" b="1" dirty="0">
+              <a:rPr lang="en-US" sz="600" b="1" dirty="0">
                 <a:solidFill>
                   <a:srgbClr val="000000"/>
                 </a:solidFill>
@@ -18030,7 +18023,7 @@
               <a:t>[</a:t>
             </a:r>
             <a:r>
-              <a:rPr lang="en-US" sz="700" b="1" dirty="0" err="1">
+              <a:rPr lang="en-US" sz="600" b="1" dirty="0" err="1">
                 <a:solidFill>
                   <a:srgbClr val="000000"/>
                 </a:solidFill>
@@ -18041,7 +18034,7 @@
               <a:t>selectedIndexPath.</a:t>
             </a:r>
             <a:r>
-              <a:rPr lang="en-US" sz="700" b="1" dirty="0" err="1">
+              <a:rPr lang="en-US" sz="600" b="1" dirty="0" err="1">
                 <a:solidFill>
                   <a:srgbClr val="5C2699"/>
                 </a:solidFill>
@@ -18052,7 +18045,7 @@
               <a:t>row</a:t>
             </a:r>
             <a:r>
-              <a:rPr lang="en-US" sz="700" b="1" dirty="0">
+              <a:rPr lang="en-US" sz="600" b="1" dirty="0">
                 <a:solidFill>
                   <a:srgbClr val="000000"/>
                 </a:solidFill>
@@ -18062,7 +18055,7 @@
               </a:rPr>
               <a:t>]) {</a:t>
             </a:r>
-            <a:endParaRPr lang="es-ES" sz="700" dirty="0">
+            <a:endParaRPr lang="es-ES" sz="600" dirty="0">
               <a:latin typeface="SF Display" panose="00000500000000000000" pitchFamily="50" charset="0"/>
               <a:ea typeface="SF Display" panose="00000500000000000000" pitchFamily="50" charset="0"/>
               <a:cs typeface="Times New Roman" panose="02020603050405020304" pitchFamily="18" charset="0"/>
@@ -18082,7 +18075,7 @@
               </a:tabLst>
             </a:pPr>
             <a:r>
-              <a:rPr lang="en-US" sz="700" b="1" dirty="0" smtClean="0">
+              <a:rPr lang="en-US" sz="600" b="1" dirty="0" smtClean="0">
                 <a:solidFill>
                   <a:srgbClr val="3F6E74"/>
                 </a:solidFill>
@@ -18093,7 +18086,7 @@
               <a:t>		                 meals</a:t>
             </a:r>
             <a:r>
-              <a:rPr lang="en-US" sz="700" b="1" dirty="0" smtClean="0">
+              <a:rPr lang="en-US" sz="600" b="1" dirty="0" smtClean="0">
                 <a:solidFill>
                   <a:srgbClr val="000000"/>
                 </a:solidFill>
@@ -18104,7 +18097,7 @@
               <a:t>[index</a:t>
             </a:r>
             <a:r>
-              <a:rPr lang="en-US" sz="700" b="1" dirty="0">
+              <a:rPr lang="en-US" sz="600" b="1" dirty="0">
                 <a:solidFill>
                   <a:srgbClr val="000000"/>
                 </a:solidFill>
@@ -18115,7 +18108,7 @@
               <a:t>] = </a:t>
             </a:r>
             <a:r>
-              <a:rPr lang="en-US" sz="700" b="1" dirty="0" smtClean="0">
+              <a:rPr lang="en-US" sz="600" b="1" dirty="0" smtClean="0">
                 <a:solidFill>
                   <a:srgbClr val="000000"/>
                 </a:solidFill>
@@ -18139,7 +18132,7 @@
                 <a:tab pos="344805" algn="l"/>
               </a:tabLst>
             </a:pPr>
-            <a:endParaRPr lang="es-ES" sz="700" dirty="0">
+            <a:endParaRPr lang="es-ES" sz="600" dirty="0">
               <a:latin typeface="SF Display" panose="00000500000000000000" pitchFamily="50" charset="0"/>
               <a:ea typeface="SF Display" panose="00000500000000000000" pitchFamily="50" charset="0"/>
               <a:cs typeface="Times New Roman" panose="02020603050405020304" pitchFamily="18" charset="0"/>
@@ -18159,7 +18152,7 @@
               </a:tabLst>
             </a:pPr>
             <a:r>
-              <a:rPr lang="en-US" sz="700" b="1" dirty="0" smtClean="0">
+              <a:rPr lang="en-US" sz="600" b="1" dirty="0" smtClean="0">
                 <a:solidFill>
                   <a:srgbClr val="AA0D91"/>
                 </a:solidFill>
@@ -18170,7 +18163,7 @@
               <a:t>		                 if</a:t>
             </a:r>
             <a:r>
-              <a:rPr lang="en-US" sz="700" b="1" dirty="0" smtClean="0">
+              <a:rPr lang="en-US" sz="600" b="1" dirty="0" smtClean="0">
                 <a:solidFill>
                   <a:srgbClr val="000000"/>
                 </a:solidFill>
@@ -18181,7 +18174,7 @@
               <a:t> </a:t>
             </a:r>
             <a:r>
-              <a:rPr lang="en-US" sz="700" b="1" dirty="0">
+              <a:rPr lang="en-US" sz="600" b="1" dirty="0">
                 <a:solidFill>
                   <a:srgbClr val="000000"/>
                 </a:solidFill>
@@ -18192,7 +18185,7 @@
               <a:t>!</a:t>
             </a:r>
             <a:r>
-              <a:rPr lang="en-US" sz="700" b="1" dirty="0" err="1">
+              <a:rPr lang="en-US" sz="600" b="1" dirty="0" err="1">
                 <a:solidFill>
                   <a:srgbClr val="26474B"/>
                 </a:solidFill>
@@ -18203,7 +18196,7 @@
               <a:t>mealMatchesSearch</a:t>
             </a:r>
             <a:r>
-              <a:rPr lang="en-US" sz="700" b="1" dirty="0">
+              <a:rPr lang="en-US" sz="600" b="1" dirty="0">
                 <a:solidFill>
                   <a:srgbClr val="000000"/>
                 </a:solidFill>
@@ -18214,7 +18207,7 @@
               <a:t>(meal: meal, </a:t>
             </a:r>
             <a:r>
-              <a:rPr lang="en-US" sz="700" b="1" dirty="0" err="1">
+              <a:rPr lang="en-US" sz="600" b="1" dirty="0" err="1">
                 <a:solidFill>
                   <a:srgbClr val="000000"/>
                 </a:solidFill>
@@ -18225,7 +18218,7 @@
               <a:t>searchText</a:t>
             </a:r>
             <a:r>
-              <a:rPr lang="en-US" sz="700" b="1" dirty="0">
+              <a:rPr lang="en-US" sz="600" b="1" dirty="0">
                 <a:solidFill>
                   <a:srgbClr val="000000"/>
                 </a:solidFill>
@@ -18236,7 +18229,7 @@
               <a:t>: </a:t>
             </a:r>
             <a:r>
-              <a:rPr lang="en-US" sz="700" b="1" dirty="0" err="1">
+              <a:rPr lang="en-US" sz="600" b="1" dirty="0" err="1">
                 <a:solidFill>
                   <a:srgbClr val="3F6E74"/>
                 </a:solidFill>
@@ -18247,7 +18240,7 @@
               <a:t>searchController</a:t>
             </a:r>
             <a:r>
-              <a:rPr lang="en-US" sz="700" b="1" dirty="0" err="1">
+              <a:rPr lang="en-US" sz="600" b="1" dirty="0" err="1">
                 <a:solidFill>
                   <a:srgbClr val="000000"/>
                 </a:solidFill>
@@ -18258,7 +18251,7 @@
               <a:t>.</a:t>
             </a:r>
             <a:r>
-              <a:rPr lang="en-US" sz="700" b="1" dirty="0" err="1">
+              <a:rPr lang="en-US" sz="600" b="1" dirty="0" err="1">
                 <a:solidFill>
                   <a:srgbClr val="5C2699"/>
                 </a:solidFill>
@@ -18269,7 +18262,7 @@
               <a:t>searchBar</a:t>
             </a:r>
             <a:r>
-              <a:rPr lang="en-US" sz="700" b="1" dirty="0" err="1">
+              <a:rPr lang="en-US" sz="600" b="1" dirty="0" err="1">
                 <a:solidFill>
                   <a:srgbClr val="000000"/>
                 </a:solidFill>
@@ -18280,7 +18273,7 @@
               <a:t>.</a:t>
             </a:r>
             <a:r>
-              <a:rPr lang="en-US" sz="700" b="1" dirty="0" err="1">
+              <a:rPr lang="en-US" sz="600" b="1" dirty="0" err="1">
                 <a:solidFill>
                   <a:srgbClr val="5C2699"/>
                 </a:solidFill>
@@ -18291,7 +18284,7 @@
               <a:t>text</a:t>
             </a:r>
             <a:r>
-              <a:rPr lang="en-US" sz="700" b="1" dirty="0">
+              <a:rPr lang="en-US" sz="600" b="1" dirty="0">
                 <a:solidFill>
                   <a:srgbClr val="000000"/>
                 </a:solidFill>
@@ -18301,7 +18294,7 @@
               </a:rPr>
               <a:t>!) {</a:t>
             </a:r>
-            <a:endParaRPr lang="es-ES" sz="700" dirty="0">
+            <a:endParaRPr lang="es-ES" sz="600" dirty="0">
               <a:latin typeface="SF Display" panose="00000500000000000000" pitchFamily="50" charset="0"/>
               <a:ea typeface="SF Display" panose="00000500000000000000" pitchFamily="50" charset="0"/>
               <a:cs typeface="Times New Roman" panose="02020603050405020304" pitchFamily="18" charset="0"/>
@@ -18321,7 +18314,7 @@
               </a:tabLst>
             </a:pPr>
             <a:r>
-              <a:rPr lang="en-US" sz="700" b="1" dirty="0" smtClean="0">
+              <a:rPr lang="en-US" sz="600" b="1" dirty="0" smtClean="0">
                 <a:solidFill>
                   <a:srgbClr val="3F6E74"/>
                 </a:solidFill>
@@ -18332,7 +18325,7 @@
               <a:t>		                                  </a:t>
             </a:r>
             <a:r>
-              <a:rPr lang="en-US" sz="700" b="1" dirty="0" err="1" smtClean="0">
+              <a:rPr lang="en-US" sz="600" b="1" dirty="0" err="1" smtClean="0">
                 <a:solidFill>
                   <a:srgbClr val="3F6E74"/>
                 </a:solidFill>
@@ -18343,7 +18336,7 @@
               <a:t>filteredMeals</a:t>
             </a:r>
             <a:r>
-              <a:rPr lang="en-US" sz="700" b="1" dirty="0" err="1" smtClean="0">
+              <a:rPr lang="en-US" sz="600" b="1" dirty="0" err="1" smtClean="0">
                 <a:solidFill>
                   <a:srgbClr val="000000"/>
                 </a:solidFill>
@@ -18354,7 +18347,7 @@
               <a:t>.</a:t>
             </a:r>
             <a:r>
-              <a:rPr lang="en-US" sz="700" b="1" dirty="0" err="1" smtClean="0">
+              <a:rPr lang="en-US" sz="600" b="1" dirty="0" err="1" smtClean="0">
                 <a:solidFill>
                   <a:srgbClr val="2E0D6E"/>
                 </a:solidFill>
@@ -18365,7 +18358,7 @@
               <a:t>remove</a:t>
             </a:r>
             <a:r>
-              <a:rPr lang="en-US" sz="700" b="1" dirty="0" smtClean="0">
+              <a:rPr lang="en-US" sz="600" b="1" dirty="0" smtClean="0">
                 <a:solidFill>
                   <a:srgbClr val="000000"/>
                 </a:solidFill>
@@ -18376,7 +18369,7 @@
               <a:t>(at</a:t>
             </a:r>
             <a:r>
-              <a:rPr lang="en-US" sz="700" b="1" dirty="0">
+              <a:rPr lang="en-US" sz="600" b="1" dirty="0">
                 <a:solidFill>
                   <a:srgbClr val="000000"/>
                 </a:solidFill>
@@ -18387,7 +18380,7 @@
               <a:t>: </a:t>
             </a:r>
             <a:r>
-              <a:rPr lang="en-US" sz="700" b="1" dirty="0" err="1">
+              <a:rPr lang="en-US" sz="600" b="1" dirty="0" err="1">
                 <a:solidFill>
                   <a:srgbClr val="000000"/>
                 </a:solidFill>
@@ -18398,7 +18391,7 @@
               <a:t>selectedIndexPath.</a:t>
             </a:r>
             <a:r>
-              <a:rPr lang="en-US" sz="700" b="1" dirty="0" err="1">
+              <a:rPr lang="en-US" sz="600" b="1" dirty="0" err="1">
                 <a:solidFill>
                   <a:srgbClr val="5C2699"/>
                 </a:solidFill>
@@ -18409,7 +18402,7 @@
               <a:t>row</a:t>
             </a:r>
             <a:r>
-              <a:rPr lang="en-US" sz="700" b="1" dirty="0">
+              <a:rPr lang="en-US" sz="600" b="1" dirty="0">
                 <a:solidFill>
                   <a:srgbClr val="000000"/>
                 </a:solidFill>
@@ -18419,7 +18412,7 @@
               </a:rPr>
               <a:t>)</a:t>
             </a:r>
-            <a:endParaRPr lang="es-ES" sz="700" dirty="0">
+            <a:endParaRPr lang="es-ES" sz="600" dirty="0">
               <a:latin typeface="SF Display" panose="00000500000000000000" pitchFamily="50" charset="0"/>
               <a:ea typeface="SF Display" panose="00000500000000000000" pitchFamily="50" charset="0"/>
               <a:cs typeface="Times New Roman" panose="02020603050405020304" pitchFamily="18" charset="0"/>
@@ -18439,7 +18432,7 @@
               </a:tabLst>
             </a:pPr>
             <a:r>
-              <a:rPr lang="en-US" sz="700" b="1" dirty="0" smtClean="0">
+              <a:rPr lang="en-US" sz="600" b="1" dirty="0" smtClean="0">
                 <a:solidFill>
                   <a:srgbClr val="000000"/>
                 </a:solidFill>
@@ -18450,7 +18443,7 @@
               <a:t>		                                  </a:t>
             </a:r>
             <a:r>
-              <a:rPr lang="en-US" sz="700" b="1" dirty="0" err="1" smtClean="0">
+              <a:rPr lang="en-US" sz="600" b="1" dirty="0" err="1" smtClean="0">
                 <a:solidFill>
                   <a:srgbClr val="000000"/>
                 </a:solidFill>
@@ -18461,7 +18454,7 @@
               <a:t>removeRow</a:t>
             </a:r>
             <a:r>
-              <a:rPr lang="en-US" sz="700" b="1" dirty="0" smtClean="0">
+              <a:rPr lang="en-US" sz="600" b="1" dirty="0" smtClean="0">
                 <a:solidFill>
                   <a:srgbClr val="000000"/>
                 </a:solidFill>
@@ -18472,7 +18465,7 @@
               <a:t> </a:t>
             </a:r>
             <a:r>
-              <a:rPr lang="en-US" sz="700" b="1" dirty="0">
+              <a:rPr lang="en-US" sz="600" b="1" dirty="0">
                 <a:solidFill>
                   <a:srgbClr val="000000"/>
                 </a:solidFill>
@@ -18483,7 +18476,7 @@
               <a:t>= </a:t>
             </a:r>
             <a:r>
-              <a:rPr lang="en-US" sz="700" b="1" dirty="0">
+              <a:rPr lang="en-US" sz="600" b="1" dirty="0">
                 <a:solidFill>
                   <a:srgbClr val="AA0D91"/>
                 </a:solidFill>
@@ -18493,7 +18486,7 @@
               </a:rPr>
               <a:t>true</a:t>
             </a:r>
-            <a:endParaRPr lang="es-ES" sz="700" dirty="0">
+            <a:endParaRPr lang="es-ES" sz="600" dirty="0">
               <a:latin typeface="SF Display" panose="00000500000000000000" pitchFamily="50" charset="0"/>
               <a:ea typeface="SF Display" panose="00000500000000000000" pitchFamily="50" charset="0"/>
               <a:cs typeface="Times New Roman" panose="02020603050405020304" pitchFamily="18" charset="0"/>
@@ -18513,7 +18506,7 @@
               </a:tabLst>
             </a:pPr>
             <a:r>
-              <a:rPr lang="en-US" sz="700" b="1" dirty="0" smtClean="0">
+              <a:rPr lang="en-US" sz="600" b="1" dirty="0" smtClean="0">
                 <a:solidFill>
                   <a:srgbClr val="000000"/>
                 </a:solidFill>
@@ -18523,7 +18516,7 @@
               </a:rPr>
               <a:t> 		                 }</a:t>
             </a:r>
-            <a:endParaRPr lang="es-ES" sz="700" dirty="0">
+            <a:endParaRPr lang="es-ES" sz="600" dirty="0">
               <a:latin typeface="SF Display" panose="00000500000000000000" pitchFamily="50" charset="0"/>
               <a:ea typeface="SF Display" panose="00000500000000000000" pitchFamily="50" charset="0"/>
               <a:cs typeface="Times New Roman" panose="02020603050405020304" pitchFamily="18" charset="0"/>
@@ -18543,7 +18536,7 @@
               </a:tabLst>
             </a:pPr>
             <a:r>
-              <a:rPr lang="en-US" sz="700" b="1" dirty="0" smtClean="0">
+              <a:rPr lang="en-US" sz="600" b="1" dirty="0" smtClean="0">
                 <a:solidFill>
                   <a:srgbClr val="000000"/>
                 </a:solidFill>
@@ -18553,7 +18546,7 @@
               </a:rPr>
               <a:t>		}</a:t>
             </a:r>
-            <a:endParaRPr lang="es-ES" sz="700" dirty="0">
+            <a:endParaRPr lang="es-ES" sz="600" dirty="0">
               <a:latin typeface="SF Display" panose="00000500000000000000" pitchFamily="50" charset="0"/>
               <a:ea typeface="SF Display" panose="00000500000000000000" pitchFamily="50" charset="0"/>
               <a:cs typeface="Times New Roman" panose="02020603050405020304" pitchFamily="18" charset="0"/>
@@ -18573,7 +18566,7 @@
               </a:tabLst>
             </a:pPr>
             <a:r>
-              <a:rPr lang="en-US" sz="700" b="1" dirty="0" smtClean="0">
+              <a:rPr lang="en-US" sz="600" b="1" dirty="0" smtClean="0">
                 <a:solidFill>
                   <a:srgbClr val="000000"/>
                 </a:solidFill>
@@ -18584,7 +18577,7 @@
               <a:t>	                   } </a:t>
             </a:r>
             <a:r>
-              <a:rPr lang="en-US" sz="700" b="1" dirty="0">
+              <a:rPr lang="en-US" sz="600" b="1" dirty="0">
                 <a:solidFill>
                   <a:srgbClr val="AA0D91"/>
                 </a:solidFill>
@@ -18595,7 +18588,7 @@
               <a:t>else</a:t>
             </a:r>
             <a:r>
-              <a:rPr lang="en-US" sz="700" b="1" dirty="0">
+              <a:rPr lang="en-US" sz="600" b="1" dirty="0">
                 <a:solidFill>
                   <a:srgbClr val="000000"/>
                 </a:solidFill>
@@ -18605,7 +18598,7 @@
               </a:rPr>
               <a:t> {</a:t>
             </a:r>
-            <a:endParaRPr lang="es-ES" sz="700" dirty="0">
+            <a:endParaRPr lang="es-ES" sz="600" dirty="0">
               <a:latin typeface="SF Display" panose="00000500000000000000" pitchFamily="50" charset="0"/>
               <a:ea typeface="SF Display" panose="00000500000000000000" pitchFamily="50" charset="0"/>
               <a:cs typeface="Times New Roman" panose="02020603050405020304" pitchFamily="18" charset="0"/>
@@ -18625,7 +18618,7 @@
               </a:tabLst>
             </a:pPr>
             <a:r>
-              <a:rPr lang="en-US" sz="700" b="1" dirty="0" smtClean="0">
+              <a:rPr lang="en-US" sz="600" b="1" dirty="0" smtClean="0">
                 <a:solidFill>
                   <a:srgbClr val="3F6E74"/>
                 </a:solidFill>
@@ -18636,7 +18629,7 @@
               <a:t>	                 	meals</a:t>
             </a:r>
             <a:r>
-              <a:rPr lang="en-US" sz="700" b="1" dirty="0" smtClean="0">
+              <a:rPr lang="en-US" sz="600" b="1" dirty="0" smtClean="0">
                 <a:solidFill>
                   <a:srgbClr val="000000"/>
                 </a:solidFill>
@@ -18647,7 +18640,7 @@
               <a:t>[</a:t>
             </a:r>
             <a:r>
-              <a:rPr lang="en-US" sz="700" b="1" dirty="0" err="1" smtClean="0">
+              <a:rPr lang="en-US" sz="600" b="1" dirty="0" err="1" smtClean="0">
                 <a:solidFill>
                   <a:srgbClr val="000000"/>
                 </a:solidFill>
@@ -18658,7 +18651,7 @@
               <a:t>selectedIndexPath.</a:t>
             </a:r>
             <a:r>
-              <a:rPr lang="en-US" sz="700" b="1" dirty="0" err="1" smtClean="0">
+              <a:rPr lang="en-US" sz="600" b="1" dirty="0" err="1" smtClean="0">
                 <a:solidFill>
                   <a:srgbClr val="5C2699"/>
                 </a:solidFill>
@@ -18669,7 +18662,7 @@
               <a:t>row</a:t>
             </a:r>
             <a:r>
-              <a:rPr lang="en-US" sz="700" b="1" dirty="0">
+              <a:rPr lang="en-US" sz="600" b="1" dirty="0">
                 <a:solidFill>
                   <a:srgbClr val="000000"/>
                 </a:solidFill>
@@ -18679,7 +18672,7 @@
               </a:rPr>
               <a:t>] = meal</a:t>
             </a:r>
-            <a:endParaRPr lang="es-ES" sz="700" dirty="0">
+            <a:endParaRPr lang="es-ES" sz="600" dirty="0">
               <a:latin typeface="SF Display" panose="00000500000000000000" pitchFamily="50" charset="0"/>
               <a:ea typeface="SF Display" panose="00000500000000000000" pitchFamily="50" charset="0"/>
               <a:cs typeface="Times New Roman" panose="02020603050405020304" pitchFamily="18" charset="0"/>
@@ -18699,7 +18692,7 @@
               </a:tabLst>
             </a:pPr>
             <a:r>
-              <a:rPr lang="en-US" sz="700" b="1" dirty="0" smtClean="0">
+              <a:rPr lang="en-US" sz="600" b="1" dirty="0" smtClean="0">
                 <a:solidFill>
                   <a:srgbClr val="000000"/>
                 </a:solidFill>
@@ -18709,7 +18702,7 @@
               </a:rPr>
               <a:t>	                   }</a:t>
             </a:r>
-            <a:endParaRPr lang="es-ES" sz="700" dirty="0">
+            <a:endParaRPr lang="es-ES" sz="600" dirty="0">
               <a:latin typeface="SF Display" panose="00000500000000000000" pitchFamily="50" charset="0"/>
               <a:ea typeface="SF Display" panose="00000500000000000000" pitchFamily="50" charset="0"/>
               <a:cs typeface="Times New Roman" panose="02020603050405020304" pitchFamily="18" charset="0"/>
@@ -18729,7 +18722,7 @@
               </a:tabLst>
             </a:pPr>
             <a:r>
-              <a:rPr lang="en-US" sz="700" b="1" dirty="0" smtClean="0">
+              <a:rPr lang="en-US" sz="600" b="1" dirty="0" smtClean="0">
                 <a:solidFill>
                   <a:srgbClr val="AA0D91"/>
                 </a:solidFill>
@@ -18754,7 +18747,7 @@
               </a:tabLst>
             </a:pPr>
             <a:r>
-              <a:rPr lang="en-US" sz="700" b="1" dirty="0">
+              <a:rPr lang="en-US" sz="600" b="1" dirty="0">
                 <a:solidFill>
                   <a:srgbClr val="AA0D91"/>
                 </a:solidFill>
@@ -18765,7 +18758,7 @@
               <a:t>	</a:t>
             </a:r>
             <a:r>
-              <a:rPr lang="en-US" sz="700" b="1" dirty="0" smtClean="0">
+              <a:rPr lang="en-US" sz="600" b="1" dirty="0" smtClean="0">
                 <a:solidFill>
                   <a:srgbClr val="AA0D91"/>
                 </a:solidFill>
@@ -18776,7 +18769,7 @@
               <a:t>                   if</a:t>
             </a:r>
             <a:r>
-              <a:rPr lang="en-US" sz="700" b="1" dirty="0" smtClean="0">
+              <a:rPr lang="en-US" sz="600" b="1" dirty="0" smtClean="0">
                 <a:solidFill>
                   <a:srgbClr val="000000"/>
                 </a:solidFill>
@@ -18787,7 +18780,7 @@
               <a:t> </a:t>
             </a:r>
             <a:r>
-              <a:rPr lang="en-US" sz="700" b="1" dirty="0">
+              <a:rPr lang="en-US" sz="600" b="1" dirty="0">
                 <a:solidFill>
                   <a:srgbClr val="000000"/>
                 </a:solidFill>
@@ -18798,7 +18791,7 @@
               <a:t>!</a:t>
             </a:r>
             <a:r>
-              <a:rPr lang="en-US" sz="700" b="1" dirty="0" err="1">
+              <a:rPr lang="en-US" sz="600" b="1" dirty="0" err="1">
                 <a:solidFill>
                   <a:srgbClr val="000000"/>
                 </a:solidFill>
@@ -18809,7 +18802,7 @@
               <a:t>removeRow</a:t>
             </a:r>
             <a:r>
-              <a:rPr lang="en-US" sz="700" b="1" dirty="0">
+              <a:rPr lang="en-US" sz="600" b="1" dirty="0">
                 <a:solidFill>
                   <a:srgbClr val="000000"/>
                 </a:solidFill>
@@ -18819,7 +18812,7 @@
               </a:rPr>
               <a:t> {</a:t>
             </a:r>
-            <a:endParaRPr lang="es-ES" sz="700" dirty="0">
+            <a:endParaRPr lang="es-ES" sz="600" dirty="0">
               <a:latin typeface="SF Display" panose="00000500000000000000" pitchFamily="50" charset="0"/>
               <a:ea typeface="SF Display" panose="00000500000000000000" pitchFamily="50" charset="0"/>
               <a:cs typeface="Times New Roman" panose="02020603050405020304" pitchFamily="18" charset="0"/>
@@ -18839,7 +18832,7 @@
               </a:tabLst>
             </a:pPr>
             <a:r>
-              <a:rPr lang="en-US" sz="700" b="1" dirty="0" smtClean="0">
+              <a:rPr lang="en-US" sz="600" b="1" dirty="0" smtClean="0">
                 <a:solidFill>
                   <a:srgbClr val="5C2699"/>
                 </a:solidFill>
@@ -18850,7 +18843,7 @@
               <a:t>		</a:t>
             </a:r>
             <a:r>
-              <a:rPr lang="en-US" sz="700" b="1" dirty="0" err="1" smtClean="0">
+              <a:rPr lang="en-US" sz="600" b="1" dirty="0" err="1" smtClean="0">
                 <a:solidFill>
                   <a:srgbClr val="5C2699"/>
                 </a:solidFill>
@@ -18861,7 +18854,7 @@
               <a:t>tableView</a:t>
             </a:r>
             <a:r>
-              <a:rPr lang="en-US" sz="700" b="1" dirty="0" err="1" smtClean="0">
+              <a:rPr lang="en-US" sz="600" b="1" dirty="0" err="1" smtClean="0">
                 <a:solidFill>
                   <a:srgbClr val="000000"/>
                 </a:solidFill>
@@ -18872,7 +18865,7 @@
               <a:t>.</a:t>
             </a:r>
             <a:r>
-              <a:rPr lang="en-US" sz="700" b="1" dirty="0" err="1" smtClean="0">
+              <a:rPr lang="en-US" sz="600" b="1" dirty="0" err="1" smtClean="0">
                 <a:solidFill>
                   <a:srgbClr val="2E0D6E"/>
                 </a:solidFill>
@@ -18883,7 +18876,7 @@
               <a:t>reloadRows</a:t>
             </a:r>
             <a:r>
-              <a:rPr lang="en-US" sz="700" b="1" dirty="0" smtClean="0">
+              <a:rPr lang="en-US" sz="600" b="1" dirty="0" smtClean="0">
                 <a:solidFill>
                   <a:srgbClr val="000000"/>
                 </a:solidFill>
@@ -18894,7 +18887,7 @@
               <a:t>(at</a:t>
             </a:r>
             <a:r>
-              <a:rPr lang="en-US" sz="700" b="1" dirty="0">
+              <a:rPr lang="en-US" sz="600" b="1" dirty="0">
                 <a:solidFill>
                   <a:srgbClr val="000000"/>
                 </a:solidFill>
@@ -18905,7 +18898,7 @@
               <a:t>: [</a:t>
             </a:r>
             <a:r>
-              <a:rPr lang="en-US" sz="700" b="1" dirty="0" err="1">
+              <a:rPr lang="en-US" sz="600" b="1" dirty="0" err="1">
                 <a:solidFill>
                   <a:srgbClr val="000000"/>
                 </a:solidFill>
@@ -18916,7 +18909,7 @@
               <a:t>selectedIndexPath</a:t>
             </a:r>
             <a:r>
-              <a:rPr lang="en-US" sz="700" b="1" dirty="0">
+              <a:rPr lang="en-US" sz="600" b="1" dirty="0">
                 <a:solidFill>
                   <a:srgbClr val="000000"/>
                 </a:solidFill>
@@ -18927,7 +18920,7 @@
               <a:t>], with: .</a:t>
             </a:r>
             <a:r>
-              <a:rPr lang="en-US" sz="700" b="1" dirty="0">
+              <a:rPr lang="en-US" sz="600" b="1" dirty="0">
                 <a:solidFill>
                   <a:srgbClr val="2E0D6E"/>
                 </a:solidFill>
@@ -18938,7 +18931,7 @@
               <a:t>none</a:t>
             </a:r>
             <a:r>
-              <a:rPr lang="en-US" sz="700" b="1" dirty="0">
+              <a:rPr lang="en-US" sz="600" b="1" dirty="0">
                 <a:solidFill>
                   <a:srgbClr val="000000"/>
                 </a:solidFill>
@@ -18948,7 +18941,7 @@
               </a:rPr>
               <a:t>)</a:t>
             </a:r>
-            <a:endParaRPr lang="es-ES" sz="700" dirty="0">
+            <a:endParaRPr lang="es-ES" sz="600" dirty="0">
               <a:latin typeface="SF Display" panose="00000500000000000000" pitchFamily="50" charset="0"/>
               <a:ea typeface="SF Display" panose="00000500000000000000" pitchFamily="50" charset="0"/>
               <a:cs typeface="Times New Roman" panose="02020603050405020304" pitchFamily="18" charset="0"/>
@@ -18976,7 +18969,29 @@
                 <a:ea typeface="SF Display" panose="00000500000000000000" pitchFamily="50" charset="0"/>
                 <a:cs typeface="Menlo-Regular"/>
               </a:rPr>
-              <a:t>	                   }</a:t>
+              <a:t>	</a:t>
+            </a:r>
+            <a:r>
+              <a:rPr lang="en-US" sz="700" b="1" smtClean="0">
+                <a:solidFill>
+                  <a:srgbClr val="000000"/>
+                </a:solidFill>
+                <a:latin typeface="SF Display" panose="00000500000000000000" pitchFamily="50" charset="0"/>
+                <a:ea typeface="SF Display" panose="00000500000000000000" pitchFamily="50" charset="0"/>
+                <a:cs typeface="Menlo-Regular"/>
+              </a:rPr>
+              <a:t>                </a:t>
+            </a:r>
+            <a:r>
+              <a:rPr lang="en-US" sz="700" b="1" smtClean="0">
+                <a:solidFill>
+                  <a:srgbClr val="000000"/>
+                </a:solidFill>
+                <a:latin typeface="SF Display" panose="00000500000000000000" pitchFamily="50" charset="0"/>
+                <a:ea typeface="SF Display" panose="00000500000000000000" pitchFamily="50" charset="0"/>
+                <a:cs typeface="Menlo-Regular"/>
+              </a:rPr>
+              <a:t>}</a:t>
             </a:r>
             <a:endParaRPr lang="es-ES" sz="700" dirty="0" smtClean="0">
               <a:latin typeface="SF Display" panose="00000500000000000000" pitchFamily="50" charset="0"/>
@@ -26984,7 +26999,7 @@
               <a:rPr lang="es-ES" sz="1100" dirty="0" err="1" smtClean="0">
                 <a:latin typeface="SF Display" panose="00000500000000000000" pitchFamily="50" charset="0"/>
                 <a:ea typeface="SF Display" panose="00000500000000000000" pitchFamily="50" charset="0"/>
-                <a:hlinkClick r:id="rId3"/>
+                <a:hlinkClick r:id="rId4"/>
               </a:rPr>
               <a:t>AlfonsoLRz</a:t>
             </a:r>
@@ -27006,7 +27021,7 @@
           <p:nvPr/>
         </p:nvPicPr>
         <p:blipFill>
-          <a:blip r:embed="rId4">
+          <a:blip r:embed="rId5">
             <a:extLst>
               <a:ext uri="{28A0092B-C50C-407E-A947-70E740481C1C}">
                 <a14:useLocalDpi xmlns:a14="http://schemas.microsoft.com/office/drawing/2010/main" val="0"/>
